--- a/Samo razvijajoci se sistemi_v2.pptx
+++ b/Samo razvijajoci se sistemi_v2.pptx
@@ -4,13 +4,27 @@
   <p:sldMasterIdLst>
     <p:sldMasterId id="2147483648" r:id="rId1"/>
   </p:sldMasterIdLst>
+  <p:notesMasterIdLst>
+    <p:notesMasterId r:id="rId19"/>
+  </p:notesMasterIdLst>
   <p:sldIdLst>
     <p:sldId id="267" r:id="rId2"/>
     <p:sldId id="268" r:id="rId3"/>
     <p:sldId id="271" r:id="rId4"/>
     <p:sldId id="269" r:id="rId5"/>
-    <p:sldId id="270" r:id="rId6"/>
-    <p:sldId id="272" r:id="rId7"/>
+    <p:sldId id="272" r:id="rId6"/>
+    <p:sldId id="273" r:id="rId7"/>
+    <p:sldId id="276" r:id="rId8"/>
+    <p:sldId id="274" r:id="rId9"/>
+    <p:sldId id="275" r:id="rId10"/>
+    <p:sldId id="277" r:id="rId11"/>
+    <p:sldId id="279" r:id="rId12"/>
+    <p:sldId id="278" r:id="rId13"/>
+    <p:sldId id="280" r:id="rId14"/>
+    <p:sldId id="281" r:id="rId15"/>
+    <p:sldId id="282" r:id="rId16"/>
+    <p:sldId id="283" r:id="rId17"/>
+    <p:sldId id="284" r:id="rId18"/>
   </p:sldIdLst>
   <p:sldSz cx="12192000" cy="6858000"/>
   <p:notesSz cx="6858000" cy="9144000"/>
@@ -121,7 +135,7 @@
 <p1510:revInfo xmlns:a="http://schemas.openxmlformats.org/drawingml/2006/main" xmlns:r="http://schemas.openxmlformats.org/officeDocument/2006/relationships" xmlns:p1510="http://schemas.microsoft.com/office/powerpoint/2015/10/main">
   <p1510:revLst>
     <p1510:client id="{73297F8E-1693-473A-BAB3-926252088BC1}" v="30" dt="2022-04-11T19:16:14.096"/>
-    <p1510:client id="{AE99531F-D73C-4103-9623-9BB2A0EB9D18}" v="16" dt="2022-04-11T13:22:19.272"/>
+    <p1510:client id="{AE99531F-D73C-4103-9623-9BB2A0EB9D18}" v="113" dt="2022-04-12T14:37:20.435"/>
   </p1510:revLst>
 </p1510:revInfo>
 </file>
@@ -581,8 +595,8 @@
   </pc:docChgLst>
   <pc:docChgLst>
     <pc:chgData name="Ožbot, Miha" userId="5fdfeab2-e3ac-40dc-9f9d-ac602c9b72a8" providerId="ADAL" clId="{AE99531F-D73C-4103-9623-9BB2A0EB9D18}"/>
-    <pc:docChg chg="undo custSel addSld delSld modSld">
-      <pc:chgData name="Ožbot, Miha" userId="5fdfeab2-e3ac-40dc-9f9d-ac602c9b72a8" providerId="ADAL" clId="{AE99531F-D73C-4103-9623-9BB2A0EB9D18}" dt="2022-04-11T15:02:44.935" v="3739" actId="27636"/>
+    <pc:docChg chg="undo custSel addSld delSld modSld sldOrd">
+      <pc:chgData name="Ožbot, Miha" userId="5fdfeab2-e3ac-40dc-9f9d-ac602c9b72a8" providerId="ADAL" clId="{AE99531F-D73C-4103-9623-9BB2A0EB9D18}" dt="2022-04-12T14:38:17.330" v="15679" actId="478"/>
       <pc:docMkLst>
         <pc:docMk/>
       </pc:docMkLst>
@@ -790,8 +804,8 @@
           </ac:picMkLst>
         </pc:picChg>
       </pc:sldChg>
-      <pc:sldChg chg="addSp delSp modSp new mod">
-        <pc:chgData name="Ožbot, Miha" userId="5fdfeab2-e3ac-40dc-9f9d-ac602c9b72a8" providerId="ADAL" clId="{AE99531F-D73C-4103-9623-9BB2A0EB9D18}" dt="2022-04-11T13:25:35.999" v="3735" actId="20577"/>
+      <pc:sldChg chg="addSp delSp modSp new mod modNotesTx">
+        <pc:chgData name="Ožbot, Miha" userId="5fdfeab2-e3ac-40dc-9f9d-ac602c9b72a8" providerId="ADAL" clId="{AE99531F-D73C-4103-9623-9BB2A0EB9D18}" dt="2022-04-12T14:07:27.335" v="14003" actId="27636"/>
         <pc:sldMkLst>
           <pc:docMk/>
           <pc:sldMk cId="2374509314" sldId="269"/>
@@ -805,7 +819,7 @@
           </ac:spMkLst>
         </pc:spChg>
         <pc:spChg chg="add del mod">
-          <ac:chgData name="Ožbot, Miha" userId="5fdfeab2-e3ac-40dc-9f9d-ac602c9b72a8" providerId="ADAL" clId="{AE99531F-D73C-4103-9623-9BB2A0EB9D18}" dt="2022-04-11T13:25:35.999" v="3735" actId="20577"/>
+          <ac:chgData name="Ožbot, Miha" userId="5fdfeab2-e3ac-40dc-9f9d-ac602c9b72a8" providerId="ADAL" clId="{AE99531F-D73C-4103-9623-9BB2A0EB9D18}" dt="2022-04-12T14:07:27.335" v="14003" actId="27636"/>
           <ac:spMkLst>
             <pc:docMk/>
             <pc:sldMk cId="2374509314" sldId="269"/>
@@ -836,16 +850,2519 @@
           <pc:sldMk cId="4097501460" sldId="269"/>
         </pc:sldMkLst>
       </pc:sldChg>
-      <pc:sldChg chg="new">
-        <pc:chgData name="Ožbot, Miha" userId="5fdfeab2-e3ac-40dc-9f9d-ac602c9b72a8" providerId="ADAL" clId="{AE99531F-D73C-4103-9623-9BB2A0EB9D18}" dt="2022-04-11T12:38:28.944" v="1246" actId="680"/>
+      <pc:sldChg chg="addSp delSp modSp new del mod">
+        <pc:chgData name="Ožbot, Miha" userId="5fdfeab2-e3ac-40dc-9f9d-ac602c9b72a8" providerId="ADAL" clId="{AE99531F-D73C-4103-9623-9BB2A0EB9D18}" dt="2022-04-12T13:53:58.853" v="13817" actId="47"/>
         <pc:sldMkLst>
           <pc:docMk/>
           <pc:sldMk cId="386065714" sldId="270"/>
         </pc:sldMkLst>
+        <pc:spChg chg="mod">
+          <ac:chgData name="Ožbot, Miha" userId="5fdfeab2-e3ac-40dc-9f9d-ac602c9b72a8" providerId="ADAL" clId="{AE99531F-D73C-4103-9623-9BB2A0EB9D18}" dt="2022-04-12T13:53:11.562" v="13783" actId="21"/>
+          <ac:spMkLst>
+            <pc:docMk/>
+            <pc:sldMk cId="386065714" sldId="270"/>
+            <ac:spMk id="3" creationId="{7389EECA-5815-48D2-921D-56090B8A3BCC}"/>
+          </ac:spMkLst>
+        </pc:spChg>
+        <pc:spChg chg="add del">
+          <ac:chgData name="Ožbot, Miha" userId="5fdfeab2-e3ac-40dc-9f9d-ac602c9b72a8" providerId="ADAL" clId="{AE99531F-D73C-4103-9623-9BB2A0EB9D18}" dt="2022-04-12T06:30:28.666" v="4278" actId="478"/>
+          <ac:spMkLst>
+            <pc:docMk/>
+            <pc:sldMk cId="386065714" sldId="270"/>
+            <ac:spMk id="4" creationId="{D41D86BC-E8FE-452E-8F5E-BEB0F17BAB97}"/>
+          </ac:spMkLst>
+        </pc:spChg>
+        <pc:picChg chg="add mod">
+          <ac:chgData name="Ožbot, Miha" userId="5fdfeab2-e3ac-40dc-9f9d-ac602c9b72a8" providerId="ADAL" clId="{AE99531F-D73C-4103-9623-9BB2A0EB9D18}" dt="2022-04-12T08:23:29.794" v="4508"/>
+          <ac:picMkLst>
+            <pc:docMk/>
+            <pc:sldMk cId="386065714" sldId="270"/>
+            <ac:picMk id="5" creationId="{D42873DE-740E-4EC2-B105-303491C6DD7D}"/>
+          </ac:picMkLst>
+        </pc:picChg>
+      </pc:sldChg>
+      <pc:sldChg chg="addSp delSp modSp mod">
+        <pc:chgData name="Ožbot, Miha" userId="5fdfeab2-e3ac-40dc-9f9d-ac602c9b72a8" providerId="ADAL" clId="{AE99531F-D73C-4103-9623-9BB2A0EB9D18}" dt="2022-04-12T14:38:17.330" v="15679" actId="478"/>
+        <pc:sldMkLst>
+          <pc:docMk/>
+          <pc:sldMk cId="4184736895" sldId="271"/>
+        </pc:sldMkLst>
+        <pc:spChg chg="mod">
+          <ac:chgData name="Ožbot, Miha" userId="5fdfeab2-e3ac-40dc-9f9d-ac602c9b72a8" providerId="ADAL" clId="{AE99531F-D73C-4103-9623-9BB2A0EB9D18}" dt="2022-04-12T13:53:54.999" v="13816" actId="20577"/>
+          <ac:spMkLst>
+            <pc:docMk/>
+            <pc:sldMk cId="4184736895" sldId="271"/>
+            <ac:spMk id="3" creationId="{5C52BD9D-B5F3-48BF-8D2A-ED3911753E0F}"/>
+          </ac:spMkLst>
+        </pc:spChg>
+        <pc:spChg chg="add del">
+          <ac:chgData name="Ožbot, Miha" userId="5fdfeab2-e3ac-40dc-9f9d-ac602c9b72a8" providerId="ADAL" clId="{AE99531F-D73C-4103-9623-9BB2A0EB9D18}" dt="2022-04-12T09:55:57" v="5906" actId="478"/>
+          <ac:spMkLst>
+            <pc:docMk/>
+            <pc:sldMk cId="4184736895" sldId="271"/>
+            <ac:spMk id="4" creationId="{6D0A2A85-DDA9-4C70-AF8B-CEE69AA64A1D}"/>
+          </ac:spMkLst>
+        </pc:spChg>
+        <pc:picChg chg="add del">
+          <ac:chgData name="Ožbot, Miha" userId="5fdfeab2-e3ac-40dc-9f9d-ac602c9b72a8" providerId="ADAL" clId="{AE99531F-D73C-4103-9623-9BB2A0EB9D18}" dt="2022-04-12T14:38:17.330" v="15679" actId="478"/>
+          <ac:picMkLst>
+            <pc:docMk/>
+            <pc:sldMk cId="4184736895" sldId="271"/>
+            <ac:picMk id="6" creationId="{044E37DC-952F-47C6-9513-12B4C27CCDDE}"/>
+          </ac:picMkLst>
+        </pc:picChg>
+      </pc:sldChg>
+      <pc:sldChg chg="addSp delSp modSp mod">
+        <pc:chgData name="Ožbot, Miha" userId="5fdfeab2-e3ac-40dc-9f9d-ac602c9b72a8" providerId="ADAL" clId="{AE99531F-D73C-4103-9623-9BB2A0EB9D18}" dt="2022-04-12T10:58:35.672" v="8592"/>
+        <pc:sldMkLst>
+          <pc:docMk/>
+          <pc:sldMk cId="4208559629" sldId="272"/>
+        </pc:sldMkLst>
+        <pc:spChg chg="add del mod">
+          <ac:chgData name="Ožbot, Miha" userId="5fdfeab2-e3ac-40dc-9f9d-ac602c9b72a8" providerId="ADAL" clId="{AE99531F-D73C-4103-9623-9BB2A0EB9D18}" dt="2022-04-12T10:35:33.397" v="7077" actId="20577"/>
+          <ac:spMkLst>
+            <pc:docMk/>
+            <pc:sldMk cId="4208559629" sldId="272"/>
+            <ac:spMk id="3" creationId="{1531599C-9051-4E2D-A5D8-F217221C0753}"/>
+          </ac:spMkLst>
+        </pc:spChg>
+        <pc:spChg chg="add del mod">
+          <ac:chgData name="Ožbot, Miha" userId="5fdfeab2-e3ac-40dc-9f9d-ac602c9b72a8" providerId="ADAL" clId="{AE99531F-D73C-4103-9623-9BB2A0EB9D18}" dt="2022-04-12T10:27:41.640" v="6493" actId="478"/>
+          <ac:spMkLst>
+            <pc:docMk/>
+            <pc:sldMk cId="4208559629" sldId="272"/>
+            <ac:spMk id="5" creationId="{BC0CED76-0B3B-46F2-A279-A19CBC692497}"/>
+          </ac:spMkLst>
+        </pc:spChg>
+        <pc:picChg chg="add mod">
+          <ac:chgData name="Ožbot, Miha" userId="5fdfeab2-e3ac-40dc-9f9d-ac602c9b72a8" providerId="ADAL" clId="{AE99531F-D73C-4103-9623-9BB2A0EB9D18}" dt="2022-04-12T10:58:35.672" v="8592"/>
+          <ac:picMkLst>
+            <pc:docMk/>
+            <pc:sldMk cId="4208559629" sldId="272"/>
+            <ac:picMk id="6" creationId="{3DED62EC-E77A-468D-B37A-2F368BA5C786}"/>
+          </ac:picMkLst>
+        </pc:picChg>
+      </pc:sldChg>
+      <pc:sldChg chg="addSp modSp new mod modNotesTx">
+        <pc:chgData name="Ožbot, Miha" userId="5fdfeab2-e3ac-40dc-9f9d-ac602c9b72a8" providerId="ADAL" clId="{AE99531F-D73C-4103-9623-9BB2A0EB9D18}" dt="2022-04-12T13:52:54.968" v="13780" actId="20577"/>
+        <pc:sldMkLst>
+          <pc:docMk/>
+          <pc:sldMk cId="3240517478" sldId="273"/>
+        </pc:sldMkLst>
+        <pc:spChg chg="mod">
+          <ac:chgData name="Ožbot, Miha" userId="5fdfeab2-e3ac-40dc-9f9d-ac602c9b72a8" providerId="ADAL" clId="{AE99531F-D73C-4103-9623-9BB2A0EB9D18}" dt="2022-04-12T10:25:55.773" v="6471" actId="20577"/>
+          <ac:spMkLst>
+            <pc:docMk/>
+            <pc:sldMk cId="3240517478" sldId="273"/>
+            <ac:spMk id="2" creationId="{57EC456E-D405-4E59-BBB5-E6494BC69DF5}"/>
+          </ac:spMkLst>
+        </pc:spChg>
+        <pc:spChg chg="mod">
+          <ac:chgData name="Ožbot, Miha" userId="5fdfeab2-e3ac-40dc-9f9d-ac602c9b72a8" providerId="ADAL" clId="{AE99531F-D73C-4103-9623-9BB2A0EB9D18}" dt="2022-04-12T13:52:54.968" v="13780" actId="20577"/>
+          <ac:spMkLst>
+            <pc:docMk/>
+            <pc:sldMk cId="3240517478" sldId="273"/>
+            <ac:spMk id="3" creationId="{0C8395A6-C043-47BC-A1BA-EF142E98D3BB}"/>
+          </ac:spMkLst>
+        </pc:spChg>
+        <pc:picChg chg="add mod">
+          <ac:chgData name="Ožbot, Miha" userId="5fdfeab2-e3ac-40dc-9f9d-ac602c9b72a8" providerId="ADAL" clId="{AE99531F-D73C-4103-9623-9BB2A0EB9D18}" dt="2022-04-12T10:27:13.278" v="6486" actId="1076"/>
+          <ac:picMkLst>
+            <pc:docMk/>
+            <pc:sldMk cId="3240517478" sldId="273"/>
+            <ac:picMk id="4" creationId="{3F3AFED0-7D85-4DB1-B837-435F27380387}"/>
+          </ac:picMkLst>
+        </pc:picChg>
+        <pc:picChg chg="add mod">
+          <ac:chgData name="Ožbot, Miha" userId="5fdfeab2-e3ac-40dc-9f9d-ac602c9b72a8" providerId="ADAL" clId="{AE99531F-D73C-4103-9623-9BB2A0EB9D18}" dt="2022-04-12T10:36:12.357" v="7079" actId="1076"/>
+          <ac:picMkLst>
+            <pc:docMk/>
+            <pc:sldMk cId="3240517478" sldId="273"/>
+            <ac:picMk id="5" creationId="{1D4D3090-ED42-4EC5-AC6F-CCF606B54EEB}"/>
+          </ac:picMkLst>
+        </pc:picChg>
+        <pc:picChg chg="add mod">
+          <ac:chgData name="Ožbot, Miha" userId="5fdfeab2-e3ac-40dc-9f9d-ac602c9b72a8" providerId="ADAL" clId="{AE99531F-D73C-4103-9623-9BB2A0EB9D18}" dt="2022-04-12T10:36:09.597" v="7078" actId="1076"/>
+          <ac:picMkLst>
+            <pc:docMk/>
+            <pc:sldMk cId="3240517478" sldId="273"/>
+            <ac:picMk id="6" creationId="{4F997FC4-9C57-4852-A953-44E701F3313F}"/>
+          </ac:picMkLst>
+        </pc:picChg>
+        <pc:picChg chg="add mod">
+          <ac:chgData name="Ožbot, Miha" userId="5fdfeab2-e3ac-40dc-9f9d-ac602c9b72a8" providerId="ADAL" clId="{AE99531F-D73C-4103-9623-9BB2A0EB9D18}" dt="2022-04-12T10:58:37.767" v="8593"/>
+          <ac:picMkLst>
+            <pc:docMk/>
+            <pc:sldMk cId="3240517478" sldId="273"/>
+            <ac:picMk id="7" creationId="{49B23FB3-161C-4BD6-AD9B-09220DB3C249}"/>
+          </ac:picMkLst>
+        </pc:picChg>
+      </pc:sldChg>
+      <pc:sldChg chg="addSp delSp modSp new mod ord">
+        <pc:chgData name="Ožbot, Miha" userId="5fdfeab2-e3ac-40dc-9f9d-ac602c9b72a8" providerId="ADAL" clId="{AE99531F-D73C-4103-9623-9BB2A0EB9D18}" dt="2022-04-12T13:52:37.387" v="13776" actId="21"/>
+        <pc:sldMkLst>
+          <pc:docMk/>
+          <pc:sldMk cId="888014937" sldId="274"/>
+        </pc:sldMkLst>
+        <pc:spChg chg="mod">
+          <ac:chgData name="Ožbot, Miha" userId="5fdfeab2-e3ac-40dc-9f9d-ac602c9b72a8" providerId="ADAL" clId="{AE99531F-D73C-4103-9623-9BB2A0EB9D18}" dt="2022-04-12T10:36:25.749" v="7098" actId="20577"/>
+          <ac:spMkLst>
+            <pc:docMk/>
+            <pc:sldMk cId="888014937" sldId="274"/>
+            <ac:spMk id="2" creationId="{FB044FD0-1EE5-42EF-861C-E6A70CA8DEBE}"/>
+          </ac:spMkLst>
+        </pc:spChg>
+        <pc:spChg chg="mod">
+          <ac:chgData name="Ožbot, Miha" userId="5fdfeab2-e3ac-40dc-9f9d-ac602c9b72a8" providerId="ADAL" clId="{AE99531F-D73C-4103-9623-9BB2A0EB9D18}" dt="2022-04-12T13:52:37.387" v="13776" actId="21"/>
+          <ac:spMkLst>
+            <pc:docMk/>
+            <pc:sldMk cId="888014937" sldId="274"/>
+            <ac:spMk id="3" creationId="{FDC65FC8-07E2-4ADE-BD82-136E54F8BF01}"/>
+          </ac:spMkLst>
+        </pc:spChg>
+        <pc:spChg chg="add del">
+          <ac:chgData name="Ožbot, Miha" userId="5fdfeab2-e3ac-40dc-9f9d-ac602c9b72a8" providerId="ADAL" clId="{AE99531F-D73C-4103-9623-9BB2A0EB9D18}" dt="2022-04-12T10:46:18.232" v="7744"/>
+          <ac:spMkLst>
+            <pc:docMk/>
+            <pc:sldMk cId="888014937" sldId="274"/>
+            <ac:spMk id="4" creationId="{02AE4DCD-EA0F-4C13-AF1F-DB0B7FEF7F6C}"/>
+          </ac:spMkLst>
+        </pc:spChg>
+        <pc:picChg chg="add mod">
+          <ac:chgData name="Ožbot, Miha" userId="5fdfeab2-e3ac-40dc-9f9d-ac602c9b72a8" providerId="ADAL" clId="{AE99531F-D73C-4103-9623-9BB2A0EB9D18}" dt="2022-04-12T10:58:56.792" v="8595"/>
+          <ac:picMkLst>
+            <pc:docMk/>
+            <pc:sldMk cId="888014937" sldId="274"/>
+            <ac:picMk id="5" creationId="{065E7503-2AA0-4D7F-93AE-7C63C0457B05}"/>
+          </ac:picMkLst>
+        </pc:picChg>
+      </pc:sldChg>
+      <pc:sldChg chg="addSp modSp new mod modNotesTx">
+        <pc:chgData name="Ožbot, Miha" userId="5fdfeab2-e3ac-40dc-9f9d-ac602c9b72a8" providerId="ADAL" clId="{AE99531F-D73C-4103-9623-9BB2A0EB9D18}" dt="2022-04-12T13:52:42.939" v="13778"/>
+        <pc:sldMkLst>
+          <pc:docMk/>
+          <pc:sldMk cId="605482339" sldId="275"/>
+        </pc:sldMkLst>
+        <pc:spChg chg="mod">
+          <ac:chgData name="Ožbot, Miha" userId="5fdfeab2-e3ac-40dc-9f9d-ac602c9b72a8" providerId="ADAL" clId="{AE99531F-D73C-4103-9623-9BB2A0EB9D18}" dt="2022-04-12T12:55:19.035" v="11918" actId="20577"/>
+          <ac:spMkLst>
+            <pc:docMk/>
+            <pc:sldMk cId="605482339" sldId="275"/>
+            <ac:spMk id="2" creationId="{4CF62523-0C75-4FB1-8825-13E7EE36684A}"/>
+          </ac:spMkLst>
+        </pc:spChg>
+        <pc:spChg chg="mod">
+          <ac:chgData name="Ožbot, Miha" userId="5fdfeab2-e3ac-40dc-9f9d-ac602c9b72a8" providerId="ADAL" clId="{AE99531F-D73C-4103-9623-9BB2A0EB9D18}" dt="2022-04-12T13:52:42.939" v="13778"/>
+          <ac:spMkLst>
+            <pc:docMk/>
+            <pc:sldMk cId="605482339" sldId="275"/>
+            <ac:spMk id="3" creationId="{2EBF0C0C-9362-444A-A2F4-408EE67818B7}"/>
+          </ac:spMkLst>
+        </pc:spChg>
+        <pc:picChg chg="add mod">
+          <ac:chgData name="Ožbot, Miha" userId="5fdfeab2-e3ac-40dc-9f9d-ac602c9b72a8" providerId="ADAL" clId="{AE99531F-D73C-4103-9623-9BB2A0EB9D18}" dt="2022-04-12T10:58:59.065" v="8596"/>
+          <ac:picMkLst>
+            <pc:docMk/>
+            <pc:sldMk cId="605482339" sldId="275"/>
+            <ac:picMk id="4" creationId="{A036C96C-10F7-41BB-B7D6-F69A405F64CB}"/>
+          </ac:picMkLst>
+        </pc:picChg>
+      </pc:sldChg>
+      <pc:sldChg chg="addSp delSp modSp new mod modNotesTx">
+        <pc:chgData name="Ožbot, Miha" userId="5fdfeab2-e3ac-40dc-9f9d-ac602c9b72a8" providerId="ADAL" clId="{AE99531F-D73C-4103-9623-9BB2A0EB9D18}" dt="2022-04-12T14:04:01.734" v="13987" actId="20577"/>
+        <pc:sldMkLst>
+          <pc:docMk/>
+          <pc:sldMk cId="1974032223" sldId="276"/>
+        </pc:sldMkLst>
+        <pc:spChg chg="mod">
+          <ac:chgData name="Ožbot, Miha" userId="5fdfeab2-e3ac-40dc-9f9d-ac602c9b72a8" providerId="ADAL" clId="{AE99531F-D73C-4103-9623-9BB2A0EB9D18}" dt="2022-04-12T10:47:39.892" v="7905" actId="20577"/>
+          <ac:spMkLst>
+            <pc:docMk/>
+            <pc:sldMk cId="1974032223" sldId="276"/>
+            <ac:spMk id="2" creationId="{DDEFDC10-7C15-4C14-A50B-D3AC13E6CE14}"/>
+          </ac:spMkLst>
+        </pc:spChg>
+        <pc:spChg chg="add del mod">
+          <ac:chgData name="Ožbot, Miha" userId="5fdfeab2-e3ac-40dc-9f9d-ac602c9b72a8" providerId="ADAL" clId="{AE99531F-D73C-4103-9623-9BB2A0EB9D18}" dt="2022-04-12T14:04:01.734" v="13987" actId="20577"/>
+          <ac:spMkLst>
+            <pc:docMk/>
+            <pc:sldMk cId="1974032223" sldId="276"/>
+            <ac:spMk id="3" creationId="{03DBCEB0-1B80-4DF7-B8D5-E463545749EC}"/>
+          </ac:spMkLst>
+        </pc:spChg>
+        <pc:spChg chg="add del mod">
+          <ac:chgData name="Ožbot, Miha" userId="5fdfeab2-e3ac-40dc-9f9d-ac602c9b72a8" providerId="ADAL" clId="{AE99531F-D73C-4103-9623-9BB2A0EB9D18}" dt="2022-04-12T10:48:08.295" v="7909"/>
+          <ac:spMkLst>
+            <pc:docMk/>
+            <pc:sldMk cId="1974032223" sldId="276"/>
+            <ac:spMk id="4" creationId="{2EA42C01-9498-4104-9072-3BED6526C38A}"/>
+          </ac:spMkLst>
+        </pc:spChg>
+        <pc:spChg chg="add del mod">
+          <ac:chgData name="Ožbot, Miha" userId="5fdfeab2-e3ac-40dc-9f9d-ac602c9b72a8" providerId="ADAL" clId="{AE99531F-D73C-4103-9623-9BB2A0EB9D18}" dt="2022-04-12T10:48:13.671" v="7911"/>
+          <ac:spMkLst>
+            <pc:docMk/>
+            <pc:sldMk cId="1974032223" sldId="276"/>
+            <ac:spMk id="5" creationId="{C965F877-2311-430B-AD19-1AC22BB66F1C}"/>
+          </ac:spMkLst>
+        </pc:spChg>
+        <pc:spChg chg="add del">
+          <ac:chgData name="Ožbot, Miha" userId="5fdfeab2-e3ac-40dc-9f9d-ac602c9b72a8" providerId="ADAL" clId="{AE99531F-D73C-4103-9623-9BB2A0EB9D18}" dt="2022-04-12T10:52:38.052" v="8298" actId="478"/>
+          <ac:spMkLst>
+            <pc:docMk/>
+            <pc:sldMk cId="1974032223" sldId="276"/>
+            <ac:spMk id="6" creationId="{03B77AB1-8F5C-4139-AF82-DE5D5716FCFD}"/>
+          </ac:spMkLst>
+        </pc:spChg>
+        <pc:spChg chg="add del">
+          <ac:chgData name="Ožbot, Miha" userId="5fdfeab2-e3ac-40dc-9f9d-ac602c9b72a8" providerId="ADAL" clId="{AE99531F-D73C-4103-9623-9BB2A0EB9D18}" dt="2022-04-12T10:52:51.060" v="8303" actId="478"/>
+          <ac:spMkLst>
+            <pc:docMk/>
+            <pc:sldMk cId="1974032223" sldId="276"/>
+            <ac:spMk id="7" creationId="{E9FC9278-F880-4CF0-9291-D6E7C3A10313}"/>
+          </ac:spMkLst>
+        </pc:spChg>
+        <pc:picChg chg="add mod">
+          <ac:chgData name="Ožbot, Miha" userId="5fdfeab2-e3ac-40dc-9f9d-ac602c9b72a8" providerId="ADAL" clId="{AE99531F-D73C-4103-9623-9BB2A0EB9D18}" dt="2022-04-12T10:58:40.952" v="8594"/>
+          <ac:picMkLst>
+            <pc:docMk/>
+            <pc:sldMk cId="1974032223" sldId="276"/>
+            <ac:picMk id="8" creationId="{3087ADEC-0877-4E2C-892B-C7B672B98F29}"/>
+          </ac:picMkLst>
+        </pc:picChg>
+      </pc:sldChg>
+      <pc:sldChg chg="addSp delSp modSp new mod">
+        <pc:chgData name="Ožbot, Miha" userId="5fdfeab2-e3ac-40dc-9f9d-ac602c9b72a8" providerId="ADAL" clId="{AE99531F-D73C-4103-9623-9BB2A0EB9D18}" dt="2022-04-12T12:08:44.097" v="10186"/>
+        <pc:sldMkLst>
+          <pc:docMk/>
+          <pc:sldMk cId="1777168465" sldId="277"/>
+        </pc:sldMkLst>
+        <pc:spChg chg="mod">
+          <ac:chgData name="Ožbot, Miha" userId="5fdfeab2-e3ac-40dc-9f9d-ac602c9b72a8" providerId="ADAL" clId="{AE99531F-D73C-4103-9623-9BB2A0EB9D18}" dt="2022-04-12T11:10:08.899" v="9215" actId="20577"/>
+          <ac:spMkLst>
+            <pc:docMk/>
+            <pc:sldMk cId="1777168465" sldId="277"/>
+            <ac:spMk id="2" creationId="{29C4D673-7BFA-4229-B881-FE238058D6F7}"/>
+          </ac:spMkLst>
+        </pc:spChg>
+        <pc:spChg chg="add del mod">
+          <ac:chgData name="Ožbot, Miha" userId="5fdfeab2-e3ac-40dc-9f9d-ac602c9b72a8" providerId="ADAL" clId="{AE99531F-D73C-4103-9623-9BB2A0EB9D18}" dt="2022-04-12T12:08:16.222" v="10184" actId="20577"/>
+          <ac:spMkLst>
+            <pc:docMk/>
+            <pc:sldMk cId="1777168465" sldId="277"/>
+            <ac:spMk id="3" creationId="{354E9BDB-FFAF-4691-A07B-B175C22DE297}"/>
+          </ac:spMkLst>
+        </pc:spChg>
+        <pc:spChg chg="add del">
+          <ac:chgData name="Ožbot, Miha" userId="5fdfeab2-e3ac-40dc-9f9d-ac602c9b72a8" providerId="ADAL" clId="{AE99531F-D73C-4103-9623-9BB2A0EB9D18}" dt="2022-04-12T11:11:50.530" v="9267" actId="478"/>
+          <ac:spMkLst>
+            <pc:docMk/>
+            <pc:sldMk cId="1777168465" sldId="277"/>
+            <ac:spMk id="4" creationId="{21034DEB-C3FD-48AA-9496-5907DBEA53CB}"/>
+          </ac:spMkLst>
+        </pc:spChg>
+        <pc:spChg chg="add del mod">
+          <ac:chgData name="Ožbot, Miha" userId="5fdfeab2-e3ac-40dc-9f9d-ac602c9b72a8" providerId="ADAL" clId="{AE99531F-D73C-4103-9623-9BB2A0EB9D18}" dt="2022-04-12T11:11:48.533" v="9266" actId="478"/>
+          <ac:spMkLst>
+            <pc:docMk/>
+            <pc:sldMk cId="1777168465" sldId="277"/>
+            <ac:spMk id="5" creationId="{9BC61C9D-0844-4A6F-9C51-537727FC5667}"/>
+          </ac:spMkLst>
+        </pc:spChg>
+        <pc:picChg chg="add mod">
+          <ac:chgData name="Ožbot, Miha" userId="5fdfeab2-e3ac-40dc-9f9d-ac602c9b72a8" providerId="ADAL" clId="{AE99531F-D73C-4103-9623-9BB2A0EB9D18}" dt="2022-04-12T11:23:03.354" v="9591" actId="1076"/>
+          <ac:picMkLst>
+            <pc:docMk/>
+            <pc:sldMk cId="1777168465" sldId="277"/>
+            <ac:picMk id="6" creationId="{E9FA8733-898D-4316-BA85-8FDE057BA093}"/>
+          </ac:picMkLst>
+        </pc:picChg>
+        <pc:picChg chg="add del mod">
+          <ac:chgData name="Ožbot, Miha" userId="5fdfeab2-e3ac-40dc-9f9d-ac602c9b72a8" providerId="ADAL" clId="{AE99531F-D73C-4103-9623-9BB2A0EB9D18}" dt="2022-04-12T11:22:02.097" v="9585" actId="478"/>
+          <ac:picMkLst>
+            <pc:docMk/>
+            <pc:sldMk cId="1777168465" sldId="277"/>
+            <ac:picMk id="7" creationId="{3030CBE3-C0D0-4A02-9277-D11465858C7A}"/>
+          </ac:picMkLst>
+        </pc:picChg>
+        <pc:picChg chg="add mod">
+          <ac:chgData name="Ožbot, Miha" userId="5fdfeab2-e3ac-40dc-9f9d-ac602c9b72a8" providerId="ADAL" clId="{AE99531F-D73C-4103-9623-9BB2A0EB9D18}" dt="2022-04-12T11:15:24.401" v="9490" actId="1076"/>
+          <ac:picMkLst>
+            <pc:docMk/>
+            <pc:sldMk cId="1777168465" sldId="277"/>
+            <ac:picMk id="8" creationId="{A291E1AF-4115-4282-B2FE-8F606C019ADE}"/>
+          </ac:picMkLst>
+        </pc:picChg>
+        <pc:picChg chg="add mod">
+          <ac:chgData name="Ožbot, Miha" userId="5fdfeab2-e3ac-40dc-9f9d-ac602c9b72a8" providerId="ADAL" clId="{AE99531F-D73C-4103-9623-9BB2A0EB9D18}" dt="2022-04-12T11:20:55.738" v="9581" actId="1076"/>
+          <ac:picMkLst>
+            <pc:docMk/>
+            <pc:sldMk cId="1777168465" sldId="277"/>
+            <ac:picMk id="9" creationId="{08397847-3EC8-41A8-845B-2FBD81FACC24}"/>
+          </ac:picMkLst>
+        </pc:picChg>
+        <pc:picChg chg="add del mod">
+          <ac:chgData name="Ožbot, Miha" userId="5fdfeab2-e3ac-40dc-9f9d-ac602c9b72a8" providerId="ADAL" clId="{AE99531F-D73C-4103-9623-9BB2A0EB9D18}" dt="2022-04-12T11:15:33.106" v="9493" actId="478"/>
+          <ac:picMkLst>
+            <pc:docMk/>
+            <pc:sldMk cId="1777168465" sldId="277"/>
+            <ac:picMk id="10" creationId="{56421948-B7A2-4BB1-A930-13ADEEFE3E08}"/>
+          </ac:picMkLst>
+        </pc:picChg>
+        <pc:picChg chg="add mod">
+          <ac:chgData name="Ožbot, Miha" userId="5fdfeab2-e3ac-40dc-9f9d-ac602c9b72a8" providerId="ADAL" clId="{AE99531F-D73C-4103-9623-9BB2A0EB9D18}" dt="2022-04-12T11:20:56.866" v="9582" actId="1076"/>
+          <ac:picMkLst>
+            <pc:docMk/>
+            <pc:sldMk cId="1777168465" sldId="277"/>
+            <ac:picMk id="11" creationId="{034D35BE-C44A-447B-BBD7-5C6D40613EAE}"/>
+          </ac:picMkLst>
+        </pc:picChg>
+        <pc:picChg chg="add mod">
+          <ac:chgData name="Ožbot, Miha" userId="5fdfeab2-e3ac-40dc-9f9d-ac602c9b72a8" providerId="ADAL" clId="{AE99531F-D73C-4103-9623-9BB2A0EB9D18}" dt="2022-04-12T11:20:51.913" v="9579" actId="1076"/>
+          <ac:picMkLst>
+            <pc:docMk/>
+            <pc:sldMk cId="1777168465" sldId="277"/>
+            <ac:picMk id="12" creationId="{9E3844B7-9FB4-4EC3-B021-7666C8705B2C}"/>
+          </ac:picMkLst>
+        </pc:picChg>
+        <pc:picChg chg="add mod">
+          <ac:chgData name="Ožbot, Miha" userId="5fdfeab2-e3ac-40dc-9f9d-ac602c9b72a8" providerId="ADAL" clId="{AE99531F-D73C-4103-9623-9BB2A0EB9D18}" dt="2022-04-12T11:20:53.961" v="9580" actId="1076"/>
+          <ac:picMkLst>
+            <pc:docMk/>
+            <pc:sldMk cId="1777168465" sldId="277"/>
+            <ac:picMk id="13" creationId="{7E163A39-C47C-4ABB-8365-825A3596D2EF}"/>
+          </ac:picMkLst>
+        </pc:picChg>
+        <pc:picChg chg="add del mod">
+          <ac:chgData name="Ožbot, Miha" userId="5fdfeab2-e3ac-40dc-9f9d-ac602c9b72a8" providerId="ADAL" clId="{AE99531F-D73C-4103-9623-9BB2A0EB9D18}" dt="2022-04-12T11:22:44.129" v="9588" actId="478"/>
+          <ac:picMkLst>
+            <pc:docMk/>
+            <pc:sldMk cId="1777168465" sldId="277"/>
+            <ac:picMk id="14" creationId="{A6D3086A-9EAF-4DCE-AD62-A47A4077196E}"/>
+          </ac:picMkLst>
+        </pc:picChg>
+        <pc:picChg chg="add mod">
+          <ac:chgData name="Ožbot, Miha" userId="5fdfeab2-e3ac-40dc-9f9d-ac602c9b72a8" providerId="ADAL" clId="{AE99531F-D73C-4103-9623-9BB2A0EB9D18}" dt="2022-04-12T11:22:04.561" v="9587" actId="1076"/>
+          <ac:picMkLst>
+            <pc:docMk/>
+            <pc:sldMk cId="1777168465" sldId="277"/>
+            <ac:picMk id="16" creationId="{C0305A5C-8631-4428-868E-2FC70A2C8434}"/>
+          </ac:picMkLst>
+        </pc:picChg>
+        <pc:picChg chg="add mod">
+          <ac:chgData name="Ožbot, Miha" userId="5fdfeab2-e3ac-40dc-9f9d-ac602c9b72a8" providerId="ADAL" clId="{AE99531F-D73C-4103-9623-9BB2A0EB9D18}" dt="2022-04-12T11:22:59.369" v="9590" actId="1076"/>
+          <ac:picMkLst>
+            <pc:docMk/>
+            <pc:sldMk cId="1777168465" sldId="277"/>
+            <ac:picMk id="18" creationId="{9DFB01B6-DD71-4F77-AD95-DD3784B05FF2}"/>
+          </ac:picMkLst>
+        </pc:picChg>
+        <pc:picChg chg="add mod">
+          <ac:chgData name="Ožbot, Miha" userId="5fdfeab2-e3ac-40dc-9f9d-ac602c9b72a8" providerId="ADAL" clId="{AE99531F-D73C-4103-9623-9BB2A0EB9D18}" dt="2022-04-12T12:08:44.097" v="10186"/>
+          <ac:picMkLst>
+            <pc:docMk/>
+            <pc:sldMk cId="1777168465" sldId="277"/>
+            <ac:picMk id="19" creationId="{EF5E848B-295A-44F2-9B66-D5AFFC6585D7}"/>
+          </ac:picMkLst>
+        </pc:picChg>
+      </pc:sldChg>
+      <pc:sldChg chg="addSp modSp new mod">
+        <pc:chgData name="Ožbot, Miha" userId="5fdfeab2-e3ac-40dc-9f9d-ac602c9b72a8" providerId="ADAL" clId="{AE99531F-D73C-4103-9623-9BB2A0EB9D18}" dt="2022-04-12T13:55:19.319" v="13852" actId="20577"/>
+        <pc:sldMkLst>
+          <pc:docMk/>
+          <pc:sldMk cId="3461412227" sldId="278"/>
+        </pc:sldMkLst>
+        <pc:spChg chg="mod">
+          <ac:chgData name="Ožbot, Miha" userId="5fdfeab2-e3ac-40dc-9f9d-ac602c9b72a8" providerId="ADAL" clId="{AE99531F-D73C-4103-9623-9BB2A0EB9D18}" dt="2022-04-12T12:04:38.339" v="10110" actId="21"/>
+          <ac:spMkLst>
+            <pc:docMk/>
+            <pc:sldMk cId="3461412227" sldId="278"/>
+            <ac:spMk id="2" creationId="{40538893-6351-49B8-BAF9-656D373F7196}"/>
+          </ac:spMkLst>
+        </pc:spChg>
+        <pc:spChg chg="mod">
+          <ac:chgData name="Ožbot, Miha" userId="5fdfeab2-e3ac-40dc-9f9d-ac602c9b72a8" providerId="ADAL" clId="{AE99531F-D73C-4103-9623-9BB2A0EB9D18}" dt="2022-04-12T13:55:19.319" v="13852" actId="20577"/>
+          <ac:spMkLst>
+            <pc:docMk/>
+            <pc:sldMk cId="3461412227" sldId="278"/>
+            <ac:spMk id="3" creationId="{5F43D92A-C5DA-4436-A6F4-4FE1EACAF22B}"/>
+          </ac:spMkLst>
+        </pc:spChg>
+        <pc:picChg chg="add mod">
+          <ac:chgData name="Ožbot, Miha" userId="5fdfeab2-e3ac-40dc-9f9d-ac602c9b72a8" providerId="ADAL" clId="{AE99531F-D73C-4103-9623-9BB2A0EB9D18}" dt="2022-04-12T13:28:08.864" v="13151" actId="1076"/>
+          <ac:picMkLst>
+            <pc:docMk/>
+            <pc:sldMk cId="3461412227" sldId="278"/>
+            <ac:picMk id="4" creationId="{36793C1F-057D-4B6B-9D4A-9F59918B829B}"/>
+          </ac:picMkLst>
+        </pc:picChg>
+        <pc:picChg chg="add mod">
+          <ac:chgData name="Ožbot, Miha" userId="5fdfeab2-e3ac-40dc-9f9d-ac602c9b72a8" providerId="ADAL" clId="{AE99531F-D73C-4103-9623-9BB2A0EB9D18}" dt="2022-04-12T13:28:08.224" v="13150" actId="1076"/>
+          <ac:picMkLst>
+            <pc:docMk/>
+            <pc:sldMk cId="3461412227" sldId="278"/>
+            <ac:picMk id="5" creationId="{D2C874A5-9A3A-423F-80E9-B6066E1F20A5}"/>
+          </ac:picMkLst>
+        </pc:picChg>
+        <pc:picChg chg="add mod">
+          <ac:chgData name="Ožbot, Miha" userId="5fdfeab2-e3ac-40dc-9f9d-ac602c9b72a8" providerId="ADAL" clId="{AE99531F-D73C-4103-9623-9BB2A0EB9D18}" dt="2022-04-12T12:08:47.891" v="10188"/>
+          <ac:picMkLst>
+            <pc:docMk/>
+            <pc:sldMk cId="3461412227" sldId="278"/>
+            <ac:picMk id="6" creationId="{D55EECF9-C2AE-49D0-9E53-EC859609BA5F}"/>
+          </ac:picMkLst>
+        </pc:picChg>
+      </pc:sldChg>
+      <pc:sldChg chg="addSp delSp modSp new mod">
+        <pc:chgData name="Ožbot, Miha" userId="5fdfeab2-e3ac-40dc-9f9d-ac602c9b72a8" providerId="ADAL" clId="{AE99531F-D73C-4103-9623-9BB2A0EB9D18}" dt="2022-04-12T12:08:45.746" v="10187"/>
+        <pc:sldMkLst>
+          <pc:docMk/>
+          <pc:sldMk cId="2849575153" sldId="279"/>
+        </pc:sldMkLst>
+        <pc:spChg chg="mod">
+          <ac:chgData name="Ožbot, Miha" userId="5fdfeab2-e3ac-40dc-9f9d-ac602c9b72a8" providerId="ADAL" clId="{AE99531F-D73C-4103-9623-9BB2A0EB9D18}" dt="2022-04-12T11:24:14.625" v="9614" actId="20577"/>
+          <ac:spMkLst>
+            <pc:docMk/>
+            <pc:sldMk cId="2849575153" sldId="279"/>
+            <ac:spMk id="2" creationId="{5DD53BE2-3A1A-408D-AF5E-B16509C26E3D}"/>
+          </ac:spMkLst>
+        </pc:spChg>
+        <pc:spChg chg="mod">
+          <ac:chgData name="Ožbot, Miha" userId="5fdfeab2-e3ac-40dc-9f9d-ac602c9b72a8" providerId="ADAL" clId="{AE99531F-D73C-4103-9623-9BB2A0EB9D18}" dt="2022-04-12T11:39:47.249" v="9675" actId="20577"/>
+          <ac:spMkLst>
+            <pc:docMk/>
+            <pc:sldMk cId="2849575153" sldId="279"/>
+            <ac:spMk id="3" creationId="{9B7BDED3-60BE-4F4C-8872-B171FE820D8D}"/>
+          </ac:spMkLst>
+        </pc:spChg>
+        <pc:picChg chg="add mod">
+          <ac:chgData name="Ožbot, Miha" userId="5fdfeab2-e3ac-40dc-9f9d-ac602c9b72a8" providerId="ADAL" clId="{AE99531F-D73C-4103-9623-9BB2A0EB9D18}" dt="2022-04-12T12:08:22.950" v="10185" actId="1076"/>
+          <ac:picMkLst>
+            <pc:docMk/>
+            <pc:sldMk cId="2849575153" sldId="279"/>
+            <ac:picMk id="4" creationId="{05AE727E-5F2F-448B-B67B-8E426C9AD95E}"/>
+          </ac:picMkLst>
+        </pc:picChg>
+        <pc:picChg chg="add mod">
+          <ac:chgData name="Ožbot, Miha" userId="5fdfeab2-e3ac-40dc-9f9d-ac602c9b72a8" providerId="ADAL" clId="{AE99531F-D73C-4103-9623-9BB2A0EB9D18}" dt="2022-04-12T12:08:22.950" v="10185" actId="1076"/>
+          <ac:picMkLst>
+            <pc:docMk/>
+            <pc:sldMk cId="2849575153" sldId="279"/>
+            <ac:picMk id="5" creationId="{4C194844-4B49-488E-95FC-55F500B7250E}"/>
+          </ac:picMkLst>
+        </pc:picChg>
+        <pc:picChg chg="add mod">
+          <ac:chgData name="Ožbot, Miha" userId="5fdfeab2-e3ac-40dc-9f9d-ac602c9b72a8" providerId="ADAL" clId="{AE99531F-D73C-4103-9623-9BB2A0EB9D18}" dt="2022-04-12T12:08:22.950" v="10185" actId="1076"/>
+          <ac:picMkLst>
+            <pc:docMk/>
+            <pc:sldMk cId="2849575153" sldId="279"/>
+            <ac:picMk id="6" creationId="{D299FABD-8B15-4E2C-B0B2-06D58E33344B}"/>
+          </ac:picMkLst>
+        </pc:picChg>
+        <pc:picChg chg="add mod">
+          <ac:chgData name="Ožbot, Miha" userId="5fdfeab2-e3ac-40dc-9f9d-ac602c9b72a8" providerId="ADAL" clId="{AE99531F-D73C-4103-9623-9BB2A0EB9D18}" dt="2022-04-12T11:56:14.055" v="9692" actId="1076"/>
+          <ac:picMkLst>
+            <pc:docMk/>
+            <pc:sldMk cId="2849575153" sldId="279"/>
+            <ac:picMk id="7" creationId="{B8D96EC5-A7EA-4DD7-9156-AA907DF54DEE}"/>
+          </ac:picMkLst>
+        </pc:picChg>
+        <pc:picChg chg="add del mod">
+          <ac:chgData name="Ožbot, Miha" userId="5fdfeab2-e3ac-40dc-9f9d-ac602c9b72a8" providerId="ADAL" clId="{AE99531F-D73C-4103-9623-9BB2A0EB9D18}" dt="2022-04-12T11:55:06.479" v="9689" actId="478"/>
+          <ac:picMkLst>
+            <pc:docMk/>
+            <pc:sldMk cId="2849575153" sldId="279"/>
+            <ac:picMk id="8" creationId="{97FDED00-151B-402A-BD32-AF2152CF3820}"/>
+          </ac:picMkLst>
+        </pc:picChg>
+        <pc:picChg chg="add mod">
+          <ac:chgData name="Ožbot, Miha" userId="5fdfeab2-e3ac-40dc-9f9d-ac602c9b72a8" providerId="ADAL" clId="{AE99531F-D73C-4103-9623-9BB2A0EB9D18}" dt="2022-04-12T12:08:45.746" v="10187"/>
+          <ac:picMkLst>
+            <pc:docMk/>
+            <pc:sldMk cId="2849575153" sldId="279"/>
+            <ac:picMk id="9" creationId="{61AB9704-DDE9-431A-8EAA-398DAB228CCF}"/>
+          </ac:picMkLst>
+        </pc:picChg>
+      </pc:sldChg>
+      <pc:sldChg chg="addSp delSp modSp new mod modNotesTx">
+        <pc:chgData name="Ožbot, Miha" userId="5fdfeab2-e3ac-40dc-9f9d-ac602c9b72a8" providerId="ADAL" clId="{AE99531F-D73C-4103-9623-9BB2A0EB9D18}" dt="2022-04-12T13:27:55.803" v="13149" actId="404"/>
+        <pc:sldMkLst>
+          <pc:docMk/>
+          <pc:sldMk cId="2584916931" sldId="280"/>
+        </pc:sldMkLst>
+        <pc:spChg chg="mod">
+          <ac:chgData name="Ožbot, Miha" userId="5fdfeab2-e3ac-40dc-9f9d-ac602c9b72a8" providerId="ADAL" clId="{AE99531F-D73C-4103-9623-9BB2A0EB9D18}" dt="2022-04-12T12:04:44.863" v="10117" actId="20577"/>
+          <ac:spMkLst>
+            <pc:docMk/>
+            <pc:sldMk cId="2584916931" sldId="280"/>
+            <ac:spMk id="2" creationId="{1D5CB862-DD5F-49D0-8566-F38BA2AA6CE5}"/>
+          </ac:spMkLst>
+        </pc:spChg>
+        <pc:spChg chg="mod">
+          <ac:chgData name="Ožbot, Miha" userId="5fdfeab2-e3ac-40dc-9f9d-ac602c9b72a8" providerId="ADAL" clId="{AE99531F-D73C-4103-9623-9BB2A0EB9D18}" dt="2022-04-12T13:27:55.803" v="13149" actId="404"/>
+          <ac:spMkLst>
+            <pc:docMk/>
+            <pc:sldMk cId="2584916931" sldId="280"/>
+            <ac:spMk id="3" creationId="{12886D7A-D4E7-495E-908F-E15497B16D57}"/>
+          </ac:spMkLst>
+        </pc:spChg>
+        <pc:spChg chg="add del">
+          <ac:chgData name="Ožbot, Miha" userId="5fdfeab2-e3ac-40dc-9f9d-ac602c9b72a8" providerId="ADAL" clId="{AE99531F-D73C-4103-9623-9BB2A0EB9D18}" dt="2022-04-12T12:19:06.830" v="11081" actId="478"/>
+          <ac:spMkLst>
+            <pc:docMk/>
+            <pc:sldMk cId="2584916931" sldId="280"/>
+            <ac:spMk id="5" creationId="{025E45C4-5116-49DB-AFD5-EC8D98ADFF65}"/>
+          </ac:spMkLst>
+        </pc:spChg>
+        <pc:spChg chg="add del">
+          <ac:chgData name="Ožbot, Miha" userId="5fdfeab2-e3ac-40dc-9f9d-ac602c9b72a8" providerId="ADAL" clId="{AE99531F-D73C-4103-9623-9BB2A0EB9D18}" dt="2022-04-12T12:20:05.964" v="11228" actId="478"/>
+          <ac:spMkLst>
+            <pc:docMk/>
+            <pc:sldMk cId="2584916931" sldId="280"/>
+            <ac:spMk id="6" creationId="{F762F0AE-73F1-416A-94BF-20FF8C77B321}"/>
+          </ac:spMkLst>
+        </pc:spChg>
+        <pc:picChg chg="add mod">
+          <ac:chgData name="Ožbot, Miha" userId="5fdfeab2-e3ac-40dc-9f9d-ac602c9b72a8" providerId="ADAL" clId="{AE99531F-D73C-4103-9623-9BB2A0EB9D18}" dt="2022-04-12T12:08:49.393" v="10189"/>
+          <ac:picMkLst>
+            <pc:docMk/>
+            <pc:sldMk cId="2584916931" sldId="280"/>
+            <ac:picMk id="4" creationId="{6372B4F0-06F5-438E-A44C-05CBF48F2354}"/>
+          </ac:picMkLst>
+        </pc:picChg>
+        <pc:picChg chg="add mod">
+          <ac:chgData name="Ožbot, Miha" userId="5fdfeab2-e3ac-40dc-9f9d-ac602c9b72a8" providerId="ADAL" clId="{AE99531F-D73C-4103-9623-9BB2A0EB9D18}" dt="2022-04-12T12:21:49.212" v="11350" actId="1076"/>
+          <ac:picMkLst>
+            <pc:docMk/>
+            <pc:sldMk cId="2584916931" sldId="280"/>
+            <ac:picMk id="7" creationId="{3EFBE3DE-D154-408C-90ED-EB5CCA9656FB}"/>
+          </ac:picMkLst>
+        </pc:picChg>
+        <pc:picChg chg="add mod">
+          <ac:chgData name="Ožbot, Miha" userId="5fdfeab2-e3ac-40dc-9f9d-ac602c9b72a8" providerId="ADAL" clId="{AE99531F-D73C-4103-9623-9BB2A0EB9D18}" dt="2022-04-12T12:21:54.285" v="11352" actId="1076"/>
+          <ac:picMkLst>
+            <pc:docMk/>
+            <pc:sldMk cId="2584916931" sldId="280"/>
+            <ac:picMk id="8" creationId="{7DA9D3D4-84B5-4902-B19B-1A093CCC949F}"/>
+          </ac:picMkLst>
+        </pc:picChg>
+      </pc:sldChg>
+      <pc:sldChg chg="addSp delSp modSp new mod modNotesTx">
+        <pc:chgData name="Ožbot, Miha" userId="5fdfeab2-e3ac-40dc-9f9d-ac602c9b72a8" providerId="ADAL" clId="{AE99531F-D73C-4103-9623-9BB2A0EB9D18}" dt="2022-04-12T14:34:13.747" v="15665" actId="20577"/>
+        <pc:sldMkLst>
+          <pc:docMk/>
+          <pc:sldMk cId="3904152926" sldId="281"/>
+        </pc:sldMkLst>
+        <pc:spChg chg="mod">
+          <ac:chgData name="Ožbot, Miha" userId="5fdfeab2-e3ac-40dc-9f9d-ac602c9b72a8" providerId="ADAL" clId="{AE99531F-D73C-4103-9623-9BB2A0EB9D18}" dt="2022-04-12T12:22:38.189" v="11397" actId="20577"/>
+          <ac:spMkLst>
+            <pc:docMk/>
+            <pc:sldMk cId="3904152926" sldId="281"/>
+            <ac:spMk id="2" creationId="{EBCEABC0-1914-41D7-80CD-2099FA5A140A}"/>
+          </ac:spMkLst>
+        </pc:spChg>
+        <pc:spChg chg="add del mod">
+          <ac:chgData name="Ožbot, Miha" userId="5fdfeab2-e3ac-40dc-9f9d-ac602c9b72a8" providerId="ADAL" clId="{AE99531F-D73C-4103-9623-9BB2A0EB9D18}" dt="2022-04-12T14:34:13.747" v="15665" actId="20577"/>
+          <ac:spMkLst>
+            <pc:docMk/>
+            <pc:sldMk cId="3904152926" sldId="281"/>
+            <ac:spMk id="3" creationId="{FF9CEB20-11ED-49A7-A1FC-827249F25E3F}"/>
+          </ac:spMkLst>
+        </pc:spChg>
+        <pc:spChg chg="add del">
+          <ac:chgData name="Ožbot, Miha" userId="5fdfeab2-e3ac-40dc-9f9d-ac602c9b72a8" providerId="ADAL" clId="{AE99531F-D73C-4103-9623-9BB2A0EB9D18}" dt="2022-04-12T12:25:19.372" v="11695" actId="478"/>
+          <ac:spMkLst>
+            <pc:docMk/>
+            <pc:sldMk cId="3904152926" sldId="281"/>
+            <ac:spMk id="4" creationId="{4F2A0CB8-07DB-4867-AD3C-7A83E213974B}"/>
+          </ac:spMkLst>
+        </pc:spChg>
+        <pc:spChg chg="add del">
+          <ac:chgData name="Ožbot, Miha" userId="5fdfeab2-e3ac-40dc-9f9d-ac602c9b72a8" providerId="ADAL" clId="{AE99531F-D73C-4103-9623-9BB2A0EB9D18}" dt="2022-04-12T13:08:19.322" v="12301" actId="478"/>
+          <ac:spMkLst>
+            <pc:docMk/>
+            <pc:sldMk cId="3904152926" sldId="281"/>
+            <ac:spMk id="6" creationId="{367E6364-44EB-4AD6-B05B-36DD1A0EBF6C}"/>
+          </ac:spMkLst>
+        </pc:spChg>
+        <pc:spChg chg="add del mod">
+          <ac:chgData name="Ožbot, Miha" userId="5fdfeab2-e3ac-40dc-9f9d-ac602c9b72a8" providerId="ADAL" clId="{AE99531F-D73C-4103-9623-9BB2A0EB9D18}" dt="2022-04-12T13:08:18.553" v="12300" actId="478"/>
+          <ac:spMkLst>
+            <pc:docMk/>
+            <pc:sldMk cId="3904152926" sldId="281"/>
+            <ac:spMk id="7" creationId="{AC1D56FC-F508-4178-A044-A4140ADCD738}"/>
+          </ac:spMkLst>
+        </pc:spChg>
+        <pc:spChg chg="add del mod">
+          <ac:chgData name="Ožbot, Miha" userId="5fdfeab2-e3ac-40dc-9f9d-ac602c9b72a8" providerId="ADAL" clId="{AE99531F-D73C-4103-9623-9BB2A0EB9D18}" dt="2022-04-12T13:08:11.277" v="12296" actId="478"/>
+          <ac:spMkLst>
+            <pc:docMk/>
+            <pc:sldMk cId="3904152926" sldId="281"/>
+            <ac:spMk id="8" creationId="{B5157D7F-0F0D-42D9-A7AF-5FE61A06B514}"/>
+          </ac:spMkLst>
+        </pc:spChg>
+        <pc:spChg chg="add del mod">
+          <ac:chgData name="Ožbot, Miha" userId="5fdfeab2-e3ac-40dc-9f9d-ac602c9b72a8" providerId="ADAL" clId="{AE99531F-D73C-4103-9623-9BB2A0EB9D18}" dt="2022-04-12T13:08:23.929" v="12304" actId="478"/>
+          <ac:spMkLst>
+            <pc:docMk/>
+            <pc:sldMk cId="3904152926" sldId="281"/>
+            <ac:spMk id="9" creationId="{650619ED-05E8-43F8-92D9-44B9B7EA31B7}"/>
+          </ac:spMkLst>
+        </pc:spChg>
+        <pc:picChg chg="add mod">
+          <ac:chgData name="Ožbot, Miha" userId="5fdfeab2-e3ac-40dc-9f9d-ac602c9b72a8" providerId="ADAL" clId="{AE99531F-D73C-4103-9623-9BB2A0EB9D18}" dt="2022-04-12T14:33:38.866" v="15655" actId="1076"/>
+          <ac:picMkLst>
+            <pc:docMk/>
+            <pc:sldMk cId="3904152926" sldId="281"/>
+            <ac:picMk id="5" creationId="{85FA5BB3-5F27-498A-A5B1-638AB5C57B3F}"/>
+          </ac:picMkLst>
+        </pc:picChg>
+        <pc:picChg chg="add mod">
+          <ac:chgData name="Ožbot, Miha" userId="5fdfeab2-e3ac-40dc-9f9d-ac602c9b72a8" providerId="ADAL" clId="{AE99531F-D73C-4103-9623-9BB2A0EB9D18}" dt="2022-04-12T13:11:09.647" v="12338"/>
+          <ac:picMkLst>
+            <pc:docMk/>
+            <pc:sldMk cId="3904152926" sldId="281"/>
+            <ac:picMk id="10" creationId="{0B61EA95-4EAE-46A4-BC11-7E20A4889CD2}"/>
+          </ac:picMkLst>
+        </pc:picChg>
+      </pc:sldChg>
+      <pc:sldChg chg="addSp delSp modSp new mod">
+        <pc:chgData name="Ožbot, Miha" userId="5fdfeab2-e3ac-40dc-9f9d-ac602c9b72a8" providerId="ADAL" clId="{AE99531F-D73C-4103-9623-9BB2A0EB9D18}" dt="2022-04-12T14:18:25.060" v="14991" actId="1076"/>
+        <pc:sldMkLst>
+          <pc:docMk/>
+          <pc:sldMk cId="877783051" sldId="282"/>
+        </pc:sldMkLst>
+        <pc:spChg chg="mod">
+          <ac:chgData name="Ožbot, Miha" userId="5fdfeab2-e3ac-40dc-9f9d-ac602c9b72a8" providerId="ADAL" clId="{AE99531F-D73C-4103-9623-9BB2A0EB9D18}" dt="2022-04-12T13:19:20.873" v="12538" actId="20577"/>
+          <ac:spMkLst>
+            <pc:docMk/>
+            <pc:sldMk cId="877783051" sldId="282"/>
+            <ac:spMk id="2" creationId="{08293A48-0358-45D5-99AB-1890A56BBB06}"/>
+          </ac:spMkLst>
+        </pc:spChg>
+        <pc:spChg chg="add del mod">
+          <ac:chgData name="Ožbot, Miha" userId="5fdfeab2-e3ac-40dc-9f9d-ac602c9b72a8" providerId="ADAL" clId="{AE99531F-D73C-4103-9623-9BB2A0EB9D18}" dt="2022-04-12T14:18:22.965" v="14990" actId="5793"/>
+          <ac:spMkLst>
+            <pc:docMk/>
+            <pc:sldMk cId="877783051" sldId="282"/>
+            <ac:spMk id="3" creationId="{09770A0F-0E9E-4F08-871D-40BE89BE243D}"/>
+          </ac:spMkLst>
+        </pc:spChg>
+        <pc:picChg chg="add del mod">
+          <ac:chgData name="Ožbot, Miha" userId="5fdfeab2-e3ac-40dc-9f9d-ac602c9b72a8" providerId="ADAL" clId="{AE99531F-D73C-4103-9623-9BB2A0EB9D18}" dt="2022-04-12T13:11:12.541" v="12340"/>
+          <ac:picMkLst>
+            <pc:docMk/>
+            <pc:sldMk cId="877783051" sldId="282"/>
+            <ac:picMk id="4" creationId="{46876A8D-6827-43C1-BB80-E8BDBCDCBC0C}"/>
+          </ac:picMkLst>
+        </pc:picChg>
+        <pc:picChg chg="add mod">
+          <ac:chgData name="Ožbot, Miha" userId="5fdfeab2-e3ac-40dc-9f9d-ac602c9b72a8" providerId="ADAL" clId="{AE99531F-D73C-4103-9623-9BB2A0EB9D18}" dt="2022-04-12T13:11:13.388" v="12341"/>
+          <ac:picMkLst>
+            <pc:docMk/>
+            <pc:sldMk cId="877783051" sldId="282"/>
+            <ac:picMk id="5" creationId="{F6BFB80F-971E-4EED-AC4F-C5779921748D}"/>
+          </ac:picMkLst>
+        </pc:picChg>
+        <pc:picChg chg="add mod">
+          <ac:chgData name="Ožbot, Miha" userId="5fdfeab2-e3ac-40dc-9f9d-ac602c9b72a8" providerId="ADAL" clId="{AE99531F-D73C-4103-9623-9BB2A0EB9D18}" dt="2022-04-12T14:18:25.060" v="14991" actId="1076"/>
+          <ac:picMkLst>
+            <pc:docMk/>
+            <pc:sldMk cId="877783051" sldId="282"/>
+            <ac:picMk id="6" creationId="{22993324-5225-4517-8700-DCDAE7E8F727}"/>
+          </ac:picMkLst>
+        </pc:picChg>
+      </pc:sldChg>
+      <pc:sldChg chg="addSp delSp modSp new mod">
+        <pc:chgData name="Ožbot, Miha" userId="5fdfeab2-e3ac-40dc-9f9d-ac602c9b72a8" providerId="ADAL" clId="{AE99531F-D73C-4103-9623-9BB2A0EB9D18}" dt="2022-04-12T14:33:24.692" v="15654" actId="20577"/>
+        <pc:sldMkLst>
+          <pc:docMk/>
+          <pc:sldMk cId="996068835" sldId="283"/>
+        </pc:sldMkLst>
+        <pc:spChg chg="mod">
+          <ac:chgData name="Ožbot, Miha" userId="5fdfeab2-e3ac-40dc-9f9d-ac602c9b72a8" providerId="ADAL" clId="{AE99531F-D73C-4103-9623-9BB2A0EB9D18}" dt="2022-04-12T13:57:08.599" v="13983" actId="20577"/>
+          <ac:spMkLst>
+            <pc:docMk/>
+            <pc:sldMk cId="996068835" sldId="283"/>
+            <ac:spMk id="2" creationId="{48A86C58-8A74-461B-B93C-6CB631DC2D59}"/>
+          </ac:spMkLst>
+        </pc:spChg>
+        <pc:spChg chg="add del mod">
+          <ac:chgData name="Ožbot, Miha" userId="5fdfeab2-e3ac-40dc-9f9d-ac602c9b72a8" providerId="ADAL" clId="{AE99531F-D73C-4103-9623-9BB2A0EB9D18}" dt="2022-04-12T14:33:24.692" v="15654" actId="20577"/>
+          <ac:spMkLst>
+            <pc:docMk/>
+            <pc:sldMk cId="996068835" sldId="283"/>
+            <ac:spMk id="3" creationId="{937870A5-48CA-42D8-91E1-59D70059D2FD}"/>
+          </ac:spMkLst>
+        </pc:spChg>
+        <pc:spChg chg="add del mod">
+          <ac:chgData name="Ožbot, Miha" userId="5fdfeab2-e3ac-40dc-9f9d-ac602c9b72a8" providerId="ADAL" clId="{AE99531F-D73C-4103-9623-9BB2A0EB9D18}" dt="2022-04-12T14:20:45.204" v="15143" actId="478"/>
+          <ac:spMkLst>
+            <pc:docMk/>
+            <pc:sldMk cId="996068835" sldId="283"/>
+            <ac:spMk id="4" creationId="{68F47EE7-2478-4717-842A-E149A8C59B2A}"/>
+          </ac:spMkLst>
+        </pc:spChg>
+        <pc:spChg chg="add del mod">
+          <ac:chgData name="Ožbot, Miha" userId="5fdfeab2-e3ac-40dc-9f9d-ac602c9b72a8" providerId="ADAL" clId="{AE99531F-D73C-4103-9623-9BB2A0EB9D18}" dt="2022-04-12T14:20:41.334" v="15141" actId="478"/>
+          <ac:spMkLst>
+            <pc:docMk/>
+            <pc:sldMk cId="996068835" sldId="283"/>
+            <ac:spMk id="5" creationId="{F7847674-97D1-47C5-BE22-0C01F1851DCC}"/>
+          </ac:spMkLst>
+        </pc:spChg>
+        <pc:spChg chg="add del">
+          <ac:chgData name="Ožbot, Miha" userId="5fdfeab2-e3ac-40dc-9f9d-ac602c9b72a8" providerId="ADAL" clId="{AE99531F-D73C-4103-9623-9BB2A0EB9D18}" dt="2022-04-12T14:23:39.284" v="15274" actId="478"/>
+          <ac:spMkLst>
+            <pc:docMk/>
+            <pc:sldMk cId="996068835" sldId="283"/>
+            <ac:spMk id="6" creationId="{39CFD043-B3D5-4B3C-87E7-1C4CA40CC0A1}"/>
+          </ac:spMkLst>
+        </pc:spChg>
+      </pc:sldChg>
+      <pc:sldChg chg="addSp delSp modSp new mod">
+        <pc:chgData name="Ožbot, Miha" userId="5fdfeab2-e3ac-40dc-9f9d-ac602c9b72a8" providerId="ADAL" clId="{AE99531F-D73C-4103-9623-9BB2A0EB9D18}" dt="2022-04-12T14:37:22.131" v="15677" actId="1076"/>
+        <pc:sldMkLst>
+          <pc:docMk/>
+          <pc:sldMk cId="862989043" sldId="284"/>
+        </pc:sldMkLst>
+        <pc:graphicFrameChg chg="add mod">
+          <ac:chgData name="Ožbot, Miha" userId="5fdfeab2-e3ac-40dc-9f9d-ac602c9b72a8" providerId="ADAL" clId="{AE99531F-D73C-4103-9623-9BB2A0EB9D18}" dt="2022-04-12T14:37:22.131" v="15677" actId="1076"/>
+          <ac:graphicFrameMkLst>
+            <pc:docMk/>
+            <pc:sldMk cId="862989043" sldId="284"/>
+            <ac:graphicFrameMk id="7" creationId="{C90C24EF-A9AF-4456-89A1-749796B2A5DF}"/>
+          </ac:graphicFrameMkLst>
+        </pc:graphicFrameChg>
+        <pc:picChg chg="add mod">
+          <ac:chgData name="Ožbot, Miha" userId="5fdfeab2-e3ac-40dc-9f9d-ac602c9b72a8" providerId="ADAL" clId="{AE99531F-D73C-4103-9623-9BB2A0EB9D18}" dt="2022-04-12T14:36:02.555" v="15668" actId="1076"/>
+          <ac:picMkLst>
+            <pc:docMk/>
+            <pc:sldMk cId="862989043" sldId="284"/>
+            <ac:picMk id="4" creationId="{C088F720-0C4B-497B-AD63-5833701D8B02}"/>
+          </ac:picMkLst>
+        </pc:picChg>
+        <pc:picChg chg="add del mod">
+          <ac:chgData name="Ožbot, Miha" userId="5fdfeab2-e3ac-40dc-9f9d-ac602c9b72a8" providerId="ADAL" clId="{AE99531F-D73C-4103-9623-9BB2A0EB9D18}" dt="2022-04-12T14:36:11.075" v="15672" actId="478"/>
+          <ac:picMkLst>
+            <pc:docMk/>
+            <pc:sldMk cId="862989043" sldId="284"/>
+            <ac:picMk id="5" creationId="{7733F6F5-200F-4AA8-A2B6-03AA5E788B14}"/>
+          </ac:picMkLst>
+        </pc:picChg>
+        <pc:picChg chg="add del mod">
+          <ac:chgData name="Ožbot, Miha" userId="5fdfeab2-e3ac-40dc-9f9d-ac602c9b72a8" providerId="ADAL" clId="{AE99531F-D73C-4103-9623-9BB2A0EB9D18}" dt="2022-04-12T14:36:51.506" v="15675" actId="478"/>
+          <ac:picMkLst>
+            <pc:docMk/>
+            <pc:sldMk cId="862989043" sldId="284"/>
+            <ac:picMk id="6" creationId="{D65F68C2-13EB-4709-BBE5-335D7C438BA3}"/>
+          </ac:picMkLst>
+        </pc:picChg>
       </pc:sldChg>
     </pc:docChg>
   </pc:docChgLst>
 </pc:chgInfo>
+</file>
+
+<file path=ppt/notesMasters/notesMaster1.xml><?xml version="1.0" encoding="utf-8"?>
+<p:notesMaster xmlns:a="http://schemas.openxmlformats.org/drawingml/2006/main" xmlns:r="http://schemas.openxmlformats.org/officeDocument/2006/relationships" xmlns:p="http://schemas.openxmlformats.org/presentationml/2006/main">
+  <p:cSld>
+    <p:bg>
+      <p:bgRef idx="1001">
+        <a:schemeClr val="bg1"/>
+      </p:bgRef>
+    </p:bg>
+    <p:spTree>
+      <p:nvGrpSpPr>
+        <p:cNvPr id="1" name=""/>
+        <p:cNvGrpSpPr/>
+        <p:nvPr/>
+      </p:nvGrpSpPr>
+      <p:grpSpPr>
+        <a:xfrm>
+          <a:off x="0" y="0"/>
+          <a:ext cx="0" cy="0"/>
+          <a:chOff x="0" y="0"/>
+          <a:chExt cx="0" cy="0"/>
+        </a:xfrm>
+      </p:grpSpPr>
+      <p:sp>
+        <p:nvSpPr>
+          <p:cNvPr id="2" name="Označba mesta glave 1"/>
+          <p:cNvSpPr>
+            <a:spLocks noGrp="1"/>
+          </p:cNvSpPr>
+          <p:nvPr>
+            <p:ph type="hdr" sz="quarter"/>
+          </p:nvPr>
+        </p:nvSpPr>
+        <p:spPr>
+          <a:xfrm>
+            <a:off x="0" y="0"/>
+            <a:ext cx="2971800" cy="458788"/>
+          </a:xfrm>
+          <a:prstGeom prst="rect">
+            <a:avLst/>
+          </a:prstGeom>
+        </p:spPr>
+        <p:txBody>
+          <a:bodyPr vert="horz" lIns="91440" tIns="45720" rIns="91440" bIns="45720" rtlCol="0"/>
+          <a:lstStyle>
+            <a:lvl1pPr algn="l">
+              <a:defRPr sz="1200"/>
+            </a:lvl1pPr>
+          </a:lstStyle>
+          <a:p>
+            <a:endParaRPr lang="sl-SI"/>
+          </a:p>
+        </p:txBody>
+      </p:sp>
+      <p:sp>
+        <p:nvSpPr>
+          <p:cNvPr id="3" name="Označba mesta datuma 2"/>
+          <p:cNvSpPr>
+            <a:spLocks noGrp="1"/>
+          </p:cNvSpPr>
+          <p:nvPr>
+            <p:ph type="dt" idx="1"/>
+          </p:nvPr>
+        </p:nvSpPr>
+        <p:spPr>
+          <a:xfrm>
+            <a:off x="3884613" y="0"/>
+            <a:ext cx="2971800" cy="458788"/>
+          </a:xfrm>
+          <a:prstGeom prst="rect">
+            <a:avLst/>
+          </a:prstGeom>
+        </p:spPr>
+        <p:txBody>
+          <a:bodyPr vert="horz" lIns="91440" tIns="45720" rIns="91440" bIns="45720" rtlCol="0"/>
+          <a:lstStyle>
+            <a:lvl1pPr algn="r">
+              <a:defRPr sz="1200"/>
+            </a:lvl1pPr>
+          </a:lstStyle>
+          <a:p>
+            <a:fld id="{DF7146C8-862D-42FE-A0BD-CFE330564DFF}" type="datetimeFigureOut">
+              <a:rPr lang="sl-SI" smtClean="0"/>
+              <a:t>12. 04. 2022</a:t>
+            </a:fld>
+            <a:endParaRPr lang="sl-SI"/>
+          </a:p>
+        </p:txBody>
+      </p:sp>
+      <p:sp>
+        <p:nvSpPr>
+          <p:cNvPr id="4" name="Označba mesta stranske slike 3"/>
+          <p:cNvSpPr>
+            <a:spLocks noGrp="1" noRot="1" noChangeAspect="1"/>
+          </p:cNvSpPr>
+          <p:nvPr>
+            <p:ph type="sldImg" idx="2"/>
+          </p:nvPr>
+        </p:nvSpPr>
+        <p:spPr>
+          <a:xfrm>
+            <a:off x="685800" y="1143000"/>
+            <a:ext cx="5486400" cy="3086100"/>
+          </a:xfrm>
+          <a:prstGeom prst="rect">
+            <a:avLst/>
+          </a:prstGeom>
+          <a:noFill/>
+          <a:ln w="12700">
+            <a:solidFill>
+              <a:prstClr val="black"/>
+            </a:solidFill>
+          </a:ln>
+        </p:spPr>
+        <p:txBody>
+          <a:bodyPr vert="horz" lIns="91440" tIns="45720" rIns="91440" bIns="45720" rtlCol="0" anchor="ctr"/>
+          <a:lstStyle/>
+          <a:p>
+            <a:endParaRPr lang="sl-SI"/>
+          </a:p>
+        </p:txBody>
+      </p:sp>
+      <p:sp>
+        <p:nvSpPr>
+          <p:cNvPr id="5" name="Označba mesta opomb 4"/>
+          <p:cNvSpPr>
+            <a:spLocks noGrp="1"/>
+          </p:cNvSpPr>
+          <p:nvPr>
+            <p:ph type="body" sz="quarter" idx="3"/>
+          </p:nvPr>
+        </p:nvSpPr>
+        <p:spPr>
+          <a:xfrm>
+            <a:off x="685800" y="4400550"/>
+            <a:ext cx="5486400" cy="3600450"/>
+          </a:xfrm>
+          <a:prstGeom prst="rect">
+            <a:avLst/>
+          </a:prstGeom>
+        </p:spPr>
+        <p:txBody>
+          <a:bodyPr vert="horz" lIns="91440" tIns="45720" rIns="91440" bIns="45720" rtlCol="0"/>
+          <a:lstStyle/>
+          <a:p>
+            <a:pPr lvl="0"/>
+            <a:r>
+              <a:rPr lang="sl-SI"/>
+              <a:t>Kliknite za urejanje slogov besedila matrice</a:t>
+            </a:r>
+          </a:p>
+          <a:p>
+            <a:pPr lvl="1"/>
+            <a:r>
+              <a:rPr lang="sl-SI"/>
+              <a:t>Druga raven</a:t>
+            </a:r>
+          </a:p>
+          <a:p>
+            <a:pPr lvl="2"/>
+            <a:r>
+              <a:rPr lang="sl-SI"/>
+              <a:t>Tretja raven</a:t>
+            </a:r>
+          </a:p>
+          <a:p>
+            <a:pPr lvl="3"/>
+            <a:r>
+              <a:rPr lang="sl-SI"/>
+              <a:t>Četrta raven</a:t>
+            </a:r>
+          </a:p>
+          <a:p>
+            <a:pPr lvl="4"/>
+            <a:r>
+              <a:rPr lang="sl-SI"/>
+              <a:t>Peta raven</a:t>
+            </a:r>
+          </a:p>
+        </p:txBody>
+      </p:sp>
+      <p:sp>
+        <p:nvSpPr>
+          <p:cNvPr id="6" name="Označba mesta noge 5"/>
+          <p:cNvSpPr>
+            <a:spLocks noGrp="1"/>
+          </p:cNvSpPr>
+          <p:nvPr>
+            <p:ph type="ftr" sz="quarter" idx="4"/>
+          </p:nvPr>
+        </p:nvSpPr>
+        <p:spPr>
+          <a:xfrm>
+            <a:off x="0" y="8685213"/>
+            <a:ext cx="2971800" cy="458787"/>
+          </a:xfrm>
+          <a:prstGeom prst="rect">
+            <a:avLst/>
+          </a:prstGeom>
+        </p:spPr>
+        <p:txBody>
+          <a:bodyPr vert="horz" lIns="91440" tIns="45720" rIns="91440" bIns="45720" rtlCol="0" anchor="b"/>
+          <a:lstStyle>
+            <a:lvl1pPr algn="l">
+              <a:defRPr sz="1200"/>
+            </a:lvl1pPr>
+          </a:lstStyle>
+          <a:p>
+            <a:endParaRPr lang="sl-SI"/>
+          </a:p>
+        </p:txBody>
+      </p:sp>
+      <p:sp>
+        <p:nvSpPr>
+          <p:cNvPr id="7" name="Označba mesta številke diapozitiva 6"/>
+          <p:cNvSpPr>
+            <a:spLocks noGrp="1"/>
+          </p:cNvSpPr>
+          <p:nvPr>
+            <p:ph type="sldNum" sz="quarter" idx="5"/>
+          </p:nvPr>
+        </p:nvSpPr>
+        <p:spPr>
+          <a:xfrm>
+            <a:off x="3884613" y="8685213"/>
+            <a:ext cx="2971800" cy="458787"/>
+          </a:xfrm>
+          <a:prstGeom prst="rect">
+            <a:avLst/>
+          </a:prstGeom>
+        </p:spPr>
+        <p:txBody>
+          <a:bodyPr vert="horz" lIns="91440" tIns="45720" rIns="91440" bIns="45720" rtlCol="0" anchor="b"/>
+          <a:lstStyle>
+            <a:lvl1pPr algn="r">
+              <a:defRPr sz="1200"/>
+            </a:lvl1pPr>
+          </a:lstStyle>
+          <a:p>
+            <a:fld id="{0705F0E0-E88B-4C5C-8D43-68FAFD3B86B6}" type="slidenum">
+              <a:rPr lang="sl-SI" smtClean="0"/>
+              <a:t>‹#›</a:t>
+            </a:fld>
+            <a:endParaRPr lang="sl-SI"/>
+          </a:p>
+        </p:txBody>
+      </p:sp>
+    </p:spTree>
+    <p:extLst>
+      <p:ext uri="{BB962C8B-B14F-4D97-AF65-F5344CB8AC3E}">
+        <p14:creationId xmlns:p14="http://schemas.microsoft.com/office/powerpoint/2010/main" val="3112552756"/>
+      </p:ext>
+    </p:extLst>
+  </p:cSld>
+  <p:clrMap bg1="lt1" tx1="dk1" bg2="lt2" tx2="dk2" accent1="accent1" accent2="accent2" accent3="accent3" accent4="accent4" accent5="accent5" accent6="accent6" hlink="hlink" folHlink="folHlink"/>
+  <p:notesStyle>
+    <a:lvl1pPr marL="0" algn="l" defTabSz="914400" rtl="0" eaLnBrk="1" latinLnBrk="0" hangingPunct="1">
+      <a:defRPr sz="1200" kern="1200">
+        <a:solidFill>
+          <a:schemeClr val="tx1"/>
+        </a:solidFill>
+        <a:latin typeface="+mn-lt"/>
+        <a:ea typeface="+mn-ea"/>
+        <a:cs typeface="+mn-cs"/>
+      </a:defRPr>
+    </a:lvl1pPr>
+    <a:lvl2pPr marL="457200" algn="l" defTabSz="914400" rtl="0" eaLnBrk="1" latinLnBrk="0" hangingPunct="1">
+      <a:defRPr sz="1200" kern="1200">
+        <a:solidFill>
+          <a:schemeClr val="tx1"/>
+        </a:solidFill>
+        <a:latin typeface="+mn-lt"/>
+        <a:ea typeface="+mn-ea"/>
+        <a:cs typeface="+mn-cs"/>
+      </a:defRPr>
+    </a:lvl2pPr>
+    <a:lvl3pPr marL="914400" algn="l" defTabSz="914400" rtl="0" eaLnBrk="1" latinLnBrk="0" hangingPunct="1">
+      <a:defRPr sz="1200" kern="1200">
+        <a:solidFill>
+          <a:schemeClr val="tx1"/>
+        </a:solidFill>
+        <a:latin typeface="+mn-lt"/>
+        <a:ea typeface="+mn-ea"/>
+        <a:cs typeface="+mn-cs"/>
+      </a:defRPr>
+    </a:lvl3pPr>
+    <a:lvl4pPr marL="1371600" algn="l" defTabSz="914400" rtl="0" eaLnBrk="1" latinLnBrk="0" hangingPunct="1">
+      <a:defRPr sz="1200" kern="1200">
+        <a:solidFill>
+          <a:schemeClr val="tx1"/>
+        </a:solidFill>
+        <a:latin typeface="+mn-lt"/>
+        <a:ea typeface="+mn-ea"/>
+        <a:cs typeface="+mn-cs"/>
+      </a:defRPr>
+    </a:lvl4pPr>
+    <a:lvl5pPr marL="1828800" algn="l" defTabSz="914400" rtl="0" eaLnBrk="1" latinLnBrk="0" hangingPunct="1">
+      <a:defRPr sz="1200" kern="1200">
+        <a:solidFill>
+          <a:schemeClr val="tx1"/>
+        </a:solidFill>
+        <a:latin typeface="+mn-lt"/>
+        <a:ea typeface="+mn-ea"/>
+        <a:cs typeface="+mn-cs"/>
+      </a:defRPr>
+    </a:lvl5pPr>
+    <a:lvl6pPr marL="2286000" algn="l" defTabSz="914400" rtl="0" eaLnBrk="1" latinLnBrk="0" hangingPunct="1">
+      <a:defRPr sz="1200" kern="1200">
+        <a:solidFill>
+          <a:schemeClr val="tx1"/>
+        </a:solidFill>
+        <a:latin typeface="+mn-lt"/>
+        <a:ea typeface="+mn-ea"/>
+        <a:cs typeface="+mn-cs"/>
+      </a:defRPr>
+    </a:lvl6pPr>
+    <a:lvl7pPr marL="2743200" algn="l" defTabSz="914400" rtl="0" eaLnBrk="1" latinLnBrk="0" hangingPunct="1">
+      <a:defRPr sz="1200" kern="1200">
+        <a:solidFill>
+          <a:schemeClr val="tx1"/>
+        </a:solidFill>
+        <a:latin typeface="+mn-lt"/>
+        <a:ea typeface="+mn-ea"/>
+        <a:cs typeface="+mn-cs"/>
+      </a:defRPr>
+    </a:lvl7pPr>
+    <a:lvl8pPr marL="3200400" algn="l" defTabSz="914400" rtl="0" eaLnBrk="1" latinLnBrk="0" hangingPunct="1">
+      <a:defRPr sz="1200" kern="1200">
+        <a:solidFill>
+          <a:schemeClr val="tx1"/>
+        </a:solidFill>
+        <a:latin typeface="+mn-lt"/>
+        <a:ea typeface="+mn-ea"/>
+        <a:cs typeface="+mn-cs"/>
+      </a:defRPr>
+    </a:lvl8pPr>
+    <a:lvl9pPr marL="3657600" algn="l" defTabSz="914400" rtl="0" eaLnBrk="1" latinLnBrk="0" hangingPunct="1">
+      <a:defRPr sz="1200" kern="1200">
+        <a:solidFill>
+          <a:schemeClr val="tx1"/>
+        </a:solidFill>
+        <a:latin typeface="+mn-lt"/>
+        <a:ea typeface="+mn-ea"/>
+        <a:cs typeface="+mn-cs"/>
+      </a:defRPr>
+    </a:lvl9pPr>
+  </p:notesStyle>
+</p:notesMaster>
+</file>
+
+<file path=ppt/notesSlides/notesSlide1.xml><?xml version="1.0" encoding="utf-8"?>
+<p:notes xmlns:a="http://schemas.openxmlformats.org/drawingml/2006/main" xmlns:r="http://schemas.openxmlformats.org/officeDocument/2006/relationships" xmlns:p="http://schemas.openxmlformats.org/presentationml/2006/main">
+  <p:cSld>
+    <p:spTree>
+      <p:nvGrpSpPr>
+        <p:cNvPr id="1" name=""/>
+        <p:cNvGrpSpPr/>
+        <p:nvPr/>
+      </p:nvGrpSpPr>
+      <p:grpSpPr>
+        <a:xfrm>
+          <a:off x="0" y="0"/>
+          <a:ext cx="0" cy="0"/>
+          <a:chOff x="0" y="0"/>
+          <a:chExt cx="0" cy="0"/>
+        </a:xfrm>
+      </p:grpSpPr>
+      <p:sp>
+        <p:nvSpPr>
+          <p:cNvPr id="2" name="Označba mesta stranske slike 1"/>
+          <p:cNvSpPr>
+            <a:spLocks noGrp="1" noRot="1" noChangeAspect="1"/>
+          </p:cNvSpPr>
+          <p:nvPr>
+            <p:ph type="sldImg"/>
+          </p:nvPr>
+        </p:nvSpPr>
+        <p:spPr/>
+      </p:sp>
+      <p:sp>
+        <p:nvSpPr>
+          <p:cNvPr id="3" name="Označba mesta opomb 2"/>
+          <p:cNvSpPr>
+            <a:spLocks noGrp="1"/>
+          </p:cNvSpPr>
+          <p:nvPr>
+            <p:ph type="body" idx="1"/>
+          </p:nvPr>
+        </p:nvSpPr>
+        <p:spPr/>
+        <p:txBody>
+          <a:bodyPr/>
+          <a:lstStyle/>
+          <a:p>
+            <a:endParaRPr lang="sl-SI" dirty="0"/>
+          </a:p>
+        </p:txBody>
+      </p:sp>
+      <p:sp>
+        <p:nvSpPr>
+          <p:cNvPr id="4" name="Označba mesta številke diapozitiva 3"/>
+          <p:cNvSpPr>
+            <a:spLocks noGrp="1"/>
+          </p:cNvSpPr>
+          <p:nvPr>
+            <p:ph type="sldNum" sz="quarter" idx="5"/>
+          </p:nvPr>
+        </p:nvSpPr>
+        <p:spPr/>
+        <p:txBody>
+          <a:bodyPr/>
+          <a:lstStyle/>
+          <a:p>
+            <a:fld id="{0705F0E0-E88B-4C5C-8D43-68FAFD3B86B6}" type="slidenum">
+              <a:rPr lang="sl-SI" smtClean="0"/>
+              <a:t>2</a:t>
+            </a:fld>
+            <a:endParaRPr lang="sl-SI"/>
+          </a:p>
+        </p:txBody>
+      </p:sp>
+    </p:spTree>
+    <p:extLst>
+      <p:ext uri="{BB962C8B-B14F-4D97-AF65-F5344CB8AC3E}">
+        <p14:creationId xmlns:p14="http://schemas.microsoft.com/office/powerpoint/2010/main" val="2729116890"/>
+      </p:ext>
+    </p:extLst>
+  </p:cSld>
+  <p:clrMapOvr>
+    <a:masterClrMapping/>
+  </p:clrMapOvr>
+</p:notes>
+</file>
+
+<file path=ppt/notesSlides/notesSlide2.xml><?xml version="1.0" encoding="utf-8"?>
+<p:notes xmlns:a="http://schemas.openxmlformats.org/drawingml/2006/main" xmlns:r="http://schemas.openxmlformats.org/officeDocument/2006/relationships" xmlns:p="http://schemas.openxmlformats.org/presentationml/2006/main">
+  <p:cSld>
+    <p:spTree>
+      <p:nvGrpSpPr>
+        <p:cNvPr id="1" name=""/>
+        <p:cNvGrpSpPr/>
+        <p:nvPr/>
+      </p:nvGrpSpPr>
+      <p:grpSpPr>
+        <a:xfrm>
+          <a:off x="0" y="0"/>
+          <a:ext cx="0" cy="0"/>
+          <a:chOff x="0" y="0"/>
+          <a:chExt cx="0" cy="0"/>
+        </a:xfrm>
+      </p:grpSpPr>
+      <p:sp>
+        <p:nvSpPr>
+          <p:cNvPr id="2" name="Označba mesta stranske slike 1"/>
+          <p:cNvSpPr>
+            <a:spLocks noGrp="1" noRot="1" noChangeAspect="1"/>
+          </p:cNvSpPr>
+          <p:nvPr>
+            <p:ph type="sldImg"/>
+          </p:nvPr>
+        </p:nvSpPr>
+        <p:spPr/>
+      </p:sp>
+      <p:sp>
+        <p:nvSpPr>
+          <p:cNvPr id="3" name="Označba mesta opomb 2"/>
+          <p:cNvSpPr>
+            <a:spLocks noGrp="1"/>
+          </p:cNvSpPr>
+          <p:nvPr>
+            <p:ph type="body" idx="1"/>
+          </p:nvPr>
+        </p:nvSpPr>
+        <p:spPr/>
+        <p:txBody>
+          <a:bodyPr/>
+          <a:lstStyle/>
+          <a:p>
+            <a:pPr marL="0" lvl="0" indent="0">
+              <a:lnSpc>
+                <a:spcPct val="107000"/>
+              </a:lnSpc>
+              <a:spcAft>
+                <a:spcPts val="800"/>
+              </a:spcAft>
+              <a:buNone/>
+            </a:pPr>
+            <a:endParaRPr lang="sl-SI" sz="1200" dirty="0">
+              <a:latin typeface="Calibri" panose="020F0502020204030204" pitchFamily="34" charset="0"/>
+              <a:ea typeface="Calibri" panose="020F0502020204030204" pitchFamily="34" charset="0"/>
+              <a:cs typeface="Times New Roman" panose="02020603050405020304" pitchFamily="18" charset="0"/>
+            </a:endParaRPr>
+          </a:p>
+          <a:p>
+            <a:pPr marL="0" lvl="0" indent="0">
+              <a:lnSpc>
+                <a:spcPct val="107000"/>
+              </a:lnSpc>
+              <a:spcAft>
+                <a:spcPts val="800"/>
+              </a:spcAft>
+              <a:buNone/>
+            </a:pPr>
+            <a:r>
+              <a:rPr lang="sl-SI" sz="1200" dirty="0">
+                <a:solidFill>
+                  <a:srgbClr val="FF0000"/>
+                </a:solidFill>
+                <a:latin typeface="Calibri" panose="020F0502020204030204" pitchFamily="34" charset="0"/>
+                <a:ea typeface="Calibri" panose="020F0502020204030204" pitchFamily="34" charset="0"/>
+                <a:cs typeface="Times New Roman" panose="02020603050405020304" pitchFamily="18" charset="0"/>
+              </a:rPr>
+              <a:t>Množični podatki Velike baze podatkov </a:t>
+            </a:r>
+            <a:r>
+              <a:rPr lang="sl-SI" sz="1200" dirty="0">
+                <a:latin typeface="Calibri" panose="020F0502020204030204" pitchFamily="34" charset="0"/>
+                <a:ea typeface="Calibri" panose="020F0502020204030204" pitchFamily="34" charset="0"/>
+                <a:cs typeface="Times New Roman" panose="02020603050405020304" pitchFamily="18" charset="0"/>
+              </a:rPr>
+              <a:t>(</a:t>
+            </a:r>
+            <a:r>
+              <a:rPr lang="sl-SI" sz="1200" i="1" dirty="0">
+                <a:latin typeface="Calibri" panose="020F0502020204030204" pitchFamily="34" charset="0"/>
+                <a:ea typeface="Calibri" panose="020F0502020204030204" pitchFamily="34" charset="0"/>
+                <a:cs typeface="Times New Roman" panose="02020603050405020304" pitchFamily="18" charset="0"/>
+              </a:rPr>
+              <a:t>Big Data</a:t>
+            </a:r>
+            <a:r>
+              <a:rPr lang="sl-SI" sz="1200" dirty="0">
+                <a:latin typeface="Calibri" panose="020F0502020204030204" pitchFamily="34" charset="0"/>
+                <a:ea typeface="Calibri" panose="020F0502020204030204" pitchFamily="34" charset="0"/>
+                <a:cs typeface="Times New Roman" panose="02020603050405020304" pitchFamily="18" charset="0"/>
+              </a:rPr>
+              <a:t>) potrebujemo metode učenja z enkratnim upoštevanjem podatkov (</a:t>
+            </a:r>
+            <a:r>
+              <a:rPr lang="sl-SI" sz="1200" i="1" dirty="0" err="1">
+                <a:latin typeface="Calibri" panose="020F0502020204030204" pitchFamily="34" charset="0"/>
+                <a:ea typeface="Calibri" panose="020F0502020204030204" pitchFamily="34" charset="0"/>
+                <a:cs typeface="Times New Roman" panose="02020603050405020304" pitchFamily="18" charset="0"/>
+              </a:rPr>
+              <a:t>single-pass</a:t>
+            </a:r>
+            <a:r>
+              <a:rPr lang="sl-SI" sz="1200" dirty="0">
+                <a:latin typeface="Calibri" panose="020F0502020204030204" pitchFamily="34" charset="0"/>
+                <a:ea typeface="Calibri" panose="020F0502020204030204" pitchFamily="34" charset="0"/>
+                <a:cs typeface="Times New Roman" panose="02020603050405020304" pitchFamily="18" charset="0"/>
+              </a:rPr>
+              <a:t>).</a:t>
+            </a:r>
+          </a:p>
+          <a:p>
+            <a:endParaRPr lang="sl-SI" dirty="0"/>
+          </a:p>
+        </p:txBody>
+      </p:sp>
+      <p:sp>
+        <p:nvSpPr>
+          <p:cNvPr id="4" name="Označba mesta številke diapozitiva 3"/>
+          <p:cNvSpPr>
+            <a:spLocks noGrp="1"/>
+          </p:cNvSpPr>
+          <p:nvPr>
+            <p:ph type="sldNum" sz="quarter" idx="5"/>
+          </p:nvPr>
+        </p:nvSpPr>
+        <p:spPr/>
+        <p:txBody>
+          <a:bodyPr/>
+          <a:lstStyle/>
+          <a:p>
+            <a:fld id="{0705F0E0-E88B-4C5C-8D43-68FAFD3B86B6}" type="slidenum">
+              <a:rPr lang="sl-SI" smtClean="0"/>
+              <a:t>4</a:t>
+            </a:fld>
+            <a:endParaRPr lang="sl-SI"/>
+          </a:p>
+        </p:txBody>
+      </p:sp>
+    </p:spTree>
+    <p:extLst>
+      <p:ext uri="{BB962C8B-B14F-4D97-AF65-F5344CB8AC3E}">
+        <p14:creationId xmlns:p14="http://schemas.microsoft.com/office/powerpoint/2010/main" val="3408595860"/>
+      </p:ext>
+    </p:extLst>
+  </p:cSld>
+  <p:clrMapOvr>
+    <a:masterClrMapping/>
+  </p:clrMapOvr>
+</p:notes>
+</file>
+
+<file path=ppt/notesSlides/notesSlide3.xml><?xml version="1.0" encoding="utf-8"?>
+<p:notes xmlns:a="http://schemas.openxmlformats.org/drawingml/2006/main" xmlns:r="http://schemas.openxmlformats.org/officeDocument/2006/relationships" xmlns:p="http://schemas.openxmlformats.org/presentationml/2006/main">
+  <p:cSld>
+    <p:spTree>
+      <p:nvGrpSpPr>
+        <p:cNvPr id="1" name=""/>
+        <p:cNvGrpSpPr/>
+        <p:nvPr/>
+      </p:nvGrpSpPr>
+      <p:grpSpPr>
+        <a:xfrm>
+          <a:off x="0" y="0"/>
+          <a:ext cx="0" cy="0"/>
+          <a:chOff x="0" y="0"/>
+          <a:chExt cx="0" cy="0"/>
+        </a:xfrm>
+      </p:grpSpPr>
+      <p:sp>
+        <p:nvSpPr>
+          <p:cNvPr id="2" name="Označba mesta stranske slike 1"/>
+          <p:cNvSpPr>
+            <a:spLocks noGrp="1" noRot="1" noChangeAspect="1"/>
+          </p:cNvSpPr>
+          <p:nvPr>
+            <p:ph type="sldImg"/>
+          </p:nvPr>
+        </p:nvSpPr>
+        <p:spPr/>
+      </p:sp>
+      <p:sp>
+        <p:nvSpPr>
+          <p:cNvPr id="3" name="Označba mesta opomb 2"/>
+          <p:cNvSpPr>
+            <a:spLocks noGrp="1"/>
+          </p:cNvSpPr>
+          <p:nvPr>
+            <p:ph type="body" idx="1"/>
+          </p:nvPr>
+        </p:nvSpPr>
+        <p:spPr/>
+        <p:txBody>
+          <a:bodyPr/>
+          <a:lstStyle/>
+          <a:p>
+            <a:pPr marL="0" marR="0" lvl="0" indent="0" algn="l" defTabSz="914400" rtl="0" eaLnBrk="1" fontAlgn="auto" latinLnBrk="0" hangingPunct="1">
+              <a:lnSpc>
+                <a:spcPct val="100000"/>
+              </a:lnSpc>
+              <a:spcBef>
+                <a:spcPts val="0"/>
+              </a:spcBef>
+              <a:spcAft>
+                <a:spcPts val="0"/>
+              </a:spcAft>
+              <a:buClrTx/>
+              <a:buSzTx/>
+              <a:buFontTx/>
+              <a:buNone/>
+              <a:tabLst/>
+              <a:defRPr/>
+            </a:pPr>
+            <a:r>
+              <a:rPr lang="sl-SI" sz="1800" dirty="0" err="1"/>
+              <a:t>incremental</a:t>
+            </a:r>
+            <a:r>
+              <a:rPr lang="sl-SI" sz="1800" dirty="0"/>
+              <a:t> </a:t>
+            </a:r>
+            <a:r>
+              <a:rPr lang="sl-SI" sz="1800" dirty="0" err="1"/>
+              <a:t>fuzzy</a:t>
+            </a:r>
+            <a:r>
+              <a:rPr lang="sl-SI" sz="1800" dirty="0"/>
+              <a:t> C-</a:t>
+            </a:r>
+            <a:r>
+              <a:rPr lang="sl-SI" sz="1800" dirty="0" err="1"/>
+              <a:t>regression</a:t>
+            </a:r>
+            <a:r>
+              <a:rPr lang="sl-SI" sz="1800" dirty="0"/>
+              <a:t> </a:t>
+            </a:r>
+            <a:r>
+              <a:rPr lang="sl-SI" sz="1800" dirty="0" err="1"/>
+              <a:t>clustering</a:t>
+            </a:r>
+            <a:r>
+              <a:rPr lang="sl-SI" sz="1800" dirty="0"/>
+              <a:t> -&gt; </a:t>
+            </a:r>
+            <a:r>
+              <a:rPr lang="en-US" sz="1800" dirty="0">
+                <a:effectLst/>
+                <a:latin typeface="Calibri" panose="020F0502020204030204" pitchFamily="34" charset="0"/>
+                <a:ea typeface="Calibri" panose="020F0502020204030204" pitchFamily="34" charset="0"/>
+                <a:cs typeface="Times New Roman" panose="02020603050405020304" pitchFamily="18" charset="0"/>
+              </a:rPr>
+              <a:t>The parameters of the consequent part are the prototypes used in clustering</a:t>
+            </a:r>
+            <a:r>
+              <a:rPr lang="sl-SI" sz="1800" dirty="0">
+                <a:effectLst/>
+                <a:latin typeface="Calibri" panose="020F0502020204030204" pitchFamily="34" charset="0"/>
+                <a:ea typeface="Calibri" panose="020F0502020204030204" pitchFamily="34" charset="0"/>
+                <a:cs typeface="Times New Roman" panose="02020603050405020304" pitchFamily="18" charset="0"/>
+              </a:rPr>
+              <a:t>, </a:t>
+            </a:r>
+            <a:r>
+              <a:rPr lang="en-US" sz="1800" dirty="0">
+                <a:effectLst/>
+                <a:latin typeface="Calibri" panose="020F0502020204030204" pitchFamily="34" charset="0"/>
+                <a:ea typeface="Calibri" panose="020F0502020204030204" pitchFamily="34" charset="0"/>
+                <a:cs typeface="Times New Roman" panose="02020603050405020304" pitchFamily="18" charset="0"/>
+              </a:rPr>
+              <a:t>Hyperplane parameters can be shared between in the premise and consequent part of the locally linear models. </a:t>
+            </a:r>
+            <a:endParaRPr lang="sl-SI" sz="1800" dirty="0">
+              <a:effectLst/>
+              <a:latin typeface="Calibri" panose="020F0502020204030204" pitchFamily="34" charset="0"/>
+              <a:ea typeface="Calibri" panose="020F0502020204030204" pitchFamily="34" charset="0"/>
+              <a:cs typeface="Times New Roman" panose="02020603050405020304" pitchFamily="18" charset="0"/>
+            </a:endParaRPr>
+          </a:p>
+          <a:p>
+            <a:pPr marL="0" marR="0" lvl="0" indent="0" algn="l" defTabSz="914400" rtl="0" eaLnBrk="1" fontAlgn="auto" latinLnBrk="0" hangingPunct="1">
+              <a:lnSpc>
+                <a:spcPct val="100000"/>
+              </a:lnSpc>
+              <a:spcBef>
+                <a:spcPts val="0"/>
+              </a:spcBef>
+              <a:spcAft>
+                <a:spcPts val="0"/>
+              </a:spcAft>
+              <a:buClrTx/>
+              <a:buSzTx/>
+              <a:buFontTx/>
+              <a:buNone/>
+              <a:tabLst/>
+              <a:defRPr/>
+            </a:pPr>
+            <a:endParaRPr lang="sl-SI" sz="1800" dirty="0">
+              <a:effectLst/>
+              <a:latin typeface="Calibri" panose="020F0502020204030204" pitchFamily="34" charset="0"/>
+              <a:ea typeface="Calibri" panose="020F0502020204030204" pitchFamily="34" charset="0"/>
+              <a:cs typeface="Times New Roman" panose="02020603050405020304" pitchFamily="18" charset="0"/>
+            </a:endParaRPr>
+          </a:p>
+          <a:p>
+            <a:endParaRPr lang="sl-SI" dirty="0"/>
+          </a:p>
+          <a:p>
+            <a:r>
+              <a:rPr lang="sl-SI" sz="1200" dirty="0" err="1"/>
+              <a:t>Subtractive</a:t>
+            </a:r>
+            <a:r>
+              <a:rPr lang="sl-SI" sz="1200" dirty="0"/>
+              <a:t> </a:t>
+            </a:r>
+            <a:r>
+              <a:rPr lang="sl-SI" sz="1200" dirty="0" err="1"/>
+              <a:t>Clustering</a:t>
+            </a:r>
+            <a:r>
+              <a:rPr lang="sl-SI" sz="1200" dirty="0"/>
+              <a:t>  a </a:t>
+            </a:r>
+            <a:r>
+              <a:rPr lang="sl-SI" sz="1200" dirty="0" err="1"/>
+              <a:t>version</a:t>
+            </a:r>
+            <a:r>
+              <a:rPr lang="sl-SI" sz="1200" dirty="0"/>
+              <a:t> </a:t>
+            </a:r>
+            <a:r>
+              <a:rPr lang="sl-SI" sz="1200" dirty="0" err="1"/>
+              <a:t>of</a:t>
+            </a:r>
+            <a:r>
+              <a:rPr lang="sl-SI" sz="1200" dirty="0"/>
+              <a:t> </a:t>
+            </a:r>
+            <a:r>
+              <a:rPr lang="sl-SI" sz="1200" dirty="0" err="1"/>
+              <a:t>mountain</a:t>
+            </a:r>
+            <a:r>
+              <a:rPr lang="sl-SI" sz="1200" dirty="0"/>
+              <a:t> </a:t>
+            </a:r>
+            <a:r>
+              <a:rPr lang="sl-SI" sz="1200" dirty="0" err="1"/>
+              <a:t>clustering</a:t>
+            </a:r>
+            <a:endParaRPr lang="sl-SI" sz="1200" dirty="0"/>
+          </a:p>
+          <a:p>
+            <a:endParaRPr lang="sl-SI" sz="1200" dirty="0"/>
+          </a:p>
+          <a:p>
+            <a:pPr marL="0" marR="0" lvl="0" indent="0" algn="l" defTabSz="914400" rtl="0" eaLnBrk="1" fontAlgn="auto" latinLnBrk="0" hangingPunct="1">
+              <a:lnSpc>
+                <a:spcPct val="100000"/>
+              </a:lnSpc>
+              <a:spcBef>
+                <a:spcPts val="0"/>
+              </a:spcBef>
+              <a:spcAft>
+                <a:spcPts val="0"/>
+              </a:spcAft>
+              <a:buClrTx/>
+              <a:buSzTx/>
+              <a:buFontTx/>
+              <a:buNone/>
+              <a:tabLst/>
+              <a:defRPr/>
+            </a:pPr>
+            <a:r>
+              <a:rPr lang="en-US" sz="1200" dirty="0">
+                <a:effectLst/>
+                <a:latin typeface="Calibri" panose="020F0502020204030204" pitchFamily="34" charset="0"/>
+                <a:ea typeface="Calibri" panose="020F0502020204030204" pitchFamily="34" charset="0"/>
+                <a:cs typeface="Times New Roman" panose="02020603050405020304" pitchFamily="18" charset="0"/>
+              </a:rPr>
+              <a:t>Stability refers to the long-term solution convergence and Plasticity to the dynamic concept change handling [12, 49]</a:t>
+            </a:r>
+            <a:endParaRPr lang="sl-SI" sz="1200" dirty="0">
+              <a:effectLst/>
+              <a:latin typeface="Calibri" panose="020F0502020204030204" pitchFamily="34" charset="0"/>
+              <a:ea typeface="Calibri" panose="020F0502020204030204" pitchFamily="34" charset="0"/>
+              <a:cs typeface="Times New Roman" panose="02020603050405020304" pitchFamily="18" charset="0"/>
+            </a:endParaRPr>
+          </a:p>
+          <a:p>
+            <a:endParaRPr lang="sl-SI" dirty="0"/>
+          </a:p>
+        </p:txBody>
+      </p:sp>
+      <p:sp>
+        <p:nvSpPr>
+          <p:cNvPr id="4" name="Označba mesta številke diapozitiva 3"/>
+          <p:cNvSpPr>
+            <a:spLocks noGrp="1"/>
+          </p:cNvSpPr>
+          <p:nvPr>
+            <p:ph type="sldNum" sz="quarter" idx="5"/>
+          </p:nvPr>
+        </p:nvSpPr>
+        <p:spPr/>
+        <p:txBody>
+          <a:bodyPr/>
+          <a:lstStyle/>
+          <a:p>
+            <a:fld id="{0705F0E0-E88B-4C5C-8D43-68FAFD3B86B6}" type="slidenum">
+              <a:rPr lang="sl-SI" smtClean="0"/>
+              <a:t>6</a:t>
+            </a:fld>
+            <a:endParaRPr lang="sl-SI"/>
+          </a:p>
+        </p:txBody>
+      </p:sp>
+    </p:spTree>
+    <p:extLst>
+      <p:ext uri="{BB962C8B-B14F-4D97-AF65-F5344CB8AC3E}">
+        <p14:creationId xmlns:p14="http://schemas.microsoft.com/office/powerpoint/2010/main" val="2951862589"/>
+      </p:ext>
+    </p:extLst>
+  </p:cSld>
+  <p:clrMapOvr>
+    <a:masterClrMapping/>
+  </p:clrMapOvr>
+</p:notes>
+</file>
+
+<file path=ppt/notesSlides/notesSlide4.xml><?xml version="1.0" encoding="utf-8"?>
+<p:notes xmlns:a="http://schemas.openxmlformats.org/drawingml/2006/main" xmlns:r="http://schemas.openxmlformats.org/officeDocument/2006/relationships" xmlns:p="http://schemas.openxmlformats.org/presentationml/2006/main">
+  <p:cSld>
+    <p:spTree>
+      <p:nvGrpSpPr>
+        <p:cNvPr id="1" name=""/>
+        <p:cNvGrpSpPr/>
+        <p:nvPr/>
+      </p:nvGrpSpPr>
+      <p:grpSpPr>
+        <a:xfrm>
+          <a:off x="0" y="0"/>
+          <a:ext cx="0" cy="0"/>
+          <a:chOff x="0" y="0"/>
+          <a:chExt cx="0" cy="0"/>
+        </a:xfrm>
+      </p:grpSpPr>
+      <p:sp>
+        <p:nvSpPr>
+          <p:cNvPr id="2" name="Označba mesta stranske slike 1"/>
+          <p:cNvSpPr>
+            <a:spLocks noGrp="1" noRot="1" noChangeAspect="1"/>
+          </p:cNvSpPr>
+          <p:nvPr>
+            <p:ph type="sldImg"/>
+          </p:nvPr>
+        </p:nvSpPr>
+        <p:spPr/>
+      </p:sp>
+      <p:sp>
+        <p:nvSpPr>
+          <p:cNvPr id="3" name="Označba mesta opomb 2"/>
+          <p:cNvSpPr>
+            <a:spLocks noGrp="1"/>
+          </p:cNvSpPr>
+          <p:nvPr>
+            <p:ph type="body" idx="1"/>
+          </p:nvPr>
+        </p:nvSpPr>
+        <p:spPr/>
+        <p:txBody>
+          <a:bodyPr/>
+          <a:lstStyle/>
+          <a:p>
+            <a:r>
+              <a:rPr lang="sl-SI" sz="1200" dirty="0"/>
+              <a:t>Razločljivost (</a:t>
+            </a:r>
+            <a:r>
+              <a:rPr lang="en-US" sz="1200" dirty="0"/>
+              <a:t>Distinguishability </a:t>
+            </a:r>
+            <a:r>
+              <a:rPr lang="sl-SI" sz="1200" dirty="0"/>
+              <a:t>) – brez prekrivanja (</a:t>
+            </a:r>
+            <a:r>
+              <a:rPr lang="sl-SI" sz="1200" dirty="0" err="1"/>
+              <a:t>overlapping</a:t>
+            </a:r>
+            <a:r>
+              <a:rPr lang="sl-SI" sz="1200" dirty="0"/>
+              <a:t>), brez odvečnih struktur</a:t>
+            </a:r>
+            <a:r>
+              <a:rPr lang="en-US" sz="1200" dirty="0"/>
+              <a:t> [12]</a:t>
+            </a:r>
+            <a:endParaRPr lang="sl-SI" sz="1200" dirty="0"/>
+          </a:p>
+          <a:p>
+            <a:r>
+              <a:rPr lang="sl-SI" sz="1200" dirty="0"/>
+              <a:t>Preprostost (</a:t>
+            </a:r>
+            <a:r>
+              <a:rPr lang="en-US" sz="1200" dirty="0"/>
+              <a:t>simplicity </a:t>
+            </a:r>
+            <a:r>
+              <a:rPr lang="sl-SI" sz="1200" dirty="0"/>
+              <a:t>) – čim manj rojev, kompromis med natančnostjo in </a:t>
+            </a:r>
+            <a:r>
+              <a:rPr lang="sl-SI" sz="1200" dirty="0" err="1"/>
+              <a:t>kompleksnotjo</a:t>
+            </a:r>
+            <a:endParaRPr lang="sl-SI" sz="1200" dirty="0"/>
+          </a:p>
+          <a:p>
+            <a:r>
+              <a:rPr lang="sl-SI" sz="1200" dirty="0"/>
+              <a:t>Konsistentnost (</a:t>
+            </a:r>
+            <a:r>
+              <a:rPr lang="en-US" sz="1200" dirty="0"/>
+              <a:t>consistency</a:t>
+            </a:r>
+            <a:r>
+              <a:rPr lang="sl-SI" sz="1200" dirty="0"/>
+              <a:t>) – roji z različnimi posledičnimi deli morajo biti ločeni</a:t>
+            </a:r>
+          </a:p>
+          <a:p>
+            <a:r>
+              <a:rPr lang="sl-SI" sz="1200" dirty="0"/>
+              <a:t>Pokritost (c</a:t>
+            </a:r>
+            <a:r>
+              <a:rPr lang="en-US" sz="1200" dirty="0"/>
+              <a:t>overage</a:t>
+            </a:r>
+            <a:r>
+              <a:rPr lang="sl-SI" sz="1200" dirty="0"/>
+              <a:t>)</a:t>
+            </a:r>
+            <a:r>
+              <a:rPr lang="en-US" sz="1200" dirty="0"/>
+              <a:t> </a:t>
+            </a:r>
+            <a:r>
+              <a:rPr lang="sl-SI" sz="1200" dirty="0"/>
+              <a:t>in popolnost modela (</a:t>
+            </a:r>
+            <a:r>
+              <a:rPr lang="en-US" sz="1200" dirty="0"/>
+              <a:t>completeness</a:t>
+            </a:r>
+            <a:r>
+              <a:rPr lang="sl-SI" sz="1200" dirty="0"/>
+              <a:t>) - celoten prostor naj bi bil pokrit z roji </a:t>
+            </a:r>
+          </a:p>
+          <a:p>
+            <a:r>
+              <a:rPr lang="sl-SI" sz="1200" dirty="0" err="1"/>
+              <a:t>Interpretabilnost</a:t>
+            </a:r>
+            <a:r>
+              <a:rPr lang="sl-SI" sz="1200" dirty="0"/>
+              <a:t> posledičnega dela</a:t>
+            </a:r>
+          </a:p>
+          <a:p>
+            <a:r>
+              <a:rPr lang="sl-SI" sz="1200" dirty="0"/>
+              <a:t>Pomembnost </a:t>
+            </a:r>
+            <a:r>
+              <a:rPr lang="sl-SI" sz="1200" dirty="0" err="1"/>
+              <a:t>značilk</a:t>
+            </a:r>
+            <a:endParaRPr lang="sl-SI" sz="1200" dirty="0"/>
+          </a:p>
+          <a:p>
+            <a:r>
+              <a:rPr lang="sl-SI" sz="1200" dirty="0"/>
+              <a:t>Pomembnost pravil </a:t>
+            </a:r>
+          </a:p>
+          <a:p>
+            <a:endParaRPr lang="sl-SI" sz="1100" dirty="0">
+              <a:effectLst/>
+              <a:latin typeface="Calibri" panose="020F0502020204030204" pitchFamily="34" charset="0"/>
+              <a:ea typeface="Calibri" panose="020F0502020204030204" pitchFamily="34" charset="0"/>
+              <a:cs typeface="Times New Roman" panose="02020603050405020304" pitchFamily="18" charset="0"/>
+            </a:endParaRPr>
+          </a:p>
+          <a:p>
+            <a:endParaRPr lang="sl-SI" dirty="0"/>
+          </a:p>
+        </p:txBody>
+      </p:sp>
+      <p:sp>
+        <p:nvSpPr>
+          <p:cNvPr id="4" name="Označba mesta številke diapozitiva 3"/>
+          <p:cNvSpPr>
+            <a:spLocks noGrp="1"/>
+          </p:cNvSpPr>
+          <p:nvPr>
+            <p:ph type="sldNum" sz="quarter" idx="5"/>
+          </p:nvPr>
+        </p:nvSpPr>
+        <p:spPr/>
+        <p:txBody>
+          <a:bodyPr/>
+          <a:lstStyle/>
+          <a:p>
+            <a:fld id="{0705F0E0-E88B-4C5C-8D43-68FAFD3B86B6}" type="slidenum">
+              <a:rPr lang="sl-SI" smtClean="0"/>
+              <a:t>7</a:t>
+            </a:fld>
+            <a:endParaRPr lang="sl-SI"/>
+          </a:p>
+        </p:txBody>
+      </p:sp>
+    </p:spTree>
+    <p:extLst>
+      <p:ext uri="{BB962C8B-B14F-4D97-AF65-F5344CB8AC3E}">
+        <p14:creationId xmlns:p14="http://schemas.microsoft.com/office/powerpoint/2010/main" val="1520528752"/>
+      </p:ext>
+    </p:extLst>
+  </p:cSld>
+  <p:clrMapOvr>
+    <a:masterClrMapping/>
+  </p:clrMapOvr>
+</p:notes>
+</file>
+
+<file path=ppt/notesSlides/notesSlide5.xml><?xml version="1.0" encoding="utf-8"?>
+<p:notes xmlns:a="http://schemas.openxmlformats.org/drawingml/2006/main" xmlns:r="http://schemas.openxmlformats.org/officeDocument/2006/relationships" xmlns:p="http://schemas.openxmlformats.org/presentationml/2006/main">
+  <p:cSld>
+    <p:spTree>
+      <p:nvGrpSpPr>
+        <p:cNvPr id="1" name=""/>
+        <p:cNvGrpSpPr/>
+        <p:nvPr/>
+      </p:nvGrpSpPr>
+      <p:grpSpPr>
+        <a:xfrm>
+          <a:off x="0" y="0"/>
+          <a:ext cx="0" cy="0"/>
+          <a:chOff x="0" y="0"/>
+          <a:chExt cx="0" cy="0"/>
+        </a:xfrm>
+      </p:grpSpPr>
+      <p:sp>
+        <p:nvSpPr>
+          <p:cNvPr id="2" name="Označba mesta stranske slike 1"/>
+          <p:cNvSpPr>
+            <a:spLocks noGrp="1" noRot="1" noChangeAspect="1"/>
+          </p:cNvSpPr>
+          <p:nvPr>
+            <p:ph type="sldImg"/>
+          </p:nvPr>
+        </p:nvSpPr>
+        <p:spPr/>
+      </p:sp>
+      <p:sp>
+        <p:nvSpPr>
+          <p:cNvPr id="3" name="Označba mesta opomb 2"/>
+          <p:cNvSpPr>
+            <a:spLocks noGrp="1"/>
+          </p:cNvSpPr>
+          <p:nvPr>
+            <p:ph type="body" idx="1"/>
+          </p:nvPr>
+        </p:nvSpPr>
+        <p:spPr/>
+        <p:txBody>
+          <a:bodyPr/>
+          <a:lstStyle/>
+          <a:p>
+            <a:endParaRPr lang="sl-SI" dirty="0"/>
+          </a:p>
+        </p:txBody>
+      </p:sp>
+      <p:sp>
+        <p:nvSpPr>
+          <p:cNvPr id="4" name="Označba mesta številke diapozitiva 3"/>
+          <p:cNvSpPr>
+            <a:spLocks noGrp="1"/>
+          </p:cNvSpPr>
+          <p:nvPr>
+            <p:ph type="sldNum" sz="quarter" idx="5"/>
+          </p:nvPr>
+        </p:nvSpPr>
+        <p:spPr/>
+        <p:txBody>
+          <a:bodyPr/>
+          <a:lstStyle/>
+          <a:p>
+            <a:fld id="{0705F0E0-E88B-4C5C-8D43-68FAFD3B86B6}" type="slidenum">
+              <a:rPr lang="sl-SI" smtClean="0"/>
+              <a:t>8</a:t>
+            </a:fld>
+            <a:endParaRPr lang="sl-SI"/>
+          </a:p>
+        </p:txBody>
+      </p:sp>
+    </p:spTree>
+    <p:extLst>
+      <p:ext uri="{BB962C8B-B14F-4D97-AF65-F5344CB8AC3E}">
+        <p14:creationId xmlns:p14="http://schemas.microsoft.com/office/powerpoint/2010/main" val="1006511056"/>
+      </p:ext>
+    </p:extLst>
+  </p:cSld>
+  <p:clrMapOvr>
+    <a:masterClrMapping/>
+  </p:clrMapOvr>
+</p:notes>
+</file>
+
+<file path=ppt/notesSlides/notesSlide6.xml><?xml version="1.0" encoding="utf-8"?>
+<p:notes xmlns:a="http://schemas.openxmlformats.org/drawingml/2006/main" xmlns:r="http://schemas.openxmlformats.org/officeDocument/2006/relationships" xmlns:p="http://schemas.openxmlformats.org/presentationml/2006/main">
+  <p:cSld>
+    <p:spTree>
+      <p:nvGrpSpPr>
+        <p:cNvPr id="1" name=""/>
+        <p:cNvGrpSpPr/>
+        <p:nvPr/>
+      </p:nvGrpSpPr>
+      <p:grpSpPr>
+        <a:xfrm>
+          <a:off x="0" y="0"/>
+          <a:ext cx="0" cy="0"/>
+          <a:chOff x="0" y="0"/>
+          <a:chExt cx="0" cy="0"/>
+        </a:xfrm>
+      </p:grpSpPr>
+      <p:sp>
+        <p:nvSpPr>
+          <p:cNvPr id="2" name="Označba mesta stranske slike 1"/>
+          <p:cNvSpPr>
+            <a:spLocks noGrp="1" noRot="1" noChangeAspect="1"/>
+          </p:cNvSpPr>
+          <p:nvPr>
+            <p:ph type="sldImg"/>
+          </p:nvPr>
+        </p:nvSpPr>
+        <p:spPr/>
+      </p:sp>
+      <p:sp>
+        <p:nvSpPr>
+          <p:cNvPr id="3" name="Označba mesta opomb 2"/>
+          <p:cNvSpPr>
+            <a:spLocks noGrp="1"/>
+          </p:cNvSpPr>
+          <p:nvPr>
+            <p:ph type="body" idx="1"/>
+          </p:nvPr>
+        </p:nvSpPr>
+        <p:spPr/>
+        <p:txBody>
+          <a:bodyPr/>
+          <a:lstStyle/>
+          <a:p>
+            <a:r>
+              <a:rPr lang="en-US" sz="1800" dirty="0">
+                <a:effectLst/>
+                <a:latin typeface="Calibri" panose="020F0502020204030204" pitchFamily="34" charset="0"/>
+                <a:ea typeface="Calibri" panose="020F0502020204030204" pitchFamily="34" charset="0"/>
+                <a:cs typeface="Times New Roman" panose="02020603050405020304" pitchFamily="18" charset="0"/>
+              </a:rPr>
+              <a:t>. Rule merging is not the same as fuzzy set merging [12] as multiple fuzzy sets can be associated with a rule depending on the formulation</a:t>
+            </a:r>
+            <a:endParaRPr lang="sl-SI" dirty="0"/>
+          </a:p>
+        </p:txBody>
+      </p:sp>
+      <p:sp>
+        <p:nvSpPr>
+          <p:cNvPr id="4" name="Označba mesta številke diapozitiva 3"/>
+          <p:cNvSpPr>
+            <a:spLocks noGrp="1"/>
+          </p:cNvSpPr>
+          <p:nvPr>
+            <p:ph type="sldNum" sz="quarter" idx="5"/>
+          </p:nvPr>
+        </p:nvSpPr>
+        <p:spPr/>
+        <p:txBody>
+          <a:bodyPr/>
+          <a:lstStyle/>
+          <a:p>
+            <a:fld id="{0705F0E0-E88B-4C5C-8D43-68FAFD3B86B6}" type="slidenum">
+              <a:rPr lang="sl-SI" smtClean="0"/>
+              <a:t>9</a:t>
+            </a:fld>
+            <a:endParaRPr lang="sl-SI"/>
+          </a:p>
+        </p:txBody>
+      </p:sp>
+    </p:spTree>
+    <p:extLst>
+      <p:ext uri="{BB962C8B-B14F-4D97-AF65-F5344CB8AC3E}">
+        <p14:creationId xmlns:p14="http://schemas.microsoft.com/office/powerpoint/2010/main" val="3977113748"/>
+      </p:ext>
+    </p:extLst>
+  </p:cSld>
+  <p:clrMapOvr>
+    <a:masterClrMapping/>
+  </p:clrMapOvr>
+</p:notes>
+</file>
+
+<file path=ppt/notesSlides/notesSlide7.xml><?xml version="1.0" encoding="utf-8"?>
+<p:notes xmlns:a="http://schemas.openxmlformats.org/drawingml/2006/main" xmlns:r="http://schemas.openxmlformats.org/officeDocument/2006/relationships" xmlns:p="http://schemas.openxmlformats.org/presentationml/2006/main">
+  <p:cSld>
+    <p:spTree>
+      <p:nvGrpSpPr>
+        <p:cNvPr id="1" name=""/>
+        <p:cNvGrpSpPr/>
+        <p:nvPr/>
+      </p:nvGrpSpPr>
+      <p:grpSpPr>
+        <a:xfrm>
+          <a:off x="0" y="0"/>
+          <a:ext cx="0" cy="0"/>
+          <a:chOff x="0" y="0"/>
+          <a:chExt cx="0" cy="0"/>
+        </a:xfrm>
+      </p:grpSpPr>
+      <p:sp>
+        <p:nvSpPr>
+          <p:cNvPr id="2" name="Označba mesta stranske slike 1"/>
+          <p:cNvSpPr>
+            <a:spLocks noGrp="1" noRot="1" noChangeAspect="1"/>
+          </p:cNvSpPr>
+          <p:nvPr>
+            <p:ph type="sldImg"/>
+          </p:nvPr>
+        </p:nvSpPr>
+        <p:spPr/>
+      </p:sp>
+      <p:sp>
+        <p:nvSpPr>
+          <p:cNvPr id="3" name="Označba mesta opomb 2"/>
+          <p:cNvSpPr>
+            <a:spLocks noGrp="1"/>
+          </p:cNvSpPr>
+          <p:nvPr>
+            <p:ph type="body" idx="1"/>
+          </p:nvPr>
+        </p:nvSpPr>
+        <p:spPr/>
+        <p:txBody>
+          <a:bodyPr/>
+          <a:lstStyle/>
+          <a:p>
+            <a:r>
+              <a:rPr lang="en-US" sz="1800" dirty="0">
+                <a:effectLst/>
+                <a:latin typeface="Calibri" panose="020F0502020204030204" pitchFamily="34" charset="0"/>
+                <a:ea typeface="Calibri" panose="020F0502020204030204" pitchFamily="34" charset="0"/>
+                <a:cs typeface="Times New Roman" panose="02020603050405020304" pitchFamily="18" charset="0"/>
+              </a:rPr>
+              <a:t>Although the adding mechanism should not add clusters based on outlier data, this can still happen. </a:t>
+            </a:r>
+            <a:endParaRPr lang="sl-SI" dirty="0"/>
+          </a:p>
+        </p:txBody>
+      </p:sp>
+      <p:sp>
+        <p:nvSpPr>
+          <p:cNvPr id="4" name="Označba mesta številke diapozitiva 3"/>
+          <p:cNvSpPr>
+            <a:spLocks noGrp="1"/>
+          </p:cNvSpPr>
+          <p:nvPr>
+            <p:ph type="sldNum" sz="quarter" idx="5"/>
+          </p:nvPr>
+        </p:nvSpPr>
+        <p:spPr/>
+        <p:txBody>
+          <a:bodyPr/>
+          <a:lstStyle/>
+          <a:p>
+            <a:fld id="{0705F0E0-E88B-4C5C-8D43-68FAFD3B86B6}" type="slidenum">
+              <a:rPr lang="sl-SI" smtClean="0"/>
+              <a:t>13</a:t>
+            </a:fld>
+            <a:endParaRPr lang="sl-SI"/>
+          </a:p>
+        </p:txBody>
+      </p:sp>
+    </p:spTree>
+    <p:extLst>
+      <p:ext uri="{BB962C8B-B14F-4D97-AF65-F5344CB8AC3E}">
+        <p14:creationId xmlns:p14="http://schemas.microsoft.com/office/powerpoint/2010/main" val="2228366489"/>
+      </p:ext>
+    </p:extLst>
+  </p:cSld>
+  <p:clrMapOvr>
+    <a:masterClrMapping/>
+  </p:clrMapOvr>
+</p:notes>
+</file>
+
+<file path=ppt/notesSlides/notesSlide8.xml><?xml version="1.0" encoding="utf-8"?>
+<p:notes xmlns:a="http://schemas.openxmlformats.org/drawingml/2006/main" xmlns:r="http://schemas.openxmlformats.org/officeDocument/2006/relationships" xmlns:p="http://schemas.openxmlformats.org/presentationml/2006/main">
+  <p:cSld>
+    <p:spTree>
+      <p:nvGrpSpPr>
+        <p:cNvPr id="1" name=""/>
+        <p:cNvGrpSpPr/>
+        <p:nvPr/>
+      </p:nvGrpSpPr>
+      <p:grpSpPr>
+        <a:xfrm>
+          <a:off x="0" y="0"/>
+          <a:ext cx="0" cy="0"/>
+          <a:chOff x="0" y="0"/>
+          <a:chExt cx="0" cy="0"/>
+        </a:xfrm>
+      </p:grpSpPr>
+      <p:sp>
+        <p:nvSpPr>
+          <p:cNvPr id="2" name="Označba mesta stranske slike 1"/>
+          <p:cNvSpPr>
+            <a:spLocks noGrp="1" noRot="1" noChangeAspect="1"/>
+          </p:cNvSpPr>
+          <p:nvPr>
+            <p:ph type="sldImg"/>
+          </p:nvPr>
+        </p:nvSpPr>
+        <p:spPr/>
+      </p:sp>
+      <p:sp>
+        <p:nvSpPr>
+          <p:cNvPr id="3" name="Označba mesta opomb 2"/>
+          <p:cNvSpPr>
+            <a:spLocks noGrp="1"/>
+          </p:cNvSpPr>
+          <p:nvPr>
+            <p:ph type="body" idx="1"/>
+          </p:nvPr>
+        </p:nvSpPr>
+        <p:spPr/>
+        <p:txBody>
+          <a:bodyPr/>
+          <a:lstStyle/>
+          <a:p>
+            <a:pPr>
+              <a:lnSpc>
+                <a:spcPct val="107000"/>
+              </a:lnSpc>
+              <a:spcAft>
+                <a:spcPts val="800"/>
+              </a:spcAft>
+            </a:pPr>
+            <a:r>
+              <a:rPr lang="sl-SI" sz="1800" dirty="0" err="1">
+                <a:effectLst/>
+                <a:latin typeface="Calibri" panose="020F0502020204030204" pitchFamily="34" charset="0"/>
+                <a:ea typeface="Calibri" panose="020F0502020204030204" pitchFamily="34" charset="0"/>
+                <a:cs typeface="Times New Roman" panose="02020603050405020304" pitchFamily="18" charset="0"/>
+              </a:rPr>
+              <a:t>auxiliary</a:t>
+            </a:r>
+            <a:r>
+              <a:rPr lang="sl-SI" sz="1800" dirty="0">
+                <a:effectLst/>
+                <a:latin typeface="Calibri" panose="020F0502020204030204" pitchFamily="34" charset="0"/>
+                <a:ea typeface="Calibri" panose="020F0502020204030204" pitchFamily="34" charset="0"/>
+                <a:cs typeface="Times New Roman" panose="02020603050405020304" pitchFamily="18" charset="0"/>
+              </a:rPr>
+              <a:t> </a:t>
+            </a:r>
+            <a:r>
+              <a:rPr lang="en-US" sz="1800" dirty="0">
+                <a:effectLst/>
+                <a:latin typeface="Calibri" panose="020F0502020204030204" pitchFamily="34" charset="0"/>
+                <a:ea typeface="Calibri" panose="020F0502020204030204" pitchFamily="34" charset="0"/>
+                <a:cs typeface="Times New Roman" panose="02020603050405020304" pitchFamily="18" charset="0"/>
+              </a:rPr>
+              <a:t>model – Replacing an unmeasurable variable (like the noise) in the regressor/information matrix by using an estimation of the variable instead of the real value. </a:t>
+            </a:r>
+            <a:endParaRPr lang="sl-SI" sz="1800" dirty="0">
+              <a:effectLst/>
+              <a:latin typeface="Calibri" panose="020F0502020204030204" pitchFamily="34" charset="0"/>
+              <a:ea typeface="Calibri" panose="020F0502020204030204" pitchFamily="34" charset="0"/>
+              <a:cs typeface="Times New Roman" panose="02020603050405020304" pitchFamily="18" charset="0"/>
+            </a:endParaRPr>
+          </a:p>
+          <a:p>
+            <a:pPr>
+              <a:lnSpc>
+                <a:spcPct val="107000"/>
+              </a:lnSpc>
+              <a:spcAft>
+                <a:spcPts val="800"/>
+              </a:spcAft>
+            </a:pPr>
+            <a:r>
+              <a:rPr lang="en-US" sz="1800" dirty="0" err="1">
+                <a:effectLst/>
+                <a:latin typeface="Calibri" panose="020F0502020204030204" pitchFamily="34" charset="0"/>
+                <a:ea typeface="Calibri" panose="020F0502020204030204" pitchFamily="34" charset="0"/>
+                <a:cs typeface="Times New Roman" panose="02020603050405020304" pitchFamily="18" charset="0"/>
+              </a:rPr>
+              <a:t>Hierhical</a:t>
+            </a:r>
+            <a:r>
+              <a:rPr lang="en-US" sz="1800" dirty="0">
+                <a:effectLst/>
+                <a:latin typeface="Calibri" panose="020F0502020204030204" pitchFamily="34" charset="0"/>
+                <a:ea typeface="Calibri" panose="020F0502020204030204" pitchFamily="34" charset="0"/>
+                <a:cs typeface="Times New Roman" panose="02020603050405020304" pitchFamily="18" charset="0"/>
+              </a:rPr>
+              <a:t> principle – decomposes the system into multiple where multiple regressors are used in every optimization. ( used to identify multivariable systems or noise transfer functions). </a:t>
+            </a:r>
+            <a:endParaRPr lang="sl-SI" sz="1800" dirty="0">
+              <a:effectLst/>
+              <a:latin typeface="Calibri" panose="020F0502020204030204" pitchFamily="34" charset="0"/>
+              <a:ea typeface="Calibri" panose="020F0502020204030204" pitchFamily="34" charset="0"/>
+              <a:cs typeface="Times New Roman" panose="02020603050405020304" pitchFamily="18" charset="0"/>
+            </a:endParaRPr>
+          </a:p>
+          <a:p>
+            <a:pPr>
+              <a:lnSpc>
+                <a:spcPct val="107000"/>
+              </a:lnSpc>
+              <a:spcAft>
+                <a:spcPts val="800"/>
+              </a:spcAft>
+            </a:pPr>
+            <a:r>
+              <a:rPr lang="en-US" sz="1800" dirty="0">
+                <a:effectLst/>
+                <a:latin typeface="Calibri" panose="020F0502020204030204" pitchFamily="34" charset="0"/>
+                <a:ea typeface="Calibri" panose="020F0502020204030204" pitchFamily="34" charset="0"/>
+                <a:cs typeface="Times New Roman" panose="02020603050405020304" pitchFamily="18" charset="0"/>
+              </a:rPr>
+              <a:t>Combining both approaches an unknown variable can be optimized in one optimization, used to estimate another regression variable and finally used in another optimization. </a:t>
+            </a:r>
+            <a:endParaRPr lang="sl-SI" sz="1800" dirty="0">
+              <a:effectLst/>
+              <a:latin typeface="Calibri" panose="020F0502020204030204" pitchFamily="34" charset="0"/>
+              <a:ea typeface="Calibri" panose="020F0502020204030204" pitchFamily="34" charset="0"/>
+              <a:cs typeface="Times New Roman" panose="02020603050405020304" pitchFamily="18" charset="0"/>
+            </a:endParaRPr>
+          </a:p>
+          <a:p>
+            <a:pPr>
+              <a:lnSpc>
+                <a:spcPct val="107000"/>
+              </a:lnSpc>
+              <a:spcAft>
+                <a:spcPts val="800"/>
+              </a:spcAft>
+            </a:pPr>
+            <a:r>
+              <a:rPr lang="en-US" sz="1800" dirty="0">
+                <a:effectLst/>
+                <a:latin typeface="Calibri" panose="020F0502020204030204" pitchFamily="34" charset="0"/>
+                <a:ea typeface="Calibri" panose="020F0502020204030204" pitchFamily="34" charset="0"/>
+                <a:cs typeface="Times New Roman" panose="02020603050405020304" pitchFamily="18" charset="0"/>
+              </a:rPr>
+              <a:t>instrumental variables – the output of the system is replaced by the model prediction (both are present)</a:t>
+            </a:r>
+            <a:endParaRPr lang="sl-SI" sz="1800" dirty="0">
+              <a:effectLst/>
+              <a:latin typeface="Calibri" panose="020F0502020204030204" pitchFamily="34" charset="0"/>
+              <a:ea typeface="Calibri" panose="020F0502020204030204" pitchFamily="34" charset="0"/>
+              <a:cs typeface="Times New Roman" panose="02020603050405020304" pitchFamily="18" charset="0"/>
+            </a:endParaRPr>
+          </a:p>
+          <a:p>
+            <a:pPr>
+              <a:lnSpc>
+                <a:spcPct val="107000"/>
+              </a:lnSpc>
+              <a:spcAft>
+                <a:spcPts val="800"/>
+              </a:spcAft>
+            </a:pPr>
+            <a:r>
+              <a:rPr lang="en-US" sz="1800" dirty="0" err="1">
+                <a:effectLst/>
+                <a:latin typeface="Calibri" panose="020F0502020204030204" pitchFamily="34" charset="0"/>
+                <a:ea typeface="Calibri" panose="020F0502020204030204" pitchFamily="34" charset="0"/>
+                <a:cs typeface="Times New Roman" panose="02020603050405020304" pitchFamily="18" charset="0"/>
+              </a:rPr>
+              <a:t>Correntropy</a:t>
+            </a:r>
+            <a:r>
+              <a:rPr lang="en-US" sz="1800" dirty="0">
+                <a:effectLst/>
+                <a:latin typeface="Calibri" panose="020F0502020204030204" pitchFamily="34" charset="0"/>
+                <a:ea typeface="Calibri" panose="020F0502020204030204" pitchFamily="34" charset="0"/>
+                <a:cs typeface="Times New Roman" panose="02020603050405020304" pitchFamily="18" charset="0"/>
+              </a:rPr>
+              <a:t> -  a Mercer's kernel (usually Gaussian) of the error values in the optimization criteria function used to lower the effect of outlier samples </a:t>
+            </a:r>
+            <a:r>
+              <a:rPr lang="sl-SI" sz="1800" dirty="0">
+                <a:effectLst/>
+                <a:latin typeface="Times New Roman" panose="02020603050405020304" pitchFamily="18" charset="0"/>
+                <a:ea typeface="Times New Roman" panose="02020603050405020304" pitchFamily="18" charset="0"/>
+                <a:cs typeface="Times New Roman" panose="02020603050405020304" pitchFamily="18" charset="0"/>
+              </a:rPr>
+              <a:t>[47]</a:t>
+            </a:r>
+            <a:r>
+              <a:rPr lang="en-US" sz="1800" dirty="0">
+                <a:effectLst/>
+                <a:latin typeface="Calibri" panose="020F0502020204030204" pitchFamily="34" charset="0"/>
+                <a:ea typeface="Calibri" panose="020F0502020204030204" pitchFamily="34" charset="0"/>
+                <a:cs typeface="Times New Roman" panose="02020603050405020304" pitchFamily="18" charset="0"/>
+              </a:rPr>
+              <a:t>. </a:t>
+            </a:r>
+            <a:endParaRPr lang="sl-SI" sz="1800" dirty="0">
+              <a:effectLst/>
+              <a:latin typeface="Calibri" panose="020F0502020204030204" pitchFamily="34" charset="0"/>
+              <a:ea typeface="Calibri" panose="020F0502020204030204" pitchFamily="34" charset="0"/>
+              <a:cs typeface="Times New Roman" panose="02020603050405020304" pitchFamily="18" charset="0"/>
+            </a:endParaRPr>
+          </a:p>
+          <a:p>
+            <a:endParaRPr lang="sl-SI" dirty="0"/>
+          </a:p>
+        </p:txBody>
+      </p:sp>
+      <p:sp>
+        <p:nvSpPr>
+          <p:cNvPr id="4" name="Označba mesta številke diapozitiva 3"/>
+          <p:cNvSpPr>
+            <a:spLocks noGrp="1"/>
+          </p:cNvSpPr>
+          <p:nvPr>
+            <p:ph type="sldNum" sz="quarter" idx="5"/>
+          </p:nvPr>
+        </p:nvSpPr>
+        <p:spPr/>
+        <p:txBody>
+          <a:bodyPr/>
+          <a:lstStyle/>
+          <a:p>
+            <a:fld id="{0705F0E0-E88B-4C5C-8D43-68FAFD3B86B6}" type="slidenum">
+              <a:rPr lang="sl-SI" smtClean="0"/>
+              <a:t>14</a:t>
+            </a:fld>
+            <a:endParaRPr lang="sl-SI"/>
+          </a:p>
+        </p:txBody>
+      </p:sp>
+    </p:spTree>
+    <p:extLst>
+      <p:ext uri="{BB962C8B-B14F-4D97-AF65-F5344CB8AC3E}">
+        <p14:creationId xmlns:p14="http://schemas.microsoft.com/office/powerpoint/2010/main" val="213126620"/>
+      </p:ext>
+    </p:extLst>
+  </p:cSld>
+  <p:clrMapOvr>
+    <a:masterClrMapping/>
+  </p:clrMapOvr>
+</p:notes>
+</file>
+
+<file path=ppt/notesSlides/notesSlide9.xml><?xml version="1.0" encoding="utf-8"?>
+<p:notes xmlns:a="http://schemas.openxmlformats.org/drawingml/2006/main" xmlns:r="http://schemas.openxmlformats.org/officeDocument/2006/relationships" xmlns:p="http://schemas.openxmlformats.org/presentationml/2006/main">
+  <p:cSld>
+    <p:spTree>
+      <p:nvGrpSpPr>
+        <p:cNvPr id="1" name=""/>
+        <p:cNvGrpSpPr/>
+        <p:nvPr/>
+      </p:nvGrpSpPr>
+      <p:grpSpPr>
+        <a:xfrm>
+          <a:off x="0" y="0"/>
+          <a:ext cx="0" cy="0"/>
+          <a:chOff x="0" y="0"/>
+          <a:chExt cx="0" cy="0"/>
+        </a:xfrm>
+      </p:grpSpPr>
+      <p:sp>
+        <p:nvSpPr>
+          <p:cNvPr id="2" name="Označba mesta stranske slike 1"/>
+          <p:cNvSpPr>
+            <a:spLocks noGrp="1" noRot="1" noChangeAspect="1"/>
+          </p:cNvSpPr>
+          <p:nvPr>
+            <p:ph type="sldImg"/>
+          </p:nvPr>
+        </p:nvSpPr>
+        <p:spPr/>
+      </p:sp>
+      <p:sp>
+        <p:nvSpPr>
+          <p:cNvPr id="3" name="Označba mesta opomb 2"/>
+          <p:cNvSpPr>
+            <a:spLocks noGrp="1"/>
+          </p:cNvSpPr>
+          <p:nvPr>
+            <p:ph type="body" idx="1"/>
+          </p:nvPr>
+        </p:nvSpPr>
+        <p:spPr/>
+        <p:txBody>
+          <a:bodyPr/>
+          <a:lstStyle/>
+          <a:p>
+            <a:endParaRPr lang="sl-SI" dirty="0"/>
+          </a:p>
+        </p:txBody>
+      </p:sp>
+      <p:sp>
+        <p:nvSpPr>
+          <p:cNvPr id="4" name="Označba mesta številke diapozitiva 3"/>
+          <p:cNvSpPr>
+            <a:spLocks noGrp="1"/>
+          </p:cNvSpPr>
+          <p:nvPr>
+            <p:ph type="sldNum" sz="quarter" idx="5"/>
+          </p:nvPr>
+        </p:nvSpPr>
+        <p:spPr/>
+        <p:txBody>
+          <a:bodyPr/>
+          <a:lstStyle/>
+          <a:p>
+            <a:fld id="{0705F0E0-E88B-4C5C-8D43-68FAFD3B86B6}" type="slidenum">
+              <a:rPr lang="sl-SI" smtClean="0"/>
+              <a:t>15</a:t>
+            </a:fld>
+            <a:endParaRPr lang="sl-SI"/>
+          </a:p>
+        </p:txBody>
+      </p:sp>
+    </p:spTree>
+    <p:extLst>
+      <p:ext uri="{BB962C8B-B14F-4D97-AF65-F5344CB8AC3E}">
+        <p14:creationId xmlns:p14="http://schemas.microsoft.com/office/powerpoint/2010/main" val="1086975049"/>
+      </p:ext>
+    </p:extLst>
+  </p:cSld>
+  <p:clrMapOvr>
+    <a:masterClrMapping/>
+  </p:clrMapOvr>
+</p:notes>
 </file>
 
 <file path=ppt/slideLayouts/slideLayout1.xml><?xml version="1.0" encoding="utf-8"?>
@@ -995,7 +3512,7 @@
           <a:p>
             <a:fld id="{B9A2E369-372F-459A-AFC1-A07B1B21B7B4}" type="datetimeFigureOut">
               <a:rPr lang="sl-SI" smtClean="0"/>
-              <a:t>11. 04. 2022</a:t>
+              <a:t>12. 04. 2022</a:t>
             </a:fld>
             <a:endParaRPr lang="sl-SI"/>
           </a:p>
@@ -1193,7 +3710,7 @@
           <a:p>
             <a:fld id="{B9A2E369-372F-459A-AFC1-A07B1B21B7B4}" type="datetimeFigureOut">
               <a:rPr lang="sl-SI" smtClean="0"/>
-              <a:t>11. 04. 2022</a:t>
+              <a:t>12. 04. 2022</a:t>
             </a:fld>
             <a:endParaRPr lang="sl-SI"/>
           </a:p>
@@ -1401,7 +3918,7 @@
           <a:p>
             <a:fld id="{B9A2E369-372F-459A-AFC1-A07B1B21B7B4}" type="datetimeFigureOut">
               <a:rPr lang="sl-SI" smtClean="0"/>
-              <a:t>11. 04. 2022</a:t>
+              <a:t>12. 04. 2022</a:t>
             </a:fld>
             <a:endParaRPr lang="sl-SI"/>
           </a:p>
@@ -1599,7 +4116,7 @@
           <a:p>
             <a:fld id="{B9A2E369-372F-459A-AFC1-A07B1B21B7B4}" type="datetimeFigureOut">
               <a:rPr lang="sl-SI" smtClean="0"/>
-              <a:t>11. 04. 2022</a:t>
+              <a:t>12. 04. 2022</a:t>
             </a:fld>
             <a:endParaRPr lang="sl-SI"/>
           </a:p>
@@ -1874,7 +4391,7 @@
           <a:p>
             <a:fld id="{B9A2E369-372F-459A-AFC1-A07B1B21B7B4}" type="datetimeFigureOut">
               <a:rPr lang="sl-SI" smtClean="0"/>
-              <a:t>11. 04. 2022</a:t>
+              <a:t>12. 04. 2022</a:t>
             </a:fld>
             <a:endParaRPr lang="sl-SI"/>
           </a:p>
@@ -2139,7 +4656,7 @@
           <a:p>
             <a:fld id="{B9A2E369-372F-459A-AFC1-A07B1B21B7B4}" type="datetimeFigureOut">
               <a:rPr lang="sl-SI" smtClean="0"/>
-              <a:t>11. 04. 2022</a:t>
+              <a:t>12. 04. 2022</a:t>
             </a:fld>
             <a:endParaRPr lang="sl-SI"/>
           </a:p>
@@ -2551,7 +5068,7 @@
           <a:p>
             <a:fld id="{B9A2E369-372F-459A-AFC1-A07B1B21B7B4}" type="datetimeFigureOut">
               <a:rPr lang="sl-SI" smtClean="0"/>
-              <a:t>11. 04. 2022</a:t>
+              <a:t>12. 04. 2022</a:t>
             </a:fld>
             <a:endParaRPr lang="sl-SI"/>
           </a:p>
@@ -2692,7 +5209,7 @@
           <a:p>
             <a:fld id="{B9A2E369-372F-459A-AFC1-A07B1B21B7B4}" type="datetimeFigureOut">
               <a:rPr lang="sl-SI" smtClean="0"/>
-              <a:t>11. 04. 2022</a:t>
+              <a:t>12. 04. 2022</a:t>
             </a:fld>
             <a:endParaRPr lang="sl-SI"/>
           </a:p>
@@ -2805,7 +5322,7 @@
           <a:p>
             <a:fld id="{B9A2E369-372F-459A-AFC1-A07B1B21B7B4}" type="datetimeFigureOut">
               <a:rPr lang="sl-SI" smtClean="0"/>
-              <a:t>11. 04. 2022</a:t>
+              <a:t>12. 04. 2022</a:t>
             </a:fld>
             <a:endParaRPr lang="sl-SI"/>
           </a:p>
@@ -3116,7 +5633,7 @@
           <a:p>
             <a:fld id="{B9A2E369-372F-459A-AFC1-A07B1B21B7B4}" type="datetimeFigureOut">
               <a:rPr lang="sl-SI" smtClean="0"/>
-              <a:t>11. 04. 2022</a:t>
+              <a:t>12. 04. 2022</a:t>
             </a:fld>
             <a:endParaRPr lang="sl-SI"/>
           </a:p>
@@ -3404,7 +5921,7 @@
           <a:p>
             <a:fld id="{B9A2E369-372F-459A-AFC1-A07B1B21B7B4}" type="datetimeFigureOut">
               <a:rPr lang="sl-SI" smtClean="0"/>
-              <a:t>11. 04. 2022</a:t>
+              <a:t>12. 04. 2022</a:t>
             </a:fld>
             <a:endParaRPr lang="sl-SI"/>
           </a:p>
@@ -3645,7 +6162,7 @@
           <a:p>
             <a:fld id="{B9A2E369-372F-459A-AFC1-A07B1B21B7B4}" type="datetimeFigureOut">
               <a:rPr lang="sl-SI" smtClean="0"/>
-              <a:t>11. 04. 2022</a:t>
+              <a:t>12. 04. 2022</a:t>
             </a:fld>
             <a:endParaRPr lang="sl-SI"/>
           </a:p>
@@ -4579,6 +7096,2320 @@
 </p:sld>
 </file>
 
+<file path=ppt/slides/slide10.xml><?xml version="1.0" encoding="utf-8"?>
+<p:sld xmlns:a="http://schemas.openxmlformats.org/drawingml/2006/main" xmlns:r="http://schemas.openxmlformats.org/officeDocument/2006/relationships" xmlns:p="http://schemas.openxmlformats.org/presentationml/2006/main">
+  <p:cSld>
+    <p:spTree>
+      <p:nvGrpSpPr>
+        <p:cNvPr id="1" name=""/>
+        <p:cNvGrpSpPr/>
+        <p:nvPr/>
+      </p:nvGrpSpPr>
+      <p:grpSpPr>
+        <a:xfrm>
+          <a:off x="0" y="0"/>
+          <a:ext cx="0" cy="0"/>
+          <a:chOff x="0" y="0"/>
+          <a:chExt cx="0" cy="0"/>
+        </a:xfrm>
+      </p:grpSpPr>
+      <p:sp>
+        <p:nvSpPr>
+          <p:cNvPr id="2" name="Naslov 1">
+            <a:extLst>
+              <a:ext uri="{FF2B5EF4-FFF2-40B4-BE49-F238E27FC236}">
+                <a16:creationId xmlns:a16="http://schemas.microsoft.com/office/drawing/2014/main" id="{29C4D673-7BFA-4229-B881-FE238058D6F7}"/>
+              </a:ext>
+            </a:extLst>
+          </p:cNvPr>
+          <p:cNvSpPr>
+            <a:spLocks noGrp="1"/>
+          </p:cNvSpPr>
+          <p:nvPr>
+            <p:ph type="title"/>
+          </p:nvPr>
+        </p:nvSpPr>
+        <p:spPr/>
+        <p:txBody>
+          <a:bodyPr/>
+          <a:lstStyle/>
+          <a:p>
+            <a:r>
+              <a:rPr lang="sl-SI" dirty="0"/>
+              <a:t>Pogoji za združevanje rojev</a:t>
+            </a:r>
+          </a:p>
+        </p:txBody>
+      </p:sp>
+      <p:sp>
+        <p:nvSpPr>
+          <p:cNvPr id="3" name="Označba mesta vsebine 2">
+            <a:extLst>
+              <a:ext uri="{FF2B5EF4-FFF2-40B4-BE49-F238E27FC236}">
+                <a16:creationId xmlns:a16="http://schemas.microsoft.com/office/drawing/2014/main" id="{354E9BDB-FFAF-4691-A07B-B175C22DE297}"/>
+              </a:ext>
+            </a:extLst>
+          </p:cNvPr>
+          <p:cNvSpPr>
+            <a:spLocks noGrp="1"/>
+          </p:cNvSpPr>
+          <p:nvPr>
+            <p:ph idx="1"/>
+          </p:nvPr>
+        </p:nvSpPr>
+        <p:spPr/>
+        <p:txBody>
+          <a:bodyPr/>
+          <a:lstStyle/>
+          <a:p>
+            <a:r>
+              <a:rPr lang="sl-SI" dirty="0"/>
+              <a:t>Prekrivanje in volumetrična podobnost rojev [5] (relativna entropija, </a:t>
+            </a:r>
+            <a:r>
+              <a:rPr lang="en-US" dirty="0" err="1"/>
+              <a:t>Bhattacharyy</a:t>
+            </a:r>
+            <a:r>
+              <a:rPr lang="sl-SI" dirty="0" err="1"/>
+              <a:t>eva</a:t>
+            </a:r>
+            <a:r>
+              <a:rPr lang="sl-SI" dirty="0"/>
+              <a:t> razdalja [6])</a:t>
+            </a:r>
+          </a:p>
+          <a:p>
+            <a:r>
+              <a:rPr lang="sl-SI" dirty="0"/>
+              <a:t>Korelacija med aktivacijami pravil [5]</a:t>
+            </a:r>
+          </a:p>
+          <a:p>
+            <a:r>
+              <a:rPr lang="sl-SI" dirty="0"/>
+              <a:t>Razdalje med roji (</a:t>
+            </a:r>
+            <a:r>
+              <a:rPr lang="en-US" dirty="0"/>
+              <a:t>Welch test</a:t>
+            </a:r>
+            <a:r>
+              <a:rPr lang="sl-SI" dirty="0"/>
+              <a:t>) </a:t>
+            </a:r>
+            <a:r>
+              <a:rPr lang="en-US" dirty="0"/>
+              <a:t>[</a:t>
+            </a:r>
+            <a:r>
+              <a:rPr lang="sl-SI" dirty="0"/>
+              <a:t>5,14,</a:t>
+            </a:r>
+            <a:r>
+              <a:rPr lang="en-US" dirty="0"/>
+              <a:t>17]</a:t>
+            </a:r>
+            <a:endParaRPr lang="sl-SI" dirty="0"/>
+          </a:p>
+          <a:p>
+            <a:r>
+              <a:rPr lang="sl-SI" dirty="0"/>
+              <a:t>Primerjava posledičnih parametrov [5,19]</a:t>
+            </a:r>
+          </a:p>
+          <a:p>
+            <a:endParaRPr lang="sl-SI" sz="1800" dirty="0">
+              <a:latin typeface="Calibri" panose="020F0502020204030204" pitchFamily="34" charset="0"/>
+              <a:cs typeface="Times New Roman" panose="02020603050405020304" pitchFamily="18" charset="0"/>
+            </a:endParaRPr>
+          </a:p>
+        </p:txBody>
+      </p:sp>
+      <p:pic>
+        <p:nvPicPr>
+          <p:cNvPr id="6" name="Picture 39" descr="Text&#10;&#10;Description automatically generated with medium confidence">
+            <a:extLst>
+              <a:ext uri="{FF2B5EF4-FFF2-40B4-BE49-F238E27FC236}">
+                <a16:creationId xmlns:a16="http://schemas.microsoft.com/office/drawing/2014/main" id="{E9FA8733-898D-4316-BA85-8FDE057BA093}"/>
+              </a:ext>
+            </a:extLst>
+          </p:cNvPr>
+          <p:cNvPicPr>
+            <a:picLocks noChangeAspect="1"/>
+          </p:cNvPicPr>
+          <p:nvPr/>
+        </p:nvPicPr>
+        <p:blipFill>
+          <a:blip r:embed="rId2"/>
+          <a:stretch>
+            <a:fillRect/>
+          </a:stretch>
+        </p:blipFill>
+        <p:spPr>
+          <a:xfrm>
+            <a:off x="8178644" y="3445355"/>
+            <a:ext cx="1931988" cy="733536"/>
+          </a:xfrm>
+          <a:prstGeom prst="rect">
+            <a:avLst/>
+          </a:prstGeom>
+        </p:spPr>
+      </p:pic>
+      <p:pic>
+        <p:nvPicPr>
+          <p:cNvPr id="8" name="Slika 7">
+            <a:extLst>
+              <a:ext uri="{FF2B5EF4-FFF2-40B4-BE49-F238E27FC236}">
+                <a16:creationId xmlns:a16="http://schemas.microsoft.com/office/drawing/2014/main" id="{A291E1AF-4115-4282-B2FE-8F606C019ADE}"/>
+              </a:ext>
+            </a:extLst>
+          </p:cNvPr>
+          <p:cNvPicPr>
+            <a:picLocks noChangeAspect="1"/>
+          </p:cNvPicPr>
+          <p:nvPr/>
+        </p:nvPicPr>
+        <p:blipFill>
+          <a:blip r:embed="rId3"/>
+          <a:stretch>
+            <a:fillRect/>
+          </a:stretch>
+        </p:blipFill>
+        <p:spPr>
+          <a:xfrm>
+            <a:off x="6639242" y="4465638"/>
+            <a:ext cx="2452370" cy="593725"/>
+          </a:xfrm>
+          <a:prstGeom prst="rect">
+            <a:avLst/>
+          </a:prstGeom>
+        </p:spPr>
+      </p:pic>
+      <p:pic>
+        <p:nvPicPr>
+          <p:cNvPr id="9" name="Picture 38">
+            <a:extLst>
+              <a:ext uri="{FF2B5EF4-FFF2-40B4-BE49-F238E27FC236}">
+                <a16:creationId xmlns:a16="http://schemas.microsoft.com/office/drawing/2014/main" id="{08397847-3EC8-41A8-845B-2FBD81FACC24}"/>
+              </a:ext>
+            </a:extLst>
+          </p:cNvPr>
+          <p:cNvPicPr>
+            <a:picLocks noChangeAspect="1"/>
+          </p:cNvPicPr>
+          <p:nvPr/>
+        </p:nvPicPr>
+        <p:blipFill>
+          <a:blip r:embed="rId4"/>
+          <a:stretch>
+            <a:fillRect/>
+          </a:stretch>
+        </p:blipFill>
+        <p:spPr>
+          <a:xfrm>
+            <a:off x="6096000" y="5154928"/>
+            <a:ext cx="3638550" cy="361950"/>
+          </a:xfrm>
+          <a:prstGeom prst="rect">
+            <a:avLst/>
+          </a:prstGeom>
+        </p:spPr>
+      </p:pic>
+      <p:pic>
+        <p:nvPicPr>
+          <p:cNvPr id="11" name="Picture 30" descr="Text&#10;&#10;Description automatically generated">
+            <a:extLst>
+              <a:ext uri="{FF2B5EF4-FFF2-40B4-BE49-F238E27FC236}">
+                <a16:creationId xmlns:a16="http://schemas.microsoft.com/office/drawing/2014/main" id="{034D35BE-C44A-447B-BBD7-5C6D40613EAE}"/>
+              </a:ext>
+            </a:extLst>
+          </p:cNvPr>
+          <p:cNvPicPr>
+            <a:picLocks noChangeAspect="1"/>
+          </p:cNvPicPr>
+          <p:nvPr/>
+        </p:nvPicPr>
+        <p:blipFill>
+          <a:blip r:embed="rId5"/>
+          <a:stretch>
+            <a:fillRect/>
+          </a:stretch>
+        </p:blipFill>
+        <p:spPr>
+          <a:xfrm>
+            <a:off x="6767357" y="5791719"/>
+            <a:ext cx="3343275" cy="609600"/>
+          </a:xfrm>
+          <a:prstGeom prst="rect">
+            <a:avLst/>
+          </a:prstGeom>
+        </p:spPr>
+      </p:pic>
+      <p:pic>
+        <p:nvPicPr>
+          <p:cNvPr id="12" name="Picture 40">
+            <a:extLst>
+              <a:ext uri="{FF2B5EF4-FFF2-40B4-BE49-F238E27FC236}">
+                <a16:creationId xmlns:a16="http://schemas.microsoft.com/office/drawing/2014/main" id="{9E3844B7-9FB4-4EC3-B021-7666C8705B2C}"/>
+              </a:ext>
+            </a:extLst>
+          </p:cNvPr>
+          <p:cNvPicPr>
+            <a:picLocks noChangeAspect="1"/>
+          </p:cNvPicPr>
+          <p:nvPr/>
+        </p:nvPicPr>
+        <p:blipFill>
+          <a:blip r:embed="rId6"/>
+          <a:stretch>
+            <a:fillRect/>
+          </a:stretch>
+        </p:blipFill>
+        <p:spPr>
+          <a:xfrm>
+            <a:off x="957105" y="5433533"/>
+            <a:ext cx="3571875" cy="361950"/>
+          </a:xfrm>
+          <a:prstGeom prst="rect">
+            <a:avLst/>
+          </a:prstGeom>
+        </p:spPr>
+      </p:pic>
+      <p:pic>
+        <p:nvPicPr>
+          <p:cNvPr id="13" name="Slika 12" descr="Slika, ki vsebuje besede besedilo&#10;&#10;Opis je samodejno ustvarjen">
+            <a:extLst>
+              <a:ext uri="{FF2B5EF4-FFF2-40B4-BE49-F238E27FC236}">
+                <a16:creationId xmlns:a16="http://schemas.microsoft.com/office/drawing/2014/main" id="{7E163A39-C47C-4ABB-8365-825A3596D2EF}"/>
+              </a:ext>
+            </a:extLst>
+          </p:cNvPr>
+          <p:cNvPicPr>
+            <a:picLocks noChangeAspect="1"/>
+          </p:cNvPicPr>
+          <p:nvPr/>
+        </p:nvPicPr>
+        <p:blipFill>
+          <a:blip r:embed="rId7"/>
+          <a:stretch>
+            <a:fillRect/>
+          </a:stretch>
+        </p:blipFill>
+        <p:spPr>
+          <a:xfrm>
+            <a:off x="965042" y="5876925"/>
+            <a:ext cx="3743325" cy="600075"/>
+          </a:xfrm>
+          <a:prstGeom prst="rect">
+            <a:avLst/>
+          </a:prstGeom>
+        </p:spPr>
+      </p:pic>
+      <p:pic>
+        <p:nvPicPr>
+          <p:cNvPr id="16" name="Slika 15">
+            <a:extLst>
+              <a:ext uri="{FF2B5EF4-FFF2-40B4-BE49-F238E27FC236}">
+                <a16:creationId xmlns:a16="http://schemas.microsoft.com/office/drawing/2014/main" id="{C0305A5C-8631-4428-868E-2FC70A2C8434}"/>
+              </a:ext>
+            </a:extLst>
+          </p:cNvPr>
+          <p:cNvPicPr>
+            <a:picLocks noChangeAspect="1"/>
+          </p:cNvPicPr>
+          <p:nvPr/>
+        </p:nvPicPr>
+        <p:blipFill>
+          <a:blip r:embed="rId8"/>
+          <a:stretch>
+            <a:fillRect/>
+          </a:stretch>
+        </p:blipFill>
+        <p:spPr>
+          <a:xfrm>
+            <a:off x="7091362" y="2380621"/>
+            <a:ext cx="4867275" cy="647700"/>
+          </a:xfrm>
+          <a:prstGeom prst="rect">
+            <a:avLst/>
+          </a:prstGeom>
+        </p:spPr>
+      </p:pic>
+      <p:pic>
+        <p:nvPicPr>
+          <p:cNvPr id="18" name="Slika 17">
+            <a:extLst>
+              <a:ext uri="{FF2B5EF4-FFF2-40B4-BE49-F238E27FC236}">
+                <a16:creationId xmlns:a16="http://schemas.microsoft.com/office/drawing/2014/main" id="{9DFB01B6-DD71-4F77-AD95-DD3784B05FF2}"/>
+              </a:ext>
+            </a:extLst>
+          </p:cNvPr>
+          <p:cNvPicPr>
+            <a:picLocks noChangeAspect="1"/>
+          </p:cNvPicPr>
+          <p:nvPr/>
+        </p:nvPicPr>
+        <p:blipFill>
+          <a:blip r:embed="rId9"/>
+          <a:stretch>
+            <a:fillRect/>
+          </a:stretch>
+        </p:blipFill>
+        <p:spPr>
+          <a:xfrm>
+            <a:off x="838200" y="4494802"/>
+            <a:ext cx="2152650" cy="714375"/>
+          </a:xfrm>
+          <a:prstGeom prst="rect">
+            <a:avLst/>
+          </a:prstGeom>
+        </p:spPr>
+      </p:pic>
+      <p:pic>
+        <p:nvPicPr>
+          <p:cNvPr id="19" name="Slika 18">
+            <a:extLst>
+              <a:ext uri="{FF2B5EF4-FFF2-40B4-BE49-F238E27FC236}">
+                <a16:creationId xmlns:a16="http://schemas.microsoft.com/office/drawing/2014/main" id="{EF5E848B-295A-44F2-9B66-D5AFFC6585D7}"/>
+              </a:ext>
+            </a:extLst>
+          </p:cNvPr>
+          <p:cNvPicPr>
+            <a:picLocks noChangeAspect="1"/>
+          </p:cNvPicPr>
+          <p:nvPr/>
+        </p:nvPicPr>
+        <p:blipFill>
+          <a:blip r:embed="rId10">
+            <a:extLst>
+              <a:ext uri="{28A0092B-C50C-407E-A947-70E740481C1C}">
+                <a14:useLocalDpi xmlns:a14="http://schemas.microsoft.com/office/drawing/2010/main" val="0"/>
+              </a:ext>
+            </a:extLst>
+          </a:blip>
+          <a:stretch>
+            <a:fillRect/>
+          </a:stretch>
+        </p:blipFill>
+        <p:spPr>
+          <a:xfrm>
+            <a:off x="10931704" y="130556"/>
+            <a:ext cx="1168059" cy="487300"/>
+          </a:xfrm>
+          <a:prstGeom prst="rect">
+            <a:avLst/>
+          </a:prstGeom>
+        </p:spPr>
+      </p:pic>
+    </p:spTree>
+    <p:extLst>
+      <p:ext uri="{BB962C8B-B14F-4D97-AF65-F5344CB8AC3E}">
+        <p14:creationId xmlns:p14="http://schemas.microsoft.com/office/powerpoint/2010/main" val="1777168465"/>
+      </p:ext>
+    </p:extLst>
+  </p:cSld>
+  <p:clrMapOvr>
+    <a:masterClrMapping/>
+  </p:clrMapOvr>
+</p:sld>
+</file>
+
+<file path=ppt/slides/slide11.xml><?xml version="1.0" encoding="utf-8"?>
+<p:sld xmlns:a="http://schemas.openxmlformats.org/drawingml/2006/main" xmlns:r="http://schemas.openxmlformats.org/officeDocument/2006/relationships" xmlns:p="http://schemas.openxmlformats.org/presentationml/2006/main">
+  <p:cSld>
+    <p:spTree>
+      <p:nvGrpSpPr>
+        <p:cNvPr id="1" name=""/>
+        <p:cNvGrpSpPr/>
+        <p:nvPr/>
+      </p:nvGrpSpPr>
+      <p:grpSpPr>
+        <a:xfrm>
+          <a:off x="0" y="0"/>
+          <a:ext cx="0" cy="0"/>
+          <a:chOff x="0" y="0"/>
+          <a:chExt cx="0" cy="0"/>
+        </a:xfrm>
+      </p:grpSpPr>
+      <p:sp>
+        <p:nvSpPr>
+          <p:cNvPr id="2" name="Naslov 1">
+            <a:extLst>
+              <a:ext uri="{FF2B5EF4-FFF2-40B4-BE49-F238E27FC236}">
+                <a16:creationId xmlns:a16="http://schemas.microsoft.com/office/drawing/2014/main" id="{5DD53BE2-3A1A-408D-AF5E-B16509C26E3D}"/>
+              </a:ext>
+            </a:extLst>
+          </p:cNvPr>
+          <p:cNvSpPr>
+            <a:spLocks noGrp="1"/>
+          </p:cNvSpPr>
+          <p:nvPr>
+            <p:ph type="title"/>
+          </p:nvPr>
+        </p:nvSpPr>
+        <p:spPr/>
+        <p:txBody>
+          <a:bodyPr/>
+          <a:lstStyle/>
+          <a:p>
+            <a:r>
+              <a:rPr lang="sl-SI" dirty="0" err="1"/>
+              <a:t>Združevnaje</a:t>
+            </a:r>
+            <a:r>
+              <a:rPr lang="sl-SI" dirty="0"/>
+              <a:t> rojev</a:t>
+            </a:r>
+          </a:p>
+        </p:txBody>
+      </p:sp>
+      <p:sp>
+        <p:nvSpPr>
+          <p:cNvPr id="3" name="Označba mesta vsebine 2">
+            <a:extLst>
+              <a:ext uri="{FF2B5EF4-FFF2-40B4-BE49-F238E27FC236}">
+                <a16:creationId xmlns:a16="http://schemas.microsoft.com/office/drawing/2014/main" id="{9B7BDED3-60BE-4F4C-8872-B171FE820D8D}"/>
+              </a:ext>
+            </a:extLst>
+          </p:cNvPr>
+          <p:cNvSpPr>
+            <a:spLocks noGrp="1"/>
+          </p:cNvSpPr>
+          <p:nvPr>
+            <p:ph idx="1"/>
+          </p:nvPr>
+        </p:nvSpPr>
+        <p:spPr/>
+        <p:txBody>
+          <a:bodyPr/>
+          <a:lstStyle/>
+          <a:p>
+            <a:pPr marL="0" indent="0">
+              <a:buNone/>
+            </a:pPr>
+            <a:r>
+              <a:rPr lang="sl-SI" sz="1800" dirty="0">
+                <a:effectLst/>
+                <a:latin typeface="Calibri" panose="020F0502020204030204" pitchFamily="34" charset="0"/>
+                <a:ea typeface="Calibri" panose="020F0502020204030204" pitchFamily="34" charset="0"/>
+                <a:cs typeface="Times New Roman" panose="02020603050405020304" pitchFamily="18" charset="0"/>
+              </a:rPr>
+              <a:t>Elipsoidni Gaussovi roji </a:t>
+            </a:r>
+            <a:r>
+              <a:rPr lang="en-US" sz="1800" dirty="0">
+                <a:effectLst/>
+                <a:latin typeface="Calibri" panose="020F0502020204030204" pitchFamily="34" charset="0"/>
+                <a:ea typeface="Calibri" panose="020F0502020204030204" pitchFamily="34" charset="0"/>
+                <a:cs typeface="Times New Roman" panose="02020603050405020304" pitchFamily="18" charset="0"/>
+              </a:rPr>
+              <a:t>[19, 43]</a:t>
+            </a:r>
+            <a:endParaRPr lang="sl-SI" sz="1800" dirty="0">
+              <a:effectLst/>
+              <a:latin typeface="Calibri" panose="020F0502020204030204" pitchFamily="34" charset="0"/>
+              <a:ea typeface="Calibri" panose="020F0502020204030204" pitchFamily="34" charset="0"/>
+              <a:cs typeface="Times New Roman" panose="02020603050405020304" pitchFamily="18" charset="0"/>
+            </a:endParaRPr>
+          </a:p>
+        </p:txBody>
+      </p:sp>
+      <p:pic>
+        <p:nvPicPr>
+          <p:cNvPr id="4" name="Slika 3" descr="Slika, ki vsebuje besede besedilo&#10;&#10;Opis je samodejno ustvarjen">
+            <a:extLst>
+              <a:ext uri="{FF2B5EF4-FFF2-40B4-BE49-F238E27FC236}">
+                <a16:creationId xmlns:a16="http://schemas.microsoft.com/office/drawing/2014/main" id="{05AE727E-5F2F-448B-B67B-8E426C9AD95E}"/>
+              </a:ext>
+            </a:extLst>
+          </p:cNvPr>
+          <p:cNvPicPr>
+            <a:picLocks noChangeAspect="1"/>
+          </p:cNvPicPr>
+          <p:nvPr/>
+        </p:nvPicPr>
+        <p:blipFill>
+          <a:blip r:embed="rId2"/>
+          <a:stretch>
+            <a:fillRect/>
+          </a:stretch>
+        </p:blipFill>
+        <p:spPr>
+          <a:xfrm>
+            <a:off x="7372350" y="1052513"/>
+            <a:ext cx="2400300" cy="1276350"/>
+          </a:xfrm>
+          <a:prstGeom prst="rect">
+            <a:avLst/>
+          </a:prstGeom>
+        </p:spPr>
+      </p:pic>
+      <p:pic>
+        <p:nvPicPr>
+          <p:cNvPr id="5" name="Slika 4" descr="Slika, ki vsebuje besede besedilo, ura&#10;&#10;Opis je samodejno ustvarjen">
+            <a:extLst>
+              <a:ext uri="{FF2B5EF4-FFF2-40B4-BE49-F238E27FC236}">
+                <a16:creationId xmlns:a16="http://schemas.microsoft.com/office/drawing/2014/main" id="{4C194844-4B49-488E-95FC-55F500B7250E}"/>
+              </a:ext>
+            </a:extLst>
+          </p:cNvPr>
+          <p:cNvPicPr>
+            <a:picLocks noChangeAspect="1"/>
+          </p:cNvPicPr>
+          <p:nvPr/>
+        </p:nvPicPr>
+        <p:blipFill>
+          <a:blip r:embed="rId3"/>
+          <a:stretch>
+            <a:fillRect/>
+          </a:stretch>
+        </p:blipFill>
+        <p:spPr>
+          <a:xfrm>
+            <a:off x="6262687" y="2351088"/>
+            <a:ext cx="5229225" cy="609600"/>
+          </a:xfrm>
+          <a:prstGeom prst="rect">
+            <a:avLst/>
+          </a:prstGeom>
+        </p:spPr>
+      </p:pic>
+      <p:pic>
+        <p:nvPicPr>
+          <p:cNvPr id="6" name="Slika 5">
+            <a:extLst>
+              <a:ext uri="{FF2B5EF4-FFF2-40B4-BE49-F238E27FC236}">
+                <a16:creationId xmlns:a16="http://schemas.microsoft.com/office/drawing/2014/main" id="{D299FABD-8B15-4E2C-B0B2-06D58E33344B}"/>
+              </a:ext>
+            </a:extLst>
+          </p:cNvPr>
+          <p:cNvPicPr>
+            <a:picLocks noChangeAspect="1"/>
+          </p:cNvPicPr>
+          <p:nvPr/>
+        </p:nvPicPr>
+        <p:blipFill>
+          <a:blip r:embed="rId4"/>
+          <a:stretch>
+            <a:fillRect/>
+          </a:stretch>
+        </p:blipFill>
+        <p:spPr>
+          <a:xfrm>
+            <a:off x="6262687" y="3108325"/>
+            <a:ext cx="3781425" cy="381000"/>
+          </a:xfrm>
+          <a:prstGeom prst="rect">
+            <a:avLst/>
+          </a:prstGeom>
+        </p:spPr>
+      </p:pic>
+      <p:pic>
+        <p:nvPicPr>
+          <p:cNvPr id="7" name="Picture 41" descr="Graphical user interface, application, table&#10;&#10;Description automatically generated">
+            <a:extLst>
+              <a:ext uri="{FF2B5EF4-FFF2-40B4-BE49-F238E27FC236}">
+                <a16:creationId xmlns:a16="http://schemas.microsoft.com/office/drawing/2014/main" id="{B8D96EC5-A7EA-4DD7-9156-AA907DF54DEE}"/>
+              </a:ext>
+            </a:extLst>
+          </p:cNvPr>
+          <p:cNvPicPr>
+            <a:picLocks noChangeAspect="1"/>
+          </p:cNvPicPr>
+          <p:nvPr/>
+        </p:nvPicPr>
+        <p:blipFill>
+          <a:blip r:embed="rId5"/>
+          <a:stretch>
+            <a:fillRect/>
+          </a:stretch>
+        </p:blipFill>
+        <p:spPr>
+          <a:xfrm>
+            <a:off x="838200" y="4521994"/>
+            <a:ext cx="4991100" cy="1419225"/>
+          </a:xfrm>
+          <a:prstGeom prst="rect">
+            <a:avLst/>
+          </a:prstGeom>
+        </p:spPr>
+      </p:pic>
+      <p:pic>
+        <p:nvPicPr>
+          <p:cNvPr id="9" name="Slika 8">
+            <a:extLst>
+              <a:ext uri="{FF2B5EF4-FFF2-40B4-BE49-F238E27FC236}">
+                <a16:creationId xmlns:a16="http://schemas.microsoft.com/office/drawing/2014/main" id="{61AB9704-DDE9-431A-8EAA-398DAB228CCF}"/>
+              </a:ext>
+            </a:extLst>
+          </p:cNvPr>
+          <p:cNvPicPr>
+            <a:picLocks noChangeAspect="1"/>
+          </p:cNvPicPr>
+          <p:nvPr/>
+        </p:nvPicPr>
+        <p:blipFill>
+          <a:blip r:embed="rId6">
+            <a:extLst>
+              <a:ext uri="{28A0092B-C50C-407E-A947-70E740481C1C}">
+                <a14:useLocalDpi xmlns:a14="http://schemas.microsoft.com/office/drawing/2010/main" val="0"/>
+              </a:ext>
+            </a:extLst>
+          </a:blip>
+          <a:stretch>
+            <a:fillRect/>
+          </a:stretch>
+        </p:blipFill>
+        <p:spPr>
+          <a:xfrm>
+            <a:off x="10931704" y="130556"/>
+            <a:ext cx="1168059" cy="487300"/>
+          </a:xfrm>
+          <a:prstGeom prst="rect">
+            <a:avLst/>
+          </a:prstGeom>
+        </p:spPr>
+      </p:pic>
+    </p:spTree>
+    <p:extLst>
+      <p:ext uri="{BB962C8B-B14F-4D97-AF65-F5344CB8AC3E}">
+        <p14:creationId xmlns:p14="http://schemas.microsoft.com/office/powerpoint/2010/main" val="2849575153"/>
+      </p:ext>
+    </p:extLst>
+  </p:cSld>
+  <p:clrMapOvr>
+    <a:masterClrMapping/>
+  </p:clrMapOvr>
+</p:sld>
+</file>
+
+<file path=ppt/slides/slide12.xml><?xml version="1.0" encoding="utf-8"?>
+<p:sld xmlns:a="http://schemas.openxmlformats.org/drawingml/2006/main" xmlns:r="http://schemas.openxmlformats.org/officeDocument/2006/relationships" xmlns:p="http://schemas.openxmlformats.org/presentationml/2006/main">
+  <p:cSld>
+    <p:spTree>
+      <p:nvGrpSpPr>
+        <p:cNvPr id="1" name=""/>
+        <p:cNvGrpSpPr/>
+        <p:nvPr/>
+      </p:nvGrpSpPr>
+      <p:grpSpPr>
+        <a:xfrm>
+          <a:off x="0" y="0"/>
+          <a:ext cx="0" cy="0"/>
+          <a:chOff x="0" y="0"/>
+          <a:chExt cx="0" cy="0"/>
+        </a:xfrm>
+      </p:grpSpPr>
+      <p:sp>
+        <p:nvSpPr>
+          <p:cNvPr id="2" name="Naslov 1">
+            <a:extLst>
+              <a:ext uri="{FF2B5EF4-FFF2-40B4-BE49-F238E27FC236}">
+                <a16:creationId xmlns:a16="http://schemas.microsoft.com/office/drawing/2014/main" id="{40538893-6351-49B8-BAF9-656D373F7196}"/>
+              </a:ext>
+            </a:extLst>
+          </p:cNvPr>
+          <p:cNvSpPr>
+            <a:spLocks noGrp="1"/>
+          </p:cNvSpPr>
+          <p:nvPr>
+            <p:ph type="title"/>
+          </p:nvPr>
+        </p:nvSpPr>
+        <p:spPr/>
+        <p:txBody>
+          <a:bodyPr/>
+          <a:lstStyle/>
+          <a:p>
+            <a:r>
+              <a:rPr lang="sl-SI" dirty="0"/>
+              <a:t>Razcep rojev</a:t>
+            </a:r>
+          </a:p>
+        </p:txBody>
+      </p:sp>
+      <p:sp>
+        <p:nvSpPr>
+          <p:cNvPr id="3" name="Označba mesta vsebine 2">
+            <a:extLst>
+              <a:ext uri="{FF2B5EF4-FFF2-40B4-BE49-F238E27FC236}">
+                <a16:creationId xmlns:a16="http://schemas.microsoft.com/office/drawing/2014/main" id="{5F43D92A-C5DA-4436-A6F4-4FE1EACAF22B}"/>
+              </a:ext>
+            </a:extLst>
+          </p:cNvPr>
+          <p:cNvSpPr>
+            <a:spLocks noGrp="1"/>
+          </p:cNvSpPr>
+          <p:nvPr>
+            <p:ph idx="1"/>
+          </p:nvPr>
+        </p:nvSpPr>
+        <p:spPr/>
+        <p:txBody>
+          <a:bodyPr/>
+          <a:lstStyle/>
+          <a:p>
+            <a:r>
+              <a:rPr lang="sl-SI" b="1" dirty="0"/>
+              <a:t>Neprimerni parametri združevanja</a:t>
+            </a:r>
+          </a:p>
+          <a:p>
+            <a:r>
+              <a:rPr lang="sl-SI" dirty="0"/>
+              <a:t>Lezenje parametrov in konceptualni pomiki v toku podatkov</a:t>
+            </a:r>
+          </a:p>
+          <a:p>
+            <a:r>
+              <a:rPr lang="sl-SI" dirty="0"/>
+              <a:t>Potreba po natančnejšem deljenju prostora</a:t>
+            </a:r>
+          </a:p>
+          <a:p>
+            <a:pPr marL="0" indent="0">
+              <a:buNone/>
+            </a:pPr>
+            <a:endParaRPr lang="sl-SI" dirty="0"/>
+          </a:p>
+          <a:p>
+            <a:pPr marL="0" indent="0">
+              <a:buNone/>
+            </a:pPr>
+            <a:r>
+              <a:rPr lang="sl-SI" dirty="0"/>
+              <a:t> </a:t>
+            </a:r>
+          </a:p>
+          <a:p>
+            <a:r>
+              <a:rPr lang="sl-SI" dirty="0"/>
+              <a:t>Akumulirana relativna napaka [5]</a:t>
+            </a:r>
+          </a:p>
+          <a:p>
+            <a:r>
+              <a:rPr lang="sl-SI" dirty="0" err="1"/>
+              <a:t>Welch</a:t>
+            </a:r>
+            <a:r>
+              <a:rPr lang="sl-SI" dirty="0"/>
+              <a:t> test </a:t>
+            </a:r>
+            <a:r>
+              <a:rPr lang="en-US" dirty="0"/>
+              <a:t>[6]</a:t>
+            </a:r>
+            <a:endParaRPr lang="sl-SI" dirty="0"/>
+          </a:p>
+          <a:p>
+            <a:endParaRPr lang="sl-SI" dirty="0"/>
+          </a:p>
+        </p:txBody>
+      </p:sp>
+      <p:pic>
+        <p:nvPicPr>
+          <p:cNvPr id="4" name="Slika 3" descr="Slika, ki vsebuje besede besedilo&#10;&#10;Opis je samodejno ustvarjen">
+            <a:extLst>
+              <a:ext uri="{FF2B5EF4-FFF2-40B4-BE49-F238E27FC236}">
+                <a16:creationId xmlns:a16="http://schemas.microsoft.com/office/drawing/2014/main" id="{36793C1F-057D-4B6B-9D4A-9F59918B829B}"/>
+              </a:ext>
+            </a:extLst>
+          </p:cNvPr>
+          <p:cNvPicPr>
+            <a:picLocks noChangeAspect="1"/>
+          </p:cNvPicPr>
+          <p:nvPr/>
+        </p:nvPicPr>
+        <p:blipFill>
+          <a:blip r:embed="rId2"/>
+          <a:stretch>
+            <a:fillRect/>
+          </a:stretch>
+        </p:blipFill>
+        <p:spPr>
+          <a:xfrm>
+            <a:off x="8243570" y="3663156"/>
+            <a:ext cx="2232660" cy="676275"/>
+          </a:xfrm>
+          <a:prstGeom prst="rect">
+            <a:avLst/>
+          </a:prstGeom>
+        </p:spPr>
+      </p:pic>
+      <p:pic>
+        <p:nvPicPr>
+          <p:cNvPr id="5" name="Slika 4">
+            <a:extLst>
+              <a:ext uri="{FF2B5EF4-FFF2-40B4-BE49-F238E27FC236}">
+                <a16:creationId xmlns:a16="http://schemas.microsoft.com/office/drawing/2014/main" id="{D2C874A5-9A3A-423F-80E9-B6066E1F20A5}"/>
+              </a:ext>
+            </a:extLst>
+          </p:cNvPr>
+          <p:cNvPicPr>
+            <a:picLocks noChangeAspect="1"/>
+          </p:cNvPicPr>
+          <p:nvPr/>
+        </p:nvPicPr>
+        <p:blipFill>
+          <a:blip r:embed="rId3"/>
+          <a:stretch>
+            <a:fillRect/>
+          </a:stretch>
+        </p:blipFill>
+        <p:spPr>
+          <a:xfrm>
+            <a:off x="6346825" y="4987924"/>
+            <a:ext cx="2343150" cy="752475"/>
+          </a:xfrm>
+          <a:prstGeom prst="rect">
+            <a:avLst/>
+          </a:prstGeom>
+        </p:spPr>
+      </p:pic>
+      <p:pic>
+        <p:nvPicPr>
+          <p:cNvPr id="6" name="Slika 5">
+            <a:extLst>
+              <a:ext uri="{FF2B5EF4-FFF2-40B4-BE49-F238E27FC236}">
+                <a16:creationId xmlns:a16="http://schemas.microsoft.com/office/drawing/2014/main" id="{D55EECF9-C2AE-49D0-9E53-EC859609BA5F}"/>
+              </a:ext>
+            </a:extLst>
+          </p:cNvPr>
+          <p:cNvPicPr>
+            <a:picLocks noChangeAspect="1"/>
+          </p:cNvPicPr>
+          <p:nvPr/>
+        </p:nvPicPr>
+        <p:blipFill>
+          <a:blip r:embed="rId4">
+            <a:extLst>
+              <a:ext uri="{28A0092B-C50C-407E-A947-70E740481C1C}">
+                <a14:useLocalDpi xmlns:a14="http://schemas.microsoft.com/office/drawing/2010/main" val="0"/>
+              </a:ext>
+            </a:extLst>
+          </a:blip>
+          <a:stretch>
+            <a:fillRect/>
+          </a:stretch>
+        </p:blipFill>
+        <p:spPr>
+          <a:xfrm>
+            <a:off x="10931704" y="130556"/>
+            <a:ext cx="1168059" cy="487300"/>
+          </a:xfrm>
+          <a:prstGeom prst="rect">
+            <a:avLst/>
+          </a:prstGeom>
+        </p:spPr>
+      </p:pic>
+    </p:spTree>
+    <p:extLst>
+      <p:ext uri="{BB962C8B-B14F-4D97-AF65-F5344CB8AC3E}">
+        <p14:creationId xmlns:p14="http://schemas.microsoft.com/office/powerpoint/2010/main" val="3461412227"/>
+      </p:ext>
+    </p:extLst>
+  </p:cSld>
+  <p:clrMapOvr>
+    <a:masterClrMapping/>
+  </p:clrMapOvr>
+</p:sld>
+</file>
+
+<file path=ppt/slides/slide13.xml><?xml version="1.0" encoding="utf-8"?>
+<p:sld xmlns:a="http://schemas.openxmlformats.org/drawingml/2006/main" xmlns:r="http://schemas.openxmlformats.org/officeDocument/2006/relationships" xmlns:p="http://schemas.openxmlformats.org/presentationml/2006/main">
+  <p:cSld>
+    <p:spTree>
+      <p:nvGrpSpPr>
+        <p:cNvPr id="1" name=""/>
+        <p:cNvGrpSpPr/>
+        <p:nvPr/>
+      </p:nvGrpSpPr>
+      <p:grpSpPr>
+        <a:xfrm>
+          <a:off x="0" y="0"/>
+          <a:ext cx="0" cy="0"/>
+          <a:chOff x="0" y="0"/>
+          <a:chExt cx="0" cy="0"/>
+        </a:xfrm>
+      </p:grpSpPr>
+      <p:sp>
+        <p:nvSpPr>
+          <p:cNvPr id="2" name="Naslov 1">
+            <a:extLst>
+              <a:ext uri="{FF2B5EF4-FFF2-40B4-BE49-F238E27FC236}">
+                <a16:creationId xmlns:a16="http://schemas.microsoft.com/office/drawing/2014/main" id="{1D5CB862-DD5F-49D0-8566-F38BA2AA6CE5}"/>
+              </a:ext>
+            </a:extLst>
+          </p:cNvPr>
+          <p:cNvSpPr>
+            <a:spLocks noGrp="1"/>
+          </p:cNvSpPr>
+          <p:nvPr>
+            <p:ph type="title"/>
+          </p:nvPr>
+        </p:nvSpPr>
+        <p:spPr/>
+        <p:txBody>
+          <a:bodyPr/>
+          <a:lstStyle/>
+          <a:p>
+            <a:r>
+              <a:rPr lang="sl-SI" dirty="0"/>
+              <a:t>Odstranjevanje rojev</a:t>
+            </a:r>
+          </a:p>
+        </p:txBody>
+      </p:sp>
+      <p:sp>
+        <p:nvSpPr>
+          <p:cNvPr id="3" name="Označba mesta vsebine 2">
+            <a:extLst>
+              <a:ext uri="{FF2B5EF4-FFF2-40B4-BE49-F238E27FC236}">
+                <a16:creationId xmlns:a16="http://schemas.microsoft.com/office/drawing/2014/main" id="{12886D7A-D4E7-495E-908F-E15497B16D57}"/>
+              </a:ext>
+            </a:extLst>
+          </p:cNvPr>
+          <p:cNvSpPr>
+            <a:spLocks noGrp="1"/>
+          </p:cNvSpPr>
+          <p:nvPr>
+            <p:ph idx="1"/>
+          </p:nvPr>
+        </p:nvSpPr>
+        <p:spPr/>
+        <p:txBody>
+          <a:bodyPr>
+            <a:normAutofit/>
+          </a:bodyPr>
+          <a:lstStyle/>
+          <a:p>
+            <a:r>
+              <a:rPr lang="sl-SI" sz="2000" dirty="0"/>
+              <a:t>Z odstranjevanjem rojev povečamo natančnost ali poenostavimo strukturo modela. Obstoječ model je lahko napačen zaradi osamelcev ali sprememb v lastnostih sistema. </a:t>
+            </a:r>
+          </a:p>
+          <a:p>
+            <a:r>
+              <a:rPr lang="sl-SI" sz="2000" dirty="0"/>
+              <a:t>Odstranjevanje je potrebno izvesti pazljivo saj nočemo zavreči koristnih informaciji [39]. Osamelce ne moremo vedno izločiti saj si zelo podobni cikličnim ali periodičnim pojavom. Ti dogodki so zastopani z manjšim številom vzorcev, ki pa vsebujejo veliko informacije. </a:t>
+            </a:r>
+          </a:p>
+          <a:p>
+            <a:r>
+              <a:rPr lang="sl-SI" sz="2000" dirty="0"/>
+              <a:t>prekrivanje </a:t>
+            </a:r>
+            <a:r>
+              <a:rPr lang="en-US" sz="2000" dirty="0"/>
+              <a:t>[12], </a:t>
+            </a:r>
+            <a:r>
+              <a:rPr lang="sl-SI" sz="2000" dirty="0"/>
+              <a:t>starost rojev [41]</a:t>
+            </a:r>
+            <a:r>
+              <a:rPr lang="en-US" sz="2000" dirty="0"/>
+              <a:t>,</a:t>
+            </a:r>
+            <a:r>
+              <a:rPr lang="sl-SI" sz="2000" dirty="0"/>
+              <a:t> uporabnost</a:t>
+            </a:r>
+            <a:r>
+              <a:rPr lang="en-US" sz="2000" dirty="0"/>
+              <a:t> </a:t>
+            </a:r>
+            <a:r>
+              <a:rPr lang="sl-SI" sz="2000" dirty="0"/>
+              <a:t>(</a:t>
+            </a:r>
+            <a:r>
+              <a:rPr lang="en-US" sz="2000" i="1" dirty="0"/>
+              <a:t>utility</a:t>
+            </a:r>
+            <a:r>
+              <a:rPr lang="sl-SI" sz="2000" dirty="0"/>
+              <a:t>)</a:t>
+            </a:r>
+            <a:r>
+              <a:rPr lang="en-US" sz="2000" dirty="0"/>
+              <a:t> (</a:t>
+            </a:r>
+            <a:r>
+              <a:rPr lang="sl-SI" sz="2000" dirty="0"/>
+              <a:t>akumulirana relativna aktivacija</a:t>
+            </a:r>
+            <a:r>
+              <a:rPr lang="en-US" sz="2000" dirty="0"/>
+              <a:t>,</a:t>
+            </a:r>
+            <a:r>
+              <a:rPr lang="sl-SI" sz="2000" dirty="0"/>
+              <a:t> redka aktivacija</a:t>
+            </a:r>
+            <a:r>
+              <a:rPr lang="en-US" sz="2000" dirty="0"/>
+              <a:t>,</a:t>
+            </a:r>
+            <a:r>
+              <a:rPr lang="sl-SI" sz="2000" dirty="0"/>
+              <a:t> nepomembnost</a:t>
+            </a:r>
+            <a:r>
+              <a:rPr lang="en-US" sz="2000" dirty="0"/>
+              <a:t>) [22,41,45], </a:t>
+            </a:r>
+            <a:r>
+              <a:rPr lang="sl-SI" sz="2000" dirty="0"/>
+              <a:t>število pripadajočih vzorcev [39,5]</a:t>
+            </a:r>
+          </a:p>
+          <a:p>
+            <a:endParaRPr lang="sl-SI" dirty="0"/>
+          </a:p>
+        </p:txBody>
+      </p:sp>
+      <p:pic>
+        <p:nvPicPr>
+          <p:cNvPr id="4" name="Slika 3">
+            <a:extLst>
+              <a:ext uri="{FF2B5EF4-FFF2-40B4-BE49-F238E27FC236}">
+                <a16:creationId xmlns:a16="http://schemas.microsoft.com/office/drawing/2014/main" id="{6372B4F0-06F5-438E-A44C-05CBF48F2354}"/>
+              </a:ext>
+            </a:extLst>
+          </p:cNvPr>
+          <p:cNvPicPr>
+            <a:picLocks noChangeAspect="1"/>
+          </p:cNvPicPr>
+          <p:nvPr/>
+        </p:nvPicPr>
+        <p:blipFill>
+          <a:blip r:embed="rId3">
+            <a:extLst>
+              <a:ext uri="{28A0092B-C50C-407E-A947-70E740481C1C}">
+                <a14:useLocalDpi xmlns:a14="http://schemas.microsoft.com/office/drawing/2010/main" val="0"/>
+              </a:ext>
+            </a:extLst>
+          </a:blip>
+          <a:stretch>
+            <a:fillRect/>
+          </a:stretch>
+        </p:blipFill>
+        <p:spPr>
+          <a:xfrm>
+            <a:off x="10931704" y="130556"/>
+            <a:ext cx="1168059" cy="487300"/>
+          </a:xfrm>
+          <a:prstGeom prst="rect">
+            <a:avLst/>
+          </a:prstGeom>
+        </p:spPr>
+      </p:pic>
+      <p:pic>
+        <p:nvPicPr>
+          <p:cNvPr id="7" name="Slika 6" descr="Slika, ki vsebuje besede besedilo&#10;&#10;Opis je samodejno ustvarjen">
+            <a:extLst>
+              <a:ext uri="{FF2B5EF4-FFF2-40B4-BE49-F238E27FC236}">
+                <a16:creationId xmlns:a16="http://schemas.microsoft.com/office/drawing/2014/main" id="{3EFBE3DE-D154-408C-90ED-EB5CCA9656FB}"/>
+              </a:ext>
+            </a:extLst>
+          </p:cNvPr>
+          <p:cNvPicPr>
+            <a:picLocks noChangeAspect="1"/>
+          </p:cNvPicPr>
+          <p:nvPr/>
+        </p:nvPicPr>
+        <p:blipFill>
+          <a:blip r:embed="rId4"/>
+          <a:stretch>
+            <a:fillRect/>
+          </a:stretch>
+        </p:blipFill>
+        <p:spPr>
+          <a:xfrm>
+            <a:off x="238125" y="5945187"/>
+            <a:ext cx="1962150" cy="733425"/>
+          </a:xfrm>
+          <a:prstGeom prst="rect">
+            <a:avLst/>
+          </a:prstGeom>
+        </p:spPr>
+      </p:pic>
+      <p:pic>
+        <p:nvPicPr>
+          <p:cNvPr id="8" name="Slika 7" descr="Slika, ki vsebuje besede ura, antena&#10;&#10;Opis je samodejno ustvarjen">
+            <a:extLst>
+              <a:ext uri="{FF2B5EF4-FFF2-40B4-BE49-F238E27FC236}">
+                <a16:creationId xmlns:a16="http://schemas.microsoft.com/office/drawing/2014/main" id="{7DA9D3D4-84B5-4902-B19B-1A093CCC949F}"/>
+              </a:ext>
+            </a:extLst>
+          </p:cNvPr>
+          <p:cNvPicPr>
+            <a:picLocks noChangeAspect="1"/>
+          </p:cNvPicPr>
+          <p:nvPr/>
+        </p:nvPicPr>
+        <p:blipFill>
+          <a:blip r:embed="rId5"/>
+          <a:stretch>
+            <a:fillRect/>
+          </a:stretch>
+        </p:blipFill>
+        <p:spPr>
+          <a:xfrm>
+            <a:off x="2498725" y="6013450"/>
+            <a:ext cx="1962150" cy="676275"/>
+          </a:xfrm>
+          <a:prstGeom prst="rect">
+            <a:avLst/>
+          </a:prstGeom>
+        </p:spPr>
+      </p:pic>
+    </p:spTree>
+    <p:extLst>
+      <p:ext uri="{BB962C8B-B14F-4D97-AF65-F5344CB8AC3E}">
+        <p14:creationId xmlns:p14="http://schemas.microsoft.com/office/powerpoint/2010/main" val="2584916931"/>
+      </p:ext>
+    </p:extLst>
+  </p:cSld>
+  <p:clrMapOvr>
+    <a:masterClrMapping/>
+  </p:clrMapOvr>
+</p:sld>
+</file>
+
+<file path=ppt/slides/slide14.xml><?xml version="1.0" encoding="utf-8"?>
+<p:sld xmlns:a="http://schemas.openxmlformats.org/drawingml/2006/main" xmlns:r="http://schemas.openxmlformats.org/officeDocument/2006/relationships" xmlns:p="http://schemas.openxmlformats.org/presentationml/2006/main">
+  <p:cSld>
+    <p:spTree>
+      <p:nvGrpSpPr>
+        <p:cNvPr id="1" name=""/>
+        <p:cNvGrpSpPr/>
+        <p:nvPr/>
+      </p:nvGrpSpPr>
+      <p:grpSpPr>
+        <a:xfrm>
+          <a:off x="0" y="0"/>
+          <a:ext cx="0" cy="0"/>
+          <a:chOff x="0" y="0"/>
+          <a:chExt cx="0" cy="0"/>
+        </a:xfrm>
+      </p:grpSpPr>
+      <p:sp>
+        <p:nvSpPr>
+          <p:cNvPr id="2" name="Naslov 1">
+            <a:extLst>
+              <a:ext uri="{FF2B5EF4-FFF2-40B4-BE49-F238E27FC236}">
+                <a16:creationId xmlns:a16="http://schemas.microsoft.com/office/drawing/2014/main" id="{EBCEABC0-1914-41D7-80CD-2099FA5A140A}"/>
+              </a:ext>
+            </a:extLst>
+          </p:cNvPr>
+          <p:cNvSpPr>
+            <a:spLocks noGrp="1"/>
+          </p:cNvSpPr>
+          <p:nvPr>
+            <p:ph type="title"/>
+          </p:nvPr>
+        </p:nvSpPr>
+        <p:spPr/>
+        <p:txBody>
+          <a:bodyPr/>
+          <a:lstStyle/>
+          <a:p>
+            <a:r>
+              <a:rPr lang="sl-SI" dirty="0"/>
+              <a:t>Optimizacija posledičnega dela</a:t>
+            </a:r>
+          </a:p>
+        </p:txBody>
+      </p:sp>
+      <p:sp>
+        <p:nvSpPr>
+          <p:cNvPr id="3" name="Označba mesta vsebine 2">
+            <a:extLst>
+              <a:ext uri="{FF2B5EF4-FFF2-40B4-BE49-F238E27FC236}">
+                <a16:creationId xmlns:a16="http://schemas.microsoft.com/office/drawing/2014/main" id="{FF9CEB20-11ED-49A7-A1FC-827249F25E3F}"/>
+              </a:ext>
+            </a:extLst>
+          </p:cNvPr>
+          <p:cNvSpPr>
+            <a:spLocks noGrp="1"/>
+          </p:cNvSpPr>
+          <p:nvPr>
+            <p:ph idx="1"/>
+          </p:nvPr>
+        </p:nvSpPr>
+        <p:spPr/>
+        <p:txBody>
+          <a:bodyPr>
+            <a:normAutofit fontScale="85000" lnSpcReduction="20000"/>
+          </a:bodyPr>
+          <a:lstStyle/>
+          <a:p>
+            <a:r>
+              <a:rPr lang="sl-SI" dirty="0"/>
+              <a:t>Posledični parametri so optimizirani z metodami lokalnega učenja [15], kjer so parametri vsakega lokalnega modela optimizirani ločeno. To omogoča večjo robustnost in </a:t>
+            </a:r>
+            <a:r>
+              <a:rPr lang="sl-SI" dirty="0" err="1"/>
+              <a:t>interpretabilnost</a:t>
+            </a:r>
+            <a:r>
+              <a:rPr lang="sl-SI" dirty="0"/>
+              <a:t> posameznih modelov.</a:t>
+            </a:r>
+          </a:p>
+          <a:p>
+            <a:pPr marL="0" indent="0">
+              <a:buNone/>
+            </a:pPr>
+            <a:endParaRPr lang="sl-SI" dirty="0"/>
+          </a:p>
+          <a:p>
+            <a:r>
+              <a:rPr lang="sl-SI" dirty="0"/>
+              <a:t>mehko </a:t>
+            </a:r>
+            <a:r>
+              <a:rPr lang="sl-SI" dirty="0" err="1"/>
+              <a:t>utežena</a:t>
+            </a:r>
+            <a:r>
+              <a:rPr lang="sl-SI" dirty="0"/>
+              <a:t> rekurzivna metoda najmanjših kvadratov</a:t>
+            </a:r>
+          </a:p>
+          <a:p>
+            <a:r>
+              <a:rPr lang="sl-SI" dirty="0"/>
+              <a:t>metode s pomožnim modeli (</a:t>
+            </a:r>
+            <a:r>
+              <a:rPr lang="sl-SI" dirty="0" err="1"/>
+              <a:t>auxiliary</a:t>
+            </a:r>
+            <a:r>
+              <a:rPr lang="sl-SI" dirty="0"/>
+              <a:t> </a:t>
+            </a:r>
+            <a:r>
+              <a:rPr lang="en-US" dirty="0"/>
+              <a:t>model</a:t>
+            </a:r>
+            <a:r>
+              <a:rPr lang="sl-SI" dirty="0"/>
+              <a:t>)</a:t>
+            </a:r>
+          </a:p>
+          <a:p>
+            <a:r>
+              <a:rPr lang="sl-SI" dirty="0"/>
+              <a:t>metode s hierarhičnim principom (h</a:t>
+            </a:r>
+            <a:r>
+              <a:rPr lang="en-US" dirty="0" err="1"/>
+              <a:t>ier</a:t>
+            </a:r>
+            <a:r>
+              <a:rPr lang="sl-SI" dirty="0"/>
+              <a:t>ar</a:t>
+            </a:r>
+            <a:r>
+              <a:rPr lang="en-US" dirty="0" err="1"/>
+              <a:t>hical</a:t>
+            </a:r>
+            <a:r>
+              <a:rPr lang="en-US" dirty="0"/>
+              <a:t> principle</a:t>
+            </a:r>
+            <a:r>
+              <a:rPr lang="sl-SI" dirty="0"/>
+              <a:t>)</a:t>
+            </a:r>
+          </a:p>
+          <a:p>
+            <a:r>
+              <a:rPr lang="sl-SI" dirty="0"/>
+              <a:t>m</a:t>
+            </a:r>
+            <a:r>
+              <a:rPr lang="en-US" dirty="0" err="1"/>
+              <a:t>ulti</a:t>
+            </a:r>
+            <a:r>
+              <a:rPr lang="en-US" dirty="0"/>
+              <a:t>-innovation</a:t>
+            </a:r>
+            <a:r>
+              <a:rPr lang="sl-SI" dirty="0"/>
+              <a:t> [47]</a:t>
+            </a:r>
+          </a:p>
+          <a:p>
+            <a:r>
+              <a:rPr lang="sl-SI" dirty="0"/>
+              <a:t>Metoda s pomožnimi spremenljivkami </a:t>
+            </a:r>
+          </a:p>
+          <a:p>
+            <a:r>
+              <a:rPr lang="sl-SI" dirty="0" err="1"/>
+              <a:t>Korentropija</a:t>
+            </a:r>
+            <a:r>
+              <a:rPr lang="sl-SI" dirty="0"/>
+              <a:t> (</a:t>
+            </a:r>
+            <a:r>
+              <a:rPr lang="en-US" dirty="0" err="1"/>
+              <a:t>Correntropy</a:t>
+            </a:r>
+            <a:r>
+              <a:rPr lang="sl-SI" dirty="0"/>
+              <a:t>) [47]</a:t>
+            </a:r>
+          </a:p>
+          <a:p>
+            <a:r>
+              <a:rPr lang="en-US" dirty="0"/>
+              <a:t>Kalman filter</a:t>
+            </a:r>
+            <a:endParaRPr lang="sl-SI" dirty="0"/>
+          </a:p>
+          <a:p>
+            <a:r>
+              <a:rPr lang="en-US" dirty="0"/>
+              <a:t>Stochastic gradient </a:t>
+            </a:r>
+            <a:r>
+              <a:rPr lang="sl-SI" dirty="0" err="1"/>
+              <a:t>descent</a:t>
+            </a:r>
+            <a:endParaRPr lang="sl-SI" dirty="0"/>
+          </a:p>
+          <a:p>
+            <a:endParaRPr lang="sl-SI" sz="1800" dirty="0">
+              <a:effectLst/>
+              <a:latin typeface="Calibri" panose="020F0502020204030204" pitchFamily="34" charset="0"/>
+              <a:ea typeface="Calibri" panose="020F0502020204030204" pitchFamily="34" charset="0"/>
+              <a:cs typeface="Times New Roman" panose="02020603050405020304" pitchFamily="18" charset="0"/>
+            </a:endParaRPr>
+          </a:p>
+          <a:p>
+            <a:endParaRPr lang="sl-SI" dirty="0"/>
+          </a:p>
+        </p:txBody>
+      </p:sp>
+      <p:pic>
+        <p:nvPicPr>
+          <p:cNvPr id="5" name="Slika 4" descr="Slika, ki vsebuje besede besedilo&#10;&#10;Opis je samodejno ustvarjen">
+            <a:extLst>
+              <a:ext uri="{FF2B5EF4-FFF2-40B4-BE49-F238E27FC236}">
+                <a16:creationId xmlns:a16="http://schemas.microsoft.com/office/drawing/2014/main" id="{85FA5BB3-5F27-498A-A5B1-638AB5C57B3F}"/>
+              </a:ext>
+            </a:extLst>
+          </p:cNvPr>
+          <p:cNvPicPr>
+            <a:picLocks noChangeAspect="1"/>
+          </p:cNvPicPr>
+          <p:nvPr/>
+        </p:nvPicPr>
+        <p:blipFill>
+          <a:blip r:embed="rId3"/>
+          <a:stretch>
+            <a:fillRect/>
+          </a:stretch>
+        </p:blipFill>
+        <p:spPr>
+          <a:xfrm>
+            <a:off x="6399212" y="4610100"/>
+            <a:ext cx="5362575" cy="1333500"/>
+          </a:xfrm>
+          <a:prstGeom prst="rect">
+            <a:avLst/>
+          </a:prstGeom>
+        </p:spPr>
+      </p:pic>
+      <p:pic>
+        <p:nvPicPr>
+          <p:cNvPr id="10" name="Slika 9">
+            <a:extLst>
+              <a:ext uri="{FF2B5EF4-FFF2-40B4-BE49-F238E27FC236}">
+                <a16:creationId xmlns:a16="http://schemas.microsoft.com/office/drawing/2014/main" id="{0B61EA95-4EAE-46A4-BC11-7E20A4889CD2}"/>
+              </a:ext>
+            </a:extLst>
+          </p:cNvPr>
+          <p:cNvPicPr>
+            <a:picLocks noChangeAspect="1"/>
+          </p:cNvPicPr>
+          <p:nvPr/>
+        </p:nvPicPr>
+        <p:blipFill>
+          <a:blip r:embed="rId4">
+            <a:extLst>
+              <a:ext uri="{28A0092B-C50C-407E-A947-70E740481C1C}">
+                <a14:useLocalDpi xmlns:a14="http://schemas.microsoft.com/office/drawing/2010/main" val="0"/>
+              </a:ext>
+            </a:extLst>
+          </a:blip>
+          <a:stretch>
+            <a:fillRect/>
+          </a:stretch>
+        </p:blipFill>
+        <p:spPr>
+          <a:xfrm>
+            <a:off x="10931704" y="130556"/>
+            <a:ext cx="1168059" cy="487300"/>
+          </a:xfrm>
+          <a:prstGeom prst="rect">
+            <a:avLst/>
+          </a:prstGeom>
+        </p:spPr>
+      </p:pic>
+    </p:spTree>
+    <p:extLst>
+      <p:ext uri="{BB962C8B-B14F-4D97-AF65-F5344CB8AC3E}">
+        <p14:creationId xmlns:p14="http://schemas.microsoft.com/office/powerpoint/2010/main" val="3904152926"/>
+      </p:ext>
+    </p:extLst>
+  </p:cSld>
+  <p:clrMapOvr>
+    <a:masterClrMapping/>
+  </p:clrMapOvr>
+</p:sld>
+</file>
+
+<file path=ppt/slides/slide15.xml><?xml version="1.0" encoding="utf-8"?>
+<p:sld xmlns:a="http://schemas.openxmlformats.org/drawingml/2006/main" xmlns:r="http://schemas.openxmlformats.org/officeDocument/2006/relationships" xmlns:p="http://schemas.openxmlformats.org/presentationml/2006/main">
+  <p:cSld>
+    <p:spTree>
+      <p:nvGrpSpPr>
+        <p:cNvPr id="1" name=""/>
+        <p:cNvGrpSpPr/>
+        <p:nvPr/>
+      </p:nvGrpSpPr>
+      <p:grpSpPr>
+        <a:xfrm>
+          <a:off x="0" y="0"/>
+          <a:ext cx="0" cy="0"/>
+          <a:chOff x="0" y="0"/>
+          <a:chExt cx="0" cy="0"/>
+        </a:xfrm>
+      </p:grpSpPr>
+      <p:sp>
+        <p:nvSpPr>
+          <p:cNvPr id="2" name="Naslov 1">
+            <a:extLst>
+              <a:ext uri="{FF2B5EF4-FFF2-40B4-BE49-F238E27FC236}">
+                <a16:creationId xmlns:a16="http://schemas.microsoft.com/office/drawing/2014/main" id="{08293A48-0358-45D5-99AB-1890A56BBB06}"/>
+              </a:ext>
+            </a:extLst>
+          </p:cNvPr>
+          <p:cNvSpPr>
+            <a:spLocks noGrp="1"/>
+          </p:cNvSpPr>
+          <p:nvPr>
+            <p:ph type="title"/>
+          </p:nvPr>
+        </p:nvSpPr>
+        <p:spPr/>
+        <p:txBody>
+          <a:bodyPr/>
+          <a:lstStyle/>
+          <a:p>
+            <a:r>
+              <a:rPr lang="sl-SI" dirty="0">
+                <a:solidFill>
+                  <a:srgbClr val="000000"/>
+                </a:solidFill>
+              </a:rPr>
+              <a:t>Ansambli </a:t>
+            </a:r>
+            <a:r>
+              <a:rPr lang="sl-SI" b="0" i="0" dirty="0" err="1">
+                <a:solidFill>
+                  <a:srgbClr val="000000"/>
+                </a:solidFill>
+                <a:effectLst/>
+              </a:rPr>
+              <a:t>samorazvijajoči</a:t>
+            </a:r>
+            <a:r>
+              <a:rPr lang="sl-SI" b="0" i="0" dirty="0">
+                <a:solidFill>
+                  <a:srgbClr val="000000"/>
+                </a:solidFill>
+                <a:effectLst/>
+              </a:rPr>
+              <a:t> se modelov</a:t>
+            </a:r>
+            <a:endParaRPr lang="sl-SI" dirty="0"/>
+          </a:p>
+        </p:txBody>
+      </p:sp>
+      <p:sp>
+        <p:nvSpPr>
+          <p:cNvPr id="3" name="Označba mesta vsebine 2">
+            <a:extLst>
+              <a:ext uri="{FF2B5EF4-FFF2-40B4-BE49-F238E27FC236}">
+                <a16:creationId xmlns:a16="http://schemas.microsoft.com/office/drawing/2014/main" id="{09770A0F-0E9E-4F08-871D-40BE89BE243D}"/>
+              </a:ext>
+            </a:extLst>
+          </p:cNvPr>
+          <p:cNvSpPr>
+            <a:spLocks noGrp="1"/>
+          </p:cNvSpPr>
+          <p:nvPr>
+            <p:ph idx="1"/>
+          </p:nvPr>
+        </p:nvSpPr>
+        <p:spPr/>
+        <p:txBody>
+          <a:bodyPr/>
+          <a:lstStyle/>
+          <a:p>
+            <a:pPr marL="0" indent="0">
+              <a:buNone/>
+            </a:pPr>
+            <a:r>
+              <a:rPr lang="sl-SI" sz="2000" dirty="0"/>
+              <a:t>Ansambel/skupina (</a:t>
+            </a:r>
+            <a:r>
+              <a:rPr lang="sl-SI" sz="2000" dirty="0" err="1"/>
+              <a:t>Ensamble</a:t>
+            </a:r>
+            <a:r>
+              <a:rPr lang="sl-SI" sz="2000" dirty="0"/>
+              <a:t> </a:t>
+            </a:r>
+            <a:r>
+              <a:rPr lang="sl-SI" sz="2000" dirty="0" err="1"/>
+              <a:t>learning</a:t>
+            </a:r>
+            <a:r>
+              <a:rPr lang="sl-SI" sz="2000" dirty="0"/>
+              <a:t>) [44] modelov je sestavljena iz več različnih </a:t>
+            </a:r>
+            <a:r>
+              <a:rPr lang="sl-SI" sz="2000" dirty="0" err="1"/>
+              <a:t>samorazvijajočih</a:t>
+            </a:r>
+            <a:r>
+              <a:rPr lang="sl-SI" sz="2000" dirty="0"/>
+              <a:t> se modelov, ki jih paralelno učimo na istem problemu z različnimi parametri </a:t>
+            </a:r>
+            <a:r>
+              <a:rPr lang="en-US" sz="2000" dirty="0"/>
+              <a:t>[10, 48]</a:t>
+            </a:r>
+            <a:r>
+              <a:rPr lang="sl-SI" sz="2000" dirty="0"/>
+              <a:t>. Posamezni </a:t>
+            </a:r>
+            <a:r>
+              <a:rPr lang="sl-SI" sz="2000" dirty="0" err="1"/>
+              <a:t>samorazvijajoči</a:t>
+            </a:r>
+            <a:r>
+              <a:rPr lang="sl-SI" sz="2000" dirty="0"/>
+              <a:t> se modeli v ansamblu se lahko razlikujejo po strukturi, številu parametrov, različnih omejitvah, </a:t>
+            </a:r>
+            <a:r>
+              <a:rPr lang="sl-SI" sz="2000" dirty="0" err="1"/>
+              <a:t>kriterijski</a:t>
+            </a:r>
+            <a:r>
+              <a:rPr lang="sl-SI" sz="2000" dirty="0"/>
+              <a:t> funkciji ali celo tipu modela.   Ansambli </a:t>
+            </a:r>
+            <a:r>
+              <a:rPr lang="sl-SI" sz="2000" dirty="0" err="1"/>
+              <a:t>samorazvijajočih</a:t>
+            </a:r>
+            <a:r>
+              <a:rPr lang="sl-SI" sz="2000" dirty="0"/>
+              <a:t> se modelov so lahko realizirani tudi v obliki omrežja [44]. </a:t>
+            </a:r>
+          </a:p>
+          <a:p>
+            <a:r>
+              <a:rPr lang="en-US" sz="1800" dirty="0">
+                <a:effectLst/>
+                <a:latin typeface="Calibri" panose="020F0502020204030204" pitchFamily="34" charset="0"/>
+                <a:ea typeface="Calibri" panose="020F0502020204030204" pitchFamily="34" charset="0"/>
+                <a:cs typeface="Times New Roman" panose="02020603050405020304" pitchFamily="18" charset="0"/>
+              </a:rPr>
+              <a:t>Extreme Learning Machines (ELMs) (2009) </a:t>
+            </a:r>
+            <a:r>
+              <a:rPr lang="sl-SI" sz="1800" dirty="0">
+                <a:effectLst/>
+                <a:latin typeface="Calibri" panose="020F0502020204030204" pitchFamily="34" charset="0"/>
+                <a:ea typeface="Calibri" panose="020F0502020204030204" pitchFamily="34" charset="0"/>
+                <a:cs typeface="Times New Roman" panose="02020603050405020304" pitchFamily="18" charset="0"/>
+              </a:rPr>
+              <a:t>(naključna inicializacija parametrov in strukture)</a:t>
+            </a:r>
+          </a:p>
+          <a:p>
+            <a:r>
+              <a:rPr lang="en-US" sz="1800" dirty="0">
+                <a:effectLst/>
+                <a:latin typeface="Calibri" panose="020F0502020204030204" pitchFamily="34" charset="0"/>
+                <a:ea typeface="Calibri" panose="020F0502020204030204" pitchFamily="34" charset="0"/>
+                <a:cs typeface="Times New Roman" panose="02020603050405020304" pitchFamily="18" charset="0"/>
+              </a:rPr>
+              <a:t>Parsimonious ensemble (</a:t>
+            </a:r>
+            <a:r>
+              <a:rPr lang="en-US" sz="1800" dirty="0" err="1">
+                <a:effectLst/>
+                <a:latin typeface="Calibri" panose="020F0502020204030204" pitchFamily="34" charset="0"/>
+                <a:ea typeface="Calibri" panose="020F0502020204030204" pitchFamily="34" charset="0"/>
+                <a:cs typeface="Times New Roman" panose="02020603050405020304" pitchFamily="18" charset="0"/>
+              </a:rPr>
+              <a:t>pENsemble</a:t>
+            </a:r>
+            <a:r>
+              <a:rPr lang="en-US" sz="1800" dirty="0">
+                <a:effectLst/>
+                <a:latin typeface="Calibri" panose="020F0502020204030204" pitchFamily="34" charset="0"/>
+                <a:ea typeface="Calibri" panose="020F0502020204030204" pitchFamily="34" charset="0"/>
+                <a:cs typeface="Times New Roman" panose="02020603050405020304" pitchFamily="18" charset="0"/>
+              </a:rPr>
+              <a:t>) (2018) </a:t>
+            </a:r>
+            <a:r>
+              <a:rPr lang="sl-SI" sz="1800" dirty="0">
+                <a:effectLst/>
+                <a:latin typeface="Calibri" panose="020F0502020204030204" pitchFamily="34" charset="0"/>
+                <a:ea typeface="Calibri" panose="020F0502020204030204" pitchFamily="34" charset="0"/>
+                <a:cs typeface="Times New Roman" panose="02020603050405020304" pitchFamily="18" charset="0"/>
+              </a:rPr>
+              <a:t>(odstranjevanje modelov in izbira </a:t>
+            </a:r>
+            <a:r>
+              <a:rPr lang="sl-SI" sz="1800" dirty="0" err="1">
+                <a:effectLst/>
+                <a:latin typeface="Calibri" panose="020F0502020204030204" pitchFamily="34" charset="0"/>
+                <a:ea typeface="Calibri" panose="020F0502020204030204" pitchFamily="34" charset="0"/>
+                <a:cs typeface="Times New Roman" panose="02020603050405020304" pitchFamily="18" charset="0"/>
+              </a:rPr>
+              <a:t>značilk</a:t>
+            </a:r>
+            <a:r>
+              <a:rPr lang="sl-SI" sz="1800" dirty="0">
+                <a:effectLst/>
+                <a:latin typeface="Calibri" panose="020F0502020204030204" pitchFamily="34" charset="0"/>
+                <a:ea typeface="Calibri" panose="020F0502020204030204" pitchFamily="34" charset="0"/>
+                <a:cs typeface="Times New Roman" panose="02020603050405020304" pitchFamily="18" charset="0"/>
+              </a:rPr>
+              <a:t>)</a:t>
+            </a:r>
+          </a:p>
+          <a:p>
+            <a:r>
+              <a:rPr lang="en-US" sz="1800" dirty="0" err="1">
+                <a:effectLst/>
+                <a:latin typeface="Calibri" panose="020F0502020204030204" pitchFamily="34" charset="0"/>
+                <a:ea typeface="Calibri" panose="020F0502020204030204" pitchFamily="34" charset="0"/>
+                <a:cs typeface="Times New Roman" panose="02020603050405020304" pitchFamily="18" charset="0"/>
+              </a:rPr>
+              <a:t>Ensamble</a:t>
+            </a:r>
+            <a:r>
+              <a:rPr lang="en-US" sz="1800" dirty="0">
+                <a:effectLst/>
+                <a:latin typeface="Calibri" panose="020F0502020204030204" pitchFamily="34" charset="0"/>
+                <a:ea typeface="Calibri" panose="020F0502020204030204" pitchFamily="34" charset="0"/>
+                <a:cs typeface="Times New Roman" panose="02020603050405020304" pitchFamily="18" charset="0"/>
+              </a:rPr>
+              <a:t> of Fuzzy-set-Based evolving Models (</a:t>
+            </a:r>
+            <a:r>
+              <a:rPr lang="en-US" sz="1800" dirty="0" err="1">
+                <a:effectLst/>
+                <a:latin typeface="Calibri" panose="020F0502020204030204" pitchFamily="34" charset="0"/>
+                <a:ea typeface="Calibri" panose="020F0502020204030204" pitchFamily="34" charset="0"/>
+                <a:cs typeface="Times New Roman" panose="02020603050405020304" pitchFamily="18" charset="0"/>
+              </a:rPr>
+              <a:t>FBeM</a:t>
+            </a:r>
+            <a:r>
+              <a:rPr lang="en-US" sz="1800" dirty="0">
+                <a:effectLst/>
+                <a:latin typeface="Calibri" panose="020F0502020204030204" pitchFamily="34" charset="0"/>
+                <a:ea typeface="Calibri" panose="020F0502020204030204" pitchFamily="34" charset="0"/>
+                <a:cs typeface="Times New Roman" panose="02020603050405020304" pitchFamily="18" charset="0"/>
+              </a:rPr>
+              <a:t>) (201</a:t>
+            </a:r>
+            <a:r>
+              <a:rPr lang="sl-SI" sz="1800" dirty="0">
+                <a:effectLst/>
+                <a:latin typeface="Calibri" panose="020F0502020204030204" pitchFamily="34" charset="0"/>
+                <a:ea typeface="Calibri" panose="020F0502020204030204" pitchFamily="34" charset="0"/>
+                <a:cs typeface="Times New Roman" panose="02020603050405020304" pitchFamily="18" charset="0"/>
+              </a:rPr>
+              <a:t>5) (različni parametri in strukture)</a:t>
+            </a:r>
+          </a:p>
+          <a:p>
+            <a:r>
+              <a:rPr lang="en-US" sz="1800" dirty="0" err="1">
+                <a:effectLst/>
+                <a:latin typeface="Calibri" panose="020F0502020204030204" pitchFamily="34" charset="0"/>
+                <a:ea typeface="Calibri" panose="020F0502020204030204" pitchFamily="34" charset="0"/>
+                <a:cs typeface="Times New Roman" panose="02020603050405020304" pitchFamily="18" charset="0"/>
+              </a:rPr>
+              <a:t>Ensamble</a:t>
+            </a:r>
+            <a:r>
+              <a:rPr lang="en-US" sz="1800" dirty="0">
+                <a:effectLst/>
+                <a:latin typeface="Calibri" panose="020F0502020204030204" pitchFamily="34" charset="0"/>
+                <a:ea typeface="Calibri" panose="020F0502020204030204" pitchFamily="34" charset="0"/>
+                <a:cs typeface="Times New Roman" panose="02020603050405020304" pitchFamily="18" charset="0"/>
+              </a:rPr>
+              <a:t> of optimal evolving granular experts (</a:t>
+            </a:r>
+            <a:r>
+              <a:rPr lang="en-US" sz="1800" dirty="0" err="1">
+                <a:effectLst/>
+                <a:latin typeface="Calibri" panose="020F0502020204030204" pitchFamily="34" charset="0"/>
+                <a:ea typeface="Calibri" panose="020F0502020204030204" pitchFamily="34" charset="0"/>
+                <a:cs typeface="Times New Roman" panose="02020603050405020304" pitchFamily="18" charset="0"/>
+              </a:rPr>
+              <a:t>eOGS</a:t>
+            </a:r>
+            <a:r>
+              <a:rPr lang="en-US" sz="1800" dirty="0">
+                <a:effectLst/>
+                <a:latin typeface="Calibri" panose="020F0502020204030204" pitchFamily="34" charset="0"/>
+                <a:ea typeface="Calibri" panose="020F0502020204030204" pitchFamily="34" charset="0"/>
+                <a:cs typeface="Times New Roman" panose="02020603050405020304" pitchFamily="18" charset="0"/>
+              </a:rPr>
+              <a:t>) (2019) [48]</a:t>
+            </a:r>
+            <a:endParaRPr lang="sl-SI" sz="1800" dirty="0">
+              <a:effectLst/>
+              <a:latin typeface="Calibri" panose="020F0502020204030204" pitchFamily="34" charset="0"/>
+              <a:ea typeface="Calibri" panose="020F0502020204030204" pitchFamily="34" charset="0"/>
+              <a:cs typeface="Times New Roman" panose="02020603050405020304" pitchFamily="18" charset="0"/>
+            </a:endParaRPr>
+          </a:p>
+          <a:p>
+            <a:pPr marL="0" indent="0">
+              <a:buNone/>
+            </a:pPr>
+            <a:endParaRPr lang="sl-SI" dirty="0"/>
+          </a:p>
+        </p:txBody>
+      </p:sp>
+      <p:pic>
+        <p:nvPicPr>
+          <p:cNvPr id="5" name="Slika 4">
+            <a:extLst>
+              <a:ext uri="{FF2B5EF4-FFF2-40B4-BE49-F238E27FC236}">
+                <a16:creationId xmlns:a16="http://schemas.microsoft.com/office/drawing/2014/main" id="{F6BFB80F-971E-4EED-AC4F-C5779921748D}"/>
+              </a:ext>
+            </a:extLst>
+          </p:cNvPr>
+          <p:cNvPicPr>
+            <a:picLocks noChangeAspect="1"/>
+          </p:cNvPicPr>
+          <p:nvPr/>
+        </p:nvPicPr>
+        <p:blipFill>
+          <a:blip r:embed="rId3">
+            <a:extLst>
+              <a:ext uri="{28A0092B-C50C-407E-A947-70E740481C1C}">
+                <a14:useLocalDpi xmlns:a14="http://schemas.microsoft.com/office/drawing/2010/main" val="0"/>
+              </a:ext>
+            </a:extLst>
+          </a:blip>
+          <a:stretch>
+            <a:fillRect/>
+          </a:stretch>
+        </p:blipFill>
+        <p:spPr>
+          <a:xfrm>
+            <a:off x="10931704" y="130556"/>
+            <a:ext cx="1168059" cy="487300"/>
+          </a:xfrm>
+          <a:prstGeom prst="rect">
+            <a:avLst/>
+          </a:prstGeom>
+        </p:spPr>
+      </p:pic>
+      <p:pic>
+        <p:nvPicPr>
+          <p:cNvPr id="6" name="Picture 42" descr="Diagram&#10;&#10;Description automatically generated">
+            <a:extLst>
+              <a:ext uri="{FF2B5EF4-FFF2-40B4-BE49-F238E27FC236}">
+                <a16:creationId xmlns:a16="http://schemas.microsoft.com/office/drawing/2014/main" id="{22993324-5225-4517-8700-DCDAE7E8F727}"/>
+              </a:ext>
+            </a:extLst>
+          </p:cNvPr>
+          <p:cNvPicPr>
+            <a:picLocks noChangeAspect="1"/>
+          </p:cNvPicPr>
+          <p:nvPr/>
+        </p:nvPicPr>
+        <p:blipFill>
+          <a:blip r:embed="rId4"/>
+          <a:stretch>
+            <a:fillRect/>
+          </a:stretch>
+        </p:blipFill>
+        <p:spPr>
+          <a:xfrm>
+            <a:off x="7442200" y="4418604"/>
+            <a:ext cx="4428963" cy="2227663"/>
+          </a:xfrm>
+          <a:prstGeom prst="rect">
+            <a:avLst/>
+          </a:prstGeom>
+        </p:spPr>
+      </p:pic>
+    </p:spTree>
+    <p:extLst>
+      <p:ext uri="{BB962C8B-B14F-4D97-AF65-F5344CB8AC3E}">
+        <p14:creationId xmlns:p14="http://schemas.microsoft.com/office/powerpoint/2010/main" val="877783051"/>
+      </p:ext>
+    </p:extLst>
+  </p:cSld>
+  <p:clrMapOvr>
+    <a:masterClrMapping/>
+  </p:clrMapOvr>
+</p:sld>
+</file>
+
+<file path=ppt/slides/slide16.xml><?xml version="1.0" encoding="utf-8"?>
+<p:sld xmlns:a="http://schemas.openxmlformats.org/drawingml/2006/main" xmlns:r="http://schemas.openxmlformats.org/officeDocument/2006/relationships" xmlns:p="http://schemas.openxmlformats.org/presentationml/2006/main">
+  <p:cSld>
+    <p:spTree>
+      <p:nvGrpSpPr>
+        <p:cNvPr id="1" name=""/>
+        <p:cNvGrpSpPr/>
+        <p:nvPr/>
+      </p:nvGrpSpPr>
+      <p:grpSpPr>
+        <a:xfrm>
+          <a:off x="0" y="0"/>
+          <a:ext cx="0" cy="0"/>
+          <a:chOff x="0" y="0"/>
+          <a:chExt cx="0" cy="0"/>
+        </a:xfrm>
+      </p:grpSpPr>
+      <p:sp>
+        <p:nvSpPr>
+          <p:cNvPr id="2" name="Naslov 1">
+            <a:extLst>
+              <a:ext uri="{FF2B5EF4-FFF2-40B4-BE49-F238E27FC236}">
+                <a16:creationId xmlns:a16="http://schemas.microsoft.com/office/drawing/2014/main" id="{48A86C58-8A74-461B-B93C-6CB631DC2D59}"/>
+              </a:ext>
+            </a:extLst>
+          </p:cNvPr>
+          <p:cNvSpPr>
+            <a:spLocks noGrp="1"/>
+          </p:cNvSpPr>
+          <p:nvPr>
+            <p:ph type="title"/>
+          </p:nvPr>
+        </p:nvSpPr>
+        <p:spPr/>
+        <p:txBody>
+          <a:bodyPr>
+            <a:normAutofit/>
+          </a:bodyPr>
+          <a:lstStyle/>
+          <a:p>
+            <a:r>
+              <a:rPr lang="sl-SI" dirty="0"/>
+              <a:t>Odprta vprašanja na področju </a:t>
+            </a:r>
+            <a:r>
+              <a:rPr lang="sl-SI" dirty="0" err="1"/>
+              <a:t>samorazvijajočih</a:t>
+            </a:r>
+            <a:r>
+              <a:rPr lang="sl-SI" dirty="0"/>
+              <a:t> se sistemov</a:t>
+            </a:r>
+          </a:p>
+        </p:txBody>
+      </p:sp>
+      <p:sp>
+        <p:nvSpPr>
+          <p:cNvPr id="3" name="Označba mesta vsebine 2">
+            <a:extLst>
+              <a:ext uri="{FF2B5EF4-FFF2-40B4-BE49-F238E27FC236}">
+                <a16:creationId xmlns:a16="http://schemas.microsoft.com/office/drawing/2014/main" id="{937870A5-48CA-42D8-91E1-59D70059D2FD}"/>
+              </a:ext>
+            </a:extLst>
+          </p:cNvPr>
+          <p:cNvSpPr>
+            <a:spLocks noGrp="1"/>
+          </p:cNvSpPr>
+          <p:nvPr>
+            <p:ph idx="1"/>
+          </p:nvPr>
+        </p:nvSpPr>
+        <p:spPr/>
+        <p:txBody>
+          <a:bodyPr>
+            <a:normAutofit/>
+          </a:bodyPr>
+          <a:lstStyle/>
+          <a:p>
+            <a:r>
+              <a:rPr lang="sl-SI" dirty="0"/>
+              <a:t>obravnava manjkajočih vzorcev (</a:t>
+            </a:r>
+            <a:r>
+              <a:rPr lang="sl-SI" i="1" dirty="0" err="1"/>
+              <a:t>missing</a:t>
+            </a:r>
+            <a:r>
+              <a:rPr lang="sl-SI" i="1" dirty="0"/>
+              <a:t> data</a:t>
+            </a:r>
+            <a:r>
+              <a:rPr lang="sl-SI" dirty="0"/>
+              <a:t>) in osamelcev (</a:t>
+            </a:r>
+            <a:r>
+              <a:rPr lang="sl-SI" i="1" dirty="0" err="1"/>
+              <a:t>outliers</a:t>
+            </a:r>
+            <a:r>
+              <a:rPr lang="sl-SI" dirty="0"/>
+              <a:t>) </a:t>
+            </a:r>
+          </a:p>
+          <a:p>
+            <a:r>
+              <a:rPr lang="sl-SI" dirty="0"/>
+              <a:t>teoremi za zagotavljanje dolgoročne stabilnosti in konvergence</a:t>
+            </a:r>
+          </a:p>
+          <a:p>
+            <a:r>
+              <a:rPr lang="sl-SI" dirty="0"/>
+              <a:t>načrtovanje </a:t>
+            </a:r>
+            <a:r>
+              <a:rPr lang="sl-SI" dirty="0" err="1"/>
+              <a:t>experimentov</a:t>
+            </a:r>
+            <a:r>
+              <a:rPr lang="sl-SI" dirty="0"/>
+              <a:t> (Design </a:t>
+            </a:r>
+            <a:r>
+              <a:rPr lang="sl-SI" dirty="0" err="1"/>
+              <a:t>of</a:t>
+            </a:r>
+            <a:r>
+              <a:rPr lang="sl-SI" dirty="0"/>
+              <a:t> </a:t>
+            </a:r>
+            <a:r>
+              <a:rPr lang="sl-SI" dirty="0" err="1"/>
+              <a:t>Experiments</a:t>
+            </a:r>
+            <a:r>
+              <a:rPr lang="sl-SI" dirty="0"/>
+              <a:t>)</a:t>
+            </a:r>
+          </a:p>
+          <a:p>
+            <a:r>
+              <a:rPr lang="sl-SI" dirty="0"/>
+              <a:t>predlogi za potek dela(</a:t>
+            </a:r>
+            <a:r>
+              <a:rPr lang="sl-SI" i="1" dirty="0" err="1"/>
+              <a:t>workflow</a:t>
+            </a:r>
+            <a:r>
+              <a:rPr lang="sl-SI" dirty="0"/>
+              <a:t>)</a:t>
+            </a:r>
+          </a:p>
+          <a:p>
+            <a:r>
+              <a:rPr lang="sl-SI" dirty="0"/>
+              <a:t>mere uspešnosti sprotnega delovanja (</a:t>
+            </a:r>
+            <a:r>
+              <a:rPr lang="en-US" i="1" dirty="0"/>
+              <a:t>performance metrics</a:t>
+            </a:r>
+            <a:r>
+              <a:rPr lang="sl-SI" dirty="0"/>
+              <a:t>) </a:t>
+            </a:r>
+          </a:p>
+          <a:p>
+            <a:r>
+              <a:rPr lang="sl-SI" dirty="0"/>
+              <a:t>paralelno delovanje (</a:t>
+            </a:r>
+            <a:r>
+              <a:rPr lang="en-US" i="1" dirty="0"/>
+              <a:t>parallelization</a:t>
+            </a:r>
+            <a:r>
+              <a:rPr lang="sl-SI" dirty="0"/>
+              <a:t>)</a:t>
+            </a:r>
+          </a:p>
+          <a:p>
+            <a:r>
+              <a:rPr lang="sl-SI" dirty="0"/>
+              <a:t>programski senzorji (</a:t>
+            </a:r>
+            <a:r>
+              <a:rPr lang="sl-SI" dirty="0" err="1"/>
+              <a:t>soft</a:t>
+            </a:r>
+            <a:r>
+              <a:rPr lang="sl-SI" dirty="0"/>
+              <a:t> </a:t>
+            </a:r>
+            <a:r>
+              <a:rPr lang="sl-SI" dirty="0" err="1"/>
+              <a:t>sensors</a:t>
+            </a:r>
+            <a:r>
+              <a:rPr lang="sl-SI" dirty="0"/>
+              <a:t>)</a:t>
+            </a:r>
+          </a:p>
+          <a:p>
+            <a:r>
+              <a:rPr lang="sl-SI" dirty="0"/>
+              <a:t>sprotna izbira </a:t>
+            </a:r>
+            <a:r>
+              <a:rPr lang="sl-SI" dirty="0" err="1"/>
+              <a:t>regresorjev</a:t>
+            </a:r>
+            <a:endParaRPr lang="sl-SI" dirty="0"/>
+          </a:p>
+          <a:p>
+            <a:endParaRPr lang="sl-SI" i="1" dirty="0"/>
+          </a:p>
+        </p:txBody>
+      </p:sp>
+    </p:spTree>
+    <p:extLst>
+      <p:ext uri="{BB962C8B-B14F-4D97-AF65-F5344CB8AC3E}">
+        <p14:creationId xmlns:p14="http://schemas.microsoft.com/office/powerpoint/2010/main" val="996068835"/>
+      </p:ext>
+    </p:extLst>
+  </p:cSld>
+  <p:clrMapOvr>
+    <a:masterClrMapping/>
+  </p:clrMapOvr>
+</p:sld>
+</file>
+
+<file path=ppt/slides/slide17.xml><?xml version="1.0" encoding="utf-8"?>
+<p:sld xmlns:a="http://schemas.openxmlformats.org/drawingml/2006/main" xmlns:r="http://schemas.openxmlformats.org/officeDocument/2006/relationships" xmlns:p="http://schemas.openxmlformats.org/presentationml/2006/main">
+  <p:cSld>
+    <p:spTree>
+      <p:nvGrpSpPr>
+        <p:cNvPr id="1" name=""/>
+        <p:cNvGrpSpPr/>
+        <p:nvPr/>
+      </p:nvGrpSpPr>
+      <p:grpSpPr>
+        <a:xfrm>
+          <a:off x="0" y="0"/>
+          <a:ext cx="0" cy="0"/>
+          <a:chOff x="0" y="0"/>
+          <a:chExt cx="0" cy="0"/>
+        </a:xfrm>
+      </p:grpSpPr>
+      <p:sp>
+        <p:nvSpPr>
+          <p:cNvPr id="2" name="Naslov 1">
+            <a:extLst>
+              <a:ext uri="{FF2B5EF4-FFF2-40B4-BE49-F238E27FC236}">
+                <a16:creationId xmlns:a16="http://schemas.microsoft.com/office/drawing/2014/main" id="{33AC806F-76B1-43B6-8CA1-6EDE0AFBE77F}"/>
+              </a:ext>
+            </a:extLst>
+          </p:cNvPr>
+          <p:cNvSpPr>
+            <a:spLocks noGrp="1"/>
+          </p:cNvSpPr>
+          <p:nvPr>
+            <p:ph type="title"/>
+          </p:nvPr>
+        </p:nvSpPr>
+        <p:spPr/>
+        <p:txBody>
+          <a:bodyPr/>
+          <a:lstStyle/>
+          <a:p>
+            <a:endParaRPr lang="sl-SI"/>
+          </a:p>
+        </p:txBody>
+      </p:sp>
+      <p:sp>
+        <p:nvSpPr>
+          <p:cNvPr id="3" name="Označba mesta vsebine 2">
+            <a:extLst>
+              <a:ext uri="{FF2B5EF4-FFF2-40B4-BE49-F238E27FC236}">
+                <a16:creationId xmlns:a16="http://schemas.microsoft.com/office/drawing/2014/main" id="{4EEC0B6B-315E-4151-9F84-788485AA5537}"/>
+              </a:ext>
+            </a:extLst>
+          </p:cNvPr>
+          <p:cNvSpPr>
+            <a:spLocks noGrp="1"/>
+          </p:cNvSpPr>
+          <p:nvPr>
+            <p:ph idx="1"/>
+          </p:nvPr>
+        </p:nvSpPr>
+        <p:spPr/>
+        <p:txBody>
+          <a:bodyPr/>
+          <a:lstStyle/>
+          <a:p>
+            <a:endParaRPr lang="sl-SI"/>
+          </a:p>
+        </p:txBody>
+      </p:sp>
+      <p:pic>
+        <p:nvPicPr>
+          <p:cNvPr id="4" name="Slika 3">
+            <a:extLst>
+              <a:ext uri="{FF2B5EF4-FFF2-40B4-BE49-F238E27FC236}">
+                <a16:creationId xmlns:a16="http://schemas.microsoft.com/office/drawing/2014/main" id="{C088F720-0C4B-497B-AD63-5833701D8B02}"/>
+              </a:ext>
+            </a:extLst>
+          </p:cNvPr>
+          <p:cNvPicPr>
+            <a:picLocks noChangeAspect="1"/>
+          </p:cNvPicPr>
+          <p:nvPr/>
+        </p:nvPicPr>
+        <p:blipFill>
+          <a:blip r:embed="rId2">
+            <a:extLst>
+              <a:ext uri="{28A0092B-C50C-407E-A947-70E740481C1C}">
+                <a14:useLocalDpi xmlns:a14="http://schemas.microsoft.com/office/drawing/2010/main" val="0"/>
+              </a:ext>
+            </a:extLst>
+          </a:blip>
+          <a:srcRect/>
+          <a:stretch>
+            <a:fillRect/>
+          </a:stretch>
+        </p:blipFill>
+        <p:spPr bwMode="auto">
+          <a:xfrm>
+            <a:off x="332740" y="1998345"/>
+            <a:ext cx="4287520" cy="2861310"/>
+          </a:xfrm>
+          <a:prstGeom prst="rect">
+            <a:avLst/>
+          </a:prstGeom>
+          <a:noFill/>
+          <a:ln>
+            <a:noFill/>
+          </a:ln>
+        </p:spPr>
+      </p:pic>
+      <p:graphicFrame>
+        <p:nvGraphicFramePr>
+          <p:cNvPr id="7" name="Predmet 6">
+            <a:extLst>
+              <a:ext uri="{FF2B5EF4-FFF2-40B4-BE49-F238E27FC236}">
+                <a16:creationId xmlns:a16="http://schemas.microsoft.com/office/drawing/2014/main" id="{C90C24EF-A9AF-4456-89A1-749796B2A5DF}"/>
+              </a:ext>
+            </a:extLst>
+          </p:cNvPr>
+          <p:cNvGraphicFramePr>
+            <a:graphicFrameLocks noChangeAspect="1"/>
+          </p:cNvGraphicFramePr>
+          <p:nvPr>
+            <p:extLst>
+              <p:ext uri="{D42A27DB-BD31-4B8C-83A1-F6EECF244321}">
+                <p14:modId xmlns:p14="http://schemas.microsoft.com/office/powerpoint/2010/main" val="3399005449"/>
+              </p:ext>
+            </p:extLst>
+          </p:nvPr>
+        </p:nvGraphicFramePr>
+        <p:xfrm>
+          <a:off x="4620260" y="2097405"/>
+          <a:ext cx="3571875" cy="2762250"/>
+        </p:xfrm>
+        <a:graphic>
+          <a:graphicData uri="http://schemas.openxmlformats.org/presentationml/2006/ole">
+            <mc:AlternateContent xmlns:mc="http://schemas.openxmlformats.org/markup-compatibility/2006">
+              <mc:Choice xmlns:v="urn:schemas-microsoft-com:vml" Requires="v">
+                <p:oleObj name="Acrobat Document" r:id="rId3" imgW="3571539" imgH="2762199" progId="Acrobat.Document.DC">
+                  <p:embed/>
+                </p:oleObj>
+              </mc:Choice>
+              <mc:Fallback>
+                <p:oleObj name="Acrobat Document" r:id="rId3" imgW="3571539" imgH="2762199" progId="Acrobat.Document.DC">
+                  <p:embed/>
+                  <p:pic>
+                    <p:nvPicPr>
+                      <p:cNvPr id="7" name="Predmet 6">
+                        <a:extLst>
+                          <a:ext uri="{FF2B5EF4-FFF2-40B4-BE49-F238E27FC236}">
+                            <a16:creationId xmlns:a16="http://schemas.microsoft.com/office/drawing/2014/main" id="{C90C24EF-A9AF-4456-89A1-749796B2A5DF}"/>
+                          </a:ext>
+                        </a:extLst>
+                      </p:cNvPr>
+                      <p:cNvPicPr/>
+                      <p:nvPr/>
+                    </p:nvPicPr>
+                    <p:blipFill>
+                      <a:blip r:embed="rId4"/>
+                      <a:stretch>
+                        <a:fillRect/>
+                      </a:stretch>
+                    </p:blipFill>
+                    <p:spPr>
+                      <a:xfrm>
+                        <a:off x="4620260" y="2097405"/>
+                        <a:ext cx="3571875" cy="2762250"/>
+                      </a:xfrm>
+                      <a:prstGeom prst="rect">
+                        <a:avLst/>
+                      </a:prstGeom>
+                    </p:spPr>
+                  </p:pic>
+                </p:oleObj>
+              </mc:Fallback>
+            </mc:AlternateContent>
+          </a:graphicData>
+        </a:graphic>
+      </p:graphicFrame>
+    </p:spTree>
+    <p:extLst>
+      <p:ext uri="{BB962C8B-B14F-4D97-AF65-F5344CB8AC3E}">
+        <p14:creationId xmlns:p14="http://schemas.microsoft.com/office/powerpoint/2010/main" val="862989043"/>
+      </p:ext>
+    </p:extLst>
+  </p:cSld>
+  <p:clrMapOvr>
+    <a:masterClrMapping/>
+  </p:clrMapOvr>
+</p:sld>
+</file>
+
 <file path=ppt/slides/slide2.xml><?xml version="1.0" encoding="utf-8"?>
 <p:sld xmlns:a="http://schemas.openxmlformats.org/drawingml/2006/main" xmlns:r="http://schemas.openxmlformats.org/officeDocument/2006/relationships" xmlns:p="http://schemas.openxmlformats.org/presentationml/2006/main">
   <p:cSld>
@@ -5204,7 +10035,7 @@
           <p:nvPr/>
         </p:nvPicPr>
         <p:blipFill>
-          <a:blip r:embed="rId2">
+          <a:blip r:embed="rId3">
             <a:extLst>
               <a:ext uri="{28A0092B-C50C-407E-A947-70E740481C1C}">
                 <a14:useLocalDpi xmlns:a14="http://schemas.microsoft.com/office/drawing/2010/main" val="0"/>
@@ -5328,7 +10159,12 @@
             <p:ph idx="1"/>
           </p:nvPr>
         </p:nvSpPr>
-        <p:spPr/>
+        <p:spPr>
+          <a:xfrm>
+            <a:off x="828675" y="1797050"/>
+            <a:ext cx="10515600" cy="4351338"/>
+          </a:xfrm>
+        </p:spPr>
         <p:txBody>
           <a:bodyPr>
             <a:normAutofit fontScale="62500" lnSpcReduction="20000"/>
@@ -5428,14 +10264,11 @@
             </a:r>
             <a:r>
               <a:rPr lang="sl-SI" sz="2800" b="1" dirty="0">
-                <a:solidFill>
-                  <a:srgbClr val="FF0000"/>
-                </a:solidFill>
-                <a:latin typeface="Calibri" panose="020F0502020204030204" pitchFamily="34" charset="0"/>
-                <a:ea typeface="Calibri" panose="020F0502020204030204" pitchFamily="34" charset="0"/>
-                <a:cs typeface="Times New Roman" panose="02020603050405020304" pitchFamily="18" charset="0"/>
-              </a:rPr>
-              <a:t>informacijski granuli </a:t>
+                <a:latin typeface="Calibri" panose="020F0502020204030204" pitchFamily="34" charset="0"/>
+                <a:ea typeface="Calibri" panose="020F0502020204030204" pitchFamily="34" charset="0"/>
+                <a:cs typeface="Times New Roman" panose="02020603050405020304" pitchFamily="18" charset="0"/>
+              </a:rPr>
+              <a:t>informacijske granule </a:t>
             </a:r>
             <a:r>
               <a:rPr lang="sl-SI" sz="2800" dirty="0">
@@ -5507,42 +10340,26 @@
                 <a:ea typeface="Calibri" panose="020F0502020204030204" pitchFamily="34" charset="0"/>
                 <a:cs typeface="Times New Roman" panose="02020603050405020304" pitchFamily="18" charset="0"/>
               </a:rPr>
-              <a:t>)[10], </a:t>
-            </a:r>
-            <a:r>
-              <a:rPr lang="sl-SI" sz="2800" b="1" dirty="0">
-                <a:latin typeface="Calibri" panose="020F0502020204030204" pitchFamily="34" charset="0"/>
-                <a:ea typeface="Calibri" panose="020F0502020204030204" pitchFamily="34" charset="0"/>
-                <a:cs typeface="Times New Roman" panose="02020603050405020304" pitchFamily="18" charset="0"/>
-              </a:rPr>
-              <a:t>listi</a:t>
-            </a:r>
-            <a:r>
-              <a:rPr lang="sl-SI" sz="2800" dirty="0">
-                <a:latin typeface="Calibri" panose="020F0502020204030204" pitchFamily="34" charset="0"/>
-                <a:ea typeface="Calibri" panose="020F0502020204030204" pitchFamily="34" charset="0"/>
-                <a:cs typeface="Times New Roman" panose="02020603050405020304" pitchFamily="18" charset="0"/>
-              </a:rPr>
-              <a:t> in drevesa (</a:t>
-            </a:r>
-            <a:r>
-              <a:rPr lang="sl-SI" sz="2800" i="1" dirty="0" err="1">
-                <a:latin typeface="Calibri" panose="020F0502020204030204" pitchFamily="34" charset="0"/>
-                <a:ea typeface="Calibri" panose="020F0502020204030204" pitchFamily="34" charset="0"/>
-                <a:cs typeface="Times New Roman" panose="02020603050405020304" pitchFamily="18" charset="0"/>
-              </a:rPr>
-              <a:t>leaf</a:t>
-            </a:r>
-            <a:r>
-              <a:rPr lang="sl-SI" sz="2800" i="1" dirty="0">
-                <a:latin typeface="Calibri" panose="020F0502020204030204" pitchFamily="34" charset="0"/>
-                <a:ea typeface="Calibri" panose="020F0502020204030204" pitchFamily="34" charset="0"/>
-                <a:cs typeface="Times New Roman" panose="02020603050405020304" pitchFamily="18" charset="0"/>
-              </a:rPr>
-              <a:t>, </a:t>
-            </a:r>
-            <a:r>
-              <a:rPr lang="sl-SI" sz="2800" i="1" dirty="0" err="1">
+              <a:t>)[10], drevesa (</a:t>
+            </a:r>
+            <a:r>
+              <a:rPr lang="sl-SI" i="1" dirty="0" err="1">
+                <a:latin typeface="Calibri" panose="020F0502020204030204" pitchFamily="34" charset="0"/>
+                <a:ea typeface="Calibri" panose="020F0502020204030204" pitchFamily="34" charset="0"/>
+                <a:cs typeface="Times New Roman" panose="02020603050405020304" pitchFamily="18" charset="0"/>
+              </a:rPr>
+              <a:t>decision</a:t>
+            </a:r>
+            <a:r>
+              <a:rPr lang="sl-SI" i="1" dirty="0">
+                <a:latin typeface="Calibri" panose="020F0502020204030204" pitchFamily="34" charset="0"/>
+                <a:ea typeface="Calibri" panose="020F0502020204030204" pitchFamily="34" charset="0"/>
+                <a:cs typeface="Times New Roman" panose="02020603050405020304" pitchFamily="18" charset="0"/>
+              </a:rPr>
+              <a:t> </a:t>
+            </a:r>
+            <a:r>
+              <a:rPr lang="sl-SI" i="1" dirty="0" err="1">
                 <a:latin typeface="Calibri" panose="020F0502020204030204" pitchFamily="34" charset="0"/>
                 <a:ea typeface="Calibri" panose="020F0502020204030204" pitchFamily="34" charset="0"/>
                 <a:cs typeface="Times New Roman" panose="02020603050405020304" pitchFamily="18" charset="0"/>
@@ -5672,20 +10489,139 @@
               </a:spcAft>
             </a:pPr>
             <a:r>
-              <a:rPr lang="sl-SI" dirty="0" err="1">
-                <a:latin typeface="Calibri" panose="020F0502020204030204" pitchFamily="34" charset="0"/>
-                <a:ea typeface="Calibri" panose="020F0502020204030204" pitchFamily="34" charset="0"/>
-                <a:cs typeface="Times New Roman" panose="02020603050405020304" pitchFamily="18" charset="0"/>
-              </a:rPr>
-              <a:t>Nevro</a:t>
+              <a:rPr lang="sl-SI" sz="2800" dirty="0">
+                <a:effectLst/>
+                <a:latin typeface="Calibri" panose="020F0502020204030204" pitchFamily="34" charset="0"/>
+                <a:ea typeface="Calibri" panose="020F0502020204030204" pitchFamily="34" charset="0"/>
+                <a:cs typeface="Times New Roman" panose="02020603050405020304" pitchFamily="18" charset="0"/>
+              </a:rPr>
+              <a:t>Poglavitne naloge </a:t>
+            </a:r>
+            <a:r>
+              <a:rPr lang="sl-SI" sz="2800" dirty="0" err="1">
+                <a:effectLst/>
+                <a:latin typeface="Calibri" panose="020F0502020204030204" pitchFamily="34" charset="0"/>
+                <a:ea typeface="Calibri" panose="020F0502020204030204" pitchFamily="34" charset="0"/>
+                <a:cs typeface="Times New Roman" panose="02020603050405020304" pitchFamily="18" charset="0"/>
+              </a:rPr>
+              <a:t>samorazvijajočih</a:t>
+            </a:r>
+            <a:r>
+              <a:rPr lang="sl-SI" sz="2800" dirty="0">
+                <a:effectLst/>
+                <a:latin typeface="Calibri" panose="020F0502020204030204" pitchFamily="34" charset="0"/>
+                <a:ea typeface="Calibri" panose="020F0502020204030204" pitchFamily="34" charset="0"/>
+                <a:cs typeface="Times New Roman" panose="02020603050405020304" pitchFamily="18" charset="0"/>
+              </a:rPr>
+              <a:t> se </a:t>
+            </a:r>
+            <a:r>
+              <a:rPr lang="sl-SI" sz="2800" dirty="0" err="1">
+                <a:effectLst/>
+                <a:latin typeface="Calibri" panose="020F0502020204030204" pitchFamily="34" charset="0"/>
+                <a:ea typeface="Calibri" panose="020F0502020204030204" pitchFamily="34" charset="0"/>
+                <a:cs typeface="Times New Roman" panose="02020603050405020304" pitchFamily="18" charset="0"/>
+              </a:rPr>
+              <a:t>neuro</a:t>
+            </a:r>
+            <a:r>
+              <a:rPr lang="sl-SI" sz="2800" dirty="0">
+                <a:effectLst/>
+                <a:latin typeface="Calibri" panose="020F0502020204030204" pitchFamily="34" charset="0"/>
+                <a:ea typeface="Calibri" panose="020F0502020204030204" pitchFamily="34" charset="0"/>
+                <a:cs typeface="Times New Roman" panose="02020603050405020304" pitchFamily="18" charset="0"/>
+              </a:rPr>
+              <a:t>-mehkih sistemov sta </a:t>
+            </a:r>
+            <a:r>
+              <a:rPr lang="sl-SI" sz="2800" b="1" dirty="0">
+                <a:effectLst/>
+                <a:latin typeface="Calibri" panose="020F0502020204030204" pitchFamily="34" charset="0"/>
+                <a:ea typeface="Calibri" panose="020F0502020204030204" pitchFamily="34" charset="0"/>
+                <a:cs typeface="Times New Roman" panose="02020603050405020304" pitchFamily="18" charset="0"/>
+              </a:rPr>
+              <a:t>natančno</a:t>
+            </a:r>
+            <a:r>
+              <a:rPr lang="sl-SI" sz="2800" dirty="0">
+                <a:effectLst/>
+                <a:latin typeface="Calibri" panose="020F0502020204030204" pitchFamily="34" charset="0"/>
+                <a:ea typeface="Calibri" panose="020F0502020204030204" pitchFamily="34" charset="0"/>
+                <a:cs typeface="Times New Roman" panose="02020603050405020304" pitchFamily="18" charset="0"/>
+              </a:rPr>
+              <a:t> mehko (</a:t>
+            </a:r>
+            <a:r>
+              <a:rPr lang="sl-SI" sz="2800" i="1" dirty="0" err="1">
+                <a:effectLst/>
+                <a:latin typeface="Calibri" panose="020F0502020204030204" pitchFamily="34" charset="0"/>
+                <a:ea typeface="Calibri" panose="020F0502020204030204" pitchFamily="34" charset="0"/>
+                <a:cs typeface="Times New Roman" panose="02020603050405020304" pitchFamily="18" charset="0"/>
+              </a:rPr>
+              <a:t>fuzzy</a:t>
+            </a:r>
+            <a:r>
+              <a:rPr lang="sl-SI" sz="2800" dirty="0">
+                <a:effectLst/>
+                <a:latin typeface="Calibri" panose="020F0502020204030204" pitchFamily="34" charset="0"/>
+                <a:ea typeface="Calibri" panose="020F0502020204030204" pitchFamily="34" charset="0"/>
+                <a:cs typeface="Times New Roman" panose="02020603050405020304" pitchFamily="18" charset="0"/>
+              </a:rPr>
+              <a:t>) modeliranje tipa </a:t>
+            </a:r>
+            <a:r>
+              <a:rPr lang="en-US" sz="2800" b="1" dirty="0">
+                <a:effectLst/>
+                <a:latin typeface="Calibri" panose="020F0502020204030204" pitchFamily="34" charset="0"/>
+                <a:ea typeface="Calibri" panose="020F0502020204030204" pitchFamily="34" charset="0"/>
+                <a:cs typeface="Times New Roman" panose="02020603050405020304" pitchFamily="18" charset="0"/>
+              </a:rPr>
+              <a:t>Takagi-</a:t>
+            </a:r>
+            <a:r>
+              <a:rPr lang="en-US" sz="2800" b="1" dirty="0" err="1">
+                <a:effectLst/>
+                <a:latin typeface="Calibri" panose="020F0502020204030204" pitchFamily="34" charset="0"/>
+                <a:ea typeface="Calibri" panose="020F0502020204030204" pitchFamily="34" charset="0"/>
+                <a:cs typeface="Times New Roman" panose="02020603050405020304" pitchFamily="18" charset="0"/>
+              </a:rPr>
+              <a:t>Sugeno</a:t>
+            </a:r>
+            <a:r>
+              <a:rPr lang="en-US" sz="2800" b="1" dirty="0">
+                <a:effectLst/>
+                <a:latin typeface="Calibri" panose="020F0502020204030204" pitchFamily="34" charset="0"/>
+                <a:ea typeface="Calibri" panose="020F0502020204030204" pitchFamily="34" charset="0"/>
+                <a:cs typeface="Times New Roman" panose="02020603050405020304" pitchFamily="18" charset="0"/>
+              </a:rPr>
+              <a:t>-Kan</a:t>
+            </a:r>
+            <a:r>
+              <a:rPr lang="sl-SI" sz="2800" b="1" dirty="0">
+                <a:effectLst/>
+                <a:latin typeface="Calibri" panose="020F0502020204030204" pitchFamily="34" charset="0"/>
+                <a:ea typeface="Calibri" panose="020F0502020204030204" pitchFamily="34" charset="0"/>
+                <a:cs typeface="Times New Roman" panose="02020603050405020304" pitchFamily="18" charset="0"/>
+              </a:rPr>
+              <a:t>g</a:t>
             </a:r>
             <a:r>
               <a:rPr lang="sl-SI" dirty="0">
-                <a:latin typeface="Calibri" panose="020F0502020204030204" pitchFamily="34" charset="0"/>
-                <a:ea typeface="Calibri" panose="020F0502020204030204" pitchFamily="34" charset="0"/>
-                <a:cs typeface="Times New Roman" panose="02020603050405020304" pitchFamily="18" charset="0"/>
-              </a:rPr>
-              <a:t>-mehki model so sestavljeni in mehkih pravil v topologiji nevronskega omrežja z nevroni in povezavami.  [10]. </a:t>
+                <a:effectLst/>
+                <a:latin typeface="Calibri" panose="020F0502020204030204" pitchFamily="34" charset="0"/>
+                <a:ea typeface="Calibri" panose="020F0502020204030204" pitchFamily="34" charset="0"/>
+                <a:cs typeface="Times New Roman" panose="02020603050405020304" pitchFamily="18" charset="0"/>
+              </a:rPr>
+              <a:t>, </a:t>
+            </a:r>
+            <a:r>
+              <a:rPr lang="sl-SI" sz="2800" b="1" dirty="0">
+                <a:effectLst/>
+                <a:latin typeface="Calibri" panose="020F0502020204030204" pitchFamily="34" charset="0"/>
+                <a:ea typeface="Calibri" panose="020F0502020204030204" pitchFamily="34" charset="0"/>
+                <a:cs typeface="Times New Roman" panose="02020603050405020304" pitchFamily="18" charset="0"/>
+              </a:rPr>
+              <a:t>lingvistično</a:t>
             </a:r>
             <a:r>
               <a:rPr lang="sl-SI" sz="2800" dirty="0">
@@ -5694,16 +10630,16 @@
                 <a:ea typeface="Calibri" panose="020F0502020204030204" pitchFamily="34" charset="0"/>
                 <a:cs typeface="Times New Roman" panose="02020603050405020304" pitchFamily="18" charset="0"/>
               </a:rPr>
-              <a:t>Poglavitni nalogi </a:t>
-            </a:r>
-            <a:r>
-              <a:rPr lang="sl-SI" sz="2800" dirty="0" err="1">
-                <a:effectLst/>
-                <a:latin typeface="Calibri" panose="020F0502020204030204" pitchFamily="34" charset="0"/>
-                <a:ea typeface="Calibri" panose="020F0502020204030204" pitchFamily="34" charset="0"/>
-                <a:cs typeface="Times New Roman" panose="02020603050405020304" pitchFamily="18" charset="0"/>
-              </a:rPr>
-              <a:t>samorazvijajočih</a:t>
+              <a:t> (</a:t>
+            </a:r>
+            <a:r>
+              <a:rPr lang="en-US" sz="2800" i="1" dirty="0">
+                <a:effectLst/>
+                <a:latin typeface="Calibri" panose="020F0502020204030204" pitchFamily="34" charset="0"/>
+                <a:ea typeface="Calibri" panose="020F0502020204030204" pitchFamily="34" charset="0"/>
+                <a:cs typeface="Times New Roman" panose="02020603050405020304" pitchFamily="18" charset="0"/>
+              </a:rPr>
+              <a:t>linguistic</a:t>
             </a:r>
             <a:r>
               <a:rPr lang="sl-SI" sz="2800" dirty="0">
@@ -5712,16 +10648,25 @@
                 <a:ea typeface="Calibri" panose="020F0502020204030204" pitchFamily="34" charset="0"/>
                 <a:cs typeface="Times New Roman" panose="02020603050405020304" pitchFamily="18" charset="0"/>
               </a:rPr>
-              <a:t> se </a:t>
-            </a:r>
-            <a:r>
-              <a:rPr lang="sl-SI" sz="2800" dirty="0" err="1">
-                <a:effectLst/>
-                <a:latin typeface="Calibri" panose="020F0502020204030204" pitchFamily="34" charset="0"/>
-                <a:ea typeface="Calibri" panose="020F0502020204030204" pitchFamily="34" charset="0"/>
-                <a:cs typeface="Times New Roman" panose="02020603050405020304" pitchFamily="18" charset="0"/>
-              </a:rPr>
-              <a:t>neuro</a:t>
+              <a:t>) modeliranje tipa </a:t>
+            </a:r>
+            <a:r>
+              <a:rPr lang="en-US" sz="2800" b="1" dirty="0">
+                <a:effectLst/>
+                <a:latin typeface="Calibri" panose="020F0502020204030204" pitchFamily="34" charset="0"/>
+                <a:ea typeface="Calibri" panose="020F0502020204030204" pitchFamily="34" charset="0"/>
+                <a:cs typeface="Times New Roman" panose="02020603050405020304" pitchFamily="18" charset="0"/>
+              </a:rPr>
+              <a:t>Zadeh-Mamdani</a:t>
+            </a:r>
+            <a:r>
+              <a:rPr lang="sl-SI" sz="2800" b="1" dirty="0">
+                <a:effectLst/>
+                <a:latin typeface="Calibri" panose="020F0502020204030204" pitchFamily="34" charset="0"/>
+                <a:ea typeface="Calibri" panose="020F0502020204030204" pitchFamily="34" charset="0"/>
+                <a:cs typeface="Times New Roman" panose="02020603050405020304" pitchFamily="18" charset="0"/>
+              </a:rPr>
+              <a:t> </a:t>
             </a:r>
             <a:r>
               <a:rPr lang="sl-SI" sz="2800" dirty="0">
@@ -5730,7 +10675,7 @@
                 <a:ea typeface="Calibri" panose="020F0502020204030204" pitchFamily="34" charset="0"/>
                 <a:cs typeface="Times New Roman" panose="02020603050405020304" pitchFamily="18" charset="0"/>
               </a:rPr>
-              <a:t>-mehkih sistemov sta </a:t>
+              <a:t>ali </a:t>
             </a:r>
             <a:r>
               <a:rPr lang="sl-SI" sz="2800" b="1" dirty="0">
@@ -5739,7 +10684,7 @@
                 <a:ea typeface="Calibri" panose="020F0502020204030204" pitchFamily="34" charset="0"/>
                 <a:cs typeface="Times New Roman" panose="02020603050405020304" pitchFamily="18" charset="0"/>
               </a:rPr>
-              <a:t>natančno</a:t>
+              <a:t>klasifikacija</a:t>
             </a:r>
             <a:r>
               <a:rPr lang="sl-SI" sz="2800" dirty="0">
@@ -5748,221 +10693,15 @@
                 <a:ea typeface="Calibri" panose="020F0502020204030204" pitchFamily="34" charset="0"/>
                 <a:cs typeface="Times New Roman" panose="02020603050405020304" pitchFamily="18" charset="0"/>
               </a:rPr>
-              <a:t> mehko (</a:t>
-            </a:r>
-            <a:r>
-              <a:rPr lang="sl-SI" sz="2800" i="1" dirty="0" err="1">
-                <a:effectLst/>
-                <a:latin typeface="Calibri" panose="020F0502020204030204" pitchFamily="34" charset="0"/>
-                <a:ea typeface="Calibri" panose="020F0502020204030204" pitchFamily="34" charset="0"/>
-                <a:cs typeface="Times New Roman" panose="02020603050405020304" pitchFamily="18" charset="0"/>
-              </a:rPr>
-              <a:t>fuzzy</a:t>
-            </a:r>
-            <a:r>
-              <a:rPr lang="sl-SI" sz="2800" dirty="0">
-                <a:effectLst/>
-                <a:latin typeface="Calibri" panose="020F0502020204030204" pitchFamily="34" charset="0"/>
-                <a:ea typeface="Calibri" panose="020F0502020204030204" pitchFamily="34" charset="0"/>
-                <a:cs typeface="Times New Roman" panose="02020603050405020304" pitchFamily="18" charset="0"/>
-              </a:rPr>
-              <a:t>) modeliranje tipa </a:t>
-            </a:r>
-            <a:r>
-              <a:rPr lang="en-US" sz="2800" dirty="0">
-                <a:effectLst/>
-                <a:latin typeface="Calibri" panose="020F0502020204030204" pitchFamily="34" charset="0"/>
-                <a:ea typeface="Calibri" panose="020F0502020204030204" pitchFamily="34" charset="0"/>
-                <a:cs typeface="Times New Roman" panose="02020603050405020304" pitchFamily="18" charset="0"/>
-              </a:rPr>
-              <a:t>Takagi-</a:t>
-            </a:r>
-            <a:r>
-              <a:rPr lang="en-US" sz="2800" dirty="0" err="1">
-                <a:effectLst/>
-                <a:latin typeface="Calibri" panose="020F0502020204030204" pitchFamily="34" charset="0"/>
-                <a:ea typeface="Calibri" panose="020F0502020204030204" pitchFamily="34" charset="0"/>
-                <a:cs typeface="Times New Roman" panose="02020603050405020304" pitchFamily="18" charset="0"/>
-              </a:rPr>
-              <a:t>Sugeno</a:t>
-            </a:r>
-            <a:r>
-              <a:rPr lang="en-US" sz="2800" dirty="0">
-                <a:effectLst/>
-                <a:latin typeface="Calibri" panose="020F0502020204030204" pitchFamily="34" charset="0"/>
-                <a:ea typeface="Calibri" panose="020F0502020204030204" pitchFamily="34" charset="0"/>
-                <a:cs typeface="Times New Roman" panose="02020603050405020304" pitchFamily="18" charset="0"/>
-              </a:rPr>
-              <a:t>-Kan</a:t>
-            </a:r>
-            <a:r>
-              <a:rPr lang="sl-SI" sz="2800" dirty="0">
-                <a:effectLst/>
-                <a:latin typeface="Calibri" panose="020F0502020204030204" pitchFamily="34" charset="0"/>
-                <a:ea typeface="Calibri" panose="020F0502020204030204" pitchFamily="34" charset="0"/>
-                <a:cs typeface="Times New Roman" panose="02020603050405020304" pitchFamily="18" charset="0"/>
-              </a:rPr>
-              <a:t>g</a:t>
-            </a:r>
-            <a:r>
-              <a:rPr lang="sl-SI" sz="2800" dirty="0">
+              <a:t>.</a:t>
+            </a:r>
+            <a:r>
+              <a:rPr lang="sl-SI" dirty="0">
                 <a:latin typeface="Calibri" panose="020F0502020204030204" pitchFamily="34" charset="0"/>
                 <a:ea typeface="Calibri" panose="020F0502020204030204" pitchFamily="34" charset="0"/>
                 <a:cs typeface="Times New Roman" panose="02020603050405020304" pitchFamily="18" charset="0"/>
               </a:rPr>
               <a:t> </a:t>
-            </a:r>
-            <a:r>
-              <a:rPr lang="sl-SI" sz="2800" dirty="0">
-                <a:effectLst/>
-                <a:latin typeface="Calibri" panose="020F0502020204030204" pitchFamily="34" charset="0"/>
-                <a:ea typeface="Calibri" panose="020F0502020204030204" pitchFamily="34" charset="0"/>
-                <a:cs typeface="Times New Roman" panose="02020603050405020304" pitchFamily="18" charset="0"/>
-              </a:rPr>
-              <a:t>ali </a:t>
-            </a:r>
-            <a:r>
-              <a:rPr lang="sl-SI" sz="2800" b="1" dirty="0">
-                <a:effectLst/>
-                <a:latin typeface="Calibri" panose="020F0502020204030204" pitchFamily="34" charset="0"/>
-                <a:ea typeface="Calibri" panose="020F0502020204030204" pitchFamily="34" charset="0"/>
-                <a:cs typeface="Times New Roman" panose="02020603050405020304" pitchFamily="18" charset="0"/>
-              </a:rPr>
-              <a:t>lingvistično</a:t>
-            </a:r>
-            <a:r>
-              <a:rPr lang="sl-SI" sz="2800" dirty="0">
-                <a:effectLst/>
-                <a:latin typeface="Calibri" panose="020F0502020204030204" pitchFamily="34" charset="0"/>
-                <a:ea typeface="Calibri" panose="020F0502020204030204" pitchFamily="34" charset="0"/>
-                <a:cs typeface="Times New Roman" panose="02020603050405020304" pitchFamily="18" charset="0"/>
-              </a:rPr>
-              <a:t> (</a:t>
-            </a:r>
-            <a:r>
-              <a:rPr lang="en-US" sz="2800" i="1" dirty="0">
-                <a:effectLst/>
-                <a:latin typeface="Calibri" panose="020F0502020204030204" pitchFamily="34" charset="0"/>
-                <a:ea typeface="Calibri" panose="020F0502020204030204" pitchFamily="34" charset="0"/>
-                <a:cs typeface="Times New Roman" panose="02020603050405020304" pitchFamily="18" charset="0"/>
-              </a:rPr>
-              <a:t>linguistic</a:t>
-            </a:r>
-            <a:r>
-              <a:rPr lang="sl-SI" sz="2800" dirty="0">
-                <a:effectLst/>
-                <a:latin typeface="Calibri" panose="020F0502020204030204" pitchFamily="34" charset="0"/>
-                <a:ea typeface="Calibri" panose="020F0502020204030204" pitchFamily="34" charset="0"/>
-                <a:cs typeface="Times New Roman" panose="02020603050405020304" pitchFamily="18" charset="0"/>
-              </a:rPr>
-              <a:t>) modeliranje tipa </a:t>
-            </a:r>
-            <a:r>
-              <a:rPr lang="en-US" sz="2800" dirty="0">
-                <a:effectLst/>
-                <a:latin typeface="Calibri" panose="020F0502020204030204" pitchFamily="34" charset="0"/>
-                <a:ea typeface="Calibri" panose="020F0502020204030204" pitchFamily="34" charset="0"/>
-                <a:cs typeface="Times New Roman" panose="02020603050405020304" pitchFamily="18" charset="0"/>
-              </a:rPr>
-              <a:t>Zadeh-Mamdani</a:t>
-            </a:r>
-            <a:r>
-              <a:rPr lang="sl-SI" sz="2800" dirty="0">
-                <a:effectLst/>
-                <a:latin typeface="Calibri" panose="020F0502020204030204" pitchFamily="34" charset="0"/>
-                <a:ea typeface="Calibri" panose="020F0502020204030204" pitchFamily="34" charset="0"/>
-                <a:cs typeface="Times New Roman" panose="02020603050405020304" pitchFamily="18" charset="0"/>
-              </a:rPr>
-              <a:t>. Mehki model sestavljajo več pravil</a:t>
-            </a:r>
-            <a:r>
-              <a:rPr lang="sl-SI" sz="2800" dirty="0">
-                <a:latin typeface="Calibri" panose="020F0502020204030204" pitchFamily="34" charset="0"/>
-                <a:ea typeface="Calibri" panose="020F0502020204030204" pitchFamily="34" charset="0"/>
-                <a:cs typeface="Times New Roman" panose="02020603050405020304" pitchFamily="18" charset="0"/>
-              </a:rPr>
-              <a:t>, ki so</a:t>
-            </a:r>
-            <a:r>
-              <a:rPr lang="sl-SI" sz="2800" dirty="0">
-                <a:effectLst/>
-                <a:latin typeface="Calibri" panose="020F0502020204030204" pitchFamily="34" charset="0"/>
-                <a:ea typeface="Calibri" panose="020F0502020204030204" pitchFamily="34" charset="0"/>
-                <a:cs typeface="Times New Roman" panose="02020603050405020304" pitchFamily="18" charset="0"/>
-              </a:rPr>
-              <a:t> definirani z </a:t>
-            </a:r>
-            <a:r>
-              <a:rPr lang="sl-SI" sz="2800" b="1" dirty="0">
-                <a:effectLst/>
-                <a:latin typeface="Calibri" panose="020F0502020204030204" pitchFamily="34" charset="0"/>
-                <a:ea typeface="Calibri" panose="020F0502020204030204" pitchFamily="34" charset="0"/>
-                <a:cs typeface="Times New Roman" panose="02020603050405020304" pitchFamily="18" charset="0"/>
-              </a:rPr>
-              <a:t>mehkimi množicami </a:t>
-            </a:r>
-            <a:r>
-              <a:rPr lang="sl-SI" sz="2800" dirty="0">
-                <a:effectLst/>
-                <a:latin typeface="Calibri" panose="020F0502020204030204" pitchFamily="34" charset="0"/>
-                <a:ea typeface="Calibri" panose="020F0502020204030204" pitchFamily="34" charset="0"/>
-                <a:cs typeface="Times New Roman" panose="02020603050405020304" pitchFamily="18" charset="0"/>
-              </a:rPr>
-              <a:t>(</a:t>
-            </a:r>
-            <a:r>
-              <a:rPr lang="sl-SI" sz="2800" i="1" dirty="0" err="1">
-                <a:effectLst/>
-                <a:latin typeface="Calibri" panose="020F0502020204030204" pitchFamily="34" charset="0"/>
-                <a:ea typeface="Calibri" panose="020F0502020204030204" pitchFamily="34" charset="0"/>
-                <a:cs typeface="Times New Roman" panose="02020603050405020304" pitchFamily="18" charset="0"/>
-              </a:rPr>
-              <a:t>fuzzy</a:t>
-            </a:r>
-            <a:r>
-              <a:rPr lang="sl-SI" sz="2800" i="1" dirty="0">
-                <a:effectLst/>
-                <a:latin typeface="Calibri" panose="020F0502020204030204" pitchFamily="34" charset="0"/>
-                <a:ea typeface="Calibri" panose="020F0502020204030204" pitchFamily="34" charset="0"/>
-                <a:cs typeface="Times New Roman" panose="02020603050405020304" pitchFamily="18" charset="0"/>
-              </a:rPr>
-              <a:t> </a:t>
-            </a:r>
-            <a:r>
-              <a:rPr lang="sl-SI" sz="2800" i="1" dirty="0" err="1">
-                <a:effectLst/>
-                <a:latin typeface="Calibri" panose="020F0502020204030204" pitchFamily="34" charset="0"/>
-                <a:ea typeface="Calibri" panose="020F0502020204030204" pitchFamily="34" charset="0"/>
-                <a:cs typeface="Times New Roman" panose="02020603050405020304" pitchFamily="18" charset="0"/>
-              </a:rPr>
-              <a:t>sets</a:t>
-            </a:r>
-            <a:r>
-              <a:rPr lang="sl-SI" sz="2800" dirty="0">
-                <a:effectLst/>
-                <a:latin typeface="Calibri" panose="020F0502020204030204" pitchFamily="34" charset="0"/>
-                <a:ea typeface="Calibri" panose="020F0502020204030204" pitchFamily="34" charset="0"/>
-                <a:cs typeface="Times New Roman" panose="02020603050405020304" pitchFamily="18" charset="0"/>
-              </a:rPr>
-              <a:t>) v premisi in </a:t>
-            </a:r>
-            <a:r>
-              <a:rPr lang="sl-SI" sz="2800" b="1" dirty="0">
-                <a:effectLst/>
-                <a:latin typeface="Calibri" panose="020F0502020204030204" pitchFamily="34" charset="0"/>
-                <a:ea typeface="Calibri" panose="020F0502020204030204" pitchFamily="34" charset="0"/>
-                <a:cs typeface="Times New Roman" panose="02020603050405020304" pitchFamily="18" charset="0"/>
-              </a:rPr>
-              <a:t>lokalnimi linearnimi modeli</a:t>
-            </a:r>
-            <a:r>
-              <a:rPr lang="sl-SI" sz="2800" dirty="0">
-                <a:effectLst/>
-                <a:latin typeface="Calibri" panose="020F0502020204030204" pitchFamily="34" charset="0"/>
-                <a:ea typeface="Calibri" panose="020F0502020204030204" pitchFamily="34" charset="0"/>
-                <a:cs typeface="Times New Roman" panose="02020603050405020304" pitchFamily="18" charset="0"/>
-              </a:rPr>
-              <a:t> v posledičnem delu. </a:t>
             </a:r>
           </a:p>
           <a:p>
@@ -5981,19 +10720,15 @@
                 <a:ea typeface="Calibri" panose="020F0502020204030204" pitchFamily="34" charset="0"/>
                 <a:cs typeface="Times New Roman" panose="02020603050405020304" pitchFamily="18" charset="0"/>
               </a:rPr>
-              <a:t>Modeliranje, identifikacija, </a:t>
+              <a:t>Mehki model sestavljajo več pravil</a:t>
             </a:r>
             <a:r>
               <a:rPr lang="sl-SI" sz="2800" dirty="0">
-                <a:solidFill>
-                  <a:srgbClr val="FF0000"/>
-                </a:solidFill>
-                <a:effectLst/>
-                <a:latin typeface="Calibri" panose="020F0502020204030204" pitchFamily="34" charset="0"/>
-                <a:ea typeface="Calibri" panose="020F0502020204030204" pitchFamily="34" charset="0"/>
-                <a:cs typeface="Times New Roman" panose="02020603050405020304" pitchFamily="18" charset="0"/>
-              </a:rPr>
-              <a:t>sklepanje </a:t>
+                <a:latin typeface="Calibri" panose="020F0502020204030204" pitchFamily="34" charset="0"/>
+                <a:ea typeface="Calibri" panose="020F0502020204030204" pitchFamily="34" charset="0"/>
+                <a:cs typeface="Times New Roman" panose="02020603050405020304" pitchFamily="18" charset="0"/>
+              </a:rPr>
+              <a:t>, ki so</a:t>
             </a:r>
             <a:r>
               <a:rPr lang="sl-SI" sz="2800" dirty="0">
@@ -6002,16 +10737,340 @@
                 <a:ea typeface="Calibri" panose="020F0502020204030204" pitchFamily="34" charset="0"/>
                 <a:cs typeface="Times New Roman" panose="02020603050405020304" pitchFamily="18" charset="0"/>
               </a:rPr>
+              <a:t> definirani z </a:t>
+            </a:r>
+            <a:r>
+              <a:rPr lang="sl-SI" sz="2800" b="1" dirty="0">
+                <a:effectLst/>
+                <a:latin typeface="Calibri" panose="020F0502020204030204" pitchFamily="34" charset="0"/>
+                <a:ea typeface="Calibri" panose="020F0502020204030204" pitchFamily="34" charset="0"/>
+                <a:cs typeface="Times New Roman" panose="02020603050405020304" pitchFamily="18" charset="0"/>
+              </a:rPr>
+              <a:t>mehkimi množicami </a:t>
+            </a:r>
+            <a:r>
+              <a:rPr lang="sl-SI" sz="2800" dirty="0">
+                <a:effectLst/>
+                <a:latin typeface="Calibri" panose="020F0502020204030204" pitchFamily="34" charset="0"/>
+                <a:ea typeface="Calibri" panose="020F0502020204030204" pitchFamily="34" charset="0"/>
+                <a:cs typeface="Times New Roman" panose="02020603050405020304" pitchFamily="18" charset="0"/>
+              </a:rPr>
               <a:t>(</a:t>
             </a:r>
             <a:r>
+              <a:rPr lang="sl-SI" sz="2800" i="1" dirty="0" err="1">
+                <a:effectLst/>
+                <a:latin typeface="Calibri" panose="020F0502020204030204" pitchFamily="34" charset="0"/>
+                <a:ea typeface="Calibri" panose="020F0502020204030204" pitchFamily="34" charset="0"/>
+                <a:cs typeface="Times New Roman" panose="02020603050405020304" pitchFamily="18" charset="0"/>
+              </a:rPr>
+              <a:t>fuzzy</a:t>
+            </a:r>
+            <a:r>
+              <a:rPr lang="sl-SI" sz="2800" i="1" dirty="0">
+                <a:effectLst/>
+                <a:latin typeface="Calibri" panose="020F0502020204030204" pitchFamily="34" charset="0"/>
+                <a:ea typeface="Calibri" panose="020F0502020204030204" pitchFamily="34" charset="0"/>
+                <a:cs typeface="Times New Roman" panose="02020603050405020304" pitchFamily="18" charset="0"/>
+              </a:rPr>
+              <a:t> </a:t>
+            </a:r>
+            <a:r>
+              <a:rPr lang="sl-SI" sz="2800" i="1" dirty="0" err="1">
+                <a:effectLst/>
+                <a:latin typeface="Calibri" panose="020F0502020204030204" pitchFamily="34" charset="0"/>
+                <a:ea typeface="Calibri" panose="020F0502020204030204" pitchFamily="34" charset="0"/>
+                <a:cs typeface="Times New Roman" panose="02020603050405020304" pitchFamily="18" charset="0"/>
+              </a:rPr>
+              <a:t>sets</a:t>
+            </a:r>
+            <a:r>
+              <a:rPr lang="sl-SI" sz="2800" dirty="0">
+                <a:effectLst/>
+                <a:latin typeface="Calibri" panose="020F0502020204030204" pitchFamily="34" charset="0"/>
+                <a:ea typeface="Calibri" panose="020F0502020204030204" pitchFamily="34" charset="0"/>
+                <a:cs typeface="Times New Roman" panose="02020603050405020304" pitchFamily="18" charset="0"/>
+              </a:rPr>
+              <a:t>) v premisi in </a:t>
+            </a:r>
+            <a:r>
+              <a:rPr lang="sl-SI" sz="2800" b="1" dirty="0">
+                <a:effectLst/>
+                <a:latin typeface="Calibri" panose="020F0502020204030204" pitchFamily="34" charset="0"/>
+                <a:ea typeface="Calibri" panose="020F0502020204030204" pitchFamily="34" charset="0"/>
+                <a:cs typeface="Times New Roman" panose="02020603050405020304" pitchFamily="18" charset="0"/>
+              </a:rPr>
+              <a:t>lokalnimi linearnimi modeli</a:t>
+            </a:r>
+            <a:r>
+              <a:rPr lang="sl-SI" sz="2800" dirty="0">
+                <a:effectLst/>
+                <a:latin typeface="Calibri" panose="020F0502020204030204" pitchFamily="34" charset="0"/>
+                <a:ea typeface="Calibri" panose="020F0502020204030204" pitchFamily="34" charset="0"/>
+                <a:cs typeface="Times New Roman" panose="02020603050405020304" pitchFamily="18" charset="0"/>
+              </a:rPr>
+              <a:t> v posledičnem delu. </a:t>
+            </a:r>
+            <a:r>
+              <a:rPr lang="sl-SI" dirty="0">
+                <a:latin typeface="Calibri" panose="020F0502020204030204" pitchFamily="34" charset="0"/>
+                <a:ea typeface="Calibri" panose="020F0502020204030204" pitchFamily="34" charset="0"/>
+                <a:cs typeface="Times New Roman" panose="02020603050405020304" pitchFamily="18" charset="0"/>
+              </a:rPr>
+              <a:t>Izhodno ostrenje je izvedeno z izračunom </a:t>
+            </a:r>
+            <a:r>
+              <a:rPr lang="sl-SI" b="1" dirty="0">
+                <a:latin typeface="Calibri" panose="020F0502020204030204" pitchFamily="34" charset="0"/>
+                <a:ea typeface="Calibri" panose="020F0502020204030204" pitchFamily="34" charset="0"/>
+                <a:cs typeface="Times New Roman" panose="02020603050405020304" pitchFamily="18" charset="0"/>
+              </a:rPr>
+              <a:t>centra gravitacije pri lingvističnih modelih</a:t>
+            </a:r>
+            <a:r>
+              <a:rPr lang="sl-SI" dirty="0">
+                <a:latin typeface="Calibri" panose="020F0502020204030204" pitchFamily="34" charset="0"/>
+                <a:ea typeface="Calibri" panose="020F0502020204030204" pitchFamily="34" charset="0"/>
+                <a:cs typeface="Times New Roman" panose="02020603050405020304" pitchFamily="18" charset="0"/>
+              </a:rPr>
+              <a:t>, </a:t>
+            </a:r>
+            <a:r>
+              <a:rPr lang="sl-SI" b="1" dirty="0" err="1">
+                <a:latin typeface="Calibri" panose="020F0502020204030204" pitchFamily="34" charset="0"/>
+                <a:ea typeface="Calibri" panose="020F0502020204030204" pitchFamily="34" charset="0"/>
+                <a:cs typeface="Times New Roman" panose="02020603050405020304" pitchFamily="18" charset="0"/>
+              </a:rPr>
+              <a:t>uteženega</a:t>
+            </a:r>
+            <a:r>
+              <a:rPr lang="sl-SI" b="1" dirty="0">
+                <a:latin typeface="Calibri" panose="020F0502020204030204" pitchFamily="34" charset="0"/>
+                <a:ea typeface="Calibri" panose="020F0502020204030204" pitchFamily="34" charset="0"/>
+                <a:cs typeface="Times New Roman" panose="02020603050405020304" pitchFamily="18" charset="0"/>
+              </a:rPr>
+              <a:t> povprečja </a:t>
+            </a:r>
+            <a:r>
+              <a:rPr lang="sl-SI" dirty="0">
+                <a:latin typeface="Calibri" panose="020F0502020204030204" pitchFamily="34" charset="0"/>
+                <a:ea typeface="Calibri" panose="020F0502020204030204" pitchFamily="34" charset="0"/>
+                <a:cs typeface="Times New Roman" panose="02020603050405020304" pitchFamily="18" charset="0"/>
+              </a:rPr>
+              <a:t>(</a:t>
+            </a:r>
+            <a:r>
+              <a:rPr lang="en-US" sz="2800" dirty="0">
+                <a:effectLst/>
+                <a:latin typeface="Calibri" panose="020F0502020204030204" pitchFamily="34" charset="0"/>
+                <a:ea typeface="Calibri" panose="020F0502020204030204" pitchFamily="34" charset="0"/>
+                <a:cs typeface="Times New Roman" panose="02020603050405020304" pitchFamily="18" charset="0"/>
+              </a:rPr>
+              <a:t>weighted average</a:t>
+            </a:r>
+            <a:r>
+              <a:rPr lang="sl-SI" dirty="0">
+                <a:latin typeface="Calibri" panose="020F0502020204030204" pitchFamily="34" charset="0"/>
+                <a:ea typeface="Calibri" panose="020F0502020204030204" pitchFamily="34" charset="0"/>
+                <a:cs typeface="Times New Roman" panose="02020603050405020304" pitchFamily="18" charset="0"/>
+              </a:rPr>
+              <a:t>) pri </a:t>
+            </a:r>
+            <a:r>
+              <a:rPr lang="sl-SI" b="1" dirty="0">
+                <a:latin typeface="Calibri" panose="020F0502020204030204" pitchFamily="34" charset="0"/>
+                <a:ea typeface="Calibri" panose="020F0502020204030204" pitchFamily="34" charset="0"/>
+                <a:cs typeface="Times New Roman" panose="02020603050405020304" pitchFamily="18" charset="0"/>
+              </a:rPr>
+              <a:t>funkcijskih modelih </a:t>
+            </a:r>
+            <a:r>
+              <a:rPr lang="sl-SI" dirty="0">
+                <a:latin typeface="Calibri" panose="020F0502020204030204" pitchFamily="34" charset="0"/>
+                <a:ea typeface="Calibri" panose="020F0502020204030204" pitchFamily="34" charset="0"/>
+                <a:cs typeface="Times New Roman" panose="02020603050405020304" pitchFamily="18" charset="0"/>
+              </a:rPr>
+              <a:t>in model z </a:t>
+            </a:r>
+            <a:r>
+              <a:rPr lang="sl-SI" b="1" dirty="0">
+                <a:latin typeface="Calibri" panose="020F0502020204030204" pitchFamily="34" charset="0"/>
+                <a:ea typeface="Calibri" panose="020F0502020204030204" pitchFamily="34" charset="0"/>
+                <a:cs typeface="Times New Roman" panose="02020603050405020304" pitchFamily="18" charset="0"/>
+              </a:rPr>
+              <a:t>največjo aktivacijo</a:t>
+            </a:r>
+            <a:r>
+              <a:rPr lang="sl-SI" dirty="0">
+                <a:latin typeface="Calibri" panose="020F0502020204030204" pitchFamily="34" charset="0"/>
+                <a:ea typeface="Calibri" panose="020F0502020204030204" pitchFamily="34" charset="0"/>
+                <a:cs typeface="Times New Roman" panose="02020603050405020304" pitchFamily="18" charset="0"/>
+              </a:rPr>
+              <a:t> (</a:t>
+            </a:r>
+            <a:r>
+              <a:rPr lang="en-US" sz="2800" dirty="0">
+                <a:effectLst/>
+                <a:latin typeface="Calibri" panose="020F0502020204030204" pitchFamily="34" charset="0"/>
+                <a:ea typeface="Calibri" panose="020F0502020204030204" pitchFamily="34" charset="0"/>
+                <a:cs typeface="Times New Roman" panose="02020603050405020304" pitchFamily="18" charset="0"/>
+              </a:rPr>
+              <a:t>winner-takes-all</a:t>
+            </a:r>
+            <a:r>
+              <a:rPr lang="sl-SI" dirty="0">
+                <a:latin typeface="Calibri" panose="020F0502020204030204" pitchFamily="34" charset="0"/>
+                <a:ea typeface="Calibri" panose="020F0502020204030204" pitchFamily="34" charset="0"/>
+                <a:cs typeface="Times New Roman" panose="02020603050405020304" pitchFamily="18" charset="0"/>
+              </a:rPr>
+              <a:t>)</a:t>
+            </a:r>
+            <a:r>
+              <a:rPr lang="en-US" sz="2800" dirty="0">
+                <a:effectLst/>
+                <a:latin typeface="Calibri" panose="020F0502020204030204" pitchFamily="34" charset="0"/>
+                <a:ea typeface="Calibri" panose="020F0502020204030204" pitchFamily="34" charset="0"/>
+                <a:cs typeface="Times New Roman" panose="02020603050405020304" pitchFamily="18" charset="0"/>
+              </a:rPr>
+              <a:t> </a:t>
+            </a:r>
+            <a:r>
+              <a:rPr lang="sl-SI" sz="2800" dirty="0">
+                <a:effectLst/>
+                <a:latin typeface="Calibri" panose="020F0502020204030204" pitchFamily="34" charset="0"/>
+                <a:ea typeface="Calibri" panose="020F0502020204030204" pitchFamily="34" charset="0"/>
+                <a:cs typeface="Times New Roman" panose="02020603050405020304" pitchFamily="18" charset="0"/>
+              </a:rPr>
+              <a:t>pri </a:t>
+            </a:r>
+            <a:r>
+              <a:rPr lang="sl-SI" sz="2800" b="1" dirty="0">
+                <a:effectLst/>
+                <a:latin typeface="Calibri" panose="020F0502020204030204" pitchFamily="34" charset="0"/>
+                <a:ea typeface="Calibri" panose="020F0502020204030204" pitchFamily="34" charset="0"/>
+                <a:cs typeface="Times New Roman" panose="02020603050405020304" pitchFamily="18" charset="0"/>
+              </a:rPr>
+              <a:t>klasifikaciji</a:t>
+            </a:r>
+            <a:r>
+              <a:rPr lang="sl-SI" sz="2800" dirty="0">
+                <a:effectLst/>
+                <a:latin typeface="Calibri" panose="020F0502020204030204" pitchFamily="34" charset="0"/>
+                <a:ea typeface="Calibri" panose="020F0502020204030204" pitchFamily="34" charset="0"/>
+                <a:cs typeface="Times New Roman" panose="02020603050405020304" pitchFamily="18" charset="0"/>
+              </a:rPr>
+              <a:t>. </a:t>
+            </a:r>
+          </a:p>
+          <a:p>
+            <a:pPr>
+              <a:lnSpc>
+                <a:spcPct val="107000"/>
+              </a:lnSpc>
+              <a:spcAft>
+                <a:spcPts val="800"/>
+              </a:spcAft>
+            </a:pPr>
+            <a:r>
+              <a:rPr lang="sl-SI" dirty="0" err="1">
+                <a:latin typeface="Calibri" panose="020F0502020204030204" pitchFamily="34" charset="0"/>
+                <a:ea typeface="Calibri" panose="020F0502020204030204" pitchFamily="34" charset="0"/>
+                <a:cs typeface="Times New Roman" panose="02020603050405020304" pitchFamily="18" charset="0"/>
+              </a:rPr>
+              <a:t>Nevro</a:t>
+            </a:r>
+            <a:r>
+              <a:rPr lang="sl-SI" dirty="0">
+                <a:latin typeface="Calibri" panose="020F0502020204030204" pitchFamily="34" charset="0"/>
+                <a:ea typeface="Calibri" panose="020F0502020204030204" pitchFamily="34" charset="0"/>
+                <a:cs typeface="Times New Roman" panose="02020603050405020304" pitchFamily="18" charset="0"/>
+              </a:rPr>
+              <a:t>-mehki model so sestavljeni in mehkih pravil v topologiji nevronskega omrežja z nevroni in povezavami  [10]. </a:t>
+            </a:r>
+            <a:r>
+              <a:rPr lang="sl-SI" dirty="0" err="1">
+                <a:latin typeface="Calibri" panose="020F0502020204030204" pitchFamily="34" charset="0"/>
+                <a:ea typeface="Calibri" panose="020F0502020204030204" pitchFamily="34" charset="0"/>
+                <a:cs typeface="Times New Roman" panose="02020603050405020304" pitchFamily="18" charset="0"/>
+              </a:rPr>
+              <a:t>Nevro</a:t>
+            </a:r>
+            <a:r>
+              <a:rPr lang="sl-SI" dirty="0">
+                <a:latin typeface="Calibri" panose="020F0502020204030204" pitchFamily="34" charset="0"/>
+                <a:ea typeface="Calibri" panose="020F0502020204030204" pitchFamily="34" charset="0"/>
+                <a:cs typeface="Times New Roman" panose="02020603050405020304" pitchFamily="18" charset="0"/>
+              </a:rPr>
+              <a:t>-mehki model lahko vedno pretvorimo v mehki model. </a:t>
+            </a:r>
+            <a:r>
+              <a:rPr lang="sl-SI" sz="2800" dirty="0">
+                <a:effectLst/>
+                <a:latin typeface="Calibri" panose="020F0502020204030204" pitchFamily="34" charset="0"/>
+                <a:ea typeface="Calibri" panose="020F0502020204030204" pitchFamily="34" charset="0"/>
+                <a:cs typeface="Times New Roman" panose="02020603050405020304" pitchFamily="18" charset="0"/>
+              </a:rPr>
+              <a:t>Mehka pravila lahko sestavljajo več mehkih množic (</a:t>
+            </a:r>
+            <a:r>
+              <a:rPr lang="sl-SI" sz="2800" dirty="0" err="1">
+                <a:effectLst/>
+                <a:latin typeface="Calibri" panose="020F0502020204030204" pitchFamily="34" charset="0"/>
+                <a:ea typeface="Calibri" panose="020F0502020204030204" pitchFamily="34" charset="0"/>
+                <a:cs typeface="Times New Roman" panose="02020603050405020304" pitchFamily="18" charset="0"/>
+              </a:rPr>
+              <a:t>fuzzy</a:t>
+            </a:r>
+            <a:r>
+              <a:rPr lang="sl-SI" sz="2800" dirty="0">
+                <a:effectLst/>
+                <a:latin typeface="Calibri" panose="020F0502020204030204" pitchFamily="34" charset="0"/>
+                <a:ea typeface="Calibri" panose="020F0502020204030204" pitchFamily="34" charset="0"/>
+                <a:cs typeface="Times New Roman" panose="02020603050405020304" pitchFamily="18" charset="0"/>
+              </a:rPr>
+              <a:t> set)[41], ampak uporaba enega pra</a:t>
+            </a:r>
+            <a:r>
+              <a:rPr lang="sl-SI" sz="2800" dirty="0">
+                <a:latin typeface="Calibri" panose="020F0502020204030204" pitchFamily="34" charset="0"/>
+                <a:ea typeface="Calibri" panose="020F0502020204030204" pitchFamily="34" charset="0"/>
+                <a:cs typeface="Times New Roman" panose="02020603050405020304" pitchFamily="18" charset="0"/>
+              </a:rPr>
+              <a:t>vila za vsak roj v </a:t>
+            </a:r>
+            <a:r>
+              <a:rPr lang="sl-SI" sz="2800" dirty="0" err="1">
+                <a:latin typeface="Calibri" panose="020F0502020204030204" pitchFamily="34" charset="0"/>
+                <a:ea typeface="Calibri" panose="020F0502020204030204" pitchFamily="34" charset="0"/>
+                <a:cs typeface="Times New Roman" panose="02020603050405020304" pitchFamily="18" charset="0"/>
+              </a:rPr>
+              <a:t>neuro-fuzzy</a:t>
+            </a:r>
+            <a:r>
+              <a:rPr lang="sl-SI" sz="2800" dirty="0">
+                <a:latin typeface="Calibri" panose="020F0502020204030204" pitchFamily="34" charset="0"/>
+                <a:ea typeface="Calibri" panose="020F0502020204030204" pitchFamily="34" charset="0"/>
+                <a:cs typeface="Times New Roman" panose="02020603050405020304" pitchFamily="18" charset="0"/>
+              </a:rPr>
+              <a:t> sistemih </a:t>
+            </a:r>
+            <a:r>
+              <a:rPr lang="sl-SI" sz="2800" dirty="0">
+                <a:effectLst/>
+                <a:latin typeface="Calibri" panose="020F0502020204030204" pitchFamily="34" charset="0"/>
+                <a:ea typeface="Calibri" panose="020F0502020204030204" pitchFamily="34" charset="0"/>
+                <a:cs typeface="Times New Roman" panose="02020603050405020304" pitchFamily="18" charset="0"/>
+              </a:rPr>
+              <a:t>poenostavi združevanje (</a:t>
+            </a:r>
+            <a:r>
               <a:rPr lang="en-US" sz="2800" i="1" dirty="0">
                 <a:effectLst/>
                 <a:latin typeface="Calibri" panose="020F0502020204030204" pitchFamily="34" charset="0"/>
                 <a:ea typeface="Calibri" panose="020F0502020204030204" pitchFamily="34" charset="0"/>
                 <a:cs typeface="Times New Roman" panose="02020603050405020304" pitchFamily="18" charset="0"/>
               </a:rPr>
-              <a:t>inference</a:t>
+              <a:t>merging</a:t>
             </a:r>
             <a:r>
               <a:rPr lang="sl-SI" sz="2800" dirty="0">
@@ -6020,19 +11079,34 @@
                 <a:ea typeface="Calibri" panose="020F0502020204030204" pitchFamily="34" charset="0"/>
                 <a:cs typeface="Times New Roman" panose="02020603050405020304" pitchFamily="18" charset="0"/>
               </a:rPr>
-              <a:t>), vodenje, </a:t>
+              <a:t>), ločevanje (</a:t>
+            </a:r>
+            <a:r>
+              <a:rPr lang="sl-SI" sz="2800" i="1" dirty="0" err="1">
+                <a:effectLst/>
+                <a:latin typeface="Calibri" panose="020F0502020204030204" pitchFamily="34" charset="0"/>
+                <a:ea typeface="Calibri" panose="020F0502020204030204" pitchFamily="34" charset="0"/>
+                <a:cs typeface="Times New Roman" panose="02020603050405020304" pitchFamily="18" charset="0"/>
+              </a:rPr>
+              <a:t>splitting</a:t>
             </a:r>
             <a:r>
               <a:rPr lang="sl-SI" sz="2800" dirty="0">
-                <a:solidFill>
-                  <a:srgbClr val="FF0000"/>
-                </a:solidFill>
-                <a:effectLst/>
-                <a:latin typeface="Calibri" panose="020F0502020204030204" pitchFamily="34" charset="0"/>
-                <a:ea typeface="Calibri" panose="020F0502020204030204" pitchFamily="34" charset="0"/>
-                <a:cs typeface="Times New Roman" panose="02020603050405020304" pitchFamily="18" charset="0"/>
-              </a:rPr>
-              <a:t>napovedovanje</a:t>
+                <a:effectLst/>
+                <a:latin typeface="Calibri" panose="020F0502020204030204" pitchFamily="34" charset="0"/>
+                <a:ea typeface="Calibri" panose="020F0502020204030204" pitchFamily="34" charset="0"/>
+                <a:cs typeface="Times New Roman" panose="02020603050405020304" pitchFamily="18" charset="0"/>
+              </a:rPr>
+              <a:t>) in odstranjevanje (</a:t>
+            </a:r>
+            <a:r>
+              <a:rPr lang="sl-SI" sz="2800" i="1" dirty="0" err="1">
+                <a:effectLst/>
+                <a:latin typeface="Calibri" panose="020F0502020204030204" pitchFamily="34" charset="0"/>
+                <a:ea typeface="Calibri" panose="020F0502020204030204" pitchFamily="34" charset="0"/>
+                <a:cs typeface="Times New Roman" panose="02020603050405020304" pitchFamily="18" charset="0"/>
+              </a:rPr>
+              <a:t>removal</a:t>
             </a:r>
             <a:r>
               <a:rPr lang="sl-SI" sz="2800" dirty="0">
@@ -6041,205 +11115,24 @@
                 <a:ea typeface="Calibri" panose="020F0502020204030204" pitchFamily="34" charset="0"/>
                 <a:cs typeface="Times New Roman" panose="02020603050405020304" pitchFamily="18" charset="0"/>
               </a:rPr>
-              <a:t> (</a:t>
-            </a:r>
-            <a:r>
-              <a:rPr lang="en-US" sz="2800" dirty="0">
-                <a:effectLst/>
-                <a:latin typeface="Calibri" panose="020F0502020204030204" pitchFamily="34" charset="0"/>
-                <a:ea typeface="Calibri" panose="020F0502020204030204" pitchFamily="34" charset="0"/>
-                <a:cs typeface="Times New Roman" panose="02020603050405020304" pitchFamily="18" charset="0"/>
-              </a:rPr>
-              <a:t>prediction</a:t>
-            </a:r>
-            <a:r>
-              <a:rPr lang="sl-SI" sz="2800" dirty="0">
-                <a:effectLst/>
-                <a:latin typeface="Calibri" panose="020F0502020204030204" pitchFamily="34" charset="0"/>
-                <a:ea typeface="Calibri" panose="020F0502020204030204" pitchFamily="34" charset="0"/>
-                <a:cs typeface="Times New Roman" panose="02020603050405020304" pitchFamily="18" charset="0"/>
-              </a:rPr>
-              <a:t>), rojenje, klasifikacija, </a:t>
-            </a:r>
-            <a:r>
-              <a:rPr lang="sl-SI" sz="2800" dirty="0">
-                <a:solidFill>
-                  <a:srgbClr val="FF0000"/>
-                </a:solidFill>
-                <a:effectLst/>
-                <a:latin typeface="Calibri" panose="020F0502020204030204" pitchFamily="34" charset="0"/>
-                <a:ea typeface="Calibri" panose="020F0502020204030204" pitchFamily="34" charset="0"/>
-                <a:cs typeface="Times New Roman" panose="02020603050405020304" pitchFamily="18" charset="0"/>
-              </a:rPr>
-              <a:t>odkrivanje napak </a:t>
-            </a:r>
-            <a:r>
-              <a:rPr lang="sl-SI" sz="2800" dirty="0">
-                <a:effectLst/>
-                <a:latin typeface="Calibri" panose="020F0502020204030204" pitchFamily="34" charset="0"/>
-                <a:ea typeface="Calibri" panose="020F0502020204030204" pitchFamily="34" charset="0"/>
-                <a:cs typeface="Times New Roman" panose="02020603050405020304" pitchFamily="18" charset="0"/>
-              </a:rPr>
-              <a:t>(</a:t>
-            </a:r>
-            <a:r>
-              <a:rPr lang="en-US" sz="2800" i="1" dirty="0">
-                <a:effectLst/>
-                <a:latin typeface="Calibri" panose="020F0502020204030204" pitchFamily="34" charset="0"/>
-                <a:ea typeface="Calibri" panose="020F0502020204030204" pitchFamily="34" charset="0"/>
-                <a:cs typeface="Times New Roman" panose="02020603050405020304" pitchFamily="18" charset="0"/>
-              </a:rPr>
-              <a:t>fault detection</a:t>
-            </a:r>
-            <a:r>
-              <a:rPr lang="sl-SI" sz="2800" dirty="0">
-                <a:effectLst/>
-                <a:latin typeface="Calibri" panose="020F0502020204030204" pitchFamily="34" charset="0"/>
-                <a:ea typeface="Calibri" panose="020F0502020204030204" pitchFamily="34" charset="0"/>
-                <a:cs typeface="Times New Roman" panose="02020603050405020304" pitchFamily="18" charset="0"/>
-              </a:rPr>
-              <a:t>), detekcija anomalij, </a:t>
-            </a:r>
-            <a:r>
-              <a:rPr lang="sl-SI" sz="2800" dirty="0">
-                <a:solidFill>
-                  <a:srgbClr val="FF0000"/>
-                </a:solidFill>
-                <a:effectLst/>
-                <a:latin typeface="Calibri" panose="020F0502020204030204" pitchFamily="34" charset="0"/>
-                <a:ea typeface="Calibri" panose="020F0502020204030204" pitchFamily="34" charset="0"/>
-                <a:cs typeface="Times New Roman" panose="02020603050405020304" pitchFamily="18" charset="0"/>
-              </a:rPr>
-              <a:t>razpoznavanje slik </a:t>
-            </a:r>
-            <a:r>
-              <a:rPr lang="sl-SI" sz="2800" dirty="0">
-                <a:effectLst/>
-                <a:latin typeface="Calibri" panose="020F0502020204030204" pitchFamily="34" charset="0"/>
-                <a:ea typeface="Calibri" panose="020F0502020204030204" pitchFamily="34" charset="0"/>
-                <a:cs typeface="Times New Roman" panose="02020603050405020304" pitchFamily="18" charset="0"/>
-              </a:rPr>
-              <a:t>(</a:t>
-            </a:r>
-            <a:r>
-              <a:rPr lang="en-US" sz="2800" i="1" dirty="0">
-                <a:effectLst/>
-                <a:latin typeface="Calibri" panose="020F0502020204030204" pitchFamily="34" charset="0"/>
-                <a:ea typeface="Calibri" panose="020F0502020204030204" pitchFamily="34" charset="0"/>
-                <a:cs typeface="Times New Roman" panose="02020603050405020304" pitchFamily="18" charset="0"/>
-              </a:rPr>
-              <a:t>image recognition</a:t>
-            </a:r>
-            <a:r>
-              <a:rPr lang="sl-SI" sz="2800" dirty="0">
-                <a:effectLst/>
-                <a:latin typeface="Calibri" panose="020F0502020204030204" pitchFamily="34" charset="0"/>
-                <a:ea typeface="Calibri" panose="020F0502020204030204" pitchFamily="34" charset="0"/>
-                <a:cs typeface="Times New Roman" panose="02020603050405020304" pitchFamily="18" charset="0"/>
-              </a:rPr>
-              <a:t>)[8], podpora odločanju (</a:t>
-            </a:r>
-            <a:r>
-              <a:rPr lang="en-US" sz="2800" dirty="0">
-                <a:effectLst/>
-                <a:latin typeface="Calibri" panose="020F0502020204030204" pitchFamily="34" charset="0"/>
-                <a:ea typeface="Calibri" panose="020F0502020204030204" pitchFamily="34" charset="0"/>
-                <a:cs typeface="Times New Roman" panose="02020603050405020304" pitchFamily="18" charset="0"/>
-              </a:rPr>
-              <a:t>decision support</a:t>
-            </a:r>
-            <a:r>
-              <a:rPr lang="sl-SI" sz="2800" dirty="0">
-                <a:effectLst/>
-                <a:latin typeface="Calibri" panose="020F0502020204030204" pitchFamily="34" charset="0"/>
-                <a:ea typeface="Calibri" panose="020F0502020204030204" pitchFamily="34" charset="0"/>
-                <a:cs typeface="Times New Roman" panose="02020603050405020304" pitchFamily="18" charset="0"/>
-              </a:rPr>
-              <a:t>), </a:t>
-            </a:r>
-            <a:r>
-              <a:rPr lang="sl-SI" sz="2800" dirty="0">
-                <a:solidFill>
-                  <a:srgbClr val="FF0000"/>
-                </a:solidFill>
-                <a:effectLst/>
-                <a:latin typeface="Calibri" panose="020F0502020204030204" pitchFamily="34" charset="0"/>
-                <a:ea typeface="Calibri" panose="020F0502020204030204" pitchFamily="34" charset="0"/>
-                <a:cs typeface="Times New Roman" panose="02020603050405020304" pitchFamily="18" charset="0"/>
-              </a:rPr>
-              <a:t>programski senzor </a:t>
-            </a:r>
-            <a:r>
-              <a:rPr lang="sl-SI" sz="2800" dirty="0">
-                <a:effectLst/>
-                <a:latin typeface="Calibri" panose="020F0502020204030204" pitchFamily="34" charset="0"/>
-                <a:ea typeface="Calibri" panose="020F0502020204030204" pitchFamily="34" charset="0"/>
-                <a:cs typeface="Times New Roman" panose="02020603050405020304" pitchFamily="18" charset="0"/>
-              </a:rPr>
-              <a:t>(</a:t>
-            </a:r>
-            <a:r>
-              <a:rPr lang="en-US" sz="2800" dirty="0">
-                <a:effectLst/>
-                <a:latin typeface="Calibri" panose="020F0502020204030204" pitchFamily="34" charset="0"/>
-                <a:ea typeface="Calibri" panose="020F0502020204030204" pitchFamily="34" charset="0"/>
-                <a:cs typeface="Times New Roman" panose="02020603050405020304" pitchFamily="18" charset="0"/>
-              </a:rPr>
-              <a:t>soft sensor</a:t>
-            </a:r>
-            <a:r>
-              <a:rPr lang="sl-SI" sz="2800" dirty="0">
-                <a:effectLst/>
-                <a:latin typeface="Calibri" panose="020F0502020204030204" pitchFamily="34" charset="0"/>
-                <a:ea typeface="Calibri" panose="020F0502020204030204" pitchFamily="34" charset="0"/>
-                <a:cs typeface="Times New Roman" panose="02020603050405020304" pitchFamily="18" charset="0"/>
-              </a:rPr>
-              <a:t>)</a:t>
-            </a:r>
-            <a:r>
-              <a:rPr lang="sl-SI" dirty="0">
-                <a:latin typeface="Calibri" panose="020F0502020204030204" pitchFamily="34" charset="0"/>
-                <a:ea typeface="Calibri" panose="020F0502020204030204" pitchFamily="34" charset="0"/>
-                <a:cs typeface="Times New Roman" panose="02020603050405020304" pitchFamily="18" charset="0"/>
-              </a:rPr>
-              <a:t> [12], samostojno kalibriranje senzorjev, visokofrekvenčno trgovanje </a:t>
-            </a:r>
-            <a:r>
-              <a:rPr lang="en-US" sz="2800" dirty="0">
-                <a:effectLst/>
-                <a:latin typeface="Calibri" panose="020F0502020204030204" pitchFamily="34" charset="0"/>
-                <a:ea typeface="Calibri" panose="020F0502020204030204" pitchFamily="34" charset="0"/>
-                <a:cs typeface="Times New Roman" panose="02020603050405020304" pitchFamily="18" charset="0"/>
-              </a:rPr>
-              <a:t>[45],</a:t>
-            </a:r>
-            <a:r>
-              <a:rPr lang="sl-SI" sz="2800" dirty="0">
-                <a:effectLst/>
-                <a:latin typeface="Calibri" panose="020F0502020204030204" pitchFamily="34" charset="0"/>
-                <a:ea typeface="Calibri" panose="020F0502020204030204" pitchFamily="34" charset="0"/>
-                <a:cs typeface="Times New Roman" panose="02020603050405020304" pitchFamily="18" charset="0"/>
-              </a:rPr>
-              <a:t> podatkovno rudarjenje, umetna inteligenca, spletna varnost (</a:t>
-            </a:r>
-            <a:r>
-              <a:rPr lang="en-US" sz="2800" dirty="0">
-                <a:effectLst/>
-                <a:latin typeface="Calibri" panose="020F0502020204030204" pitchFamily="34" charset="0"/>
-                <a:ea typeface="Calibri" panose="020F0502020204030204" pitchFamily="34" charset="0"/>
-                <a:cs typeface="Times New Roman" panose="02020603050405020304" pitchFamily="18" charset="0"/>
-              </a:rPr>
-              <a:t>cyber security</a:t>
-            </a:r>
-            <a:r>
-              <a:rPr lang="sl-SI" sz="2800" dirty="0">
-                <a:effectLst/>
-                <a:latin typeface="Calibri" panose="020F0502020204030204" pitchFamily="34" charset="0"/>
-                <a:ea typeface="Calibri" panose="020F0502020204030204" pitchFamily="34" charset="0"/>
-                <a:cs typeface="Times New Roman" panose="02020603050405020304" pitchFamily="18" charset="0"/>
-              </a:rPr>
-              <a:t>) [31], medicinska prognoza</a:t>
-            </a:r>
+              <a:t>) pravil. </a:t>
+            </a:r>
+          </a:p>
+          <a:p>
+            <a:pPr>
+              <a:lnSpc>
+                <a:spcPct val="107000"/>
+              </a:lnSpc>
+              <a:spcAft>
+                <a:spcPts val="800"/>
+              </a:spcAft>
+            </a:pPr>
+            <a:endParaRPr lang="sl-SI" sz="2800" dirty="0">
+              <a:effectLst/>
+              <a:latin typeface="Calibri" panose="020F0502020204030204" pitchFamily="34" charset="0"/>
+              <a:ea typeface="Calibri" panose="020F0502020204030204" pitchFamily="34" charset="0"/>
+              <a:cs typeface="Times New Roman" panose="02020603050405020304" pitchFamily="18" charset="0"/>
+            </a:endParaRPr>
           </a:p>
           <a:p>
             <a:endParaRPr lang="sl-SI" dirty="0"/>
@@ -6370,7 +11263,7 @@
         <p:spPr/>
         <p:txBody>
           <a:bodyPr>
-            <a:normAutofit fontScale="92500"/>
+            <a:normAutofit fontScale="92500" lnSpcReduction="20000"/>
           </a:bodyPr>
           <a:lstStyle/>
           <a:p>
@@ -6781,6 +11674,300 @@
               </a:rPr>
               <a:t>z velikostjo vzorcev in številom parametrov modela. </a:t>
             </a:r>
+          </a:p>
+          <a:p>
+            <a:pPr marL="0" indent="0">
+              <a:lnSpc>
+                <a:spcPct val="107000"/>
+              </a:lnSpc>
+              <a:spcAft>
+                <a:spcPts val="800"/>
+              </a:spcAft>
+              <a:buNone/>
+            </a:pPr>
+            <a:r>
+              <a:rPr lang="sl-SI" sz="1800" dirty="0">
+                <a:latin typeface="Calibri" panose="020F0502020204030204" pitchFamily="34" charset="0"/>
+                <a:ea typeface="Calibri" panose="020F0502020204030204" pitchFamily="34" charset="0"/>
+                <a:cs typeface="Times New Roman" panose="02020603050405020304" pitchFamily="18" charset="0"/>
+              </a:rPr>
+              <a:t>visokofrekvenčno trgovanje </a:t>
+            </a:r>
+            <a:r>
+              <a:rPr lang="en-US" sz="1800" dirty="0">
+                <a:effectLst/>
+                <a:latin typeface="Calibri" panose="020F0502020204030204" pitchFamily="34" charset="0"/>
+                <a:ea typeface="Calibri" panose="020F0502020204030204" pitchFamily="34" charset="0"/>
+                <a:cs typeface="Times New Roman" panose="02020603050405020304" pitchFamily="18" charset="0"/>
+              </a:rPr>
+              <a:t>[45],</a:t>
+            </a:r>
+            <a:r>
+              <a:rPr lang="sl-SI" sz="1800" dirty="0">
+                <a:effectLst/>
+                <a:latin typeface="Calibri" panose="020F0502020204030204" pitchFamily="34" charset="0"/>
+                <a:ea typeface="Calibri" panose="020F0502020204030204" pitchFamily="34" charset="0"/>
+                <a:cs typeface="Times New Roman" panose="02020603050405020304" pitchFamily="18" charset="0"/>
+              </a:rPr>
+              <a:t> podatkovno rudarjenje, spletna varnost (</a:t>
+            </a:r>
+            <a:r>
+              <a:rPr lang="en-US" sz="1800" dirty="0">
+                <a:effectLst/>
+                <a:latin typeface="Calibri" panose="020F0502020204030204" pitchFamily="34" charset="0"/>
+                <a:ea typeface="Calibri" panose="020F0502020204030204" pitchFamily="34" charset="0"/>
+                <a:cs typeface="Times New Roman" panose="02020603050405020304" pitchFamily="18" charset="0"/>
+              </a:rPr>
+              <a:t>cyber security</a:t>
+            </a:r>
+            <a:r>
+              <a:rPr lang="sl-SI" sz="1800" dirty="0">
+                <a:effectLst/>
+                <a:latin typeface="Calibri" panose="020F0502020204030204" pitchFamily="34" charset="0"/>
+                <a:ea typeface="Calibri" panose="020F0502020204030204" pitchFamily="34" charset="0"/>
+                <a:cs typeface="Times New Roman" panose="02020603050405020304" pitchFamily="18" charset="0"/>
+              </a:rPr>
+              <a:t>) [31], medicinska prognoza, pametna proizvodnja in industrija (smart </a:t>
+            </a:r>
+            <a:r>
+              <a:rPr lang="sl-SI" sz="1800" dirty="0" err="1">
+                <a:effectLst/>
+                <a:latin typeface="Calibri" panose="020F0502020204030204" pitchFamily="34" charset="0"/>
+                <a:ea typeface="Calibri" panose="020F0502020204030204" pitchFamily="34" charset="0"/>
+                <a:cs typeface="Times New Roman" panose="02020603050405020304" pitchFamily="18" charset="0"/>
+              </a:rPr>
+              <a:t>industry</a:t>
+            </a:r>
+            <a:r>
+              <a:rPr lang="sl-SI" sz="1800" dirty="0">
+                <a:effectLst/>
+                <a:latin typeface="Calibri" panose="020F0502020204030204" pitchFamily="34" charset="0"/>
+                <a:ea typeface="Calibri" panose="020F0502020204030204" pitchFamily="34" charset="0"/>
+                <a:cs typeface="Times New Roman" panose="02020603050405020304" pitchFamily="18" charset="0"/>
+              </a:rPr>
+              <a:t>) [10]</a:t>
+            </a:r>
+            <a:r>
+              <a:rPr lang="sl-SI" sz="1800" dirty="0">
+                <a:latin typeface="Calibri" panose="020F0502020204030204" pitchFamily="34" charset="0"/>
+                <a:ea typeface="Calibri" panose="020F0502020204030204" pitchFamily="34" charset="0"/>
+                <a:cs typeface="Times New Roman" panose="02020603050405020304" pitchFamily="18" charset="0"/>
+              </a:rPr>
+              <a:t>, promet, socialna omrežja, internet stvari (</a:t>
+            </a:r>
+            <a:r>
+              <a:rPr lang="sl-SI" sz="1800" i="1" dirty="0">
+                <a:latin typeface="Calibri" panose="020F0502020204030204" pitchFamily="34" charset="0"/>
+                <a:ea typeface="Calibri" panose="020F0502020204030204" pitchFamily="34" charset="0"/>
+                <a:cs typeface="Times New Roman" panose="02020603050405020304" pitchFamily="18" charset="0"/>
+              </a:rPr>
+              <a:t>internet </a:t>
+            </a:r>
+            <a:r>
+              <a:rPr lang="sl-SI" sz="1800" i="1" dirty="0" err="1">
+                <a:latin typeface="Calibri" panose="020F0502020204030204" pitchFamily="34" charset="0"/>
+                <a:ea typeface="Calibri" panose="020F0502020204030204" pitchFamily="34" charset="0"/>
+                <a:cs typeface="Times New Roman" panose="02020603050405020304" pitchFamily="18" charset="0"/>
+              </a:rPr>
+              <a:t>of</a:t>
+            </a:r>
+            <a:r>
+              <a:rPr lang="sl-SI" sz="1800" i="1" dirty="0">
+                <a:latin typeface="Calibri" panose="020F0502020204030204" pitchFamily="34" charset="0"/>
+                <a:ea typeface="Calibri" panose="020F0502020204030204" pitchFamily="34" charset="0"/>
+                <a:cs typeface="Times New Roman" panose="02020603050405020304" pitchFamily="18" charset="0"/>
+              </a:rPr>
+              <a:t> </a:t>
+            </a:r>
+            <a:r>
+              <a:rPr lang="sl-SI" sz="1800" i="1" dirty="0" err="1">
+                <a:latin typeface="Calibri" panose="020F0502020204030204" pitchFamily="34" charset="0"/>
+                <a:ea typeface="Calibri" panose="020F0502020204030204" pitchFamily="34" charset="0"/>
+                <a:cs typeface="Times New Roman" panose="02020603050405020304" pitchFamily="18" charset="0"/>
+              </a:rPr>
+              <a:t>things</a:t>
+            </a:r>
+            <a:r>
+              <a:rPr lang="sl-SI" sz="1800" dirty="0">
+                <a:latin typeface="Calibri" panose="020F0502020204030204" pitchFamily="34" charset="0"/>
+                <a:ea typeface="Calibri" panose="020F0502020204030204" pitchFamily="34" charset="0"/>
+                <a:cs typeface="Times New Roman" panose="02020603050405020304" pitchFamily="18" charset="0"/>
+              </a:rPr>
+              <a:t>) [31] </a:t>
+            </a:r>
+          </a:p>
+          <a:p>
+            <a:pPr marL="0" indent="0">
+              <a:lnSpc>
+                <a:spcPct val="107000"/>
+              </a:lnSpc>
+              <a:spcAft>
+                <a:spcPts val="800"/>
+              </a:spcAft>
+              <a:buNone/>
+            </a:pPr>
+            <a:r>
+              <a:rPr lang="sl-SI" sz="1800" dirty="0">
+                <a:effectLst/>
+                <a:latin typeface="Calibri" panose="020F0502020204030204" pitchFamily="34" charset="0"/>
+                <a:ea typeface="Calibri" panose="020F0502020204030204" pitchFamily="34" charset="0"/>
+                <a:cs typeface="Times New Roman" panose="02020603050405020304" pitchFamily="18" charset="0"/>
+              </a:rPr>
+              <a:t>Modeliranje, identifikacija, sklepanje</a:t>
+            </a:r>
+            <a:r>
+              <a:rPr lang="sl-SI" sz="1800" dirty="0">
+                <a:solidFill>
+                  <a:srgbClr val="FF0000"/>
+                </a:solidFill>
+                <a:effectLst/>
+                <a:latin typeface="Calibri" panose="020F0502020204030204" pitchFamily="34" charset="0"/>
+                <a:ea typeface="Calibri" panose="020F0502020204030204" pitchFamily="34" charset="0"/>
+                <a:cs typeface="Times New Roman" panose="02020603050405020304" pitchFamily="18" charset="0"/>
+              </a:rPr>
+              <a:t> </a:t>
+            </a:r>
+            <a:r>
+              <a:rPr lang="sl-SI" sz="1800" dirty="0">
+                <a:effectLst/>
+                <a:latin typeface="Calibri" panose="020F0502020204030204" pitchFamily="34" charset="0"/>
+                <a:ea typeface="Calibri" panose="020F0502020204030204" pitchFamily="34" charset="0"/>
+                <a:cs typeface="Times New Roman" panose="02020603050405020304" pitchFamily="18" charset="0"/>
+              </a:rPr>
+              <a:t>(</a:t>
+            </a:r>
+            <a:r>
+              <a:rPr lang="en-US" sz="1800" i="1" dirty="0">
+                <a:effectLst/>
+                <a:latin typeface="Calibri" panose="020F0502020204030204" pitchFamily="34" charset="0"/>
+                <a:ea typeface="Calibri" panose="020F0502020204030204" pitchFamily="34" charset="0"/>
+                <a:cs typeface="Times New Roman" panose="02020603050405020304" pitchFamily="18" charset="0"/>
+              </a:rPr>
+              <a:t>inference</a:t>
+            </a:r>
+            <a:r>
+              <a:rPr lang="sl-SI" sz="1800" dirty="0">
+                <a:effectLst/>
+                <a:latin typeface="Calibri" panose="020F0502020204030204" pitchFamily="34" charset="0"/>
+                <a:ea typeface="Calibri" panose="020F0502020204030204" pitchFamily="34" charset="0"/>
+                <a:cs typeface="Times New Roman" panose="02020603050405020304" pitchFamily="18" charset="0"/>
+              </a:rPr>
+              <a:t>), vodenje, napovedovanje (</a:t>
+            </a:r>
+            <a:r>
+              <a:rPr lang="en-US" sz="1800" dirty="0">
+                <a:effectLst/>
+                <a:latin typeface="Calibri" panose="020F0502020204030204" pitchFamily="34" charset="0"/>
+                <a:ea typeface="Calibri" panose="020F0502020204030204" pitchFamily="34" charset="0"/>
+                <a:cs typeface="Times New Roman" panose="02020603050405020304" pitchFamily="18" charset="0"/>
+              </a:rPr>
+              <a:t>prediction</a:t>
+            </a:r>
+            <a:r>
+              <a:rPr lang="sl-SI" sz="1800" dirty="0">
+                <a:effectLst/>
+                <a:latin typeface="Calibri" panose="020F0502020204030204" pitchFamily="34" charset="0"/>
+                <a:ea typeface="Calibri" panose="020F0502020204030204" pitchFamily="34" charset="0"/>
+                <a:cs typeface="Times New Roman" panose="02020603050405020304" pitchFamily="18" charset="0"/>
+              </a:rPr>
+              <a:t>), rojenje, klasifikacija, odkrivanje napak (</a:t>
+            </a:r>
+            <a:r>
+              <a:rPr lang="en-US" sz="1800" i="1" dirty="0">
+                <a:effectLst/>
+                <a:latin typeface="Calibri" panose="020F0502020204030204" pitchFamily="34" charset="0"/>
+                <a:ea typeface="Calibri" panose="020F0502020204030204" pitchFamily="34" charset="0"/>
+                <a:cs typeface="Times New Roman" panose="02020603050405020304" pitchFamily="18" charset="0"/>
+              </a:rPr>
+              <a:t>fault detection</a:t>
+            </a:r>
+            <a:r>
+              <a:rPr lang="sl-SI" sz="1800" dirty="0">
+                <a:effectLst/>
+                <a:latin typeface="Calibri" panose="020F0502020204030204" pitchFamily="34" charset="0"/>
+                <a:ea typeface="Calibri" panose="020F0502020204030204" pitchFamily="34" charset="0"/>
+                <a:cs typeface="Times New Roman" panose="02020603050405020304" pitchFamily="18" charset="0"/>
+              </a:rPr>
+              <a:t>), detekcija anomalij, razpoznavanje slik (</a:t>
+            </a:r>
+            <a:r>
+              <a:rPr lang="en-US" sz="1800" i="1" dirty="0">
+                <a:effectLst/>
+                <a:latin typeface="Calibri" panose="020F0502020204030204" pitchFamily="34" charset="0"/>
+                <a:ea typeface="Calibri" panose="020F0502020204030204" pitchFamily="34" charset="0"/>
+                <a:cs typeface="Times New Roman" panose="02020603050405020304" pitchFamily="18" charset="0"/>
+              </a:rPr>
+              <a:t>image recognition</a:t>
+            </a:r>
+            <a:r>
+              <a:rPr lang="sl-SI" sz="1800" dirty="0">
+                <a:effectLst/>
+                <a:latin typeface="Calibri" panose="020F0502020204030204" pitchFamily="34" charset="0"/>
+                <a:ea typeface="Calibri" panose="020F0502020204030204" pitchFamily="34" charset="0"/>
+                <a:cs typeface="Times New Roman" panose="02020603050405020304" pitchFamily="18" charset="0"/>
+              </a:rPr>
+              <a:t>)[8], podpora odločanju (</a:t>
+            </a:r>
+            <a:r>
+              <a:rPr lang="en-US" sz="1800" dirty="0">
+                <a:effectLst/>
+                <a:latin typeface="Calibri" panose="020F0502020204030204" pitchFamily="34" charset="0"/>
+                <a:ea typeface="Calibri" panose="020F0502020204030204" pitchFamily="34" charset="0"/>
+                <a:cs typeface="Times New Roman" panose="02020603050405020304" pitchFamily="18" charset="0"/>
+              </a:rPr>
+              <a:t>decision support</a:t>
+            </a:r>
+            <a:r>
+              <a:rPr lang="sl-SI" sz="1800" dirty="0">
+                <a:effectLst/>
+                <a:latin typeface="Calibri" panose="020F0502020204030204" pitchFamily="34" charset="0"/>
+                <a:ea typeface="Calibri" panose="020F0502020204030204" pitchFamily="34" charset="0"/>
+                <a:cs typeface="Times New Roman" panose="02020603050405020304" pitchFamily="18" charset="0"/>
+              </a:rPr>
+              <a:t>), programski senzor (</a:t>
+            </a:r>
+            <a:r>
+              <a:rPr lang="en-US" sz="1800" dirty="0">
+                <a:effectLst/>
+                <a:latin typeface="Calibri" panose="020F0502020204030204" pitchFamily="34" charset="0"/>
+                <a:ea typeface="Calibri" panose="020F0502020204030204" pitchFamily="34" charset="0"/>
+                <a:cs typeface="Times New Roman" panose="02020603050405020304" pitchFamily="18" charset="0"/>
+              </a:rPr>
+              <a:t>soft sensor</a:t>
+            </a:r>
+            <a:r>
+              <a:rPr lang="sl-SI" sz="1800" dirty="0">
+                <a:effectLst/>
+                <a:latin typeface="Calibri" panose="020F0502020204030204" pitchFamily="34" charset="0"/>
+                <a:ea typeface="Calibri" panose="020F0502020204030204" pitchFamily="34" charset="0"/>
+                <a:cs typeface="Times New Roman" panose="02020603050405020304" pitchFamily="18" charset="0"/>
+              </a:rPr>
+              <a:t>)</a:t>
+            </a:r>
+            <a:r>
+              <a:rPr lang="sl-SI" sz="1800" dirty="0">
+                <a:latin typeface="Calibri" panose="020F0502020204030204" pitchFamily="34" charset="0"/>
+                <a:ea typeface="Calibri" panose="020F0502020204030204" pitchFamily="34" charset="0"/>
+                <a:cs typeface="Times New Roman" panose="02020603050405020304" pitchFamily="18" charset="0"/>
+              </a:rPr>
+              <a:t> [12], samostojno kalibriranje senzorjev</a:t>
+            </a:r>
+          </a:p>
+          <a:p>
+            <a:pPr marL="0" indent="0">
+              <a:lnSpc>
+                <a:spcPct val="107000"/>
+              </a:lnSpc>
+              <a:spcAft>
+                <a:spcPts val="800"/>
+              </a:spcAft>
+              <a:buNone/>
+            </a:pPr>
+            <a:endParaRPr lang="sl-SI" sz="1800" dirty="0">
+              <a:latin typeface="Calibri" panose="020F0502020204030204" pitchFamily="34" charset="0"/>
+              <a:ea typeface="Calibri" panose="020F0502020204030204" pitchFamily="34" charset="0"/>
+              <a:cs typeface="Times New Roman" panose="02020603050405020304" pitchFamily="18" charset="0"/>
+            </a:endParaRPr>
           </a:p>
           <a:p>
             <a:pPr marL="0" lvl="0" indent="0">
@@ -6798,144 +11985,6 @@
               <a:cs typeface="Times New Roman" panose="02020603050405020304" pitchFamily="18" charset="0"/>
             </a:endParaRPr>
           </a:p>
-          <a:p>
-            <a:pPr marL="0" lvl="0" indent="0">
-              <a:lnSpc>
-                <a:spcPct val="107000"/>
-              </a:lnSpc>
-              <a:spcAft>
-                <a:spcPts val="800"/>
-              </a:spcAft>
-              <a:buNone/>
-            </a:pPr>
-            <a:r>
-              <a:rPr lang="sl-SI" sz="1800" dirty="0">
-                <a:solidFill>
-                  <a:srgbClr val="FF0000"/>
-                </a:solidFill>
-                <a:latin typeface="Calibri" panose="020F0502020204030204" pitchFamily="34" charset="0"/>
-                <a:ea typeface="Calibri" panose="020F0502020204030204" pitchFamily="34" charset="0"/>
-                <a:cs typeface="Times New Roman" panose="02020603050405020304" pitchFamily="18" charset="0"/>
-              </a:rPr>
-              <a:t>Velike baze podatkov </a:t>
-            </a:r>
-            <a:r>
-              <a:rPr lang="sl-SI" sz="1800" dirty="0">
-                <a:latin typeface="Calibri" panose="020F0502020204030204" pitchFamily="34" charset="0"/>
-                <a:ea typeface="Calibri" panose="020F0502020204030204" pitchFamily="34" charset="0"/>
-                <a:cs typeface="Times New Roman" panose="02020603050405020304" pitchFamily="18" charset="0"/>
-              </a:rPr>
-              <a:t>(</a:t>
-            </a:r>
-            <a:r>
-              <a:rPr lang="sl-SI" sz="1800" i="1" dirty="0">
-                <a:latin typeface="Calibri" panose="020F0502020204030204" pitchFamily="34" charset="0"/>
-                <a:ea typeface="Calibri" panose="020F0502020204030204" pitchFamily="34" charset="0"/>
-                <a:cs typeface="Times New Roman" panose="02020603050405020304" pitchFamily="18" charset="0"/>
-              </a:rPr>
-              <a:t>Big Data</a:t>
-            </a:r>
-            <a:r>
-              <a:rPr lang="sl-SI" sz="1800" dirty="0">
-                <a:latin typeface="Calibri" panose="020F0502020204030204" pitchFamily="34" charset="0"/>
-                <a:ea typeface="Calibri" panose="020F0502020204030204" pitchFamily="34" charset="0"/>
-                <a:cs typeface="Times New Roman" panose="02020603050405020304" pitchFamily="18" charset="0"/>
-              </a:rPr>
-              <a:t>) potrebujemo metode učenja z enkratnim upoštevanjem podatkov (</a:t>
-            </a:r>
-            <a:r>
-              <a:rPr lang="sl-SI" sz="1800" i="1" dirty="0" err="1">
-                <a:latin typeface="Calibri" panose="020F0502020204030204" pitchFamily="34" charset="0"/>
-                <a:ea typeface="Calibri" panose="020F0502020204030204" pitchFamily="34" charset="0"/>
-                <a:cs typeface="Times New Roman" panose="02020603050405020304" pitchFamily="18" charset="0"/>
-              </a:rPr>
-              <a:t>single-pass</a:t>
-            </a:r>
-            <a:r>
-              <a:rPr lang="sl-SI" sz="1800" dirty="0">
-                <a:latin typeface="Calibri" panose="020F0502020204030204" pitchFamily="34" charset="0"/>
-                <a:ea typeface="Calibri" panose="020F0502020204030204" pitchFamily="34" charset="0"/>
-                <a:cs typeface="Times New Roman" panose="02020603050405020304" pitchFamily="18" charset="0"/>
-              </a:rPr>
-              <a:t>).</a:t>
-            </a:r>
-          </a:p>
-          <a:p>
-            <a:pPr marL="0" lvl="0" indent="0">
-              <a:lnSpc>
-                <a:spcPct val="107000"/>
-              </a:lnSpc>
-              <a:spcAft>
-                <a:spcPts val="800"/>
-              </a:spcAft>
-              <a:buNone/>
-            </a:pPr>
-            <a:r>
-              <a:rPr lang="sl-SI" sz="1800" dirty="0">
-                <a:latin typeface="Calibri" panose="020F0502020204030204" pitchFamily="34" charset="0"/>
-                <a:ea typeface="Calibri" panose="020F0502020204030204" pitchFamily="34" charset="0"/>
-                <a:cs typeface="Times New Roman" panose="02020603050405020304" pitchFamily="18" charset="0"/>
-              </a:rPr>
-              <a:t>Industrija, promet, socialna omrežja, trgovanje na borzi, internet stvari (</a:t>
-            </a:r>
-            <a:r>
-              <a:rPr lang="sl-SI" sz="1800" i="1" dirty="0">
-                <a:latin typeface="Calibri" panose="020F0502020204030204" pitchFamily="34" charset="0"/>
-                <a:ea typeface="Calibri" panose="020F0502020204030204" pitchFamily="34" charset="0"/>
-                <a:cs typeface="Times New Roman" panose="02020603050405020304" pitchFamily="18" charset="0"/>
-              </a:rPr>
-              <a:t>internet </a:t>
-            </a:r>
-            <a:r>
-              <a:rPr lang="sl-SI" sz="1800" i="1" dirty="0" err="1">
-                <a:latin typeface="Calibri" panose="020F0502020204030204" pitchFamily="34" charset="0"/>
-                <a:ea typeface="Calibri" panose="020F0502020204030204" pitchFamily="34" charset="0"/>
-                <a:cs typeface="Times New Roman" panose="02020603050405020304" pitchFamily="18" charset="0"/>
-              </a:rPr>
-              <a:t>of</a:t>
-            </a:r>
-            <a:r>
-              <a:rPr lang="sl-SI" sz="1800" i="1" dirty="0">
-                <a:latin typeface="Calibri" panose="020F0502020204030204" pitchFamily="34" charset="0"/>
-                <a:ea typeface="Calibri" panose="020F0502020204030204" pitchFamily="34" charset="0"/>
-                <a:cs typeface="Times New Roman" panose="02020603050405020304" pitchFamily="18" charset="0"/>
-              </a:rPr>
-              <a:t> </a:t>
-            </a:r>
-            <a:r>
-              <a:rPr lang="sl-SI" sz="1800" i="1" dirty="0" err="1">
-                <a:latin typeface="Calibri" panose="020F0502020204030204" pitchFamily="34" charset="0"/>
-                <a:ea typeface="Calibri" panose="020F0502020204030204" pitchFamily="34" charset="0"/>
-                <a:cs typeface="Times New Roman" panose="02020603050405020304" pitchFamily="18" charset="0"/>
-              </a:rPr>
-              <a:t>things</a:t>
-            </a:r>
-            <a:r>
-              <a:rPr lang="sl-SI" sz="1800" dirty="0">
-                <a:latin typeface="Calibri" panose="020F0502020204030204" pitchFamily="34" charset="0"/>
-                <a:ea typeface="Calibri" panose="020F0502020204030204" pitchFamily="34" charset="0"/>
-                <a:cs typeface="Times New Roman" panose="02020603050405020304" pitchFamily="18" charset="0"/>
-              </a:rPr>
-              <a:t>), </a:t>
-            </a:r>
-          </a:p>
-          <a:p>
-            <a:pPr marL="0" lvl="0" indent="0">
-              <a:lnSpc>
-                <a:spcPct val="107000"/>
-              </a:lnSpc>
-              <a:spcAft>
-                <a:spcPts val="800"/>
-              </a:spcAft>
-              <a:buNone/>
-            </a:pPr>
-            <a:endParaRPr lang="sl-SI" sz="1800" dirty="0">
-              <a:effectLst/>
-              <a:latin typeface="Calibri" panose="020F0502020204030204" pitchFamily="34" charset="0"/>
-              <a:ea typeface="Calibri" panose="020F0502020204030204" pitchFamily="34" charset="0"/>
-              <a:cs typeface="Times New Roman" panose="02020603050405020304" pitchFamily="18" charset="0"/>
-            </a:endParaRPr>
-          </a:p>
         </p:txBody>
       </p:sp>
       <p:pic>
@@ -6953,7 +12002,7 @@
           <p:nvPr/>
         </p:nvPicPr>
         <p:blipFill>
-          <a:blip r:embed="rId2">
+          <a:blip r:embed="rId3">
             <a:extLst>
               <a:ext uri="{28A0092B-C50C-407E-A947-70E740481C1C}">
                 <a14:useLocalDpi xmlns:a14="http://schemas.microsoft.com/office/drawing/2010/main" val="0"/>
@@ -7006,10 +12055,10 @@
       </p:grpSpPr>
       <p:sp>
         <p:nvSpPr>
-          <p:cNvPr id="2" name="Naslov 1">
+          <p:cNvPr id="2" name="Title 1">
             <a:extLst>
               <a:ext uri="{FF2B5EF4-FFF2-40B4-BE49-F238E27FC236}">
-                <a16:creationId xmlns:a16="http://schemas.microsoft.com/office/drawing/2014/main" id="{7CB345A9-2EEC-40E8-A56C-51D79941B95B}"/>
+                <a16:creationId xmlns:a16="http://schemas.microsoft.com/office/drawing/2014/main" id="{765925DB-5F5D-4769-B365-53CAD80D0FDB}"/>
               </a:ext>
             </a:extLst>
           </p:cNvPr>
@@ -7025,16 +12074,19 @@
           <a:bodyPr/>
           <a:lstStyle/>
           <a:p>
-            <a:endParaRPr lang="sl-SI" dirty="0"/>
+            <a:r>
+              <a:rPr lang="sl-SI" dirty="0"/>
+              <a:t>Rojenje in Granulacija</a:t>
+            </a:r>
           </a:p>
         </p:txBody>
       </p:sp>
       <p:sp>
         <p:nvSpPr>
-          <p:cNvPr id="3" name="Označba mesta vsebine 2">
+          <p:cNvPr id="3" name="Content Placeholder 2">
             <a:extLst>
               <a:ext uri="{FF2B5EF4-FFF2-40B4-BE49-F238E27FC236}">
-                <a16:creationId xmlns:a16="http://schemas.microsoft.com/office/drawing/2014/main" id="{7389EECA-5815-48D2-921D-56090B8A3BCC}"/>
+                <a16:creationId xmlns:a16="http://schemas.microsoft.com/office/drawing/2014/main" id="{1531599C-9051-4E2D-A5D8-F217221C0753}"/>
               </a:ext>
             </a:extLst>
           </p:cNvPr>
@@ -7047,19 +12099,307 @@
         </p:nvSpPr>
         <p:spPr/>
         <p:txBody>
-          <a:bodyPr/>
+          <a:bodyPr>
+            <a:normAutofit/>
+          </a:bodyPr>
           <a:lstStyle/>
           <a:p>
-            <a:r>
-              <a:rPr lang="en-US" sz="2800" dirty="0">
-                <a:effectLst/>
-                <a:latin typeface="Calibri" panose="020F0502020204030204" pitchFamily="34" charset="0"/>
-                <a:ea typeface="Calibri" panose="020F0502020204030204" pitchFamily="34" charset="0"/>
-                <a:cs typeface="Times New Roman" panose="02020603050405020304" pitchFamily="18" charset="0"/>
-              </a:rPr>
-              <a:t>Stability-plasticity dilemma. Stability refers to the long-term solution convergence and Plasticity to the dynamic concept change handling [12, 49]</a:t>
-            </a:r>
-            <a:endParaRPr lang="sl-SI" sz="2800" dirty="0">
+            <a:pPr marL="0" indent="0">
+              <a:buNone/>
+            </a:pPr>
+            <a:endParaRPr lang="sl-SI" sz="1800" dirty="0">
+              <a:latin typeface="Calibri" panose="020F0502020204030204" pitchFamily="34" charset="0"/>
+              <a:ea typeface="Calibri" panose="020F0502020204030204" pitchFamily="34" charset="0"/>
+              <a:cs typeface="Times New Roman" panose="02020603050405020304" pitchFamily="18" charset="0"/>
+            </a:endParaRPr>
+          </a:p>
+          <a:p>
+            <a:r>
+              <a:rPr lang="sl-SI" sz="1800" dirty="0">
+                <a:latin typeface="Calibri" panose="020F0502020204030204" pitchFamily="34" charset="0"/>
+                <a:ea typeface="Calibri" panose="020F0502020204030204" pitchFamily="34" charset="0"/>
+                <a:cs typeface="Times New Roman" panose="02020603050405020304" pitchFamily="18" charset="0"/>
+              </a:rPr>
+              <a:t>Dejanska porazdelitev podatkov se lahko zelo razlikuje od </a:t>
+            </a:r>
+            <a:r>
+              <a:rPr lang="sl-SI" sz="1800" dirty="0" err="1">
+                <a:latin typeface="Calibri" panose="020F0502020204030204" pitchFamily="34" charset="0"/>
+                <a:ea typeface="Calibri" panose="020F0502020204030204" pitchFamily="34" charset="0"/>
+                <a:cs typeface="Times New Roman" panose="02020603050405020304" pitchFamily="18" charset="0"/>
+              </a:rPr>
+              <a:t>pripadnostnih</a:t>
+            </a:r>
+            <a:r>
+              <a:rPr lang="sl-SI" sz="1800" dirty="0">
+                <a:latin typeface="Calibri" panose="020F0502020204030204" pitchFamily="34" charset="0"/>
+                <a:ea typeface="Calibri" panose="020F0502020204030204" pitchFamily="34" charset="0"/>
+                <a:cs typeface="Times New Roman" panose="02020603050405020304" pitchFamily="18" charset="0"/>
+              </a:rPr>
+              <a:t> funkciji. Najbolj pogosto so uporabljene Gaussove, trapezoidne ali trikotni </a:t>
+            </a:r>
+            <a:r>
+              <a:rPr lang="sl-SI" sz="1800" dirty="0" err="1">
+                <a:latin typeface="Calibri" panose="020F0502020204030204" pitchFamily="34" charset="0"/>
+                <a:ea typeface="Calibri" panose="020F0502020204030204" pitchFamily="34" charset="0"/>
+                <a:cs typeface="Times New Roman" panose="02020603050405020304" pitchFamily="18" charset="0"/>
+              </a:rPr>
+              <a:t>pripadnostne</a:t>
+            </a:r>
+            <a:r>
+              <a:rPr lang="sl-SI" sz="1800" dirty="0">
+                <a:latin typeface="Calibri" panose="020F0502020204030204" pitchFamily="34" charset="0"/>
+                <a:ea typeface="Calibri" panose="020F0502020204030204" pitchFamily="34" charset="0"/>
+                <a:cs typeface="Times New Roman" panose="02020603050405020304" pitchFamily="18" charset="0"/>
+              </a:rPr>
+              <a:t> funkcije </a:t>
+            </a:r>
+            <a:r>
+              <a:rPr lang="en-US" sz="1800" dirty="0">
+                <a:effectLst/>
+                <a:latin typeface="Calibri" panose="020F0502020204030204" pitchFamily="34" charset="0"/>
+                <a:ea typeface="Calibri" panose="020F0502020204030204" pitchFamily="34" charset="0"/>
+                <a:cs typeface="Times New Roman" panose="02020603050405020304" pitchFamily="18" charset="0"/>
+              </a:rPr>
+              <a:t>[45].</a:t>
+            </a:r>
+            <a:r>
+              <a:rPr lang="sl-SI" sz="1800" dirty="0">
+                <a:effectLst/>
+                <a:latin typeface="Calibri" panose="020F0502020204030204" pitchFamily="34" charset="0"/>
+                <a:ea typeface="Calibri" panose="020F0502020204030204" pitchFamily="34" charset="0"/>
+                <a:cs typeface="Times New Roman" panose="02020603050405020304" pitchFamily="18" charset="0"/>
+              </a:rPr>
+              <a:t> </a:t>
+            </a:r>
+            <a:endParaRPr lang="sl-SI" sz="1800" dirty="0">
+              <a:latin typeface="Calibri" panose="020F0502020204030204" pitchFamily="34" charset="0"/>
+              <a:ea typeface="Calibri" panose="020F0502020204030204" pitchFamily="34" charset="0"/>
+              <a:cs typeface="Times New Roman" panose="02020603050405020304" pitchFamily="18" charset="0"/>
+            </a:endParaRPr>
+          </a:p>
+          <a:p>
+            <a:r>
+              <a:rPr lang="sl-SI" sz="1800" b="0" i="0" dirty="0">
+                <a:solidFill>
+                  <a:srgbClr val="000000"/>
+                </a:solidFill>
+                <a:effectLst/>
+              </a:rPr>
+              <a:t>Predhodna (</a:t>
+            </a:r>
+            <a:r>
+              <a:rPr lang="sl-SI" sz="1800" b="0" i="0" dirty="0" err="1">
+                <a:solidFill>
+                  <a:srgbClr val="000000"/>
+                </a:solidFill>
+                <a:effectLst/>
+              </a:rPr>
+              <a:t>antecedent</a:t>
+            </a:r>
+            <a:r>
+              <a:rPr lang="sl-SI" sz="1800" b="0" i="0" dirty="0">
+                <a:solidFill>
+                  <a:srgbClr val="000000"/>
+                </a:solidFill>
+                <a:effectLst/>
+              </a:rPr>
+              <a:t>) struktura </a:t>
+            </a:r>
+            <a:r>
+              <a:rPr lang="sl-SI" sz="1800" b="0" i="0" dirty="0" err="1">
+                <a:solidFill>
+                  <a:srgbClr val="000000"/>
+                </a:solidFill>
+                <a:effectLst/>
+              </a:rPr>
+              <a:t>samorazvijajočih</a:t>
+            </a:r>
+            <a:r>
+              <a:rPr lang="sl-SI" sz="1800" b="0" i="0" dirty="0">
+                <a:solidFill>
+                  <a:srgbClr val="000000"/>
+                </a:solidFill>
+                <a:effectLst/>
+              </a:rPr>
+              <a:t> se sistemov je lahko sestavljena iz mehkih možic[3], informacijskih </a:t>
+            </a:r>
+            <a:r>
+              <a:rPr lang="sl-SI" sz="1800" dirty="0">
+                <a:latin typeface="Calibri" panose="020F0502020204030204" pitchFamily="34" charset="0"/>
+                <a:ea typeface="Calibri" panose="020F0502020204030204" pitchFamily="34" charset="0"/>
+                <a:cs typeface="Times New Roman" panose="02020603050405020304" pitchFamily="18" charset="0"/>
+              </a:rPr>
+              <a:t>granul</a:t>
+            </a:r>
+            <a:r>
+              <a:rPr lang="en-US" sz="1800" dirty="0">
+                <a:effectLst/>
+                <a:latin typeface="Calibri" panose="020F0502020204030204" pitchFamily="34" charset="0"/>
+                <a:ea typeface="Calibri" panose="020F0502020204030204" pitchFamily="34" charset="0"/>
+                <a:cs typeface="Times New Roman" panose="02020603050405020304" pitchFamily="18" charset="0"/>
+              </a:rPr>
+              <a:t> [9,11], </a:t>
+            </a:r>
+            <a:r>
+              <a:rPr lang="sl-SI" sz="1800" dirty="0">
+                <a:effectLst/>
+                <a:latin typeface="Calibri" panose="020F0502020204030204" pitchFamily="34" charset="0"/>
+                <a:ea typeface="Calibri" panose="020F0502020204030204" pitchFamily="34" charset="0"/>
+                <a:cs typeface="Times New Roman" panose="02020603050405020304" pitchFamily="18" charset="0"/>
+              </a:rPr>
+              <a:t>listov [16], nevronov, </a:t>
+            </a:r>
+            <a:r>
+              <a:rPr lang="sl-SI" sz="1800" dirty="0">
+                <a:solidFill>
+                  <a:srgbClr val="FF0000"/>
+                </a:solidFill>
+                <a:effectLst/>
+                <a:latin typeface="Calibri" panose="020F0502020204030204" pitchFamily="34" charset="0"/>
+                <a:ea typeface="Calibri" panose="020F0502020204030204" pitchFamily="34" charset="0"/>
+                <a:cs typeface="Times New Roman" panose="02020603050405020304" pitchFamily="18" charset="0"/>
+              </a:rPr>
+              <a:t>oblakov podatkov </a:t>
+            </a:r>
+            <a:r>
+              <a:rPr lang="sl-SI" sz="1800" dirty="0">
+                <a:effectLst/>
+                <a:latin typeface="Calibri" panose="020F0502020204030204" pitchFamily="34" charset="0"/>
+                <a:ea typeface="Calibri" panose="020F0502020204030204" pitchFamily="34" charset="0"/>
+                <a:cs typeface="Times New Roman" panose="02020603050405020304" pitchFamily="18" charset="0"/>
+              </a:rPr>
+              <a:t>(data </a:t>
+            </a:r>
+            <a:r>
+              <a:rPr lang="sl-SI" sz="1800" dirty="0" err="1">
+                <a:effectLst/>
+                <a:latin typeface="Calibri" panose="020F0502020204030204" pitchFamily="34" charset="0"/>
+                <a:ea typeface="Calibri" panose="020F0502020204030204" pitchFamily="34" charset="0"/>
+                <a:cs typeface="Times New Roman" panose="02020603050405020304" pitchFamily="18" charset="0"/>
+              </a:rPr>
+              <a:t>clouds</a:t>
+            </a:r>
+            <a:r>
+              <a:rPr lang="sl-SI" sz="1800" dirty="0">
+                <a:effectLst/>
+                <a:latin typeface="Calibri" panose="020F0502020204030204" pitchFamily="34" charset="0"/>
+                <a:ea typeface="Calibri" panose="020F0502020204030204" pitchFamily="34" charset="0"/>
+                <a:cs typeface="Times New Roman" panose="02020603050405020304" pitchFamily="18" charset="0"/>
+              </a:rPr>
+              <a:t>) [41], rojev [5, 9], </a:t>
+            </a:r>
+            <a:r>
+              <a:rPr lang="sl-SI" sz="1800" dirty="0" err="1">
+                <a:effectLst/>
+                <a:latin typeface="Calibri" panose="020F0502020204030204" pitchFamily="34" charset="0"/>
+                <a:ea typeface="Calibri" panose="020F0502020204030204" pitchFamily="34" charset="0"/>
+                <a:cs typeface="Times New Roman" panose="02020603050405020304" pitchFamily="18" charset="0"/>
+              </a:rPr>
+              <a:t>hiperravnin</a:t>
+            </a:r>
+            <a:r>
+              <a:rPr lang="sl-SI" sz="1800" dirty="0">
+                <a:effectLst/>
+                <a:latin typeface="Calibri" panose="020F0502020204030204" pitchFamily="34" charset="0"/>
+                <a:ea typeface="Calibri" panose="020F0502020204030204" pitchFamily="34" charset="0"/>
+                <a:cs typeface="Times New Roman" panose="02020603050405020304" pitchFamily="18" charset="0"/>
+              </a:rPr>
+              <a:t> [16], </a:t>
+            </a:r>
+            <a:r>
+              <a:rPr lang="sl-SI" sz="1800" dirty="0">
+                <a:solidFill>
+                  <a:srgbClr val="FF0000"/>
+                </a:solidFill>
+                <a:effectLst/>
+                <a:latin typeface="Calibri" panose="020F0502020204030204" pitchFamily="34" charset="0"/>
+                <a:ea typeface="Calibri" panose="020F0502020204030204" pitchFamily="34" charset="0"/>
+                <a:cs typeface="Times New Roman" panose="02020603050405020304" pitchFamily="18" charset="0"/>
+              </a:rPr>
+              <a:t>teselacij</a:t>
+            </a:r>
+            <a:r>
+              <a:rPr lang="sl-SI" sz="1800" dirty="0">
+                <a:effectLst/>
+                <a:latin typeface="Calibri" panose="020F0502020204030204" pitchFamily="34" charset="0"/>
+                <a:ea typeface="Calibri" panose="020F0502020204030204" pitchFamily="34" charset="0"/>
+                <a:cs typeface="Times New Roman" panose="02020603050405020304" pitchFamily="18" charset="0"/>
+              </a:rPr>
+              <a:t> (</a:t>
+            </a:r>
+            <a:r>
+              <a:rPr lang="sl-SI" sz="1800" dirty="0" err="1">
+                <a:latin typeface="Calibri" panose="020F0502020204030204" pitchFamily="34" charset="0"/>
+                <a:ea typeface="Calibri" panose="020F0502020204030204" pitchFamily="34" charset="0"/>
+                <a:cs typeface="Times New Roman" panose="02020603050405020304" pitchFamily="18" charset="0"/>
+              </a:rPr>
+              <a:t>t</a:t>
+            </a:r>
+            <a:r>
+              <a:rPr lang="sl-SI" sz="1800" dirty="0" err="1">
+                <a:effectLst/>
+                <a:latin typeface="Calibri" panose="020F0502020204030204" pitchFamily="34" charset="0"/>
+                <a:ea typeface="Calibri" panose="020F0502020204030204" pitchFamily="34" charset="0"/>
+                <a:cs typeface="Times New Roman" panose="02020603050405020304" pitchFamily="18" charset="0"/>
+              </a:rPr>
+              <a:t>essellation</a:t>
+            </a:r>
+            <a:r>
+              <a:rPr lang="sl-SI" sz="1800" dirty="0">
+                <a:effectLst/>
+                <a:latin typeface="Calibri" panose="020F0502020204030204" pitchFamily="34" charset="0"/>
+                <a:ea typeface="Calibri" panose="020F0502020204030204" pitchFamily="34" charset="0"/>
+                <a:cs typeface="Times New Roman" panose="02020603050405020304" pitchFamily="18" charset="0"/>
+              </a:rPr>
+              <a:t>)[45], idr. </a:t>
+            </a:r>
+          </a:p>
+          <a:p>
+            <a:r>
+              <a:rPr lang="sl-SI" sz="1800" dirty="0">
+                <a:latin typeface="Calibri" panose="020F0502020204030204" pitchFamily="34" charset="0"/>
+                <a:ea typeface="Calibri" panose="020F0502020204030204" pitchFamily="34" charset="0"/>
+                <a:cs typeface="Times New Roman" panose="02020603050405020304" pitchFamily="18" charset="0"/>
+              </a:rPr>
+              <a:t>informacijske granule so skupine objektov ali elementov s podobnimi lastnostmi, funkcionalnostjo [41], ali prostorsko bližino [11].  Nekateri modeli predstavijo granule v obliki</a:t>
+            </a:r>
+            <a:r>
+              <a:rPr lang="sl-SI" sz="1800" dirty="0">
+                <a:solidFill>
+                  <a:srgbClr val="FF0000"/>
+                </a:solidFill>
+                <a:latin typeface="Calibri" panose="020F0502020204030204" pitchFamily="34" charset="0"/>
+                <a:ea typeface="Calibri" panose="020F0502020204030204" pitchFamily="34" charset="0"/>
+                <a:cs typeface="Times New Roman" panose="02020603050405020304" pitchFamily="18" charset="0"/>
+              </a:rPr>
+              <a:t> oblakov podatkov </a:t>
+            </a:r>
+            <a:r>
+              <a:rPr lang="sl-SI" sz="1800" dirty="0">
+                <a:latin typeface="Calibri" panose="020F0502020204030204" pitchFamily="34" charset="0"/>
+                <a:ea typeface="Calibri" panose="020F0502020204030204" pitchFamily="34" charset="0"/>
+                <a:cs typeface="Times New Roman" panose="02020603050405020304" pitchFamily="18" charset="0"/>
+              </a:rPr>
+              <a:t>brez centrov ali definiranih mej [41]. Pri tem izračunajo </a:t>
+            </a:r>
+            <a:r>
+              <a:rPr lang="sl-SI" sz="1800" dirty="0" err="1">
+                <a:latin typeface="Calibri" panose="020F0502020204030204" pitchFamily="34" charset="0"/>
+                <a:ea typeface="Calibri" panose="020F0502020204030204" pitchFamily="34" charset="0"/>
+                <a:cs typeface="Times New Roman" panose="02020603050405020304" pitchFamily="18" charset="0"/>
+              </a:rPr>
+              <a:t>pripadnostne</a:t>
+            </a:r>
+            <a:r>
+              <a:rPr lang="sl-SI" sz="1800" dirty="0">
+                <a:latin typeface="Calibri" panose="020F0502020204030204" pitchFamily="34" charset="0"/>
+                <a:ea typeface="Calibri" panose="020F0502020204030204" pitchFamily="34" charset="0"/>
+                <a:cs typeface="Times New Roman" panose="02020603050405020304" pitchFamily="18" charset="0"/>
+              </a:rPr>
+              <a:t> funkcije na podlagi akumuliranih podatkov.  </a:t>
+            </a:r>
+            <a:endParaRPr lang="sl-SI" sz="1800" dirty="0">
               <a:effectLst/>
               <a:latin typeface="Calibri" panose="020F0502020204030204" pitchFamily="34" charset="0"/>
               <a:ea typeface="Calibri" panose="020F0502020204030204" pitchFamily="34" charset="0"/>
@@ -7067,27 +12407,67 @@
             </a:endParaRPr>
           </a:p>
           <a:p>
-            <a:endParaRPr lang="sl-SI" dirty="0">
+            <a:pPr marL="0" indent="0">
+              <a:buNone/>
+            </a:pPr>
+            <a:endParaRPr lang="sl-SI" sz="1800" dirty="0">
               <a:latin typeface="Calibri" panose="020F0502020204030204" pitchFamily="34" charset="0"/>
               <a:ea typeface="Calibri" panose="020F0502020204030204" pitchFamily="34" charset="0"/>
               <a:cs typeface="Times New Roman" panose="02020603050405020304" pitchFamily="18" charset="0"/>
             </a:endParaRPr>
           </a:p>
           <a:p>
-            <a:endParaRPr lang="sl-SI" sz="2800" dirty="0">
+            <a:pPr marL="0" indent="0">
+              <a:buNone/>
+            </a:pPr>
+            <a:endParaRPr lang="sl-SI" sz="1800" dirty="0">
+              <a:latin typeface="Calibri" panose="020F0502020204030204" pitchFamily="34" charset="0"/>
               <a:ea typeface="Calibri" panose="020F0502020204030204" pitchFamily="34" charset="0"/>
               <a:cs typeface="Times New Roman" panose="02020603050405020304" pitchFamily="18" charset="0"/>
             </a:endParaRPr>
           </a:p>
-          <a:p>
-            <a:endParaRPr lang="sl-SI" dirty="0"/>
-          </a:p>
         </p:txBody>
       </p:sp>
+      <p:pic>
+        <p:nvPicPr>
+          <p:cNvPr id="6" name="Slika 5">
+            <a:extLst>
+              <a:ext uri="{FF2B5EF4-FFF2-40B4-BE49-F238E27FC236}">
+                <a16:creationId xmlns:a16="http://schemas.microsoft.com/office/drawing/2014/main" id="{3DED62EC-E77A-468D-B37A-2F368BA5C786}"/>
+              </a:ext>
+            </a:extLst>
+          </p:cNvPr>
+          <p:cNvPicPr>
+            <a:picLocks noChangeAspect="1"/>
+          </p:cNvPicPr>
+          <p:nvPr/>
+        </p:nvPicPr>
+        <p:blipFill>
+          <a:blip r:embed="rId2">
+            <a:extLst>
+              <a:ext uri="{28A0092B-C50C-407E-A947-70E740481C1C}">
+                <a14:useLocalDpi xmlns:a14="http://schemas.microsoft.com/office/drawing/2010/main" val="0"/>
+              </a:ext>
+            </a:extLst>
+          </a:blip>
+          <a:stretch>
+            <a:fillRect/>
+          </a:stretch>
+        </p:blipFill>
+        <p:spPr>
+          <a:xfrm>
+            <a:off x="10931704" y="130556"/>
+            <a:ext cx="1168059" cy="487300"/>
+          </a:xfrm>
+          <a:prstGeom prst="rect">
+            <a:avLst/>
+          </a:prstGeom>
+        </p:spPr>
+      </p:pic>
     </p:spTree>
     <p:extLst>
       <p:ext uri="{BB962C8B-B14F-4D97-AF65-F5344CB8AC3E}">
-        <p14:creationId xmlns:p14="http://schemas.microsoft.com/office/powerpoint/2010/main" val="386065714"/>
+        <p14:creationId xmlns:p14="http://schemas.microsoft.com/office/powerpoint/2010/main" val="4208559629"/>
       </p:ext>
     </p:extLst>
   </p:cSld>
@@ -7116,10 +12496,10 @@
       </p:grpSpPr>
       <p:sp>
         <p:nvSpPr>
-          <p:cNvPr id="2" name="Title 1">
+          <p:cNvPr id="2" name="Naslov 1">
             <a:extLst>
               <a:ext uri="{FF2B5EF4-FFF2-40B4-BE49-F238E27FC236}">
-                <a16:creationId xmlns:a16="http://schemas.microsoft.com/office/drawing/2014/main" id="{765925DB-5F5D-4769-B365-53CAD80D0FDB}"/>
+                <a16:creationId xmlns:a16="http://schemas.microsoft.com/office/drawing/2014/main" id="{57EC456E-D405-4E59-BBB5-E6494BC69DF5}"/>
               </a:ext>
             </a:extLst>
           </p:cNvPr>
@@ -7137,17 +12517,17 @@
           <a:p>
             <a:r>
               <a:rPr lang="sl-SI" dirty="0"/>
-              <a:t>Rojenje in Granulacija</a:t>
+              <a:t>Metode rojenja</a:t>
             </a:r>
           </a:p>
         </p:txBody>
       </p:sp>
       <p:sp>
         <p:nvSpPr>
-          <p:cNvPr id="3" name="Content Placeholder 2">
+          <p:cNvPr id="3" name="Označba mesta vsebine 2">
             <a:extLst>
               <a:ext uri="{FF2B5EF4-FFF2-40B4-BE49-F238E27FC236}">
-                <a16:creationId xmlns:a16="http://schemas.microsoft.com/office/drawing/2014/main" id="{1531599C-9051-4E2D-A5D8-F217221C0753}"/>
+                <a16:creationId xmlns:a16="http://schemas.microsoft.com/office/drawing/2014/main" id="{0C8395A6-C043-47BC-A1BA-EF142E98D3BB}"/>
               </a:ext>
             </a:extLst>
           </p:cNvPr>
@@ -7163,14 +12543,1187 @@
           <a:bodyPr/>
           <a:lstStyle/>
           <a:p>
-            <a:endParaRPr lang="sl-SI" dirty="0"/>
+            <a:pPr marL="0" indent="0">
+              <a:buNone/>
+            </a:pPr>
+            <a:r>
+              <a:rPr lang="sl-SI" sz="1800" dirty="0">
+                <a:solidFill>
+                  <a:srgbClr val="FF0000"/>
+                </a:solidFill>
+              </a:rPr>
+              <a:t>Metoda rojenja z odštevanjem </a:t>
+            </a:r>
+            <a:r>
+              <a:rPr lang="sl-SI" sz="1800" dirty="0"/>
+              <a:t>(</a:t>
+            </a:r>
+            <a:r>
+              <a:rPr lang="sl-SI" sz="1800" i="1" dirty="0" err="1"/>
+              <a:t>subtractive</a:t>
+            </a:r>
+            <a:r>
+              <a:rPr lang="sl-SI" sz="1800" i="1" dirty="0"/>
+              <a:t> </a:t>
+            </a:r>
+            <a:r>
+              <a:rPr lang="sl-SI" sz="1800" i="1" dirty="0" err="1"/>
+              <a:t>clustering</a:t>
+            </a:r>
+            <a:r>
+              <a:rPr lang="sl-SI" sz="1800" dirty="0"/>
+              <a:t>) [3, 46], mehko rojenje s C-središči (</a:t>
+            </a:r>
+            <a:r>
+              <a:rPr lang="sl-SI" sz="1800" i="1" dirty="0" err="1"/>
+              <a:t>Fuzzy</a:t>
+            </a:r>
+            <a:r>
+              <a:rPr lang="sl-SI" sz="1800" i="1" dirty="0"/>
+              <a:t> C-</a:t>
+            </a:r>
+            <a:r>
+              <a:rPr lang="sl-SI" sz="1800" i="1" dirty="0" err="1"/>
+              <a:t>means</a:t>
+            </a:r>
+            <a:r>
+              <a:rPr lang="sl-SI" sz="1800" dirty="0"/>
+              <a:t>), rekurzivno rojenje po metodi </a:t>
+            </a:r>
+            <a:r>
+              <a:rPr lang="sl-SI" sz="1800" dirty="0" err="1"/>
+              <a:t>Gustafson</a:t>
+            </a:r>
+            <a:r>
+              <a:rPr lang="sl-SI" sz="1800" dirty="0"/>
+              <a:t>–</a:t>
+            </a:r>
+            <a:r>
+              <a:rPr lang="sl-SI" sz="1800" dirty="0" err="1"/>
+              <a:t>Kessel</a:t>
+            </a:r>
+            <a:r>
+              <a:rPr lang="sl-SI" sz="1800" dirty="0"/>
+              <a:t> [3,13], rekurzivno rojenje po metodi </a:t>
+            </a:r>
+            <a:r>
+              <a:rPr lang="sl-SI" sz="1800" dirty="0" err="1"/>
+              <a:t>Gath-Geva</a:t>
+            </a:r>
+            <a:r>
+              <a:rPr lang="sl-SI" sz="1800" dirty="0"/>
+              <a:t> [14], </a:t>
+            </a:r>
+            <a:r>
+              <a:rPr lang="sl-SI" sz="1800" dirty="0" err="1">
+                <a:solidFill>
+                  <a:srgbClr val="FF0000"/>
+                </a:solidFill>
+              </a:rPr>
+              <a:t>samorazvijajoče</a:t>
+            </a:r>
+            <a:r>
+              <a:rPr lang="sl-SI" sz="1800" dirty="0">
+                <a:solidFill>
+                  <a:srgbClr val="FF0000"/>
+                </a:solidFill>
+              </a:rPr>
+              <a:t> se rojenje </a:t>
+            </a:r>
+            <a:r>
+              <a:rPr lang="sl-SI" sz="1800" dirty="0"/>
+              <a:t>(</a:t>
+            </a:r>
+            <a:r>
+              <a:rPr lang="sl-SI" sz="1800" dirty="0" err="1"/>
+              <a:t>evolving</a:t>
+            </a:r>
+            <a:r>
+              <a:rPr lang="sl-SI" sz="1800" dirty="0"/>
+              <a:t> </a:t>
+            </a:r>
+            <a:r>
+              <a:rPr lang="sl-SI" sz="1800" dirty="0" err="1"/>
+              <a:t>clustering</a:t>
+            </a:r>
+            <a:r>
+              <a:rPr lang="sl-SI" sz="1800" dirty="0"/>
+              <a:t> </a:t>
+            </a:r>
+            <a:r>
+              <a:rPr lang="sl-SI" sz="1800" dirty="0" err="1"/>
+              <a:t>method</a:t>
+            </a:r>
+            <a:r>
+              <a:rPr lang="sl-SI" sz="1800" dirty="0"/>
+              <a:t>) [4], </a:t>
+            </a:r>
+            <a:r>
+              <a:rPr lang="sl-SI" sz="1800" dirty="0">
+                <a:solidFill>
+                  <a:srgbClr val="FF0000"/>
+                </a:solidFill>
+              </a:rPr>
+              <a:t>postopna mehka C-regresija </a:t>
+            </a:r>
+            <a:r>
+              <a:rPr lang="sl-SI" sz="1800" dirty="0"/>
+              <a:t>(</a:t>
+            </a:r>
+            <a:r>
+              <a:rPr lang="sl-SI" sz="1800" i="1" dirty="0" err="1"/>
+              <a:t>incremental</a:t>
+            </a:r>
+            <a:r>
+              <a:rPr lang="sl-SI" sz="1800" i="1" dirty="0"/>
+              <a:t> </a:t>
+            </a:r>
+            <a:r>
+              <a:rPr lang="sl-SI" sz="1800" i="1" dirty="0" err="1"/>
+              <a:t>fuzzy</a:t>
+            </a:r>
+            <a:r>
+              <a:rPr lang="sl-SI" sz="1800" i="1" dirty="0"/>
+              <a:t> C-</a:t>
+            </a:r>
+            <a:r>
+              <a:rPr lang="sl-SI" sz="1800" i="1" dirty="0" err="1"/>
+              <a:t>regression</a:t>
+            </a:r>
+            <a:r>
+              <a:rPr lang="sl-SI" sz="1800" i="1" dirty="0"/>
+              <a:t> </a:t>
+            </a:r>
+            <a:r>
+              <a:rPr lang="sl-SI" sz="1800" i="1" dirty="0" err="1"/>
+              <a:t>clustering</a:t>
+            </a:r>
+            <a:r>
+              <a:rPr lang="sl-SI" sz="1800" dirty="0"/>
+              <a:t>) [31],  </a:t>
+            </a:r>
+            <a:r>
+              <a:rPr lang="sl-SI" sz="1800" dirty="0" err="1"/>
+              <a:t>eClustering</a:t>
+            </a:r>
+            <a:r>
+              <a:rPr lang="sl-SI" sz="1800" dirty="0"/>
+              <a:t> [46],  rojenje s C-možnimi roji (</a:t>
+            </a:r>
+            <a:r>
+              <a:rPr lang="sl-SI" sz="1800" dirty="0" err="1"/>
+              <a:t>possibilistic</a:t>
+            </a:r>
+            <a:r>
+              <a:rPr lang="sl-SI" sz="1800" dirty="0"/>
+              <a:t> C-</a:t>
+            </a:r>
+            <a:r>
+              <a:rPr lang="sl-SI" sz="1800" dirty="0" err="1"/>
+              <a:t>means</a:t>
+            </a:r>
+            <a:r>
+              <a:rPr lang="sl-SI" sz="1800" dirty="0"/>
+              <a:t>), </a:t>
+            </a:r>
+            <a:r>
+              <a:rPr lang="sl-SI" sz="1800" dirty="0">
+                <a:solidFill>
+                  <a:srgbClr val="FF0000"/>
+                </a:solidFill>
+              </a:rPr>
+              <a:t>rojenje na osnovi gostote </a:t>
+            </a:r>
+            <a:r>
+              <a:rPr lang="sl-SI" sz="1800" dirty="0"/>
+              <a:t>(</a:t>
+            </a:r>
+            <a:r>
+              <a:rPr lang="sl-SI" sz="1800" dirty="0" err="1"/>
+              <a:t>density-based</a:t>
+            </a:r>
+            <a:r>
+              <a:rPr lang="sl-SI" sz="1800" dirty="0"/>
+              <a:t>)[39, 41], </a:t>
+            </a:r>
+            <a:r>
+              <a:rPr lang="sl-SI" sz="1800" dirty="0">
+                <a:solidFill>
+                  <a:srgbClr val="FF0000"/>
+                </a:solidFill>
+              </a:rPr>
+              <a:t>rojenje na osnovi razpršenosti </a:t>
+            </a:r>
+            <a:r>
+              <a:rPr lang="sl-SI" sz="1800" dirty="0"/>
+              <a:t>(</a:t>
+            </a:r>
+            <a:r>
+              <a:rPr lang="sl-SI" sz="1800" dirty="0" err="1"/>
+              <a:t>scatter-based</a:t>
+            </a:r>
+            <a:r>
+              <a:rPr lang="sl-SI" sz="1800" dirty="0"/>
+              <a:t>) [8], </a:t>
+            </a:r>
+            <a:r>
+              <a:rPr lang="sl-SI" sz="1800" dirty="0">
+                <a:solidFill>
+                  <a:srgbClr val="FF0000"/>
+                </a:solidFill>
+              </a:rPr>
+              <a:t>rojenje s vektorsko kvantizacijo </a:t>
+            </a:r>
+            <a:r>
+              <a:rPr lang="sl-SI" sz="1800" dirty="0"/>
+              <a:t>(</a:t>
+            </a:r>
+            <a:r>
+              <a:rPr lang="sl-SI" sz="1800" dirty="0" err="1"/>
+              <a:t>vector</a:t>
+            </a:r>
+            <a:r>
+              <a:rPr lang="sl-SI" sz="1800" dirty="0"/>
+              <a:t> </a:t>
+            </a:r>
+            <a:r>
+              <a:rPr lang="sl-SI" sz="1800" dirty="0" err="1"/>
+              <a:t>quantization</a:t>
+            </a:r>
+            <a:r>
+              <a:rPr lang="sl-SI" sz="1800" dirty="0"/>
+              <a:t>) [49]</a:t>
+            </a:r>
           </a:p>
         </p:txBody>
       </p:sp>
+      <p:pic>
+        <p:nvPicPr>
+          <p:cNvPr id="4" name="Slika 3" descr="Slika, ki vsebuje besede besedilo, oranžna, antena, dan&#10;&#10;Opis je samodejno ustvarjen">
+            <a:extLst>
+              <a:ext uri="{FF2B5EF4-FFF2-40B4-BE49-F238E27FC236}">
+                <a16:creationId xmlns:a16="http://schemas.microsoft.com/office/drawing/2014/main" id="{3F3AFED0-7D85-4DB1-B837-435F27380387}"/>
+              </a:ext>
+            </a:extLst>
+          </p:cNvPr>
+          <p:cNvPicPr>
+            <a:picLocks noChangeAspect="1"/>
+          </p:cNvPicPr>
+          <p:nvPr/>
+        </p:nvPicPr>
+        <p:blipFill>
+          <a:blip r:embed="rId3"/>
+          <a:stretch>
+            <a:fillRect/>
+          </a:stretch>
+        </p:blipFill>
+        <p:spPr>
+          <a:xfrm>
+            <a:off x="838200" y="4459286"/>
+            <a:ext cx="3467100" cy="1190625"/>
+          </a:xfrm>
+          <a:prstGeom prst="rect">
+            <a:avLst/>
+          </a:prstGeom>
+        </p:spPr>
+      </p:pic>
+      <p:pic>
+        <p:nvPicPr>
+          <p:cNvPr id="5" name="Slika 4">
+            <a:extLst>
+              <a:ext uri="{FF2B5EF4-FFF2-40B4-BE49-F238E27FC236}">
+                <a16:creationId xmlns:a16="http://schemas.microsoft.com/office/drawing/2014/main" id="{1D4D3090-ED42-4EC5-AC6F-CCF606B54EEB}"/>
+              </a:ext>
+            </a:extLst>
+          </p:cNvPr>
+          <p:cNvPicPr>
+            <a:picLocks noChangeAspect="1"/>
+          </p:cNvPicPr>
+          <p:nvPr/>
+        </p:nvPicPr>
+        <p:blipFill>
+          <a:blip r:embed="rId4"/>
+          <a:stretch>
+            <a:fillRect/>
+          </a:stretch>
+        </p:blipFill>
+        <p:spPr>
+          <a:xfrm>
+            <a:off x="6096000" y="4482306"/>
+            <a:ext cx="3286125" cy="514350"/>
+          </a:xfrm>
+          <a:prstGeom prst="rect">
+            <a:avLst/>
+          </a:prstGeom>
+        </p:spPr>
+      </p:pic>
+      <p:pic>
+        <p:nvPicPr>
+          <p:cNvPr id="6" name="Slika 5" descr="Slika, ki vsebuje besede besedilo&#10;&#10;Opis je samodejno ustvarjen">
+            <a:extLst>
+              <a:ext uri="{FF2B5EF4-FFF2-40B4-BE49-F238E27FC236}">
+                <a16:creationId xmlns:a16="http://schemas.microsoft.com/office/drawing/2014/main" id="{4F997FC4-9C57-4852-A953-44E701F3313F}"/>
+              </a:ext>
+            </a:extLst>
+          </p:cNvPr>
+          <p:cNvPicPr>
+            <a:picLocks noChangeAspect="1"/>
+          </p:cNvPicPr>
+          <p:nvPr/>
+        </p:nvPicPr>
+        <p:blipFill>
+          <a:blip r:embed="rId5"/>
+          <a:stretch>
+            <a:fillRect/>
+          </a:stretch>
+        </p:blipFill>
+        <p:spPr>
+          <a:xfrm>
+            <a:off x="6292848" y="5131593"/>
+            <a:ext cx="4848225" cy="828675"/>
+          </a:xfrm>
+          <a:prstGeom prst="rect">
+            <a:avLst/>
+          </a:prstGeom>
+        </p:spPr>
+      </p:pic>
+      <p:pic>
+        <p:nvPicPr>
+          <p:cNvPr id="7" name="Slika 6">
+            <a:extLst>
+              <a:ext uri="{FF2B5EF4-FFF2-40B4-BE49-F238E27FC236}">
+                <a16:creationId xmlns:a16="http://schemas.microsoft.com/office/drawing/2014/main" id="{49B23FB3-161C-4BD6-AD9B-09220DB3C249}"/>
+              </a:ext>
+            </a:extLst>
+          </p:cNvPr>
+          <p:cNvPicPr>
+            <a:picLocks noChangeAspect="1"/>
+          </p:cNvPicPr>
+          <p:nvPr/>
+        </p:nvPicPr>
+        <p:blipFill>
+          <a:blip r:embed="rId6">
+            <a:extLst>
+              <a:ext uri="{28A0092B-C50C-407E-A947-70E740481C1C}">
+                <a14:useLocalDpi xmlns:a14="http://schemas.microsoft.com/office/drawing/2010/main" val="0"/>
+              </a:ext>
+            </a:extLst>
+          </a:blip>
+          <a:stretch>
+            <a:fillRect/>
+          </a:stretch>
+        </p:blipFill>
+        <p:spPr>
+          <a:xfrm>
+            <a:off x="10931704" y="130556"/>
+            <a:ext cx="1168059" cy="487300"/>
+          </a:xfrm>
+          <a:prstGeom prst="rect">
+            <a:avLst/>
+          </a:prstGeom>
+        </p:spPr>
+      </p:pic>
     </p:spTree>
     <p:extLst>
       <p:ext uri="{BB962C8B-B14F-4D97-AF65-F5344CB8AC3E}">
-        <p14:creationId xmlns:p14="http://schemas.microsoft.com/office/powerpoint/2010/main" val="4208559629"/>
+        <p14:creationId xmlns:p14="http://schemas.microsoft.com/office/powerpoint/2010/main" val="3240517478"/>
+      </p:ext>
+    </p:extLst>
+  </p:cSld>
+  <p:clrMapOvr>
+    <a:masterClrMapping/>
+  </p:clrMapOvr>
+</p:sld>
+</file>
+
+<file path=ppt/slides/slide7.xml><?xml version="1.0" encoding="utf-8"?>
+<p:sld xmlns:a="http://schemas.openxmlformats.org/drawingml/2006/main" xmlns:r="http://schemas.openxmlformats.org/officeDocument/2006/relationships" xmlns:p="http://schemas.openxmlformats.org/presentationml/2006/main">
+  <p:cSld>
+    <p:spTree>
+      <p:nvGrpSpPr>
+        <p:cNvPr id="1" name=""/>
+        <p:cNvGrpSpPr/>
+        <p:nvPr/>
+      </p:nvGrpSpPr>
+      <p:grpSpPr>
+        <a:xfrm>
+          <a:off x="0" y="0"/>
+          <a:ext cx="0" cy="0"/>
+          <a:chOff x="0" y="0"/>
+          <a:chExt cx="0" cy="0"/>
+        </a:xfrm>
+      </p:grpSpPr>
+      <p:sp>
+        <p:nvSpPr>
+          <p:cNvPr id="2" name="Naslov 1">
+            <a:extLst>
+              <a:ext uri="{FF2B5EF4-FFF2-40B4-BE49-F238E27FC236}">
+                <a16:creationId xmlns:a16="http://schemas.microsoft.com/office/drawing/2014/main" id="{DDEFDC10-7C15-4C14-A50B-D3AC13E6CE14}"/>
+              </a:ext>
+            </a:extLst>
+          </p:cNvPr>
+          <p:cNvSpPr>
+            <a:spLocks noGrp="1"/>
+          </p:cNvSpPr>
+          <p:nvPr>
+            <p:ph type="title"/>
+          </p:nvPr>
+        </p:nvSpPr>
+        <p:spPr/>
+        <p:txBody>
+          <a:bodyPr/>
+          <a:lstStyle/>
+          <a:p>
+            <a:r>
+              <a:rPr lang="sl-SI" dirty="0"/>
+              <a:t>Transparentnost in </a:t>
+            </a:r>
+            <a:r>
+              <a:rPr lang="sl-SI" dirty="0" err="1"/>
+              <a:t>interpretabilnost</a:t>
+            </a:r>
+            <a:endParaRPr lang="sl-SI" dirty="0"/>
+          </a:p>
+        </p:txBody>
+      </p:sp>
+      <p:sp>
+        <p:nvSpPr>
+          <p:cNvPr id="3" name="Označba mesta vsebine 2">
+            <a:extLst>
+              <a:ext uri="{FF2B5EF4-FFF2-40B4-BE49-F238E27FC236}">
+                <a16:creationId xmlns:a16="http://schemas.microsoft.com/office/drawing/2014/main" id="{03DBCEB0-1B80-4DF7-B8D5-E463545749EC}"/>
+              </a:ext>
+            </a:extLst>
+          </p:cNvPr>
+          <p:cNvSpPr>
+            <a:spLocks noGrp="1"/>
+          </p:cNvSpPr>
+          <p:nvPr>
+            <p:ph idx="1"/>
+          </p:nvPr>
+        </p:nvSpPr>
+        <p:spPr/>
+        <p:txBody>
+          <a:bodyPr>
+            <a:normAutofit/>
+          </a:bodyPr>
+          <a:lstStyle/>
+          <a:p>
+            <a:r>
+              <a:rPr lang="sl-SI" sz="2000" dirty="0"/>
+              <a:t>Razločljivost (</a:t>
+            </a:r>
+            <a:r>
+              <a:rPr lang="en-US" sz="2000" dirty="0"/>
+              <a:t>Distinguishability </a:t>
+            </a:r>
+            <a:r>
+              <a:rPr lang="sl-SI" sz="2000" dirty="0"/>
+              <a:t>) – brez prekrivanja (</a:t>
+            </a:r>
+            <a:r>
+              <a:rPr lang="sl-SI" sz="2000" dirty="0" err="1"/>
+              <a:t>overlapping</a:t>
+            </a:r>
+            <a:r>
+              <a:rPr lang="sl-SI" sz="2000" dirty="0"/>
+              <a:t>), brez odvečnih struktur</a:t>
+            </a:r>
+            <a:r>
+              <a:rPr lang="en-US" sz="2000" dirty="0"/>
+              <a:t> [12]</a:t>
+            </a:r>
+            <a:endParaRPr lang="sl-SI" sz="2000" dirty="0"/>
+          </a:p>
+          <a:p>
+            <a:r>
+              <a:rPr lang="sl-SI" sz="2000" dirty="0"/>
+              <a:t>Preprostost (</a:t>
+            </a:r>
+            <a:r>
+              <a:rPr lang="en-US" sz="2000" dirty="0"/>
+              <a:t>simplicity </a:t>
+            </a:r>
+            <a:r>
+              <a:rPr lang="sl-SI" sz="2000" dirty="0"/>
+              <a:t>) – čim manj rojev, kompromis med natančnostjo in </a:t>
+            </a:r>
+            <a:r>
+              <a:rPr lang="sl-SI" sz="2000" dirty="0" err="1"/>
+              <a:t>kompleksnotjo</a:t>
+            </a:r>
+            <a:endParaRPr lang="sl-SI" sz="2000" dirty="0"/>
+          </a:p>
+          <a:p>
+            <a:r>
+              <a:rPr lang="sl-SI" sz="2000" dirty="0"/>
+              <a:t>Konsistentnost (</a:t>
+            </a:r>
+            <a:r>
+              <a:rPr lang="en-US" sz="2000" dirty="0"/>
+              <a:t>consistency</a:t>
+            </a:r>
+            <a:r>
+              <a:rPr lang="sl-SI" sz="2000" dirty="0"/>
+              <a:t>) – roji z različnimi posledičnimi deli morajo biti ločeni</a:t>
+            </a:r>
+          </a:p>
+          <a:p>
+            <a:r>
+              <a:rPr lang="sl-SI" sz="2000" dirty="0"/>
+              <a:t>Pokritost (c</a:t>
+            </a:r>
+            <a:r>
+              <a:rPr lang="en-US" sz="2000" dirty="0"/>
+              <a:t>overage</a:t>
+            </a:r>
+            <a:r>
+              <a:rPr lang="sl-SI" sz="2000" dirty="0"/>
+              <a:t>)</a:t>
+            </a:r>
+            <a:r>
+              <a:rPr lang="en-US" sz="2000" dirty="0"/>
+              <a:t> </a:t>
+            </a:r>
+            <a:r>
+              <a:rPr lang="sl-SI" sz="2000" dirty="0"/>
+              <a:t>in popolnost modela (</a:t>
+            </a:r>
+            <a:r>
+              <a:rPr lang="en-US" sz="2000" dirty="0"/>
+              <a:t>completeness</a:t>
+            </a:r>
+            <a:r>
+              <a:rPr lang="sl-SI" sz="2000" dirty="0"/>
+              <a:t>) - celoten prostor naj bi bil pokrit z roji </a:t>
+            </a:r>
+          </a:p>
+          <a:p>
+            <a:r>
+              <a:rPr lang="sl-SI" sz="2000" dirty="0" err="1"/>
+              <a:t>Interpretabilnost</a:t>
+            </a:r>
+            <a:r>
+              <a:rPr lang="sl-SI" sz="2000" dirty="0"/>
+              <a:t> posledičnega dela</a:t>
+            </a:r>
+          </a:p>
+          <a:p>
+            <a:r>
+              <a:rPr lang="sl-SI" sz="2000" dirty="0"/>
+              <a:t>Pomembnost </a:t>
+            </a:r>
+            <a:r>
+              <a:rPr lang="sl-SI" sz="2000" dirty="0" err="1"/>
+              <a:t>značilk</a:t>
+            </a:r>
+            <a:endParaRPr lang="sl-SI" sz="2000" dirty="0"/>
+          </a:p>
+          <a:p>
+            <a:r>
+              <a:rPr lang="sl-SI" sz="2000" dirty="0"/>
+              <a:t>Pomembnost pravil [12]</a:t>
+            </a:r>
+          </a:p>
+          <a:p>
+            <a:endParaRPr lang="sl-SI" sz="1800" dirty="0">
+              <a:effectLst/>
+              <a:latin typeface="Calibri" panose="020F0502020204030204" pitchFamily="34" charset="0"/>
+              <a:ea typeface="Calibri" panose="020F0502020204030204" pitchFamily="34" charset="0"/>
+              <a:cs typeface="Times New Roman" panose="02020603050405020304" pitchFamily="18" charset="0"/>
+            </a:endParaRPr>
+          </a:p>
+          <a:p>
+            <a:endParaRPr lang="sl-SI" dirty="0"/>
+          </a:p>
+          <a:p>
+            <a:endParaRPr lang="sl-SI" dirty="0"/>
+          </a:p>
+        </p:txBody>
+      </p:sp>
+      <p:pic>
+        <p:nvPicPr>
+          <p:cNvPr id="8" name="Slika 7">
+            <a:extLst>
+              <a:ext uri="{FF2B5EF4-FFF2-40B4-BE49-F238E27FC236}">
+                <a16:creationId xmlns:a16="http://schemas.microsoft.com/office/drawing/2014/main" id="{3087ADEC-0877-4E2C-892B-C7B672B98F29}"/>
+              </a:ext>
+            </a:extLst>
+          </p:cNvPr>
+          <p:cNvPicPr>
+            <a:picLocks noChangeAspect="1"/>
+          </p:cNvPicPr>
+          <p:nvPr/>
+        </p:nvPicPr>
+        <p:blipFill>
+          <a:blip r:embed="rId3">
+            <a:extLst>
+              <a:ext uri="{28A0092B-C50C-407E-A947-70E740481C1C}">
+                <a14:useLocalDpi xmlns:a14="http://schemas.microsoft.com/office/drawing/2010/main" val="0"/>
+              </a:ext>
+            </a:extLst>
+          </a:blip>
+          <a:stretch>
+            <a:fillRect/>
+          </a:stretch>
+        </p:blipFill>
+        <p:spPr>
+          <a:xfrm>
+            <a:off x="10931704" y="130556"/>
+            <a:ext cx="1168059" cy="487300"/>
+          </a:xfrm>
+          <a:prstGeom prst="rect">
+            <a:avLst/>
+          </a:prstGeom>
+        </p:spPr>
+      </p:pic>
+    </p:spTree>
+    <p:extLst>
+      <p:ext uri="{BB962C8B-B14F-4D97-AF65-F5344CB8AC3E}">
+        <p14:creationId xmlns:p14="http://schemas.microsoft.com/office/powerpoint/2010/main" val="1974032223"/>
+      </p:ext>
+    </p:extLst>
+  </p:cSld>
+  <p:clrMapOvr>
+    <a:masterClrMapping/>
+  </p:clrMapOvr>
+</p:sld>
+</file>
+
+<file path=ppt/slides/slide8.xml><?xml version="1.0" encoding="utf-8"?>
+<p:sld xmlns:a="http://schemas.openxmlformats.org/drawingml/2006/main" xmlns:r="http://schemas.openxmlformats.org/officeDocument/2006/relationships" xmlns:p="http://schemas.openxmlformats.org/presentationml/2006/main">
+  <p:cSld>
+    <p:spTree>
+      <p:nvGrpSpPr>
+        <p:cNvPr id="1" name=""/>
+        <p:cNvGrpSpPr/>
+        <p:nvPr/>
+      </p:nvGrpSpPr>
+      <p:grpSpPr>
+        <a:xfrm>
+          <a:off x="0" y="0"/>
+          <a:ext cx="0" cy="0"/>
+          <a:chOff x="0" y="0"/>
+          <a:chExt cx="0" cy="0"/>
+        </a:xfrm>
+      </p:grpSpPr>
+      <p:sp>
+        <p:nvSpPr>
+          <p:cNvPr id="2" name="Naslov 1">
+            <a:extLst>
+              <a:ext uri="{FF2B5EF4-FFF2-40B4-BE49-F238E27FC236}">
+                <a16:creationId xmlns:a16="http://schemas.microsoft.com/office/drawing/2014/main" id="{FB044FD0-1EE5-42EF-861C-E6A70CA8DEBE}"/>
+              </a:ext>
+            </a:extLst>
+          </p:cNvPr>
+          <p:cNvSpPr>
+            <a:spLocks noGrp="1"/>
+          </p:cNvSpPr>
+          <p:nvPr>
+            <p:ph type="title"/>
+          </p:nvPr>
+        </p:nvSpPr>
+        <p:spPr/>
+        <p:txBody>
+          <a:bodyPr/>
+          <a:lstStyle/>
+          <a:p>
+            <a:r>
+              <a:rPr lang="sl-SI" dirty="0"/>
+              <a:t>Dodajanje rojev</a:t>
+            </a:r>
+          </a:p>
+        </p:txBody>
+      </p:sp>
+      <p:sp>
+        <p:nvSpPr>
+          <p:cNvPr id="3" name="Označba mesta vsebine 2">
+            <a:extLst>
+              <a:ext uri="{FF2B5EF4-FFF2-40B4-BE49-F238E27FC236}">
+                <a16:creationId xmlns:a16="http://schemas.microsoft.com/office/drawing/2014/main" id="{FDC65FC8-07E2-4ADE-BD82-136E54F8BF01}"/>
+              </a:ext>
+            </a:extLst>
+          </p:cNvPr>
+          <p:cNvSpPr>
+            <a:spLocks noGrp="1"/>
+          </p:cNvSpPr>
+          <p:nvPr>
+            <p:ph idx="1"/>
+          </p:nvPr>
+        </p:nvSpPr>
+        <p:spPr/>
+        <p:txBody>
+          <a:bodyPr>
+            <a:normAutofit fontScale="92500" lnSpcReduction="10000"/>
+          </a:bodyPr>
+          <a:lstStyle/>
+          <a:p>
+            <a:r>
+              <a:rPr lang="sl-SI" dirty="0"/>
+              <a:t>Razdalja novega vzorca (Evklidova, </a:t>
+            </a:r>
+            <a:r>
+              <a:rPr lang="sl-SI" dirty="0" err="1"/>
+              <a:t>Mahalanobisova</a:t>
+            </a:r>
+            <a:r>
+              <a:rPr lang="sl-SI" dirty="0"/>
+              <a:t>) do obstoječih struktur [49]</a:t>
+            </a:r>
+          </a:p>
+          <a:p>
+            <a:r>
+              <a:rPr lang="sl-SI" dirty="0"/>
+              <a:t>Pripadnost novega vzorca obstoječim strukturam (</a:t>
+            </a:r>
+            <a:r>
+              <a:rPr lang="en-US" i="1" dirty="0">
+                <a:solidFill>
+                  <a:srgbClr val="202122"/>
+                </a:solidFill>
+                <a:effectLst/>
+                <a:ea typeface="Calibri" panose="020F0502020204030204" pitchFamily="34" charset="0"/>
+              </a:rPr>
+              <a:t>є</a:t>
+            </a:r>
+            <a:r>
+              <a:rPr lang="en-US" dirty="0">
+                <a:solidFill>
+                  <a:srgbClr val="202122"/>
+                </a:solidFill>
+                <a:effectLst/>
+                <a:ea typeface="Calibri" panose="020F0502020204030204" pitchFamily="34" charset="0"/>
+              </a:rPr>
+              <a:t>-completeness</a:t>
+            </a:r>
+            <a:r>
+              <a:rPr lang="sl-SI" dirty="0"/>
+              <a:t>)</a:t>
+            </a:r>
+          </a:p>
+          <a:p>
+            <a:r>
+              <a:rPr lang="sl-SI" dirty="0"/>
+              <a:t>Potencial (</a:t>
+            </a:r>
+            <a:r>
+              <a:rPr lang="en-US" dirty="0">
+                <a:effectLst/>
+                <a:latin typeface="Calibri" panose="020F0502020204030204" pitchFamily="34" charset="0"/>
+                <a:ea typeface="Calibri" panose="020F0502020204030204" pitchFamily="34" charset="0"/>
+                <a:cs typeface="Times New Roman" panose="02020603050405020304" pitchFamily="18" charset="0"/>
+              </a:rPr>
+              <a:t>potential</a:t>
+            </a:r>
+            <a:r>
+              <a:rPr lang="sl-SI" dirty="0"/>
+              <a:t>) vzorca [3]</a:t>
+            </a:r>
+          </a:p>
+          <a:p>
+            <a:r>
+              <a:rPr lang="sl-SI" dirty="0"/>
+              <a:t>Gostota (</a:t>
+            </a:r>
+            <a:r>
+              <a:rPr lang="sl-SI" dirty="0" err="1"/>
+              <a:t>density</a:t>
+            </a:r>
+            <a:r>
+              <a:rPr lang="sl-SI" dirty="0"/>
+              <a:t>) vzorca [39]</a:t>
+            </a:r>
+          </a:p>
+          <a:p>
+            <a:r>
+              <a:rPr lang="sl-SI" dirty="0"/>
+              <a:t>Največje dovoljeno število rojev [39]</a:t>
+            </a:r>
+          </a:p>
+          <a:p>
+            <a:r>
+              <a:rPr lang="sl-SI" dirty="0"/>
+              <a:t>Število vzorcev od zadnjega dodanega roja [39]</a:t>
+            </a:r>
+          </a:p>
+          <a:p>
+            <a:pPr marL="0" indent="0">
+              <a:buNone/>
+            </a:pPr>
+            <a:endParaRPr lang="sl-SI" dirty="0"/>
+          </a:p>
+          <a:p>
+            <a:pPr marL="0" indent="0">
+              <a:buNone/>
+            </a:pPr>
+            <a:r>
+              <a:rPr lang="sl-SI" dirty="0"/>
+              <a:t>Dodani roji so </a:t>
+            </a:r>
+            <a:r>
+              <a:rPr lang="sl-SI" dirty="0" err="1"/>
+              <a:t>inicializirani</a:t>
+            </a:r>
+            <a:r>
+              <a:rPr lang="sl-SI" dirty="0"/>
+              <a:t> z ničtimi vrednostmi ali na podlagi bližnjih rojev [45]</a:t>
+            </a:r>
+          </a:p>
+          <a:p>
+            <a:endParaRPr lang="sl-SI" dirty="0"/>
+          </a:p>
+          <a:p>
+            <a:endParaRPr lang="sl-SI" dirty="0"/>
+          </a:p>
+        </p:txBody>
+      </p:sp>
+      <p:pic>
+        <p:nvPicPr>
+          <p:cNvPr id="5" name="Slika 4">
+            <a:extLst>
+              <a:ext uri="{FF2B5EF4-FFF2-40B4-BE49-F238E27FC236}">
+                <a16:creationId xmlns:a16="http://schemas.microsoft.com/office/drawing/2014/main" id="{065E7503-2AA0-4D7F-93AE-7C63C0457B05}"/>
+              </a:ext>
+            </a:extLst>
+          </p:cNvPr>
+          <p:cNvPicPr>
+            <a:picLocks noChangeAspect="1"/>
+          </p:cNvPicPr>
+          <p:nvPr/>
+        </p:nvPicPr>
+        <p:blipFill>
+          <a:blip r:embed="rId3">
+            <a:extLst>
+              <a:ext uri="{28A0092B-C50C-407E-A947-70E740481C1C}">
+                <a14:useLocalDpi xmlns:a14="http://schemas.microsoft.com/office/drawing/2010/main" val="0"/>
+              </a:ext>
+            </a:extLst>
+          </a:blip>
+          <a:stretch>
+            <a:fillRect/>
+          </a:stretch>
+        </p:blipFill>
+        <p:spPr>
+          <a:xfrm>
+            <a:off x="10931704" y="130556"/>
+            <a:ext cx="1168059" cy="487300"/>
+          </a:xfrm>
+          <a:prstGeom prst="rect">
+            <a:avLst/>
+          </a:prstGeom>
+        </p:spPr>
+      </p:pic>
+    </p:spTree>
+    <p:extLst>
+      <p:ext uri="{BB962C8B-B14F-4D97-AF65-F5344CB8AC3E}">
+        <p14:creationId xmlns:p14="http://schemas.microsoft.com/office/powerpoint/2010/main" val="888014937"/>
+      </p:ext>
+    </p:extLst>
+  </p:cSld>
+  <p:clrMapOvr>
+    <a:masterClrMapping/>
+  </p:clrMapOvr>
+</p:sld>
+</file>
+
+<file path=ppt/slides/slide9.xml><?xml version="1.0" encoding="utf-8"?>
+<p:sld xmlns:a="http://schemas.openxmlformats.org/drawingml/2006/main" xmlns:r="http://schemas.openxmlformats.org/officeDocument/2006/relationships" xmlns:p="http://schemas.openxmlformats.org/presentationml/2006/main">
+  <p:cSld>
+    <p:spTree>
+      <p:nvGrpSpPr>
+        <p:cNvPr id="1" name=""/>
+        <p:cNvGrpSpPr/>
+        <p:nvPr/>
+      </p:nvGrpSpPr>
+      <p:grpSpPr>
+        <a:xfrm>
+          <a:off x="0" y="0"/>
+          <a:ext cx="0" cy="0"/>
+          <a:chOff x="0" y="0"/>
+          <a:chExt cx="0" cy="0"/>
+        </a:xfrm>
+      </p:grpSpPr>
+      <p:sp>
+        <p:nvSpPr>
+          <p:cNvPr id="2" name="Naslov 1">
+            <a:extLst>
+              <a:ext uri="{FF2B5EF4-FFF2-40B4-BE49-F238E27FC236}">
+                <a16:creationId xmlns:a16="http://schemas.microsoft.com/office/drawing/2014/main" id="{4CF62523-0C75-4FB1-8825-13E7EE36684A}"/>
+              </a:ext>
+            </a:extLst>
+          </p:cNvPr>
+          <p:cNvSpPr>
+            <a:spLocks noGrp="1"/>
+          </p:cNvSpPr>
+          <p:nvPr>
+            <p:ph type="title"/>
+          </p:nvPr>
+        </p:nvSpPr>
+        <p:spPr/>
+        <p:txBody>
+          <a:bodyPr/>
+          <a:lstStyle/>
+          <a:p>
+            <a:r>
+              <a:rPr lang="sl-SI" dirty="0">
+                <a:solidFill>
+                  <a:srgbClr val="FF0000"/>
+                </a:solidFill>
+              </a:rPr>
+              <a:t>Združevanje</a:t>
+            </a:r>
+            <a:r>
+              <a:rPr lang="sl-SI" dirty="0"/>
+              <a:t>, </a:t>
+            </a:r>
+            <a:r>
+              <a:rPr lang="sl-SI" dirty="0">
+                <a:solidFill>
+                  <a:srgbClr val="FF0000"/>
+                </a:solidFill>
+              </a:rPr>
+              <a:t>razcep</a:t>
+            </a:r>
+            <a:r>
+              <a:rPr lang="sl-SI" dirty="0"/>
+              <a:t> in odstranjevanje rojev</a:t>
+            </a:r>
+          </a:p>
+        </p:txBody>
+      </p:sp>
+      <p:sp>
+        <p:nvSpPr>
+          <p:cNvPr id="3" name="Označba mesta vsebine 2">
+            <a:extLst>
+              <a:ext uri="{FF2B5EF4-FFF2-40B4-BE49-F238E27FC236}">
+                <a16:creationId xmlns:a16="http://schemas.microsoft.com/office/drawing/2014/main" id="{2EBF0C0C-9362-444A-A2F4-408EE67818B7}"/>
+              </a:ext>
+            </a:extLst>
+          </p:cNvPr>
+          <p:cNvSpPr>
+            <a:spLocks noGrp="1"/>
+          </p:cNvSpPr>
+          <p:nvPr>
+            <p:ph idx="1"/>
+          </p:nvPr>
+        </p:nvSpPr>
+        <p:spPr/>
+        <p:txBody>
+          <a:bodyPr/>
+          <a:lstStyle/>
+          <a:p>
+            <a:r>
+              <a:rPr lang="sl-SI" dirty="0"/>
+              <a:t>Naključni prihodi vzorcev ustvarijo preveč rojev na začetku modeliranja. </a:t>
+            </a:r>
+          </a:p>
+          <a:p>
+            <a:r>
+              <a:rPr lang="sl-SI" dirty="0"/>
+              <a:t>Z dodajanjem novih vzorcev in lezenja (</a:t>
+            </a:r>
+            <a:r>
+              <a:rPr lang="sl-SI" dirty="0" err="1"/>
+              <a:t>drift</a:t>
+            </a:r>
+            <a:r>
+              <a:rPr lang="sl-SI" dirty="0"/>
+              <a:t>) lahko pride do </a:t>
+            </a:r>
+            <a:r>
+              <a:rPr lang="sl-SI" dirty="0">
+                <a:solidFill>
+                  <a:srgbClr val="FF0000"/>
+                </a:solidFill>
+              </a:rPr>
+              <a:t>približevanja rojev </a:t>
+            </a:r>
+            <a:r>
+              <a:rPr lang="sl-SI" dirty="0"/>
+              <a:t>(</a:t>
+            </a:r>
+            <a:r>
+              <a:rPr lang="en-US" dirty="0"/>
+              <a:t>coalescence</a:t>
+            </a:r>
+            <a:r>
+              <a:rPr lang="sl-SI" dirty="0"/>
+              <a:t>) ali do </a:t>
+            </a:r>
+            <a:r>
+              <a:rPr lang="sl-SI" dirty="0">
+                <a:solidFill>
+                  <a:srgbClr val="FF0000"/>
+                </a:solidFill>
+              </a:rPr>
+              <a:t>separacije rojev </a:t>
+            </a:r>
+            <a:r>
+              <a:rPr lang="sl-SI" dirty="0"/>
+              <a:t>(</a:t>
+            </a:r>
+            <a:r>
+              <a:rPr lang="en-US" dirty="0"/>
+              <a:t>delamination</a:t>
+            </a:r>
+            <a:r>
+              <a:rPr lang="sl-SI" dirty="0"/>
+              <a:t>) [6].</a:t>
+            </a:r>
+          </a:p>
+          <a:p>
+            <a:r>
+              <a:rPr lang="sl-SI" sz="2800" dirty="0">
+                <a:solidFill>
+                  <a:srgbClr val="FF0000"/>
+                </a:solidFill>
+                <a:effectLst/>
+                <a:latin typeface="Calibri" panose="020F0502020204030204" pitchFamily="34" charset="0"/>
+                <a:ea typeface="Calibri" panose="020F0502020204030204" pitchFamily="34" charset="0"/>
+                <a:cs typeface="Times New Roman" panose="02020603050405020304" pitchFamily="18" charset="0"/>
+              </a:rPr>
+              <a:t>Združevanje in razcep </a:t>
+            </a:r>
+            <a:r>
+              <a:rPr lang="sl-SI" sz="2800" dirty="0">
+                <a:effectLst/>
+                <a:latin typeface="Calibri" panose="020F0502020204030204" pitchFamily="34" charset="0"/>
+                <a:ea typeface="Calibri" panose="020F0502020204030204" pitchFamily="34" charset="0"/>
+                <a:cs typeface="Times New Roman" panose="02020603050405020304" pitchFamily="18" charset="0"/>
+              </a:rPr>
+              <a:t>rojev lahko kompenzira za slabo izbiro </a:t>
+            </a:r>
+            <a:r>
+              <a:rPr lang="sl-SI" sz="2800" dirty="0" err="1">
+                <a:effectLst/>
+                <a:latin typeface="Calibri" panose="020F0502020204030204" pitchFamily="34" charset="0"/>
+                <a:ea typeface="Calibri" panose="020F0502020204030204" pitchFamily="34" charset="0"/>
+                <a:cs typeface="Times New Roman" panose="02020603050405020304" pitchFamily="18" charset="0"/>
+              </a:rPr>
+              <a:t>hiperparametrov</a:t>
+            </a:r>
+            <a:r>
+              <a:rPr lang="sl-SI" sz="2800" dirty="0">
+                <a:effectLst/>
+                <a:latin typeface="Calibri" panose="020F0502020204030204" pitchFamily="34" charset="0"/>
+                <a:ea typeface="Calibri" panose="020F0502020204030204" pitchFamily="34" charset="0"/>
+                <a:cs typeface="Times New Roman" panose="02020603050405020304" pitchFamily="18" charset="0"/>
+              </a:rPr>
+              <a:t> metode </a:t>
+            </a:r>
+            <a:r>
+              <a:rPr lang="en-US" sz="2800" dirty="0">
+                <a:effectLst/>
+                <a:latin typeface="Calibri" panose="020F0502020204030204" pitchFamily="34" charset="0"/>
+                <a:ea typeface="Calibri" panose="020F0502020204030204" pitchFamily="34" charset="0"/>
+                <a:cs typeface="Times New Roman" panose="02020603050405020304" pitchFamily="18" charset="0"/>
+              </a:rPr>
+              <a:t>[49]</a:t>
+            </a:r>
+            <a:r>
+              <a:rPr lang="sl-SI" dirty="0"/>
+              <a:t> </a:t>
+            </a:r>
+          </a:p>
+          <a:p>
+            <a:r>
+              <a:rPr lang="sl-SI" sz="2800" dirty="0">
+                <a:effectLst/>
+                <a:latin typeface="Calibri" panose="020F0502020204030204" pitchFamily="34" charset="0"/>
+                <a:ea typeface="Calibri" panose="020F0502020204030204" pitchFamily="34" charset="0"/>
+                <a:cs typeface="Times New Roman" panose="02020603050405020304" pitchFamily="18" charset="0"/>
+              </a:rPr>
+              <a:t>Kompromis med</a:t>
+            </a:r>
+            <a:r>
+              <a:rPr lang="en-US" sz="2800" dirty="0">
+                <a:effectLst/>
+                <a:latin typeface="Calibri" panose="020F0502020204030204" pitchFamily="34" charset="0"/>
+                <a:ea typeface="Calibri" panose="020F0502020204030204" pitchFamily="34" charset="0"/>
+                <a:cs typeface="Times New Roman" panose="02020603050405020304" pitchFamily="18" charset="0"/>
+              </a:rPr>
+              <a:t> </a:t>
+            </a:r>
+            <a:r>
+              <a:rPr lang="sl-SI" sz="2800" dirty="0">
+                <a:effectLst/>
+                <a:latin typeface="Calibri" panose="020F0502020204030204" pitchFamily="34" charset="0"/>
+                <a:ea typeface="Calibri" panose="020F0502020204030204" pitchFamily="34" charset="0"/>
+                <a:cs typeface="Times New Roman" panose="02020603050405020304" pitchFamily="18" charset="0"/>
+              </a:rPr>
+              <a:t>stabilnostjo in plastičnostjo (</a:t>
+            </a:r>
+            <a:r>
+              <a:rPr lang="sl-SI" sz="2800" dirty="0" err="1">
+                <a:effectLst/>
+                <a:latin typeface="Calibri" panose="020F0502020204030204" pitchFamily="34" charset="0"/>
+                <a:ea typeface="Calibri" panose="020F0502020204030204" pitchFamily="34" charset="0"/>
+                <a:cs typeface="Times New Roman" panose="02020603050405020304" pitchFamily="18" charset="0"/>
+              </a:rPr>
+              <a:t>plasticity</a:t>
+            </a:r>
+            <a:r>
+              <a:rPr lang="sl-SI" sz="2800" dirty="0">
+                <a:effectLst/>
+                <a:latin typeface="Calibri" panose="020F0502020204030204" pitchFamily="34" charset="0"/>
+                <a:ea typeface="Calibri" panose="020F0502020204030204" pitchFamily="34" charset="0"/>
+                <a:cs typeface="Times New Roman" panose="02020603050405020304" pitchFamily="18" charset="0"/>
+              </a:rPr>
+              <a:t>) </a:t>
+            </a:r>
+            <a:r>
+              <a:rPr lang="en-US" sz="2800" dirty="0">
+                <a:effectLst/>
+                <a:latin typeface="Calibri" panose="020F0502020204030204" pitchFamily="34" charset="0"/>
+                <a:ea typeface="Calibri" panose="020F0502020204030204" pitchFamily="34" charset="0"/>
+                <a:cs typeface="Times New Roman" panose="02020603050405020304" pitchFamily="18" charset="0"/>
+              </a:rPr>
+              <a:t>[12, 49].</a:t>
+            </a:r>
+            <a:endParaRPr lang="sl-SI" dirty="0"/>
+          </a:p>
+        </p:txBody>
+      </p:sp>
+      <p:pic>
+        <p:nvPicPr>
+          <p:cNvPr id="4" name="Slika 3">
+            <a:extLst>
+              <a:ext uri="{FF2B5EF4-FFF2-40B4-BE49-F238E27FC236}">
+                <a16:creationId xmlns:a16="http://schemas.microsoft.com/office/drawing/2014/main" id="{A036C96C-10F7-41BB-B7D6-F69A405F64CB}"/>
+              </a:ext>
+            </a:extLst>
+          </p:cNvPr>
+          <p:cNvPicPr>
+            <a:picLocks noChangeAspect="1"/>
+          </p:cNvPicPr>
+          <p:nvPr/>
+        </p:nvPicPr>
+        <p:blipFill>
+          <a:blip r:embed="rId3">
+            <a:extLst>
+              <a:ext uri="{28A0092B-C50C-407E-A947-70E740481C1C}">
+                <a14:useLocalDpi xmlns:a14="http://schemas.microsoft.com/office/drawing/2010/main" val="0"/>
+              </a:ext>
+            </a:extLst>
+          </a:blip>
+          <a:stretch>
+            <a:fillRect/>
+          </a:stretch>
+        </p:blipFill>
+        <p:spPr>
+          <a:xfrm>
+            <a:off x="10931704" y="130556"/>
+            <a:ext cx="1168059" cy="487300"/>
+          </a:xfrm>
+          <a:prstGeom prst="rect">
+            <a:avLst/>
+          </a:prstGeom>
+        </p:spPr>
+      </p:pic>
+    </p:spTree>
+    <p:extLst>
+      <p:ext uri="{BB962C8B-B14F-4D97-AF65-F5344CB8AC3E}">
+        <p14:creationId xmlns:p14="http://schemas.microsoft.com/office/powerpoint/2010/main" val="605482339"/>
       </p:ext>
     </p:extLst>
   </p:cSld>
@@ -7473,4 +14026,299 @@
     </a:ext>
   </a:extLst>
 </a:theme>
+</file>
+
+<file path=ppt/theme/theme2.xml><?xml version="1.0" encoding="utf-8"?>
+<a:theme xmlns:a="http://schemas.openxmlformats.org/drawingml/2006/main" name="Officeova tema">
+  <a:themeElements>
+    <a:clrScheme name="Pisarna">
+      <a:dk1>
+        <a:sysClr val="windowText" lastClr="000000"/>
+      </a:dk1>
+      <a:lt1>
+        <a:sysClr val="window" lastClr="FFFFFF"/>
+      </a:lt1>
+      <a:dk2>
+        <a:srgbClr val="44546A"/>
+      </a:dk2>
+      <a:lt2>
+        <a:srgbClr val="E7E6E6"/>
+      </a:lt2>
+      <a:accent1>
+        <a:srgbClr val="4472C4"/>
+      </a:accent1>
+      <a:accent2>
+        <a:srgbClr val="ED7D31"/>
+      </a:accent2>
+      <a:accent3>
+        <a:srgbClr val="A5A5A5"/>
+      </a:accent3>
+      <a:accent4>
+        <a:srgbClr val="FFC000"/>
+      </a:accent4>
+      <a:accent5>
+        <a:srgbClr val="5B9BD5"/>
+      </a:accent5>
+      <a:accent6>
+        <a:srgbClr val="70AD47"/>
+      </a:accent6>
+      <a:hlink>
+        <a:srgbClr val="0563C1"/>
+      </a:hlink>
+      <a:folHlink>
+        <a:srgbClr val="954F72"/>
+      </a:folHlink>
+    </a:clrScheme>
+    <a:fontScheme name="Pisarna">
+      <a:majorFont>
+        <a:latin typeface="Calibri Light" panose="020F0302020204030204"/>
+        <a:ea typeface=""/>
+        <a:cs typeface=""/>
+        <a:font script="Jpan" typeface="游ゴシック Light"/>
+        <a:font script="Hang" typeface="맑은 고딕"/>
+        <a:font script="Hans" typeface="等线 Light"/>
+        <a:font script="Hant" typeface="新細明體"/>
+        <a:font script="Arab" typeface="Times New Roman"/>
+        <a:font script="Hebr" typeface="Times New Roman"/>
+        <a:font script="Thai" typeface="Angsana New"/>
+        <a:font script="Ethi" typeface="Nyala"/>
+        <a:font script="Beng" typeface="Vrinda"/>
+        <a:font script="Gujr" typeface="Shruti"/>
+        <a:font script="Khmr" typeface="MoolBoran"/>
+        <a:font script="Knda" typeface="Tunga"/>
+        <a:font script="Guru" typeface="Raavi"/>
+        <a:font script="Cans" typeface="Euphemia"/>
+        <a:font script="Cher" typeface="Plantagenet Cherokee"/>
+        <a:font script="Yiii" typeface="Microsoft Yi Baiti"/>
+        <a:font script="Tibt" typeface="Microsoft Himalaya"/>
+        <a:font script="Thaa" typeface="MV Boli"/>
+        <a:font script="Deva" typeface="Mangal"/>
+        <a:font script="Telu" typeface="Gautami"/>
+        <a:font script="Taml" typeface="Latha"/>
+        <a:font script="Syrc" typeface="Estrangelo Edessa"/>
+        <a:font script="Orya" typeface="Kalinga"/>
+        <a:font script="Mlym" typeface="Kartika"/>
+        <a:font script="Laoo" typeface="DokChampa"/>
+        <a:font script="Sinh" typeface="Iskoola Pota"/>
+        <a:font script="Mong" typeface="Mongolian Baiti"/>
+        <a:font script="Viet" typeface="Times New Roman"/>
+        <a:font script="Uigh" typeface="Microsoft Uighur"/>
+        <a:font script="Geor" typeface="Sylfaen"/>
+        <a:font script="Armn" typeface="Arial"/>
+        <a:font script="Bugi" typeface="Leelawadee UI"/>
+        <a:font script="Bopo" typeface="Microsoft JhengHei"/>
+        <a:font script="Java" typeface="Javanese Text"/>
+        <a:font script="Lisu" typeface="Segoe UI"/>
+        <a:font script="Mymr" typeface="Myanmar Text"/>
+        <a:font script="Nkoo" typeface="Ebrima"/>
+        <a:font script="Olck" typeface="Nirmala UI"/>
+        <a:font script="Osma" typeface="Ebrima"/>
+        <a:font script="Phag" typeface="Phagspa"/>
+        <a:font script="Syrn" typeface="Estrangelo Edessa"/>
+        <a:font script="Syrj" typeface="Estrangelo Edessa"/>
+        <a:font script="Syre" typeface="Estrangelo Edessa"/>
+        <a:font script="Sora" typeface="Nirmala UI"/>
+        <a:font script="Tale" typeface="Microsoft Tai Le"/>
+        <a:font script="Talu" typeface="Microsoft New Tai Lue"/>
+        <a:font script="Tfng" typeface="Ebrima"/>
+      </a:majorFont>
+      <a:minorFont>
+        <a:latin typeface="Calibri" panose="020F0502020204030204"/>
+        <a:ea typeface=""/>
+        <a:cs typeface=""/>
+        <a:font script="Jpan" typeface="游ゴシック"/>
+        <a:font script="Hang" typeface="맑은 고딕"/>
+        <a:font script="Hans" typeface="等线"/>
+        <a:font script="Hant" typeface="新細明體"/>
+        <a:font script="Arab" typeface="Arial"/>
+        <a:font script="Hebr" typeface="Arial"/>
+        <a:font script="Thai" typeface="Cordia New"/>
+        <a:font script="Ethi" typeface="Nyala"/>
+        <a:font script="Beng" typeface="Vrinda"/>
+        <a:font script="Gujr" typeface="Shruti"/>
+        <a:font script="Khmr" typeface="DaunPenh"/>
+        <a:font script="Knda" typeface="Tunga"/>
+        <a:font script="Guru" typeface="Raavi"/>
+        <a:font script="Cans" typeface="Euphemia"/>
+        <a:font script="Cher" typeface="Plantagenet Cherokee"/>
+        <a:font script="Yiii" typeface="Microsoft Yi Baiti"/>
+        <a:font script="Tibt" typeface="Microsoft Himalaya"/>
+        <a:font script="Thaa" typeface="MV Boli"/>
+        <a:font script="Deva" typeface="Mangal"/>
+        <a:font script="Telu" typeface="Gautami"/>
+        <a:font script="Taml" typeface="Latha"/>
+        <a:font script="Syrc" typeface="Estrangelo Edessa"/>
+        <a:font script="Orya" typeface="Kalinga"/>
+        <a:font script="Mlym" typeface="Kartika"/>
+        <a:font script="Laoo" typeface="DokChampa"/>
+        <a:font script="Sinh" typeface="Iskoola Pota"/>
+        <a:font script="Mong" typeface="Mongolian Baiti"/>
+        <a:font script="Viet" typeface="Arial"/>
+        <a:font script="Uigh" typeface="Microsoft Uighur"/>
+        <a:font script="Geor" typeface="Sylfaen"/>
+        <a:font script="Armn" typeface="Arial"/>
+        <a:font script="Bugi" typeface="Leelawadee UI"/>
+        <a:font script="Bopo" typeface="Microsoft JhengHei"/>
+        <a:font script="Java" typeface="Javanese Text"/>
+        <a:font script="Lisu" typeface="Segoe UI"/>
+        <a:font script="Mymr" typeface="Myanmar Text"/>
+        <a:font script="Nkoo" typeface="Ebrima"/>
+        <a:font script="Olck" typeface="Nirmala UI"/>
+        <a:font script="Osma" typeface="Ebrima"/>
+        <a:font script="Phag" typeface="Phagspa"/>
+        <a:font script="Syrn" typeface="Estrangelo Edessa"/>
+        <a:font script="Syrj" typeface="Estrangelo Edessa"/>
+        <a:font script="Syre" typeface="Estrangelo Edessa"/>
+        <a:font script="Sora" typeface="Nirmala UI"/>
+        <a:font script="Tale" typeface="Microsoft Tai Le"/>
+        <a:font script="Talu" typeface="Microsoft New Tai Lue"/>
+        <a:font script="Tfng" typeface="Ebrima"/>
+      </a:minorFont>
+    </a:fontScheme>
+    <a:fmtScheme name="Pisarna">
+      <a:fillStyleLst>
+        <a:solidFill>
+          <a:schemeClr val="phClr"/>
+        </a:solidFill>
+        <a:gradFill rotWithShape="1">
+          <a:gsLst>
+            <a:gs pos="0">
+              <a:schemeClr val="phClr">
+                <a:lumMod val="110000"/>
+                <a:satMod val="105000"/>
+                <a:tint val="67000"/>
+              </a:schemeClr>
+            </a:gs>
+            <a:gs pos="50000">
+              <a:schemeClr val="phClr">
+                <a:lumMod val="105000"/>
+                <a:satMod val="103000"/>
+                <a:tint val="73000"/>
+              </a:schemeClr>
+            </a:gs>
+            <a:gs pos="100000">
+              <a:schemeClr val="phClr">
+                <a:lumMod val="105000"/>
+                <a:satMod val="109000"/>
+                <a:tint val="81000"/>
+              </a:schemeClr>
+            </a:gs>
+          </a:gsLst>
+          <a:lin ang="5400000" scaled="0"/>
+        </a:gradFill>
+        <a:gradFill rotWithShape="1">
+          <a:gsLst>
+            <a:gs pos="0">
+              <a:schemeClr val="phClr">
+                <a:satMod val="103000"/>
+                <a:lumMod val="102000"/>
+                <a:tint val="94000"/>
+              </a:schemeClr>
+            </a:gs>
+            <a:gs pos="50000">
+              <a:schemeClr val="phClr">
+                <a:satMod val="110000"/>
+                <a:lumMod val="100000"/>
+                <a:shade val="100000"/>
+              </a:schemeClr>
+            </a:gs>
+            <a:gs pos="100000">
+              <a:schemeClr val="phClr">
+                <a:lumMod val="99000"/>
+                <a:satMod val="120000"/>
+                <a:shade val="78000"/>
+              </a:schemeClr>
+            </a:gs>
+          </a:gsLst>
+          <a:lin ang="5400000" scaled="0"/>
+        </a:gradFill>
+      </a:fillStyleLst>
+      <a:lnStyleLst>
+        <a:ln w="6350" cap="flat" cmpd="sng" algn="ctr">
+          <a:solidFill>
+            <a:schemeClr val="phClr"/>
+          </a:solidFill>
+          <a:prstDash val="solid"/>
+          <a:miter lim="800000"/>
+        </a:ln>
+        <a:ln w="12700" cap="flat" cmpd="sng" algn="ctr">
+          <a:solidFill>
+            <a:schemeClr val="phClr"/>
+          </a:solidFill>
+          <a:prstDash val="solid"/>
+          <a:miter lim="800000"/>
+        </a:ln>
+        <a:ln w="19050" cap="flat" cmpd="sng" algn="ctr">
+          <a:solidFill>
+            <a:schemeClr val="phClr"/>
+          </a:solidFill>
+          <a:prstDash val="solid"/>
+          <a:miter lim="800000"/>
+        </a:ln>
+      </a:lnStyleLst>
+      <a:effectStyleLst>
+        <a:effectStyle>
+          <a:effectLst/>
+        </a:effectStyle>
+        <a:effectStyle>
+          <a:effectLst/>
+        </a:effectStyle>
+        <a:effectStyle>
+          <a:effectLst>
+            <a:outerShdw blurRad="57150" dist="19050" dir="5400000" algn="ctr" rotWithShape="0">
+              <a:srgbClr val="000000">
+                <a:alpha val="63000"/>
+              </a:srgbClr>
+            </a:outerShdw>
+          </a:effectLst>
+        </a:effectStyle>
+      </a:effectStyleLst>
+      <a:bgFillStyleLst>
+        <a:solidFill>
+          <a:schemeClr val="phClr"/>
+        </a:solidFill>
+        <a:solidFill>
+          <a:schemeClr val="phClr">
+            <a:tint val="95000"/>
+            <a:satMod val="170000"/>
+          </a:schemeClr>
+        </a:solidFill>
+        <a:gradFill rotWithShape="1">
+          <a:gsLst>
+            <a:gs pos="0">
+              <a:schemeClr val="phClr">
+                <a:tint val="93000"/>
+                <a:satMod val="150000"/>
+                <a:shade val="98000"/>
+                <a:lumMod val="102000"/>
+              </a:schemeClr>
+            </a:gs>
+            <a:gs pos="50000">
+              <a:schemeClr val="phClr">
+                <a:tint val="98000"/>
+                <a:satMod val="130000"/>
+                <a:shade val="90000"/>
+                <a:lumMod val="103000"/>
+              </a:schemeClr>
+            </a:gs>
+            <a:gs pos="100000">
+              <a:schemeClr val="phClr">
+                <a:shade val="63000"/>
+                <a:satMod val="120000"/>
+              </a:schemeClr>
+            </a:gs>
+          </a:gsLst>
+          <a:lin ang="5400000" scaled="0"/>
+        </a:gradFill>
+      </a:bgFillStyleLst>
+    </a:fmtScheme>
+  </a:themeElements>
+  <a:objectDefaults/>
+  <a:extraClrSchemeLst/>
+  <a:extLst>
+    <a:ext uri="{05A4C25C-085E-4340-85A3-A5531E510DB2}">
+      <thm15:themeFamily xmlns:thm15="http://schemas.microsoft.com/office/thememl/2012/main" name="Office Theme" id="{62F939B6-93AF-4DB8-9C6B-D6C7DFDC589F}" vid="{4A3C46E8-61CC-4603-A589-7422A47A8E4A}"/>
+    </a:ext>
+  </a:extLst>
+</a:theme>
 </file>